--- a/documentation/presentations/Large_number_of_small_cuts.pptx
+++ b/documentation/presentations/Large_number_of_small_cuts.pptx
@@ -19,12 +19,15 @@
     <p:sldId id="266" r:id="rId13"/>
     <p:sldId id="267" r:id="rId14"/>
     <p:sldId id="269" r:id="rId15"/>
-    <p:sldId id="270" r:id="rId16"/>
-    <p:sldId id="271" r:id="rId17"/>
-    <p:sldId id="272" r:id="rId18"/>
-    <p:sldId id="273" r:id="rId19"/>
-    <p:sldId id="274" r:id="rId20"/>
-    <p:sldId id="275" r:id="rId21"/>
+    <p:sldId id="276" r:id="rId16"/>
+    <p:sldId id="277" r:id="rId17"/>
+    <p:sldId id="270" r:id="rId18"/>
+    <p:sldId id="278" r:id="rId19"/>
+    <p:sldId id="271" r:id="rId20"/>
+    <p:sldId id="272" r:id="rId21"/>
+    <p:sldId id="279" r:id="rId22"/>
+    <p:sldId id="274" r:id="rId23"/>
+    <p:sldId id="275" r:id="rId24"/>
   </p:sldIdLst>
   <p:sldSz cx="12192000" cy="6858000"/>
   <p:notesSz cx="6858000" cy="9144000"/>
@@ -123,6 +126,11 @@
       </a:defRPr>
     </a:lvl9pPr>
   </p:defaultTextStyle>
+  <p:extLst>
+    <p:ext uri="{EFAFB233-063F-42B5-8137-9DF3F51BA10A}">
+      <p15:sldGuideLst xmlns:p15="http://schemas.microsoft.com/office/powerpoint/2012/main"/>
+    </p:ext>
+  </p:extLst>
 </p:presentation>
 </file>
 
@@ -275,7 +283,7 @@
           <a:p>
             <a:fld id="{043E46CC-706C-41EC-BF34-17E88C6BD745}" type="datetimeFigureOut">
               <a:rPr lang="en-GB" smtClean="0"/>
-              <a:t>07/01/2025</a:t>
+              <a:t>17/01/2025</a:t>
             </a:fld>
             <a:endParaRPr lang="en-GB"/>
           </a:p>
@@ -475,7 +483,7 @@
           <a:p>
             <a:fld id="{043E46CC-706C-41EC-BF34-17E88C6BD745}" type="datetimeFigureOut">
               <a:rPr lang="en-GB" smtClean="0"/>
-              <a:t>07/01/2025</a:t>
+              <a:t>17/01/2025</a:t>
             </a:fld>
             <a:endParaRPr lang="en-GB"/>
           </a:p>
@@ -685,7 +693,7 @@
           <a:p>
             <a:fld id="{043E46CC-706C-41EC-BF34-17E88C6BD745}" type="datetimeFigureOut">
               <a:rPr lang="en-GB" smtClean="0"/>
-              <a:t>07/01/2025</a:t>
+              <a:t>17/01/2025</a:t>
             </a:fld>
             <a:endParaRPr lang="en-GB"/>
           </a:p>
@@ -885,7 +893,7 @@
           <a:p>
             <a:fld id="{043E46CC-706C-41EC-BF34-17E88C6BD745}" type="datetimeFigureOut">
               <a:rPr lang="en-GB" smtClean="0"/>
-              <a:t>07/01/2025</a:t>
+              <a:t>17/01/2025</a:t>
             </a:fld>
             <a:endParaRPr lang="en-GB"/>
           </a:p>
@@ -1161,7 +1169,7 @@
           <a:p>
             <a:fld id="{043E46CC-706C-41EC-BF34-17E88C6BD745}" type="datetimeFigureOut">
               <a:rPr lang="en-GB" smtClean="0"/>
-              <a:t>07/01/2025</a:t>
+              <a:t>17/01/2025</a:t>
             </a:fld>
             <a:endParaRPr lang="en-GB"/>
           </a:p>
@@ -1429,7 +1437,7 @@
           <a:p>
             <a:fld id="{043E46CC-706C-41EC-BF34-17E88C6BD745}" type="datetimeFigureOut">
               <a:rPr lang="en-GB" smtClean="0"/>
-              <a:t>07/01/2025</a:t>
+              <a:t>17/01/2025</a:t>
             </a:fld>
             <a:endParaRPr lang="en-GB"/>
           </a:p>
@@ -1844,7 +1852,7 @@
           <a:p>
             <a:fld id="{043E46CC-706C-41EC-BF34-17E88C6BD745}" type="datetimeFigureOut">
               <a:rPr lang="en-GB" smtClean="0"/>
-              <a:t>07/01/2025</a:t>
+              <a:t>17/01/2025</a:t>
             </a:fld>
             <a:endParaRPr lang="en-GB"/>
           </a:p>
@@ -1986,7 +1994,7 @@
           <a:p>
             <a:fld id="{043E46CC-706C-41EC-BF34-17E88C6BD745}" type="datetimeFigureOut">
               <a:rPr lang="en-GB" smtClean="0"/>
-              <a:t>07/01/2025</a:t>
+              <a:t>17/01/2025</a:t>
             </a:fld>
             <a:endParaRPr lang="en-GB"/>
           </a:p>
@@ -2099,7 +2107,7 @@
           <a:p>
             <a:fld id="{043E46CC-706C-41EC-BF34-17E88C6BD745}" type="datetimeFigureOut">
               <a:rPr lang="en-GB" smtClean="0"/>
-              <a:t>07/01/2025</a:t>
+              <a:t>17/01/2025</a:t>
             </a:fld>
             <a:endParaRPr lang="en-GB"/>
           </a:p>
@@ -2412,7 +2420,7 @@
           <a:p>
             <a:fld id="{043E46CC-706C-41EC-BF34-17E88C6BD745}" type="datetimeFigureOut">
               <a:rPr lang="en-GB" smtClean="0"/>
-              <a:t>07/01/2025</a:t>
+              <a:t>17/01/2025</a:t>
             </a:fld>
             <a:endParaRPr lang="en-GB"/>
           </a:p>
@@ -2701,7 +2709,7 @@
           <a:p>
             <a:fld id="{043E46CC-706C-41EC-BF34-17E88C6BD745}" type="datetimeFigureOut">
               <a:rPr lang="en-GB" smtClean="0"/>
-              <a:t>07/01/2025</a:t>
+              <a:t>17/01/2025</a:t>
             </a:fld>
             <a:endParaRPr lang="en-GB"/>
           </a:p>
@@ -2944,7 +2952,7 @@
           <a:p>
             <a:fld id="{043E46CC-706C-41EC-BF34-17E88C6BD745}" type="datetimeFigureOut">
               <a:rPr lang="en-GB" smtClean="0"/>
-              <a:t>07/01/2025</a:t>
+              <a:t>17/01/2025</a:t>
             </a:fld>
             <a:endParaRPr lang="en-GB"/>
           </a:p>
@@ -3509,7 +3517,7 @@
           <a:noFill/>
           <a:ln>
             <a:solidFill>
-              <a:srgbClr val="7030A0"/>
+              <a:srgbClr val="00B050"/>
             </a:solidFill>
           </a:ln>
         </p:spPr>
@@ -9189,7 +9197,7 @@
           <a:noFill/>
           <a:ln>
             <a:solidFill>
-              <a:srgbClr val="C00000"/>
+              <a:schemeClr val="tx1"/>
             </a:solidFill>
           </a:ln>
         </p:spPr>
@@ -9855,7 +9863,7 @@
           <a:noFill/>
           <a:ln>
             <a:solidFill>
-              <a:srgbClr val="7030A0"/>
+              <a:srgbClr val="00B050"/>
             </a:solidFill>
           </a:ln>
         </p:spPr>
@@ -10614,7 +10622,7 @@
           <a:noFill/>
           <a:ln>
             <a:solidFill>
-              <a:srgbClr val="C00000"/>
+              <a:srgbClr val="00B050"/>
             </a:solidFill>
           </a:ln>
         </p:spPr>
@@ -11163,7 +11171,13 @@
   <p:cSld>
     <p:spTree>
       <p:nvGrpSpPr>
-        <p:cNvPr id="1" name=""/>
+        <p:cNvPr id="1" name="">
+          <a:extLst>
+            <a:ext uri="{FF2B5EF4-FFF2-40B4-BE49-F238E27FC236}">
+              <a16:creationId xmlns:a16="http://schemas.microsoft.com/office/drawing/2014/main" id="{12644F56-3A65-F1DE-0C70-F7C12790B3F2}"/>
+            </a:ext>
+          </a:extLst>
+        </p:cNvPr>
         <p:cNvGrpSpPr/>
         <p:nvPr/>
       </p:nvGrpSpPr>
@@ -11177,10 +11191,56 @@
       </p:grpSpPr>
       <p:sp>
         <p:nvSpPr>
+          <p:cNvPr id="7" name="Rectangle: Rounded Corners 6">
+            <a:extLst>
+              <a:ext uri="{FF2B5EF4-FFF2-40B4-BE49-F238E27FC236}">
+                <a16:creationId xmlns:a16="http://schemas.microsoft.com/office/drawing/2014/main" id="{030708BC-3A1E-9BB2-60F6-C64C22C0E960}"/>
+              </a:ext>
+            </a:extLst>
+          </p:cNvPr>
+          <p:cNvSpPr/>
+          <p:nvPr/>
+        </p:nvSpPr>
+        <p:spPr>
+          <a:xfrm>
+            <a:off x="1464818" y="1951044"/>
+            <a:ext cx="2575632" cy="2314955"/>
+          </a:xfrm>
+          <a:prstGeom prst="roundRect">
+            <a:avLst/>
+          </a:prstGeom>
+        </p:spPr>
+        <p:style>
+          <a:lnRef idx="2">
+            <a:schemeClr val="accent6">
+              <a:shade val="15000"/>
+            </a:schemeClr>
+          </a:lnRef>
+          <a:fillRef idx="1">
+            <a:schemeClr val="accent6"/>
+          </a:fillRef>
+          <a:effectRef idx="0">
+            <a:schemeClr val="accent6"/>
+          </a:effectRef>
+          <a:fontRef idx="minor">
+            <a:schemeClr val="lt1"/>
+          </a:fontRef>
+        </p:style>
+        <p:txBody>
+          <a:bodyPr rtlCol="0" anchor="ctr"/>
+          <a:lstStyle/>
+          <a:p>
+            <a:pPr algn="ctr"/>
+            <a:endParaRPr lang="en-GB"/>
+          </a:p>
+        </p:txBody>
+      </p:sp>
+      <p:sp>
+        <p:nvSpPr>
           <p:cNvPr id="2" name="Title 1">
             <a:extLst>
               <a:ext uri="{FF2B5EF4-FFF2-40B4-BE49-F238E27FC236}">
-                <a16:creationId xmlns:a16="http://schemas.microsoft.com/office/drawing/2014/main" id="{5021BFAF-6708-75FC-B2A3-094308625E8B}"/>
+                <a16:creationId xmlns:a16="http://schemas.microsoft.com/office/drawing/2014/main" id="{E21EABC1-9532-68AB-241C-4BADF54A921D}"/>
               </a:ext>
             </a:extLst>
           </p:cNvPr>
@@ -11188,224 +11248,837 @@
             <a:spLocks noGrp="1"/>
           </p:cNvSpPr>
           <p:nvPr>
-            <p:ph type="title"/>
+            <p:ph type="ctrTitle"/>
           </p:nvPr>
         </p:nvSpPr>
-        <p:spPr/>
+        <p:spPr>
+          <a:xfrm>
+            <a:off x="1186369" y="343311"/>
+            <a:ext cx="9144000" cy="900644"/>
+          </a:xfrm>
+        </p:spPr>
         <p:txBody>
           <a:bodyPr>
-            <a:normAutofit/>
+            <a:normAutofit fontScale="90000"/>
           </a:bodyPr>
           <a:lstStyle/>
           <a:p>
+            <a:r>
+              <a:rPr lang="en-GB" sz="3600" dirty="0"/>
+              <a:t>EPIC: Issues with large number of small cuts </a:t>
+            </a:r>
+            <a:br>
+              <a:rPr lang="en-GB" sz="3600" dirty="0"/>
+            </a:br>
+            <a:r>
+              <a:rPr lang="en-GB" sz="2700" dirty="0"/>
+              <a:t>(7-fold deceleration </a:t>
+            </a:r>
+            <a:r>
+              <a:rPr lang="en-GB" sz="2700" dirty="0" err="1"/>
+              <a:t>vrt</a:t>
+            </a:r>
+            <a:r>
+              <a:rPr lang="en-GB" sz="2700" dirty="0"/>
+              <a:t>. Horace-3) </a:t>
+            </a:r>
+          </a:p>
+        </p:txBody>
+      </p:sp>
+      <p:sp>
+        <p:nvSpPr>
+          <p:cNvPr id="30" name="Rectangle: Rounded Corners 29">
+            <a:extLst>
+              <a:ext uri="{FF2B5EF4-FFF2-40B4-BE49-F238E27FC236}">
+                <a16:creationId xmlns:a16="http://schemas.microsoft.com/office/drawing/2014/main" id="{D72BF0B8-0EB6-6B1E-0AED-2465BFAE0849}"/>
+              </a:ext>
+            </a:extLst>
+          </p:cNvPr>
+          <p:cNvSpPr/>
+          <p:nvPr/>
+        </p:nvSpPr>
+        <p:spPr>
+          <a:xfrm>
+            <a:off x="1741581" y="2286342"/>
+            <a:ext cx="2036883" cy="1514397"/>
+          </a:xfrm>
+          <a:prstGeom prst="roundRect">
+            <a:avLst/>
+          </a:prstGeom>
+          <a:noFill/>
+          <a:ln>
+            <a:solidFill>
+              <a:srgbClr val="7030A0"/>
+            </a:solidFill>
+          </a:ln>
+        </p:spPr>
+        <p:style>
+          <a:lnRef idx="2">
+            <a:schemeClr val="accent1">
+              <a:shade val="15000"/>
+            </a:schemeClr>
+          </a:lnRef>
+          <a:fillRef idx="1">
+            <a:schemeClr val="accent1"/>
+          </a:fillRef>
+          <a:effectRef idx="0">
+            <a:schemeClr val="accent1"/>
+          </a:effectRef>
+          <a:fontRef idx="minor">
+            <a:schemeClr val="lt1"/>
+          </a:fontRef>
+        </p:style>
+        <p:txBody>
+          <a:bodyPr tIns="0" rtlCol="0" anchor="t" anchorCtr="0"/>
+          <a:lstStyle/>
+          <a:p>
             <a:pPr algn="ctr"/>
             <a:r>
-              <a:rPr lang="en-GB" sz="3600" dirty="0">
-                <a:solidFill>
-                  <a:schemeClr val="tx1"/>
-                </a:solidFill>
-              </a:rPr>
-              <a:t>Problem with unique references singleton implementation </a:t>
-            </a:r>
-            <a:r>
-              <a:rPr lang="en-GB" sz="3600" dirty="0">
-                <a:solidFill>
-                  <a:srgbClr val="7030A0"/>
-                </a:solidFill>
-              </a:rPr>
-              <a:t>#1791</a:t>
-            </a:r>
-          </a:p>
-        </p:txBody>
-      </p:sp>
-      <p:sp>
-        <p:nvSpPr>
-          <p:cNvPr id="3" name="Content Placeholder 2">
-            <a:extLst>
-              <a:ext uri="{FF2B5EF4-FFF2-40B4-BE49-F238E27FC236}">
-                <a16:creationId xmlns:a16="http://schemas.microsoft.com/office/drawing/2014/main" id="{5FD1F749-C565-D6EC-F8FE-8B2F7CE2A035}"/>
-              </a:ext>
-            </a:extLst>
-          </p:cNvPr>
-          <p:cNvSpPr>
-            <a:spLocks noGrp="1"/>
-          </p:cNvSpPr>
-          <p:nvPr>
-            <p:ph idx="1"/>
-          </p:nvPr>
-        </p:nvSpPr>
-        <p:spPr/>
-        <p:txBody>
-          <a:bodyPr>
-            <a:normAutofit fontScale="92500" lnSpcReduction="20000"/>
-          </a:bodyPr>
+              <a:rPr lang="en-GB" dirty="0">
+                <a:solidFill>
+                  <a:schemeClr val="tx1"/>
+                </a:solidFill>
+              </a:rPr>
+              <a:t>#1791Problem with unique references singleton implementation</a:t>
+            </a:r>
+          </a:p>
+        </p:txBody>
+      </p:sp>
+      <p:sp>
+        <p:nvSpPr>
+          <p:cNvPr id="38" name="Oval 37">
+            <a:extLst>
+              <a:ext uri="{FF2B5EF4-FFF2-40B4-BE49-F238E27FC236}">
+                <a16:creationId xmlns:a16="http://schemas.microsoft.com/office/drawing/2014/main" id="{901D9E40-B473-5FDF-B9ED-4E71DD3CF405}"/>
+              </a:ext>
+            </a:extLst>
+          </p:cNvPr>
+          <p:cNvSpPr/>
+          <p:nvPr/>
+        </p:nvSpPr>
+        <p:spPr>
+          <a:xfrm>
+            <a:off x="9981639" y="2265315"/>
+            <a:ext cx="1843444" cy="1765210"/>
+          </a:xfrm>
+          <a:prstGeom prst="ellipse">
+            <a:avLst/>
+          </a:prstGeom>
+          <a:noFill/>
+          <a:ln>
+            <a:solidFill>
+              <a:srgbClr val="C00000"/>
+            </a:solidFill>
+          </a:ln>
+        </p:spPr>
+        <p:style>
+          <a:lnRef idx="2">
+            <a:schemeClr val="accent1">
+              <a:shade val="15000"/>
+            </a:schemeClr>
+          </a:lnRef>
+          <a:fillRef idx="1">
+            <a:schemeClr val="accent1"/>
+          </a:fillRef>
+          <a:effectRef idx="0">
+            <a:schemeClr val="accent1"/>
+          </a:effectRef>
+          <a:fontRef idx="minor">
+            <a:schemeClr val="lt1"/>
+          </a:fontRef>
+        </p:style>
+        <p:txBody>
+          <a:bodyPr rtlCol="0" anchor="ctr"/>
           <a:lstStyle/>
           <a:p>
-            <a:pPr marL="457200" indent="-457200">
-              <a:buFont typeface="+mj-lt"/>
-              <a:buAutoNum type="arabicPeriod"/>
-            </a:pPr>
-            <a:r>
-              <a:rPr lang="en-GB" sz="2400" dirty="0"/>
-              <a:t>I</a:t>
-            </a:r>
-            <a:r>
-              <a:rPr lang="en-GB" sz="2000" dirty="0"/>
-              <a:t>t is non-standard and Horace-specific. When maintainer looks at the code, he/she would not immediately understand what is there and need to read complex custom description on what is this and how to work with it, while any software graduate student is familiar with a standard singleton.</a:t>
-            </a:r>
-          </a:p>
-          <a:p>
-            <a:pPr marL="457200" indent="-457200">
-              <a:buFont typeface="+mj-lt"/>
-              <a:buAutoNum type="arabicPeriod"/>
-            </a:pPr>
-            <a:r>
-              <a:rPr lang="en-GB" sz="2000" dirty="0"/>
-              <a:t>The storage and </a:t>
-            </a:r>
-            <a:r>
-              <a:rPr lang="en-GB" sz="2000" dirty="0" err="1">
-                <a:solidFill>
-                  <a:schemeClr val="accent6">
-                    <a:lumMod val="75000"/>
-                  </a:schemeClr>
-                </a:solidFill>
-                <a:latin typeface="Courier New" panose="02070309020205020404" pitchFamily="49" charset="0"/>
-                <a:cs typeface="Courier New" panose="02070309020205020404" pitchFamily="49" charset="0"/>
-              </a:rPr>
-              <a:t>unique_references_contanter</a:t>
-            </a:r>
-            <a:r>
-              <a:rPr lang="en-GB" sz="2000" dirty="0">
-                <a:solidFill>
-                  <a:schemeClr val="accent6">
-                    <a:lumMod val="75000"/>
-                  </a:schemeClr>
-                </a:solidFill>
-                <a:latin typeface="Courier New" panose="02070309020205020404" pitchFamily="49" charset="0"/>
-                <a:cs typeface="Courier New" panose="02070309020205020404" pitchFamily="49" charset="0"/>
-              </a:rPr>
-              <a:t> </a:t>
-            </a:r>
-            <a:r>
-              <a:rPr lang="en-GB" sz="2000" dirty="0"/>
-              <a:t>are mixed together, despite having different purposes.</a:t>
-            </a:r>
-          </a:p>
-          <a:p>
-            <a:pPr marL="457200" indent="-457200">
-              <a:buFont typeface="+mj-lt"/>
-              <a:buAutoNum type="arabicPeriod"/>
-            </a:pPr>
-            <a:r>
-              <a:rPr lang="en-GB" sz="2000" dirty="0"/>
-              <a:t>because of (2), methods of "would be singleton" are implemented as a switch over group of keys. This is inferior design in comparison with normal set of class methods, which are visible and easy testable</a:t>
-            </a:r>
-          </a:p>
-          <a:p>
-            <a:endParaRPr lang="en-GB" sz="2000" dirty="0"/>
-          </a:p>
-          <a:p>
-            <a:r>
-              <a:rPr lang="en-GB" sz="2000" dirty="0"/>
-              <a:t>50% code duplication between containers</a:t>
-            </a:r>
-          </a:p>
-          <a:p>
-            <a:r>
-              <a:rPr lang="en-GB" sz="2000" dirty="0"/>
-              <a:t>Multiple methods doing the same things with a slightly different code. (</a:t>
-            </a:r>
-            <a:r>
-              <a:rPr lang="en-GB" sz="2000" dirty="0">
-                <a:latin typeface="Courier New" panose="02070309020205020404" pitchFamily="49" charset="0"/>
-                <a:cs typeface="Courier New" panose="02070309020205020404" pitchFamily="49" charset="0"/>
-              </a:rPr>
-              <a:t>contains</a:t>
-            </a:r>
-            <a:r>
-              <a:rPr lang="en-GB" sz="2000" dirty="0"/>
-              <a:t> vs </a:t>
-            </a:r>
-            <a:r>
-              <a:rPr lang="en-GB" sz="2000" dirty="0" err="1">
-                <a:latin typeface="Courier New" panose="02070309020205020404" pitchFamily="49" charset="0"/>
-                <a:cs typeface="Courier New" panose="02070309020205020404" pitchFamily="49" charset="0"/>
-              </a:rPr>
-              <a:t>find_in_container</a:t>
-            </a:r>
-            <a:r>
-              <a:rPr lang="en-GB" sz="2000" dirty="0"/>
-              <a:t>, </a:t>
-            </a:r>
-            <a:r>
-              <a:rPr lang="en-GB" sz="2000" dirty="0" err="1">
-                <a:latin typeface="Courier New" panose="02070309020205020404" pitchFamily="49" charset="0"/>
-                <a:cs typeface="Courier New" panose="02070309020205020404" pitchFamily="49" charset="0"/>
-              </a:rPr>
-              <a:t>replicate_runs</a:t>
-            </a:r>
-            <a:r>
-              <a:rPr lang="en-GB" sz="2000" dirty="0">
-                <a:latin typeface="Courier New" panose="02070309020205020404" pitchFamily="49" charset="0"/>
-                <a:cs typeface="Courier New" panose="02070309020205020404" pitchFamily="49" charset="0"/>
-              </a:rPr>
-              <a:t> </a:t>
-            </a:r>
-            <a:r>
-              <a:rPr lang="en-GB" sz="2000" dirty="0"/>
-              <a:t>vs </a:t>
-            </a:r>
-            <a:r>
-              <a:rPr lang="en-GB" sz="2000" dirty="0" err="1">
-                <a:latin typeface="Courier New" panose="02070309020205020404" pitchFamily="49" charset="0"/>
-                <a:cs typeface="Courier New" panose="02070309020205020404" pitchFamily="49" charset="0"/>
-              </a:rPr>
-              <a:t>set_all</a:t>
-            </a:r>
-            <a:r>
-              <a:rPr lang="en-GB" sz="2000" dirty="0">
-                <a:latin typeface="Courier New" panose="02070309020205020404" pitchFamily="49" charset="0"/>
-                <a:cs typeface="Courier New" panose="02070309020205020404" pitchFamily="49" charset="0"/>
-              </a:rPr>
-              <a:t>)</a:t>
-            </a:r>
-          </a:p>
-          <a:p>
-            <a:r>
-              <a:rPr lang="en-GB" sz="2000" dirty="0"/>
-              <a:t>Work of love </a:t>
-            </a:r>
-            <a:r>
-              <a:rPr lang="en-GB" sz="2000" b="1" dirty="0"/>
-              <a:t>BUT</a:t>
-            </a:r>
-            <a:r>
-              <a:rPr lang="en-GB" sz="2000" dirty="0"/>
-              <a:t> Majority of containers methods are not unit tested!!!</a:t>
-            </a:r>
-          </a:p>
-          <a:p>
-            <a:r>
-              <a:rPr lang="en-GB" sz="2000" dirty="0">
-                <a:solidFill>
-                  <a:srgbClr val="C00000"/>
-                </a:solidFill>
-              </a:rPr>
-              <a:t>Does not work!!!</a:t>
-            </a:r>
-            <a:endParaRPr lang="en-GB" dirty="0">
-              <a:solidFill>
-                <a:srgbClr val="C00000"/>
-              </a:solidFill>
+            <a:pPr algn="ctr"/>
+            <a:r>
+              <a:rPr lang="en-GB" b="1" dirty="0" err="1">
+                <a:ln>
+                  <a:solidFill>
+                    <a:schemeClr val="tx1"/>
+                  </a:solidFill>
+                </a:ln>
+              </a:rPr>
+              <a:t>Conclu-sion</a:t>
+            </a:r>
+            <a:endParaRPr lang="en-GB" b="1" dirty="0">
+              <a:ln>
+                <a:solidFill>
+                  <a:schemeClr val="tx1"/>
+                </a:solidFill>
+              </a:ln>
             </a:endParaRPr>
           </a:p>
         </p:txBody>
       </p:sp>
+      <p:sp>
+        <p:nvSpPr>
+          <p:cNvPr id="40" name="Rectangle: Rounded Corners 39">
+            <a:extLst>
+              <a:ext uri="{FF2B5EF4-FFF2-40B4-BE49-F238E27FC236}">
+                <a16:creationId xmlns:a16="http://schemas.microsoft.com/office/drawing/2014/main" id="{D455B1C6-FBA3-88EF-9401-6581442CFCA3}"/>
+              </a:ext>
+            </a:extLst>
+          </p:cNvPr>
+          <p:cNvSpPr/>
+          <p:nvPr/>
+        </p:nvSpPr>
+        <p:spPr>
+          <a:xfrm>
+            <a:off x="1740709" y="4568558"/>
+            <a:ext cx="2036883" cy="1514397"/>
+          </a:xfrm>
+          <a:prstGeom prst="roundRect">
+            <a:avLst/>
+          </a:prstGeom>
+          <a:noFill/>
+          <a:ln>
+            <a:solidFill>
+              <a:srgbClr val="FFC000"/>
+            </a:solidFill>
+          </a:ln>
+        </p:spPr>
+        <p:style>
+          <a:lnRef idx="2">
+            <a:schemeClr val="accent1">
+              <a:shade val="15000"/>
+            </a:schemeClr>
+          </a:lnRef>
+          <a:fillRef idx="1">
+            <a:schemeClr val="accent1"/>
+          </a:fillRef>
+          <a:effectRef idx="0">
+            <a:schemeClr val="accent1"/>
+          </a:effectRef>
+          <a:fontRef idx="minor">
+            <a:schemeClr val="lt1"/>
+          </a:fontRef>
+        </p:style>
+        <p:txBody>
+          <a:bodyPr rtlCol="0" anchor="ctr"/>
+          <a:lstStyle/>
+          <a:p>
+            <a:pPr algn="ctr"/>
+            <a:r>
+              <a:rPr lang="en-GB" dirty="0">
+                <a:solidFill>
+                  <a:schemeClr val="tx1"/>
+                </a:solidFill>
+              </a:rPr>
+              <a:t>#1798 Odd behaviour of </a:t>
+            </a:r>
+            <a:r>
+              <a:rPr lang="en-GB" b="1" dirty="0" err="1">
+                <a:solidFill>
+                  <a:schemeClr val="tx1"/>
+                </a:solidFill>
+              </a:rPr>
+              <a:t>multifit</a:t>
+            </a:r>
+            <a:r>
+              <a:rPr lang="en-GB" dirty="0">
+                <a:solidFill>
+                  <a:schemeClr val="tx1"/>
+                </a:solidFill>
+              </a:rPr>
+              <a:t> and covariance matrix </a:t>
+            </a:r>
+          </a:p>
+        </p:txBody>
+      </p:sp>
+      <p:sp>
+        <p:nvSpPr>
+          <p:cNvPr id="82" name="Rectangle: Rounded Corners 81">
+            <a:extLst>
+              <a:ext uri="{FF2B5EF4-FFF2-40B4-BE49-F238E27FC236}">
+                <a16:creationId xmlns:a16="http://schemas.microsoft.com/office/drawing/2014/main" id="{A0BFD122-E9BD-FD5D-583F-A836427C8E30}"/>
+              </a:ext>
+            </a:extLst>
+          </p:cNvPr>
+          <p:cNvSpPr/>
+          <p:nvPr/>
+        </p:nvSpPr>
+        <p:spPr>
+          <a:xfrm>
+            <a:off x="6734659" y="1438484"/>
+            <a:ext cx="2036883" cy="1514397"/>
+          </a:xfrm>
+          <a:prstGeom prst="roundRect">
+            <a:avLst/>
+          </a:prstGeom>
+          <a:noFill/>
+          <a:ln>
+            <a:solidFill>
+              <a:srgbClr val="00B0F0"/>
+            </a:solidFill>
+          </a:ln>
+        </p:spPr>
+        <p:style>
+          <a:lnRef idx="2">
+            <a:schemeClr val="accent1">
+              <a:shade val="15000"/>
+            </a:schemeClr>
+          </a:lnRef>
+          <a:fillRef idx="1">
+            <a:schemeClr val="accent1"/>
+          </a:fillRef>
+          <a:effectRef idx="0">
+            <a:schemeClr val="accent1"/>
+          </a:effectRef>
+          <a:fontRef idx="minor">
+            <a:schemeClr val="lt1"/>
+          </a:fontRef>
+        </p:style>
+        <p:txBody>
+          <a:bodyPr tIns="0" rtlCol="0" anchor="t" anchorCtr="0"/>
+          <a:lstStyle/>
+          <a:p>
+            <a:pPr algn="ctr"/>
+            <a:r>
+              <a:rPr lang="en-GB" dirty="0">
+                <a:solidFill>
+                  <a:schemeClr val="tx1"/>
+                </a:solidFill>
+              </a:rPr>
+              <a:t>Delete redundant unique objects from memory</a:t>
+            </a:r>
+          </a:p>
+        </p:txBody>
+      </p:sp>
+      <p:cxnSp>
+        <p:nvCxnSpPr>
+          <p:cNvPr id="84" name="Straight Arrow Connector 83">
+            <a:extLst>
+              <a:ext uri="{FF2B5EF4-FFF2-40B4-BE49-F238E27FC236}">
+                <a16:creationId xmlns:a16="http://schemas.microsoft.com/office/drawing/2014/main" id="{E1D30851-A7A4-FC9B-1285-38DD671AB136}"/>
+              </a:ext>
+            </a:extLst>
+          </p:cNvPr>
+          <p:cNvCxnSpPr>
+            <a:cxnSpLocks/>
+            <a:stCxn id="82" idx="3"/>
+            <a:endCxn id="38" idx="2"/>
+          </p:cNvCxnSpPr>
+          <p:nvPr/>
+        </p:nvCxnSpPr>
+        <p:spPr>
+          <a:xfrm>
+            <a:off x="8771542" y="2195683"/>
+            <a:ext cx="1210097" cy="952237"/>
+          </a:xfrm>
+          <a:prstGeom prst="straightConnector1">
+            <a:avLst/>
+          </a:prstGeom>
+          <a:ln>
+            <a:tailEnd type="triangle"/>
+          </a:ln>
+        </p:spPr>
+        <p:style>
+          <a:lnRef idx="2">
+            <a:schemeClr val="accent1"/>
+          </a:lnRef>
+          <a:fillRef idx="0">
+            <a:schemeClr val="accent1"/>
+          </a:fillRef>
+          <a:effectRef idx="1">
+            <a:schemeClr val="accent1"/>
+          </a:effectRef>
+          <a:fontRef idx="minor">
+            <a:schemeClr val="tx1"/>
+          </a:fontRef>
+        </p:style>
+      </p:cxnSp>
+      <p:cxnSp>
+        <p:nvCxnSpPr>
+          <p:cNvPr id="92" name="Straight Arrow Connector 91">
+            <a:extLst>
+              <a:ext uri="{FF2B5EF4-FFF2-40B4-BE49-F238E27FC236}">
+                <a16:creationId xmlns:a16="http://schemas.microsoft.com/office/drawing/2014/main" id="{2F384DF6-204C-C181-2DC8-91E9E8E64AD9}"/>
+              </a:ext>
+            </a:extLst>
+          </p:cNvPr>
+          <p:cNvCxnSpPr>
+            <a:cxnSpLocks/>
+            <a:stCxn id="40" idx="0"/>
+            <a:endCxn id="30" idx="2"/>
+          </p:cNvCxnSpPr>
+          <p:nvPr/>
+        </p:nvCxnSpPr>
+        <p:spPr>
+          <a:xfrm flipV="1">
+            <a:off x="2759151" y="3800739"/>
+            <a:ext cx="872" cy="767819"/>
+          </a:xfrm>
+          <a:prstGeom prst="straightConnector1">
+            <a:avLst/>
+          </a:prstGeom>
+          <a:ln>
+            <a:tailEnd type="triangle"/>
+          </a:ln>
+        </p:spPr>
+        <p:style>
+          <a:lnRef idx="2">
+            <a:schemeClr val="accent1"/>
+          </a:lnRef>
+          <a:fillRef idx="0">
+            <a:schemeClr val="accent1"/>
+          </a:fillRef>
+          <a:effectRef idx="1">
+            <a:schemeClr val="accent1"/>
+          </a:effectRef>
+          <a:fontRef idx="minor">
+            <a:schemeClr val="tx1"/>
+          </a:fontRef>
+        </p:style>
+      </p:cxnSp>
+      <p:sp>
+        <p:nvSpPr>
+          <p:cNvPr id="93" name="Rectangle: Rounded Corners 92">
+            <a:extLst>
+              <a:ext uri="{FF2B5EF4-FFF2-40B4-BE49-F238E27FC236}">
+                <a16:creationId xmlns:a16="http://schemas.microsoft.com/office/drawing/2014/main" id="{0343E67E-A865-7767-3A5D-CCCE195F105C}"/>
+              </a:ext>
+            </a:extLst>
+          </p:cNvPr>
+          <p:cNvSpPr/>
+          <p:nvPr/>
+        </p:nvSpPr>
+        <p:spPr>
+          <a:xfrm>
+            <a:off x="6790932" y="3444156"/>
+            <a:ext cx="2036883" cy="920905"/>
+          </a:xfrm>
+          <a:prstGeom prst="roundRect">
+            <a:avLst/>
+          </a:prstGeom>
+          <a:noFill/>
+          <a:ln>
+            <a:solidFill>
+              <a:srgbClr val="00B0F0"/>
+            </a:solidFill>
+          </a:ln>
+        </p:spPr>
+        <p:style>
+          <a:lnRef idx="2">
+            <a:schemeClr val="accent1">
+              <a:shade val="15000"/>
+            </a:schemeClr>
+          </a:lnRef>
+          <a:fillRef idx="1">
+            <a:schemeClr val="accent1"/>
+          </a:fillRef>
+          <a:effectRef idx="0">
+            <a:schemeClr val="accent1"/>
+          </a:effectRef>
+          <a:fontRef idx="minor">
+            <a:schemeClr val="lt1"/>
+          </a:fontRef>
+        </p:style>
+        <p:txBody>
+          <a:bodyPr tIns="0" rtlCol="0" anchor="t" anchorCtr="0"/>
+          <a:lstStyle/>
+          <a:p>
+            <a:pPr algn="ctr"/>
+            <a:r>
+              <a:rPr lang="en-GB" dirty="0">
+                <a:solidFill>
+                  <a:schemeClr val="tx1"/>
+                </a:solidFill>
+              </a:rPr>
+              <a:t>Hold unique in memory</a:t>
+            </a:r>
+          </a:p>
+        </p:txBody>
+      </p:sp>
+      <p:cxnSp>
+        <p:nvCxnSpPr>
+          <p:cNvPr id="94" name="Straight Arrow Connector 93">
+            <a:extLst>
+              <a:ext uri="{FF2B5EF4-FFF2-40B4-BE49-F238E27FC236}">
+                <a16:creationId xmlns:a16="http://schemas.microsoft.com/office/drawing/2014/main" id="{DC8DB261-C54F-D2D4-A4C4-0F3F4DABE746}"/>
+              </a:ext>
+            </a:extLst>
+          </p:cNvPr>
+          <p:cNvCxnSpPr>
+            <a:cxnSpLocks/>
+            <a:stCxn id="30" idx="3"/>
+            <a:endCxn id="27" idx="1"/>
+          </p:cNvCxnSpPr>
+          <p:nvPr/>
+        </p:nvCxnSpPr>
+        <p:spPr>
+          <a:xfrm flipV="1">
+            <a:off x="3778464" y="3016763"/>
+            <a:ext cx="989434" cy="26778"/>
+          </a:xfrm>
+          <a:prstGeom prst="straightConnector1">
+            <a:avLst/>
+          </a:prstGeom>
+          <a:ln>
+            <a:tailEnd type="triangle"/>
+          </a:ln>
+        </p:spPr>
+        <p:style>
+          <a:lnRef idx="2">
+            <a:schemeClr val="accent1"/>
+          </a:lnRef>
+          <a:fillRef idx="0">
+            <a:schemeClr val="accent1"/>
+          </a:fillRef>
+          <a:effectRef idx="1">
+            <a:schemeClr val="accent1"/>
+          </a:effectRef>
+          <a:fontRef idx="minor">
+            <a:schemeClr val="tx1"/>
+          </a:fontRef>
+        </p:style>
+      </p:cxnSp>
+      <p:sp>
+        <p:nvSpPr>
+          <p:cNvPr id="27" name="Diamond 26">
+            <a:extLst>
+              <a:ext uri="{FF2B5EF4-FFF2-40B4-BE49-F238E27FC236}">
+                <a16:creationId xmlns:a16="http://schemas.microsoft.com/office/drawing/2014/main" id="{8C0C53C7-3EA4-5EB5-901D-6A305B48E208}"/>
+              </a:ext>
+            </a:extLst>
+          </p:cNvPr>
+          <p:cNvSpPr/>
+          <p:nvPr/>
+        </p:nvSpPr>
+        <p:spPr>
+          <a:xfrm>
+            <a:off x="4767898" y="2046371"/>
+            <a:ext cx="1149755" cy="1940783"/>
+          </a:xfrm>
+          <a:prstGeom prst="diamond">
+            <a:avLst/>
+          </a:prstGeom>
+          <a:noFill/>
+          <a:ln>
+            <a:solidFill>
+              <a:schemeClr val="tx2">
+                <a:lumMod val="75000"/>
+                <a:lumOff val="25000"/>
+              </a:schemeClr>
+            </a:solidFill>
+          </a:ln>
+        </p:spPr>
+        <p:style>
+          <a:lnRef idx="2">
+            <a:schemeClr val="accent1">
+              <a:shade val="15000"/>
+            </a:schemeClr>
+          </a:lnRef>
+          <a:fillRef idx="1">
+            <a:schemeClr val="accent1"/>
+          </a:fillRef>
+          <a:effectRef idx="0">
+            <a:schemeClr val="accent1"/>
+          </a:effectRef>
+          <a:fontRef idx="minor">
+            <a:schemeClr val="lt1"/>
+          </a:fontRef>
+        </p:style>
+        <p:txBody>
+          <a:bodyPr vert="vert" rtlCol="0" anchor="ctr"/>
+          <a:lstStyle/>
+          <a:p>
+            <a:pPr algn="ctr"/>
+            <a:r>
+              <a:rPr lang="en-GB" dirty="0">
+                <a:solidFill>
+                  <a:schemeClr val="tx1"/>
+                </a:solidFill>
+              </a:rPr>
+              <a:t>Choice</a:t>
+            </a:r>
+          </a:p>
+        </p:txBody>
+      </p:sp>
+      <p:sp>
+        <p:nvSpPr>
+          <p:cNvPr id="52" name="Rectangle: Rounded Corners 51">
+            <a:extLst>
+              <a:ext uri="{FF2B5EF4-FFF2-40B4-BE49-F238E27FC236}">
+                <a16:creationId xmlns:a16="http://schemas.microsoft.com/office/drawing/2014/main" id="{F002928C-EAE9-0750-521D-D57AD3419FD9}"/>
+              </a:ext>
+            </a:extLst>
+          </p:cNvPr>
+          <p:cNvSpPr/>
+          <p:nvPr/>
+        </p:nvSpPr>
+        <p:spPr>
+          <a:xfrm>
+            <a:off x="6790931" y="4865303"/>
+            <a:ext cx="2036883" cy="920905"/>
+          </a:xfrm>
+          <a:prstGeom prst="roundRect">
+            <a:avLst/>
+          </a:prstGeom>
+          <a:noFill/>
+          <a:ln>
+            <a:solidFill>
+              <a:srgbClr val="00B0F0"/>
+            </a:solidFill>
+          </a:ln>
+        </p:spPr>
+        <p:style>
+          <a:lnRef idx="2">
+            <a:schemeClr val="accent1">
+              <a:shade val="15000"/>
+            </a:schemeClr>
+          </a:lnRef>
+          <a:fillRef idx="1">
+            <a:schemeClr val="accent1"/>
+          </a:fillRef>
+          <a:effectRef idx="0">
+            <a:schemeClr val="accent1"/>
+          </a:effectRef>
+          <a:fontRef idx="minor">
+            <a:schemeClr val="lt1"/>
+          </a:fontRef>
+        </p:style>
+        <p:txBody>
+          <a:bodyPr tIns="0" rtlCol="0" anchor="t" anchorCtr="0"/>
+          <a:lstStyle/>
+          <a:p>
+            <a:pPr algn="ctr"/>
+            <a:r>
+              <a:rPr lang="en-GB" dirty="0">
+                <a:solidFill>
+                  <a:schemeClr val="tx1"/>
+                </a:solidFill>
+              </a:rPr>
+              <a:t>Do nothing</a:t>
+            </a:r>
+          </a:p>
+        </p:txBody>
+      </p:sp>
+      <p:cxnSp>
+        <p:nvCxnSpPr>
+          <p:cNvPr id="53" name="Straight Arrow Connector 96">
+            <a:extLst>
+              <a:ext uri="{FF2B5EF4-FFF2-40B4-BE49-F238E27FC236}">
+                <a16:creationId xmlns:a16="http://schemas.microsoft.com/office/drawing/2014/main" id="{BA867C13-E64D-30F4-D87C-112469C23510}"/>
+              </a:ext>
+            </a:extLst>
+          </p:cNvPr>
+          <p:cNvCxnSpPr>
+            <a:cxnSpLocks/>
+            <a:stCxn id="27" idx="0"/>
+            <a:endCxn id="82" idx="1"/>
+          </p:cNvCxnSpPr>
+          <p:nvPr/>
+        </p:nvCxnSpPr>
+        <p:spPr>
+          <a:xfrm rot="16200000" flipH="1">
+            <a:off x="5964061" y="1425086"/>
+            <a:ext cx="149312" cy="1391883"/>
+          </a:xfrm>
+          <a:prstGeom prst="bentConnector4">
+            <a:avLst>
+              <a:gd name="adj1" fmla="val -153102"/>
+              <a:gd name="adj2" fmla="val 70651"/>
+            </a:avLst>
+          </a:prstGeom>
+          <a:ln>
+            <a:tailEnd type="triangle"/>
+          </a:ln>
+        </p:spPr>
+        <p:style>
+          <a:lnRef idx="2">
+            <a:schemeClr val="accent1"/>
+          </a:lnRef>
+          <a:fillRef idx="0">
+            <a:schemeClr val="accent1"/>
+          </a:fillRef>
+          <a:effectRef idx="1">
+            <a:schemeClr val="accent1"/>
+          </a:effectRef>
+          <a:fontRef idx="minor">
+            <a:schemeClr val="tx1"/>
+          </a:fontRef>
+        </p:style>
+      </p:cxnSp>
+      <p:cxnSp>
+        <p:nvCxnSpPr>
+          <p:cNvPr id="57" name="Straight Arrow Connector 96">
+            <a:extLst>
+              <a:ext uri="{FF2B5EF4-FFF2-40B4-BE49-F238E27FC236}">
+                <a16:creationId xmlns:a16="http://schemas.microsoft.com/office/drawing/2014/main" id="{4EC79620-29A5-10BC-3653-39DEB1B19208}"/>
+              </a:ext>
+            </a:extLst>
+          </p:cNvPr>
+          <p:cNvCxnSpPr>
+            <a:cxnSpLocks/>
+            <a:stCxn id="27" idx="3"/>
+            <a:endCxn id="93" idx="1"/>
+          </p:cNvCxnSpPr>
+          <p:nvPr/>
+        </p:nvCxnSpPr>
+        <p:spPr>
+          <a:xfrm>
+            <a:off x="5917653" y="3016763"/>
+            <a:ext cx="873279" cy="887846"/>
+          </a:xfrm>
+          <a:prstGeom prst="bentConnector3">
+            <a:avLst>
+              <a:gd name="adj1" fmla="val 50000"/>
+            </a:avLst>
+          </a:prstGeom>
+          <a:ln>
+            <a:tailEnd type="triangle"/>
+          </a:ln>
+        </p:spPr>
+        <p:style>
+          <a:lnRef idx="2">
+            <a:schemeClr val="accent1"/>
+          </a:lnRef>
+          <a:fillRef idx="0">
+            <a:schemeClr val="accent1"/>
+          </a:fillRef>
+          <a:effectRef idx="1">
+            <a:schemeClr val="accent1"/>
+          </a:effectRef>
+          <a:fontRef idx="minor">
+            <a:schemeClr val="tx1"/>
+          </a:fontRef>
+        </p:style>
+      </p:cxnSp>
+      <p:cxnSp>
+        <p:nvCxnSpPr>
+          <p:cNvPr id="60" name="Straight Arrow Connector 96">
+            <a:extLst>
+              <a:ext uri="{FF2B5EF4-FFF2-40B4-BE49-F238E27FC236}">
+                <a16:creationId xmlns:a16="http://schemas.microsoft.com/office/drawing/2014/main" id="{4ACF41F3-02DB-4FBE-831B-0153D0C64BDD}"/>
+              </a:ext>
+            </a:extLst>
+          </p:cNvPr>
+          <p:cNvCxnSpPr>
+            <a:cxnSpLocks/>
+            <a:stCxn id="27" idx="2"/>
+            <a:endCxn id="52" idx="1"/>
+          </p:cNvCxnSpPr>
+          <p:nvPr/>
+        </p:nvCxnSpPr>
+        <p:spPr>
+          <a:xfrm rot="16200000" flipH="1">
+            <a:off x="5397552" y="3932377"/>
+            <a:ext cx="1338602" cy="1448155"/>
+          </a:xfrm>
+          <a:prstGeom prst="bentConnector2">
+            <a:avLst/>
+          </a:prstGeom>
+          <a:ln>
+            <a:tailEnd type="triangle"/>
+          </a:ln>
+        </p:spPr>
+        <p:style>
+          <a:lnRef idx="2">
+            <a:schemeClr val="accent1"/>
+          </a:lnRef>
+          <a:fillRef idx="0">
+            <a:schemeClr val="accent1"/>
+          </a:fillRef>
+          <a:effectRef idx="1">
+            <a:schemeClr val="accent1"/>
+          </a:effectRef>
+          <a:fontRef idx="minor">
+            <a:schemeClr val="tx1"/>
+          </a:fontRef>
+        </p:style>
+      </p:cxnSp>
+      <p:cxnSp>
+        <p:nvCxnSpPr>
+          <p:cNvPr id="63" name="Straight Arrow Connector 62">
+            <a:extLst>
+              <a:ext uri="{FF2B5EF4-FFF2-40B4-BE49-F238E27FC236}">
+                <a16:creationId xmlns:a16="http://schemas.microsoft.com/office/drawing/2014/main" id="{73195829-565C-DEB2-9EF5-C1A082D6A205}"/>
+              </a:ext>
+            </a:extLst>
+          </p:cNvPr>
+          <p:cNvCxnSpPr>
+            <a:cxnSpLocks/>
+            <a:stCxn id="93" idx="3"/>
+            <a:endCxn id="38" idx="2"/>
+          </p:cNvCxnSpPr>
+          <p:nvPr/>
+        </p:nvCxnSpPr>
+        <p:spPr>
+          <a:xfrm flipV="1">
+            <a:off x="8827815" y="3147920"/>
+            <a:ext cx="1153824" cy="756689"/>
+          </a:xfrm>
+          <a:prstGeom prst="straightConnector1">
+            <a:avLst/>
+          </a:prstGeom>
+          <a:ln>
+            <a:tailEnd type="triangle"/>
+          </a:ln>
+        </p:spPr>
+        <p:style>
+          <a:lnRef idx="2">
+            <a:schemeClr val="accent1"/>
+          </a:lnRef>
+          <a:fillRef idx="0">
+            <a:schemeClr val="accent1"/>
+          </a:fillRef>
+          <a:effectRef idx="1">
+            <a:schemeClr val="accent1"/>
+          </a:effectRef>
+          <a:fontRef idx="minor">
+            <a:schemeClr val="tx1"/>
+          </a:fontRef>
+        </p:style>
+      </p:cxnSp>
+      <p:cxnSp>
+        <p:nvCxnSpPr>
+          <p:cNvPr id="66" name="Straight Arrow Connector 65">
+            <a:extLst>
+              <a:ext uri="{FF2B5EF4-FFF2-40B4-BE49-F238E27FC236}">
+                <a16:creationId xmlns:a16="http://schemas.microsoft.com/office/drawing/2014/main" id="{88BDB0F2-A932-3E22-D761-8C3233037677}"/>
+              </a:ext>
+            </a:extLst>
+          </p:cNvPr>
+          <p:cNvCxnSpPr>
+            <a:cxnSpLocks/>
+            <a:stCxn id="52" idx="3"/>
+            <a:endCxn id="38" idx="2"/>
+          </p:cNvCxnSpPr>
+          <p:nvPr/>
+        </p:nvCxnSpPr>
+        <p:spPr>
+          <a:xfrm flipV="1">
+            <a:off x="8827814" y="3147920"/>
+            <a:ext cx="1153825" cy="2177836"/>
+          </a:xfrm>
+          <a:prstGeom prst="straightConnector1">
+            <a:avLst/>
+          </a:prstGeom>
+          <a:ln>
+            <a:tailEnd type="triangle"/>
+          </a:ln>
+        </p:spPr>
+        <p:style>
+          <a:lnRef idx="2">
+            <a:schemeClr val="accent1"/>
+          </a:lnRef>
+          <a:fillRef idx="0">
+            <a:schemeClr val="accent1"/>
+          </a:fillRef>
+          <a:effectRef idx="1">
+            <a:schemeClr val="accent1"/>
+          </a:effectRef>
+          <a:fontRef idx="minor">
+            <a:schemeClr val="tx1"/>
+          </a:fontRef>
+        </p:style>
+      </p:cxnSp>
     </p:spTree>
     <p:extLst>
       <p:ext uri="{BB962C8B-B14F-4D97-AF65-F5344CB8AC3E}">
-        <p14:creationId xmlns:p14="http://schemas.microsoft.com/office/powerpoint/2010/main" val="2541380223"/>
+        <p14:creationId xmlns:p14="http://schemas.microsoft.com/office/powerpoint/2010/main" val="2864706063"/>
       </p:ext>
     </p:extLst>
   </p:cSld>
@@ -11437,7 +12110,7 @@
           <p:cNvPr id="2" name="Title 1">
             <a:extLst>
               <a:ext uri="{FF2B5EF4-FFF2-40B4-BE49-F238E27FC236}">
-                <a16:creationId xmlns:a16="http://schemas.microsoft.com/office/drawing/2014/main" id="{35D1068B-662D-0D1D-343A-C9860324419D}"/>
+                <a16:creationId xmlns:a16="http://schemas.microsoft.com/office/drawing/2014/main" id="{F5232EA6-FD9E-8262-4338-321C3A873F0B}"/>
               </a:ext>
             </a:extLst>
           </p:cNvPr>
@@ -11450,6 +12123,1380 @@
         </p:nvSpPr>
         <p:spPr>
           <a:xfrm>
+            <a:off x="838200" y="365126"/>
+            <a:ext cx="10515600" cy="827772"/>
+          </a:xfrm>
+        </p:spPr>
+        <p:txBody>
+          <a:bodyPr/>
+          <a:lstStyle/>
+          <a:p>
+            <a:r>
+              <a:rPr lang="en-GB" dirty="0"/>
+              <a:t>Serializable Axioms:</a:t>
+            </a:r>
+          </a:p>
+        </p:txBody>
+      </p:sp>
+      <p:sp>
+        <p:nvSpPr>
+          <p:cNvPr id="4" name="Content Placeholder 2">
+            <a:extLst>
+              <a:ext uri="{FF2B5EF4-FFF2-40B4-BE49-F238E27FC236}">
+                <a16:creationId xmlns:a16="http://schemas.microsoft.com/office/drawing/2014/main" id="{CCB5CE54-61CB-462A-A757-661E24E8D121}"/>
+              </a:ext>
+            </a:extLst>
+          </p:cNvPr>
+          <p:cNvSpPr>
+            <a:spLocks noGrp="1"/>
+          </p:cNvSpPr>
+          <p:nvPr>
+            <p:ph idx="1"/>
+          </p:nvPr>
+        </p:nvSpPr>
+        <p:spPr>
+          <a:xfrm>
+            <a:off x="782501" y="1076857"/>
+            <a:ext cx="10515600" cy="2589884"/>
+          </a:xfrm>
+        </p:spPr>
+        <p:txBody>
+          <a:bodyPr>
+            <a:normAutofit fontScale="85000" lnSpcReduction="10000"/>
+          </a:bodyPr>
+          <a:lstStyle/>
+          <a:p>
+            <a:r>
+              <a:rPr lang="en-GB" dirty="0">
+                <a:solidFill>
+                  <a:srgbClr val="0066FF"/>
+                </a:solidFill>
+              </a:rPr>
+              <a:t>Public interface </a:t>
+            </a:r>
+            <a:r>
+              <a:rPr lang="en-GB" dirty="0"/>
+              <a:t>(number of properties with setters/getters) and empty constructor exist.</a:t>
+            </a:r>
+          </a:p>
+          <a:p>
+            <a:r>
+              <a:rPr lang="en-GB" dirty="0"/>
+              <a:t>Custom </a:t>
+            </a:r>
+            <a:r>
+              <a:rPr lang="en-GB" b="1" dirty="0" err="1">
+                <a:solidFill>
+                  <a:schemeClr val="accent6">
+                    <a:lumMod val="50000"/>
+                  </a:schemeClr>
+                </a:solidFill>
+                <a:latin typeface="Courier New" panose="02070309020205020404" pitchFamily="49" charset="0"/>
+                <a:cs typeface="Courier New" panose="02070309020205020404" pitchFamily="49" charset="0"/>
+              </a:rPr>
+              <a:t>to_string</a:t>
+            </a:r>
+            <a:r>
+              <a:rPr lang="en-GB" b="1" dirty="0"/>
+              <a:t>, </a:t>
+            </a:r>
+            <a:r>
+              <a:rPr lang="en-GB" b="1" dirty="0" err="1">
+                <a:solidFill>
+                  <a:schemeClr val="accent6">
+                    <a:lumMod val="50000"/>
+                  </a:schemeClr>
+                </a:solidFill>
+                <a:latin typeface="Courier New" panose="02070309020205020404" pitchFamily="49" charset="0"/>
+                <a:cs typeface="Courier New" panose="02070309020205020404" pitchFamily="49" charset="0"/>
+              </a:rPr>
+              <a:t>from_string</a:t>
+            </a:r>
+            <a:r>
+              <a:rPr lang="en-GB" b="1" dirty="0"/>
+              <a:t> </a:t>
+            </a:r>
+            <a:r>
+              <a:rPr lang="en-GB" dirty="0"/>
+              <a:t>method which allow to save/ recover object contents and </a:t>
+            </a:r>
+            <a:r>
+              <a:rPr lang="en-GB" sz="2200" dirty="0">
+                <a:solidFill>
+                  <a:srgbClr val="0066FF"/>
+                </a:solidFill>
+              </a:rPr>
+              <a:t>works through public interface above</a:t>
+            </a:r>
+            <a:r>
+              <a:rPr lang="en-GB" dirty="0"/>
+              <a:t>.</a:t>
+            </a:r>
+            <a:endParaRPr lang="en-GB" dirty="0">
+              <a:solidFill>
+                <a:schemeClr val="accent6">
+                  <a:lumMod val="50000"/>
+                </a:schemeClr>
+              </a:solidFill>
+              <a:latin typeface="Courier New" panose="02070309020205020404" pitchFamily="49" charset="0"/>
+              <a:cs typeface="Courier New" panose="02070309020205020404" pitchFamily="49" charset="0"/>
+            </a:endParaRPr>
+          </a:p>
+          <a:p>
+            <a:r>
+              <a:rPr lang="en-GB" b="1" dirty="0" err="1">
+                <a:solidFill>
+                  <a:schemeClr val="accent3"/>
+                </a:solidFill>
+                <a:latin typeface="Courier New" panose="02070309020205020404" pitchFamily="49" charset="0"/>
+                <a:cs typeface="Courier New" panose="02070309020205020404" pitchFamily="49" charset="0"/>
+              </a:rPr>
+              <a:t>saveableFields</a:t>
+            </a:r>
+            <a:r>
+              <a:rPr lang="en-GB" dirty="0">
+                <a:cs typeface="Courier New" panose="02070309020205020404" pitchFamily="49" charset="0"/>
+              </a:rPr>
+              <a:t> method defining what the contents (</a:t>
+            </a:r>
+            <a:r>
+              <a:rPr lang="en-GB" dirty="0">
+                <a:solidFill>
+                  <a:srgbClr val="0066FF"/>
+                </a:solidFill>
+                <a:cs typeface="Courier New" panose="02070309020205020404" pitchFamily="49" charset="0"/>
+              </a:rPr>
+              <a:t>public interface</a:t>
+            </a:r>
+            <a:r>
+              <a:rPr lang="en-GB" dirty="0">
+                <a:cs typeface="Courier New" panose="02070309020205020404" pitchFamily="49" charset="0"/>
+              </a:rPr>
+              <a:t>) is.</a:t>
+            </a:r>
+            <a:endParaRPr lang="en-GB" dirty="0">
+              <a:solidFill>
+                <a:schemeClr val="accent6">
+                  <a:lumMod val="50000"/>
+                </a:schemeClr>
+              </a:solidFill>
+              <a:latin typeface="Courier New" panose="02070309020205020404" pitchFamily="49" charset="0"/>
+              <a:cs typeface="Courier New" panose="02070309020205020404" pitchFamily="49" charset="0"/>
+            </a:endParaRPr>
+          </a:p>
+          <a:p>
+            <a:r>
+              <a:rPr lang="en-GB" b="1" dirty="0" err="1">
+                <a:solidFill>
+                  <a:schemeClr val="accent3"/>
+                </a:solidFill>
+                <a:latin typeface="Courier New" panose="02070309020205020404" pitchFamily="49" charset="0"/>
+                <a:cs typeface="Courier New" panose="02070309020205020404" pitchFamily="49" charset="0"/>
+              </a:rPr>
+              <a:t>check_combo_arg</a:t>
+            </a:r>
+            <a:r>
+              <a:rPr lang="en-GB" b="1" dirty="0">
+                <a:solidFill>
+                  <a:schemeClr val="accent3"/>
+                </a:solidFill>
+              </a:rPr>
+              <a:t> </a:t>
+            </a:r>
+            <a:r>
+              <a:rPr lang="en-GB" dirty="0"/>
+              <a:t>method which validates interdependent properties and calculates internal contents if necessary.</a:t>
+            </a:r>
+            <a:endParaRPr lang="en-GB" b="1" dirty="0"/>
+          </a:p>
+        </p:txBody>
+      </p:sp>
+      <p:sp>
+        <p:nvSpPr>
+          <p:cNvPr id="6" name="TextBox 5">
+            <a:extLst>
+              <a:ext uri="{FF2B5EF4-FFF2-40B4-BE49-F238E27FC236}">
+                <a16:creationId xmlns:a16="http://schemas.microsoft.com/office/drawing/2014/main" id="{C0BD20C7-65BE-1F17-A6C1-47F940A6666F}"/>
+              </a:ext>
+            </a:extLst>
+          </p:cNvPr>
+          <p:cNvSpPr txBox="1"/>
+          <p:nvPr/>
+        </p:nvSpPr>
+        <p:spPr>
+          <a:xfrm>
+            <a:off x="766644" y="4343337"/>
+            <a:ext cx="4434685" cy="369332"/>
+          </a:xfrm>
+          <a:prstGeom prst="rect">
+            <a:avLst/>
+          </a:prstGeom>
+          <a:noFill/>
+        </p:spPr>
+        <p:txBody>
+          <a:bodyPr wrap="square">
+            <a:spAutoFit/>
+          </a:bodyPr>
+          <a:lstStyle/>
+          <a:p>
+            <a:r>
+              <a:rPr lang="en-GB" b="1" dirty="0">
+                <a:solidFill>
+                  <a:schemeClr val="accent3"/>
+                </a:solidFill>
+                <a:latin typeface="Courier New" panose="02070309020205020404" pitchFamily="49" charset="0"/>
+                <a:cs typeface="Courier New" panose="02070309020205020404" pitchFamily="49" charset="0"/>
+              </a:rPr>
+              <a:t>&gt;&gt;</a:t>
+            </a:r>
+            <a:r>
+              <a:rPr lang="en-GB" b="1" dirty="0" err="1">
+                <a:latin typeface="Courier New" panose="02070309020205020404" pitchFamily="49" charset="0"/>
+                <a:cs typeface="Courier New" panose="02070309020205020404" pitchFamily="49" charset="0"/>
+              </a:rPr>
+              <a:t>sobj</a:t>
+            </a:r>
+            <a:r>
+              <a:rPr lang="en-GB" b="1" dirty="0" err="1">
+                <a:solidFill>
+                  <a:schemeClr val="accent3"/>
+                </a:solidFill>
+                <a:latin typeface="Courier New" panose="02070309020205020404" pitchFamily="49" charset="0"/>
+                <a:cs typeface="Courier New" panose="02070309020205020404" pitchFamily="49" charset="0"/>
+              </a:rPr>
+              <a:t>.sproperty</a:t>
+            </a:r>
+            <a:r>
+              <a:rPr lang="en-GB" b="1" dirty="0">
+                <a:solidFill>
+                  <a:schemeClr val="accent3"/>
+                </a:solidFill>
+                <a:latin typeface="Courier New" panose="02070309020205020404" pitchFamily="49" charset="0"/>
+                <a:cs typeface="Courier New" panose="02070309020205020404" pitchFamily="49" charset="0"/>
+              </a:rPr>
+              <a:t> = </a:t>
+            </a:r>
+            <a:r>
+              <a:rPr lang="en-GB" b="1" dirty="0">
+                <a:latin typeface="Courier New" panose="02070309020205020404" pitchFamily="49" charset="0"/>
+                <a:cs typeface="Courier New" panose="02070309020205020404" pitchFamily="49" charset="0"/>
+              </a:rPr>
+              <a:t>contents</a:t>
+            </a:r>
+            <a:endParaRPr lang="en-GB" dirty="0"/>
+          </a:p>
+        </p:txBody>
+      </p:sp>
+      <p:sp>
+        <p:nvSpPr>
+          <p:cNvPr id="8" name="TextBox 7">
+            <a:extLst>
+              <a:ext uri="{FF2B5EF4-FFF2-40B4-BE49-F238E27FC236}">
+                <a16:creationId xmlns:a16="http://schemas.microsoft.com/office/drawing/2014/main" id="{C70B49CD-39B5-AED6-DE07-548FEA64CF0C}"/>
+              </a:ext>
+            </a:extLst>
+          </p:cNvPr>
+          <p:cNvSpPr txBox="1"/>
+          <p:nvPr/>
+        </p:nvSpPr>
+        <p:spPr>
+          <a:xfrm>
+            <a:off x="5971837" y="4279895"/>
+            <a:ext cx="4030862" cy="523220"/>
+          </a:xfrm>
+          <a:prstGeom prst="rect">
+            <a:avLst/>
+          </a:prstGeom>
+          <a:noFill/>
+        </p:spPr>
+        <p:txBody>
+          <a:bodyPr wrap="square">
+            <a:spAutoFit/>
+          </a:bodyPr>
+          <a:lstStyle/>
+          <a:p>
+            <a:r>
+              <a:rPr lang="en-GB" sz="2800" b="1" dirty="0"/>
+              <a:t>Legitimate method!</a:t>
+            </a:r>
+          </a:p>
+        </p:txBody>
+      </p:sp>
+      <p:sp>
+        <p:nvSpPr>
+          <p:cNvPr id="9" name="Title 1">
+            <a:extLst>
+              <a:ext uri="{FF2B5EF4-FFF2-40B4-BE49-F238E27FC236}">
+                <a16:creationId xmlns:a16="http://schemas.microsoft.com/office/drawing/2014/main" id="{93FC4861-710E-DDC9-0611-A2C4C8DF4EB0}"/>
+              </a:ext>
+            </a:extLst>
+          </p:cNvPr>
+          <p:cNvSpPr txBox="1">
+            <a:spLocks/>
+          </p:cNvSpPr>
+          <p:nvPr/>
+        </p:nvSpPr>
+        <p:spPr>
+          <a:xfrm>
+            <a:off x="666460" y="3675882"/>
+            <a:ext cx="10116033" cy="501438"/>
+          </a:xfrm>
+          <a:prstGeom prst="rect">
+            <a:avLst/>
+          </a:prstGeom>
+        </p:spPr>
+        <p:txBody>
+          <a:bodyPr vert="horz" lIns="91440" tIns="45720" rIns="91440" bIns="45720" rtlCol="0" anchor="ctr">
+            <a:normAutofit fontScale="77500" lnSpcReduction="20000"/>
+          </a:bodyPr>
+          <a:lstStyle>
+            <a:lvl1pPr algn="l" defTabSz="914400" rtl="0" eaLnBrk="1" latinLnBrk="0" hangingPunct="1">
+              <a:lnSpc>
+                <a:spcPct val="90000"/>
+              </a:lnSpc>
+              <a:spcBef>
+                <a:spcPct val="0"/>
+              </a:spcBef>
+              <a:buNone/>
+              <a:defRPr sz="4400" kern="1200">
+                <a:solidFill>
+                  <a:schemeClr val="tx1"/>
+                </a:solidFill>
+                <a:latin typeface="+mj-lt"/>
+                <a:ea typeface="+mj-ea"/>
+                <a:cs typeface="+mj-cs"/>
+              </a:defRPr>
+            </a:lvl1pPr>
+          </a:lstStyle>
+          <a:p>
+            <a:r>
+              <a:rPr lang="en-GB" dirty="0"/>
+              <a:t>Consequence (theorem):</a:t>
+            </a:r>
+          </a:p>
+        </p:txBody>
+      </p:sp>
+      <p:sp>
+        <p:nvSpPr>
+          <p:cNvPr id="10" name="TextBox 9">
+            <a:extLst>
+              <a:ext uri="{FF2B5EF4-FFF2-40B4-BE49-F238E27FC236}">
+                <a16:creationId xmlns:a16="http://schemas.microsoft.com/office/drawing/2014/main" id="{A5662EC8-3F96-53F0-502A-6BDE78BB68EA}"/>
+              </a:ext>
+            </a:extLst>
+          </p:cNvPr>
+          <p:cNvSpPr txBox="1"/>
+          <p:nvPr/>
+        </p:nvSpPr>
+        <p:spPr>
+          <a:xfrm>
+            <a:off x="782501" y="5093429"/>
+            <a:ext cx="8083775" cy="1477328"/>
+          </a:xfrm>
+          <a:prstGeom prst="rect">
+            <a:avLst/>
+          </a:prstGeom>
+          <a:noFill/>
+        </p:spPr>
+        <p:txBody>
+          <a:bodyPr wrap="square">
+            <a:spAutoFit/>
+          </a:bodyPr>
+          <a:lstStyle/>
+          <a:p>
+            <a:r>
+              <a:rPr lang="en-GB" b="1" dirty="0">
+                <a:solidFill>
+                  <a:srgbClr val="1A0282"/>
+                </a:solidFill>
+                <a:latin typeface="Courier New" panose="02070309020205020404" pitchFamily="49" charset="0"/>
+                <a:cs typeface="Courier New" panose="02070309020205020404" pitchFamily="49" charset="0"/>
+              </a:rPr>
+              <a:t>function</a:t>
+            </a:r>
+            <a:r>
+              <a:rPr lang="en-GB" b="1" dirty="0">
+                <a:solidFill>
+                  <a:schemeClr val="accent3"/>
+                </a:solidFill>
+                <a:latin typeface="Courier New" panose="02070309020205020404" pitchFamily="49" charset="0"/>
+                <a:cs typeface="Courier New" panose="02070309020205020404" pitchFamily="49" charset="0"/>
+              </a:rPr>
+              <a:t> </a:t>
+            </a:r>
+            <a:r>
+              <a:rPr lang="en-GB" b="1" dirty="0" err="1">
+                <a:latin typeface="Courier New" panose="02070309020205020404" pitchFamily="49" charset="0"/>
+                <a:cs typeface="Courier New" panose="02070309020205020404" pitchFamily="49" charset="0"/>
+              </a:rPr>
+              <a:t>sobj</a:t>
+            </a:r>
+            <a:r>
+              <a:rPr lang="en-GB" b="1" dirty="0">
+                <a:solidFill>
+                  <a:schemeClr val="accent3"/>
+                </a:solidFill>
+                <a:latin typeface="Courier New" panose="02070309020205020404" pitchFamily="49" charset="0"/>
+                <a:cs typeface="Courier New" panose="02070309020205020404" pitchFamily="49" charset="0"/>
+              </a:rPr>
+              <a:t> </a:t>
+            </a:r>
+            <a:r>
+              <a:rPr lang="en-GB" b="1" dirty="0">
+                <a:latin typeface="Courier New" panose="02070309020205020404" pitchFamily="49" charset="0"/>
+                <a:cs typeface="Courier New" panose="02070309020205020404" pitchFamily="49" charset="0"/>
+              </a:rPr>
+              <a:t>= </a:t>
+            </a:r>
+            <a:r>
+              <a:rPr lang="en-GB" b="1" dirty="0" err="1">
+                <a:solidFill>
+                  <a:srgbClr val="1A0282"/>
+                </a:solidFill>
+                <a:latin typeface="Courier New" panose="02070309020205020404" pitchFamily="49" charset="0"/>
+                <a:cs typeface="Courier New" panose="02070309020205020404" pitchFamily="49" charset="0"/>
+              </a:rPr>
+              <a:t>set</a:t>
+            </a:r>
+            <a:r>
+              <a:rPr lang="en-GB" b="1" dirty="0" err="1">
+                <a:solidFill>
+                  <a:schemeClr val="accent3"/>
+                </a:solidFill>
+                <a:latin typeface="Courier New" panose="02070309020205020404" pitchFamily="49" charset="0"/>
+                <a:cs typeface="Courier New" panose="02070309020205020404" pitchFamily="49" charset="0"/>
+              </a:rPr>
+              <a:t>.sproperty</a:t>
+            </a:r>
+            <a:r>
+              <a:rPr lang="en-GB" b="1" dirty="0">
+                <a:solidFill>
+                  <a:schemeClr val="accent3"/>
+                </a:solidFill>
+                <a:latin typeface="Courier New" panose="02070309020205020404" pitchFamily="49" charset="0"/>
+                <a:cs typeface="Courier New" panose="02070309020205020404" pitchFamily="49" charset="0"/>
+              </a:rPr>
+              <a:t>(</a:t>
+            </a:r>
+            <a:r>
+              <a:rPr lang="en-GB" b="1" dirty="0" err="1">
+                <a:latin typeface="Courier New" panose="02070309020205020404" pitchFamily="49" charset="0"/>
+                <a:cs typeface="Courier New" panose="02070309020205020404" pitchFamily="49" charset="0"/>
+              </a:rPr>
+              <a:t>sobj</a:t>
+            </a:r>
+            <a:r>
+              <a:rPr lang="en-GB" b="1" dirty="0" err="1">
+                <a:solidFill>
+                  <a:schemeClr val="accent3"/>
+                </a:solidFill>
+                <a:latin typeface="Courier New" panose="02070309020205020404" pitchFamily="49" charset="0"/>
+                <a:cs typeface="Courier New" panose="02070309020205020404" pitchFamily="49" charset="0"/>
+              </a:rPr>
+              <a:t>,value</a:t>
+            </a:r>
+            <a:r>
+              <a:rPr lang="en-GB" b="1" dirty="0">
+                <a:solidFill>
+                  <a:schemeClr val="accent3"/>
+                </a:solidFill>
+                <a:latin typeface="Courier New" panose="02070309020205020404" pitchFamily="49" charset="0"/>
+                <a:cs typeface="Courier New" panose="02070309020205020404" pitchFamily="49" charset="0"/>
+              </a:rPr>
+              <a:t>)</a:t>
+            </a:r>
+          </a:p>
+          <a:p>
+            <a:r>
+              <a:rPr lang="en-GB" b="1" dirty="0" err="1">
+                <a:latin typeface="Courier New" panose="02070309020205020404" pitchFamily="49" charset="0"/>
+                <a:cs typeface="Courier New" panose="02070309020205020404" pitchFamily="49" charset="0"/>
+              </a:rPr>
+              <a:t>sobj</a:t>
+            </a:r>
+            <a:r>
+              <a:rPr lang="en-GB" b="1" dirty="0" err="1">
+                <a:solidFill>
+                  <a:schemeClr val="accent3"/>
+                </a:solidFill>
+                <a:latin typeface="Courier New" panose="02070309020205020404" pitchFamily="49" charset="0"/>
+                <a:cs typeface="Courier New" panose="02070309020205020404" pitchFamily="49" charset="0"/>
+              </a:rPr>
+              <a:t>.sproperty</a:t>
+            </a:r>
+            <a:r>
+              <a:rPr lang="en-GB" b="1" dirty="0">
+                <a:solidFill>
+                  <a:schemeClr val="accent3"/>
+                </a:solidFill>
+                <a:latin typeface="Courier New" panose="02070309020205020404" pitchFamily="49" charset="0"/>
+                <a:cs typeface="Courier New" panose="02070309020205020404" pitchFamily="49" charset="0"/>
+              </a:rPr>
+              <a:t>_ </a:t>
+            </a:r>
+            <a:r>
+              <a:rPr lang="en-GB" b="1" dirty="0">
+                <a:latin typeface="Courier New" panose="02070309020205020404" pitchFamily="49" charset="0"/>
+                <a:cs typeface="Courier New" panose="02070309020205020404" pitchFamily="49" charset="0"/>
+              </a:rPr>
+              <a:t>=</a:t>
+            </a:r>
+            <a:r>
+              <a:rPr lang="en-GB" b="1" dirty="0">
+                <a:solidFill>
+                  <a:schemeClr val="accent3"/>
+                </a:solidFill>
+                <a:latin typeface="Courier New" panose="02070309020205020404" pitchFamily="49" charset="0"/>
+                <a:cs typeface="Courier New" panose="02070309020205020404" pitchFamily="49" charset="0"/>
+              </a:rPr>
+              <a:t> value</a:t>
+            </a:r>
+          </a:p>
+          <a:p>
+            <a:r>
+              <a:rPr lang="en-GB" b="1" dirty="0">
+                <a:solidFill>
+                  <a:srgbClr val="1A0282"/>
+                </a:solidFill>
+                <a:latin typeface="Courier New" panose="02070309020205020404" pitchFamily="49" charset="0"/>
+                <a:cs typeface="Courier New" panose="02070309020205020404" pitchFamily="49" charset="0"/>
+              </a:rPr>
+              <a:t>If</a:t>
+            </a:r>
+            <a:r>
+              <a:rPr lang="en-GB" b="1" dirty="0">
+                <a:solidFill>
+                  <a:schemeClr val="accent3"/>
+                </a:solidFill>
+                <a:latin typeface="Courier New" panose="02070309020205020404" pitchFamily="49" charset="0"/>
+                <a:cs typeface="Courier New" panose="02070309020205020404" pitchFamily="49" charset="0"/>
+              </a:rPr>
+              <a:t> </a:t>
+            </a:r>
+            <a:r>
+              <a:rPr lang="en-GB" b="1" dirty="0" err="1">
+                <a:latin typeface="Courier New" panose="02070309020205020404" pitchFamily="49" charset="0"/>
+                <a:cs typeface="Courier New" panose="02070309020205020404" pitchFamily="49" charset="0"/>
+              </a:rPr>
+              <a:t>sobj</a:t>
+            </a:r>
+            <a:r>
+              <a:rPr lang="en-GB" b="1" dirty="0" err="1">
+                <a:solidFill>
+                  <a:schemeClr val="accent3"/>
+                </a:solidFill>
+                <a:latin typeface="Courier New" panose="02070309020205020404" pitchFamily="49" charset="0"/>
+                <a:cs typeface="Courier New" panose="02070309020205020404" pitchFamily="49" charset="0"/>
+              </a:rPr>
+              <a:t>.do_check_combo_arg</a:t>
+            </a:r>
+            <a:r>
+              <a:rPr lang="en-GB" b="1" dirty="0">
+                <a:solidFill>
+                  <a:schemeClr val="accent3"/>
+                </a:solidFill>
+                <a:latin typeface="Courier New" panose="02070309020205020404" pitchFamily="49" charset="0"/>
+                <a:cs typeface="Courier New" panose="02070309020205020404" pitchFamily="49" charset="0"/>
+              </a:rPr>
+              <a:t>_</a:t>
+            </a:r>
+          </a:p>
+          <a:p>
+            <a:r>
+              <a:rPr lang="en-GB" b="1" dirty="0">
+                <a:solidFill>
+                  <a:schemeClr val="accent3"/>
+                </a:solidFill>
+                <a:latin typeface="Courier New" panose="02070309020205020404" pitchFamily="49" charset="0"/>
+                <a:cs typeface="Courier New" panose="02070309020205020404" pitchFamily="49" charset="0"/>
+              </a:rPr>
+              <a:t>	</a:t>
+            </a:r>
+            <a:r>
+              <a:rPr lang="en-GB" b="1" dirty="0" err="1">
+                <a:latin typeface="Courier New" panose="02070309020205020404" pitchFamily="49" charset="0"/>
+                <a:cs typeface="Courier New" panose="02070309020205020404" pitchFamily="49" charset="0"/>
+              </a:rPr>
+              <a:t>sobj</a:t>
+            </a:r>
+            <a:r>
+              <a:rPr lang="en-GB" b="1" dirty="0">
+                <a:solidFill>
+                  <a:schemeClr val="accent3"/>
+                </a:solidFill>
+                <a:latin typeface="Courier New" panose="02070309020205020404" pitchFamily="49" charset="0"/>
+                <a:cs typeface="Courier New" panose="02070309020205020404" pitchFamily="49" charset="0"/>
+              </a:rPr>
+              <a:t> </a:t>
+            </a:r>
+            <a:r>
+              <a:rPr lang="en-GB" b="1" dirty="0">
+                <a:latin typeface="Courier New" panose="02070309020205020404" pitchFamily="49" charset="0"/>
+                <a:cs typeface="Courier New" panose="02070309020205020404" pitchFamily="49" charset="0"/>
+              </a:rPr>
+              <a:t>=</a:t>
+            </a:r>
+            <a:r>
+              <a:rPr lang="en-GB" b="1" dirty="0">
+                <a:solidFill>
+                  <a:schemeClr val="accent3"/>
+                </a:solidFill>
+                <a:latin typeface="Courier New" panose="02070309020205020404" pitchFamily="49" charset="0"/>
+                <a:cs typeface="Courier New" panose="02070309020205020404" pitchFamily="49" charset="0"/>
+              </a:rPr>
+              <a:t> </a:t>
+            </a:r>
+            <a:r>
+              <a:rPr lang="en-GB" b="1" dirty="0" err="1">
+                <a:latin typeface="Courier New" panose="02070309020205020404" pitchFamily="49" charset="0"/>
+                <a:cs typeface="Courier New" panose="02070309020205020404" pitchFamily="49" charset="0"/>
+              </a:rPr>
+              <a:t>sobj</a:t>
+            </a:r>
+            <a:r>
+              <a:rPr lang="en-GB" b="1" dirty="0" err="1">
+                <a:solidFill>
+                  <a:schemeClr val="accent3"/>
+                </a:solidFill>
+                <a:latin typeface="Courier New" panose="02070309020205020404" pitchFamily="49" charset="0"/>
+                <a:cs typeface="Courier New" panose="02070309020205020404" pitchFamily="49" charset="0"/>
+              </a:rPr>
+              <a:t>.check_combo_arg</a:t>
+            </a:r>
+            <a:r>
+              <a:rPr lang="en-GB" b="1" dirty="0">
+                <a:solidFill>
+                  <a:schemeClr val="accent3"/>
+                </a:solidFill>
+                <a:latin typeface="Courier New" panose="02070309020205020404" pitchFamily="49" charset="0"/>
+                <a:cs typeface="Courier New" panose="02070309020205020404" pitchFamily="49" charset="0"/>
+              </a:rPr>
+              <a:t>()</a:t>
+            </a:r>
+          </a:p>
+          <a:p>
+            <a:r>
+              <a:rPr lang="en-GB" b="1" dirty="0">
+                <a:solidFill>
+                  <a:srgbClr val="1A0282"/>
+                </a:solidFill>
+                <a:latin typeface="Courier New" panose="02070309020205020404" pitchFamily="49" charset="0"/>
+                <a:cs typeface="Courier New" panose="02070309020205020404" pitchFamily="49" charset="0"/>
+              </a:rPr>
+              <a:t>end</a:t>
+            </a:r>
+            <a:endParaRPr lang="en-GB" dirty="0">
+              <a:solidFill>
+                <a:srgbClr val="1A0282"/>
+              </a:solidFill>
+            </a:endParaRPr>
+          </a:p>
+        </p:txBody>
+      </p:sp>
+      <p:sp>
+        <p:nvSpPr>
+          <p:cNvPr id="13" name="Rectangle: Rounded Corners 12">
+            <a:extLst>
+              <a:ext uri="{FF2B5EF4-FFF2-40B4-BE49-F238E27FC236}">
+                <a16:creationId xmlns:a16="http://schemas.microsoft.com/office/drawing/2014/main" id="{CBC77A54-3570-614D-4589-7502050F42C4}"/>
+              </a:ext>
+            </a:extLst>
+          </p:cNvPr>
+          <p:cNvSpPr/>
+          <p:nvPr/>
+        </p:nvSpPr>
+        <p:spPr>
+          <a:xfrm>
+            <a:off x="705527" y="4177320"/>
+            <a:ext cx="9431781" cy="867984"/>
+          </a:xfrm>
+          <a:prstGeom prst="roundRect">
+            <a:avLst/>
+          </a:prstGeom>
+          <a:noFill/>
+          <a:ln w="38100">
+            <a:solidFill>
+              <a:srgbClr val="00B050"/>
+            </a:solidFill>
+          </a:ln>
+        </p:spPr>
+        <p:style>
+          <a:lnRef idx="2">
+            <a:schemeClr val="accent1">
+              <a:shade val="15000"/>
+            </a:schemeClr>
+          </a:lnRef>
+          <a:fillRef idx="1">
+            <a:schemeClr val="accent1"/>
+          </a:fillRef>
+          <a:effectRef idx="0">
+            <a:schemeClr val="accent1"/>
+          </a:effectRef>
+          <a:fontRef idx="minor">
+            <a:schemeClr val="lt1"/>
+          </a:fontRef>
+        </p:style>
+        <p:txBody>
+          <a:bodyPr rtlCol="0" anchor="ctr"/>
+          <a:lstStyle/>
+          <a:p>
+            <a:pPr algn="ctr"/>
+            <a:endParaRPr lang="en-GB"/>
+          </a:p>
+        </p:txBody>
+      </p:sp>
+    </p:spTree>
+    <p:extLst>
+      <p:ext uri="{BB962C8B-B14F-4D97-AF65-F5344CB8AC3E}">
+        <p14:creationId xmlns:p14="http://schemas.microsoft.com/office/powerpoint/2010/main" val="1512502128"/>
+      </p:ext>
+    </p:extLst>
+  </p:cSld>
+  <p:clrMapOvr>
+    <a:masterClrMapping/>
+  </p:clrMapOvr>
+</p:sld>
+</file>
+
+<file path=ppt/slides/slide17.xml><?xml version="1.0" encoding="utf-8"?>
+<p:sld xmlns:a="http://schemas.openxmlformats.org/drawingml/2006/main" xmlns:r="http://schemas.openxmlformats.org/officeDocument/2006/relationships" xmlns:p="http://schemas.openxmlformats.org/presentationml/2006/main">
+  <p:cSld>
+    <p:spTree>
+      <p:nvGrpSpPr>
+        <p:cNvPr id="1" name=""/>
+        <p:cNvGrpSpPr/>
+        <p:nvPr/>
+      </p:nvGrpSpPr>
+      <p:grpSpPr>
+        <a:xfrm>
+          <a:off x="0" y="0"/>
+          <a:ext cx="0" cy="0"/>
+          <a:chOff x="0" y="0"/>
+          <a:chExt cx="0" cy="0"/>
+        </a:xfrm>
+      </p:grpSpPr>
+      <p:sp>
+        <p:nvSpPr>
+          <p:cNvPr id="2" name="Title 1">
+            <a:extLst>
+              <a:ext uri="{FF2B5EF4-FFF2-40B4-BE49-F238E27FC236}">
+                <a16:creationId xmlns:a16="http://schemas.microsoft.com/office/drawing/2014/main" id="{5021BFAF-6708-75FC-B2A3-094308625E8B}"/>
+              </a:ext>
+            </a:extLst>
+          </p:cNvPr>
+          <p:cNvSpPr>
+            <a:spLocks noGrp="1"/>
+          </p:cNvSpPr>
+          <p:nvPr>
+            <p:ph type="title"/>
+          </p:nvPr>
+        </p:nvSpPr>
+        <p:spPr/>
+        <p:txBody>
+          <a:bodyPr>
+            <a:normAutofit/>
+          </a:bodyPr>
+          <a:lstStyle/>
+          <a:p>
+            <a:pPr algn="ctr"/>
+            <a:r>
+              <a:rPr lang="en-GB" sz="3600" dirty="0">
+                <a:solidFill>
+                  <a:schemeClr val="tx1"/>
+                </a:solidFill>
+              </a:rPr>
+              <a:t>Problem with unique references singleton implementation </a:t>
+            </a:r>
+            <a:r>
+              <a:rPr lang="en-GB" sz="3600" dirty="0">
+                <a:solidFill>
+                  <a:srgbClr val="7030A0"/>
+                </a:solidFill>
+              </a:rPr>
+              <a:t>#1791</a:t>
+            </a:r>
+          </a:p>
+        </p:txBody>
+      </p:sp>
+      <p:sp>
+        <p:nvSpPr>
+          <p:cNvPr id="3" name="Content Placeholder 2">
+            <a:extLst>
+              <a:ext uri="{FF2B5EF4-FFF2-40B4-BE49-F238E27FC236}">
+                <a16:creationId xmlns:a16="http://schemas.microsoft.com/office/drawing/2014/main" id="{5FD1F749-C565-D6EC-F8FE-8B2F7CE2A035}"/>
+              </a:ext>
+            </a:extLst>
+          </p:cNvPr>
+          <p:cNvSpPr>
+            <a:spLocks noGrp="1"/>
+          </p:cNvSpPr>
+          <p:nvPr>
+            <p:ph idx="1"/>
+          </p:nvPr>
+        </p:nvSpPr>
+        <p:spPr/>
+        <p:txBody>
+          <a:bodyPr>
+            <a:normAutofit fontScale="85000" lnSpcReduction="10000"/>
+          </a:bodyPr>
+          <a:lstStyle/>
+          <a:p>
+            <a:pPr marL="457200" indent="-457200">
+              <a:buFont typeface="+mj-lt"/>
+              <a:buAutoNum type="arabicPeriod"/>
+            </a:pPr>
+            <a:r>
+              <a:rPr lang="en-GB" sz="2400" dirty="0"/>
+              <a:t>I</a:t>
+            </a:r>
+            <a:r>
+              <a:rPr lang="en-GB" sz="2000" dirty="0"/>
+              <a:t>t is non-standard and Horace-specific. When maintainer looks at the code, he/she would not immediately understand what is there and need to read complex custom description on what is this and how to work with it, while any software graduate student is familiar with a standard singleton.</a:t>
+            </a:r>
+          </a:p>
+          <a:p>
+            <a:pPr marL="457200" indent="-457200">
+              <a:buFont typeface="+mj-lt"/>
+              <a:buAutoNum type="arabicPeriod"/>
+            </a:pPr>
+            <a:r>
+              <a:rPr lang="en-GB" sz="2000" dirty="0"/>
+              <a:t>The storage and </a:t>
+            </a:r>
+            <a:r>
+              <a:rPr lang="en-GB" sz="2000" dirty="0" err="1">
+                <a:solidFill>
+                  <a:schemeClr val="accent6">
+                    <a:lumMod val="75000"/>
+                  </a:schemeClr>
+                </a:solidFill>
+                <a:latin typeface="Courier New" panose="02070309020205020404" pitchFamily="49" charset="0"/>
+                <a:cs typeface="Courier New" panose="02070309020205020404" pitchFamily="49" charset="0"/>
+              </a:rPr>
+              <a:t>unique_references_contanter</a:t>
+            </a:r>
+            <a:r>
+              <a:rPr lang="en-GB" sz="2000" dirty="0">
+                <a:solidFill>
+                  <a:schemeClr val="accent6">
+                    <a:lumMod val="75000"/>
+                  </a:schemeClr>
+                </a:solidFill>
+                <a:latin typeface="Courier New" panose="02070309020205020404" pitchFamily="49" charset="0"/>
+                <a:cs typeface="Courier New" panose="02070309020205020404" pitchFamily="49" charset="0"/>
+              </a:rPr>
+              <a:t> </a:t>
+            </a:r>
+            <a:r>
+              <a:rPr lang="en-GB" sz="2000" dirty="0"/>
+              <a:t>are mixed together, despite having different purposes.</a:t>
+            </a:r>
+          </a:p>
+          <a:p>
+            <a:pPr marL="457200" indent="-457200">
+              <a:buFont typeface="+mj-lt"/>
+              <a:buAutoNum type="arabicPeriod"/>
+            </a:pPr>
+            <a:r>
+              <a:rPr lang="en-GB" sz="2000" dirty="0"/>
+              <a:t>because of (2), methods of "would be singleton" are implemented as a switch over group of keys. This is inferior design in comparison with normal set of class methods, which are visible and easy testable</a:t>
+            </a:r>
+          </a:p>
+          <a:p>
+            <a:endParaRPr lang="en-GB" sz="2000" dirty="0"/>
+          </a:p>
+          <a:p>
+            <a:r>
+              <a:rPr lang="en-GB" sz="2000" dirty="0"/>
+              <a:t>50% code duplication between containers</a:t>
+            </a:r>
+          </a:p>
+          <a:p>
+            <a:r>
+              <a:rPr lang="en-GB" sz="2000" dirty="0"/>
+              <a:t>Multiple methods doing the same things with a slightly different code. (</a:t>
+            </a:r>
+            <a:r>
+              <a:rPr lang="en-GB" sz="2000" dirty="0">
+                <a:latin typeface="Courier New" panose="02070309020205020404" pitchFamily="49" charset="0"/>
+                <a:cs typeface="Courier New" panose="02070309020205020404" pitchFamily="49" charset="0"/>
+              </a:rPr>
+              <a:t>contains</a:t>
+            </a:r>
+            <a:r>
+              <a:rPr lang="en-GB" sz="2000" dirty="0"/>
+              <a:t> vs </a:t>
+            </a:r>
+            <a:r>
+              <a:rPr lang="en-GB" sz="2000" dirty="0" err="1">
+                <a:latin typeface="Courier New" panose="02070309020205020404" pitchFamily="49" charset="0"/>
+                <a:cs typeface="Courier New" panose="02070309020205020404" pitchFamily="49" charset="0"/>
+              </a:rPr>
+              <a:t>find_in_container</a:t>
+            </a:r>
+            <a:r>
+              <a:rPr lang="en-GB" sz="2000" dirty="0"/>
+              <a:t>, </a:t>
+            </a:r>
+            <a:r>
+              <a:rPr lang="en-GB" sz="2000" dirty="0" err="1">
+                <a:latin typeface="Courier New" panose="02070309020205020404" pitchFamily="49" charset="0"/>
+                <a:cs typeface="Courier New" panose="02070309020205020404" pitchFamily="49" charset="0"/>
+              </a:rPr>
+              <a:t>replicate_runs</a:t>
+            </a:r>
+            <a:r>
+              <a:rPr lang="en-GB" sz="2000" dirty="0">
+                <a:latin typeface="Courier New" panose="02070309020205020404" pitchFamily="49" charset="0"/>
+                <a:cs typeface="Courier New" panose="02070309020205020404" pitchFamily="49" charset="0"/>
+              </a:rPr>
+              <a:t> </a:t>
+            </a:r>
+            <a:r>
+              <a:rPr lang="en-GB" sz="2000" dirty="0"/>
+              <a:t>vs </a:t>
+            </a:r>
+            <a:r>
+              <a:rPr lang="en-GB" sz="2000" dirty="0" err="1">
+                <a:latin typeface="Courier New" panose="02070309020205020404" pitchFamily="49" charset="0"/>
+                <a:cs typeface="Courier New" panose="02070309020205020404" pitchFamily="49" charset="0"/>
+              </a:rPr>
+              <a:t>set_all</a:t>
+            </a:r>
+            <a:r>
+              <a:rPr lang="en-GB" sz="2000" dirty="0">
+                <a:latin typeface="Courier New" panose="02070309020205020404" pitchFamily="49" charset="0"/>
+                <a:cs typeface="Courier New" panose="02070309020205020404" pitchFamily="49" charset="0"/>
+              </a:rPr>
+              <a:t>)</a:t>
+            </a:r>
+          </a:p>
+          <a:p>
+            <a:r>
+              <a:rPr lang="en-GB" sz="2000" dirty="0" err="1">
+                <a:latin typeface="Courier New" panose="02070309020205020404" pitchFamily="49" charset="0"/>
+                <a:cs typeface="Courier New" panose="02070309020205020404" pitchFamily="49" charset="0"/>
+              </a:rPr>
+              <a:t>serializabe</a:t>
+            </a:r>
+            <a:r>
+              <a:rPr lang="en-GB" sz="2000" dirty="0">
+                <a:latin typeface="+mj-lt"/>
+                <a:cs typeface="Courier New" panose="02070309020205020404" pitchFamily="49" charset="0"/>
+              </a:rPr>
+              <a:t> is not respected</a:t>
+            </a:r>
+          </a:p>
+          <a:p>
+            <a:r>
+              <a:rPr lang="en-GB" sz="2000" dirty="0"/>
+              <a:t>Work of love </a:t>
+            </a:r>
+            <a:r>
+              <a:rPr lang="en-GB" sz="2000" b="1" dirty="0"/>
+              <a:t>BUT</a:t>
+            </a:r>
+            <a:r>
+              <a:rPr lang="en-GB" sz="2000" dirty="0"/>
+              <a:t> Majority of containers methods are not unit tested!!!</a:t>
+            </a:r>
+          </a:p>
+          <a:p>
+            <a:r>
+              <a:rPr lang="en-GB" sz="2000" dirty="0">
+                <a:solidFill>
+                  <a:srgbClr val="C00000"/>
+                </a:solidFill>
+              </a:rPr>
+              <a:t>Does not work!!!</a:t>
+            </a:r>
+            <a:endParaRPr lang="en-GB" dirty="0">
+              <a:solidFill>
+                <a:srgbClr val="C00000"/>
+              </a:solidFill>
+            </a:endParaRPr>
+          </a:p>
+        </p:txBody>
+      </p:sp>
+      <p:grpSp>
+        <p:nvGrpSpPr>
+          <p:cNvPr id="4" name="Group 3">
+            <a:extLst>
+              <a:ext uri="{FF2B5EF4-FFF2-40B4-BE49-F238E27FC236}">
+                <a16:creationId xmlns:a16="http://schemas.microsoft.com/office/drawing/2014/main" id="{0ABAC416-A9D8-3567-0002-287C7248CD1E}"/>
+              </a:ext>
+            </a:extLst>
+          </p:cNvPr>
+          <p:cNvGrpSpPr/>
+          <p:nvPr/>
+        </p:nvGrpSpPr>
+        <p:grpSpPr>
+          <a:xfrm>
+            <a:off x="939155" y="5538297"/>
+            <a:ext cx="2783428" cy="407630"/>
+            <a:chOff x="1712759" y="1271805"/>
+            <a:chExt cx="9501405" cy="932967"/>
+          </a:xfrm>
+        </p:grpSpPr>
+        <p:sp>
+          <p:nvSpPr>
+            <p:cNvPr id="5" name="Rectangle 4">
+              <a:extLst>
+                <a:ext uri="{FF2B5EF4-FFF2-40B4-BE49-F238E27FC236}">
+                  <a16:creationId xmlns:a16="http://schemas.microsoft.com/office/drawing/2014/main" id="{7208A864-F654-6033-2AB3-6521FBDD2C73}"/>
+                </a:ext>
+              </a:extLst>
+            </p:cNvPr>
+            <p:cNvSpPr/>
+            <p:nvPr/>
+          </p:nvSpPr>
+          <p:spPr>
+            <a:xfrm>
+              <a:off x="1712759" y="1271805"/>
+              <a:ext cx="9501405" cy="932967"/>
+            </a:xfrm>
+            <a:prstGeom prst="rect">
+              <a:avLst/>
+            </a:prstGeom>
+            <a:noFill/>
+            <a:ln w="6350">
+              <a:solidFill>
+                <a:srgbClr val="FF0000"/>
+              </a:solidFill>
+            </a:ln>
+          </p:spPr>
+          <p:style>
+            <a:lnRef idx="2">
+              <a:schemeClr val="accent1">
+                <a:shade val="15000"/>
+              </a:schemeClr>
+            </a:lnRef>
+            <a:fillRef idx="1">
+              <a:schemeClr val="accent1"/>
+            </a:fillRef>
+            <a:effectRef idx="0">
+              <a:schemeClr val="accent1"/>
+            </a:effectRef>
+            <a:fontRef idx="minor">
+              <a:schemeClr val="lt1"/>
+            </a:fontRef>
+          </p:style>
+          <p:txBody>
+            <a:bodyPr rtlCol="0" anchor="ctr"/>
+            <a:lstStyle/>
+            <a:p>
+              <a:pPr algn="ctr"/>
+              <a:endParaRPr lang="en-GB"/>
+            </a:p>
+          </p:txBody>
+        </p:sp>
+        <p:cxnSp>
+          <p:nvCxnSpPr>
+            <p:cNvPr id="6" name="Straight Connector 5">
+              <a:extLst>
+                <a:ext uri="{FF2B5EF4-FFF2-40B4-BE49-F238E27FC236}">
+                  <a16:creationId xmlns:a16="http://schemas.microsoft.com/office/drawing/2014/main" id="{C415EC14-E24B-424B-D20F-1C931CAB9B9E}"/>
+                </a:ext>
+              </a:extLst>
+            </p:cNvPr>
+            <p:cNvCxnSpPr>
+              <a:cxnSpLocks/>
+            </p:cNvCxnSpPr>
+            <p:nvPr/>
+          </p:nvCxnSpPr>
+          <p:spPr>
+            <a:xfrm>
+              <a:off x="1712759" y="1271805"/>
+              <a:ext cx="9501405" cy="932967"/>
+            </a:xfrm>
+            <a:prstGeom prst="line">
+              <a:avLst/>
+            </a:prstGeom>
+            <a:ln>
+              <a:solidFill>
+                <a:srgbClr val="FF0000"/>
+              </a:solidFill>
+            </a:ln>
+          </p:spPr>
+          <p:style>
+            <a:lnRef idx="2">
+              <a:schemeClr val="accent1"/>
+            </a:lnRef>
+            <a:fillRef idx="0">
+              <a:schemeClr val="accent1"/>
+            </a:fillRef>
+            <a:effectRef idx="1">
+              <a:schemeClr val="accent1"/>
+            </a:effectRef>
+            <a:fontRef idx="minor">
+              <a:schemeClr val="tx1"/>
+            </a:fontRef>
+          </p:style>
+        </p:cxnSp>
+        <p:cxnSp>
+          <p:nvCxnSpPr>
+            <p:cNvPr id="7" name="Straight Connector 6">
+              <a:extLst>
+                <a:ext uri="{FF2B5EF4-FFF2-40B4-BE49-F238E27FC236}">
+                  <a16:creationId xmlns:a16="http://schemas.microsoft.com/office/drawing/2014/main" id="{7BE8714E-BD83-0974-2E97-1203E995CD39}"/>
+                </a:ext>
+              </a:extLst>
+            </p:cNvPr>
+            <p:cNvCxnSpPr>
+              <a:cxnSpLocks/>
+            </p:cNvCxnSpPr>
+            <p:nvPr/>
+          </p:nvCxnSpPr>
+          <p:spPr>
+            <a:xfrm flipH="1">
+              <a:off x="1712759" y="1271805"/>
+              <a:ext cx="9501405" cy="932967"/>
+            </a:xfrm>
+            <a:prstGeom prst="line">
+              <a:avLst/>
+            </a:prstGeom>
+            <a:ln w="19050">
+              <a:solidFill>
+                <a:srgbClr val="FF0000"/>
+              </a:solidFill>
+            </a:ln>
+          </p:spPr>
+          <p:style>
+            <a:lnRef idx="2">
+              <a:schemeClr val="accent1"/>
+            </a:lnRef>
+            <a:fillRef idx="0">
+              <a:schemeClr val="accent1"/>
+            </a:fillRef>
+            <a:effectRef idx="1">
+              <a:schemeClr val="accent1"/>
+            </a:effectRef>
+            <a:fontRef idx="minor">
+              <a:schemeClr val="tx1"/>
+            </a:fontRef>
+          </p:style>
+        </p:cxnSp>
+      </p:grpSp>
+    </p:spTree>
+    <p:extLst>
+      <p:ext uri="{BB962C8B-B14F-4D97-AF65-F5344CB8AC3E}">
+        <p14:creationId xmlns:p14="http://schemas.microsoft.com/office/powerpoint/2010/main" val="2541380223"/>
+      </p:ext>
+    </p:extLst>
+  </p:cSld>
+  <p:clrMapOvr>
+    <a:masterClrMapping/>
+  </p:clrMapOvr>
+</p:sld>
+</file>
+
+<file path=ppt/slides/slide18.xml><?xml version="1.0" encoding="utf-8"?>
+<p:sld xmlns:a="http://schemas.openxmlformats.org/drawingml/2006/main" xmlns:r="http://schemas.openxmlformats.org/officeDocument/2006/relationships" xmlns:p="http://schemas.openxmlformats.org/presentationml/2006/main">
+  <p:cSld>
+    <p:spTree>
+      <p:nvGrpSpPr>
+        <p:cNvPr id="1" name="">
+          <a:extLst>
+            <a:ext uri="{FF2B5EF4-FFF2-40B4-BE49-F238E27FC236}">
+              <a16:creationId xmlns:a16="http://schemas.microsoft.com/office/drawing/2014/main" id="{259DA183-24F6-6400-C510-5E43E0F65E4E}"/>
+            </a:ext>
+          </a:extLst>
+        </p:cNvPr>
+        <p:cNvGrpSpPr/>
+        <p:nvPr/>
+      </p:nvGrpSpPr>
+      <p:grpSpPr>
+        <a:xfrm>
+          <a:off x="0" y="0"/>
+          <a:ext cx="0" cy="0"/>
+          <a:chOff x="0" y="0"/>
+          <a:chExt cx="0" cy="0"/>
+        </a:xfrm>
+      </p:grpSpPr>
+      <p:sp>
+        <p:nvSpPr>
+          <p:cNvPr id="2" name="Title 1">
+            <a:extLst>
+              <a:ext uri="{FF2B5EF4-FFF2-40B4-BE49-F238E27FC236}">
+                <a16:creationId xmlns:a16="http://schemas.microsoft.com/office/drawing/2014/main" id="{D624607A-D87C-4FEB-75EB-39CCE5542C9E}"/>
+              </a:ext>
+            </a:extLst>
+          </p:cNvPr>
+          <p:cNvSpPr>
+            <a:spLocks noGrp="1"/>
+          </p:cNvSpPr>
+          <p:nvPr>
+            <p:ph type="title"/>
+          </p:nvPr>
+        </p:nvSpPr>
+        <p:spPr/>
+        <p:txBody>
+          <a:bodyPr>
+            <a:normAutofit/>
+          </a:bodyPr>
+          <a:lstStyle/>
+          <a:p>
+            <a:r>
+              <a:rPr lang="en-GB" sz="3600" dirty="0">
+                <a:solidFill>
+                  <a:schemeClr val="tx1"/>
+                </a:solidFill>
+              </a:rPr>
+              <a:t>Problem with unique references singleton </a:t>
+            </a:r>
+            <a:r>
+              <a:rPr lang="en-GB" sz="3600" dirty="0">
+                <a:solidFill>
+                  <a:srgbClr val="7030A0"/>
+                </a:solidFill>
+              </a:rPr>
+              <a:t>#1791 </a:t>
+            </a:r>
+            <a:br>
+              <a:rPr lang="en-GB" sz="3600" dirty="0">
+                <a:solidFill>
+                  <a:srgbClr val="7030A0"/>
+                </a:solidFill>
+              </a:rPr>
+            </a:br>
+            <a:r>
+              <a:rPr lang="en-GB" sz="2000" dirty="0"/>
+              <a:t>The storage and </a:t>
+            </a:r>
+            <a:r>
+              <a:rPr lang="en-GB" sz="2000" dirty="0" err="1">
+                <a:solidFill>
+                  <a:schemeClr val="accent6">
+                    <a:lumMod val="75000"/>
+                  </a:schemeClr>
+                </a:solidFill>
+                <a:latin typeface="Courier New" panose="02070309020205020404" pitchFamily="49" charset="0"/>
+                <a:cs typeface="Courier New" panose="02070309020205020404" pitchFamily="49" charset="0"/>
+              </a:rPr>
+              <a:t>unique_references_contanter</a:t>
+            </a:r>
+            <a:r>
+              <a:rPr lang="en-GB" sz="2000" dirty="0">
+                <a:solidFill>
+                  <a:schemeClr val="accent6">
+                    <a:lumMod val="75000"/>
+                  </a:schemeClr>
+                </a:solidFill>
+                <a:latin typeface="Courier New" panose="02070309020205020404" pitchFamily="49" charset="0"/>
+                <a:cs typeface="Courier New" panose="02070309020205020404" pitchFamily="49" charset="0"/>
+              </a:rPr>
+              <a:t> </a:t>
+            </a:r>
+            <a:r>
+              <a:rPr lang="en-GB" sz="2000" dirty="0"/>
+              <a:t>are mixed together, despite having different purposes</a:t>
+            </a:r>
+            <a:endParaRPr lang="en-GB" sz="3600" dirty="0">
+              <a:solidFill>
+                <a:srgbClr val="7030A0"/>
+              </a:solidFill>
+            </a:endParaRPr>
+          </a:p>
+        </p:txBody>
+      </p:sp>
+      <p:sp>
+        <p:nvSpPr>
+          <p:cNvPr id="10" name="Content Placeholder 9">
+            <a:extLst>
+              <a:ext uri="{FF2B5EF4-FFF2-40B4-BE49-F238E27FC236}">
+                <a16:creationId xmlns:a16="http://schemas.microsoft.com/office/drawing/2014/main" id="{AE0D1BE9-ED49-5580-E5E6-99B240780392}"/>
+              </a:ext>
+            </a:extLst>
+          </p:cNvPr>
+          <p:cNvSpPr>
+            <a:spLocks noGrp="1"/>
+          </p:cNvSpPr>
+          <p:nvPr>
+            <p:ph sz="half" idx="1"/>
+          </p:nvPr>
+        </p:nvSpPr>
+        <p:spPr/>
+        <p:txBody>
+          <a:bodyPr/>
+          <a:lstStyle/>
+          <a:p>
+            <a:endParaRPr lang="en-GB"/>
+          </a:p>
+        </p:txBody>
+      </p:sp>
+      <p:sp>
+        <p:nvSpPr>
+          <p:cNvPr id="11" name="Content Placeholder 10">
+            <a:extLst>
+              <a:ext uri="{FF2B5EF4-FFF2-40B4-BE49-F238E27FC236}">
+                <a16:creationId xmlns:a16="http://schemas.microsoft.com/office/drawing/2014/main" id="{F2D48621-C553-D567-F028-D42AF4A8D0B2}"/>
+              </a:ext>
+            </a:extLst>
+          </p:cNvPr>
+          <p:cNvSpPr>
+            <a:spLocks noGrp="1"/>
+          </p:cNvSpPr>
+          <p:nvPr>
+            <p:ph sz="half" idx="2"/>
+          </p:nvPr>
+        </p:nvSpPr>
+        <p:spPr/>
+        <p:txBody>
+          <a:bodyPr/>
+          <a:lstStyle/>
+          <a:p>
+            <a:endParaRPr lang="en-GB"/>
+          </a:p>
+        </p:txBody>
+      </p:sp>
+    </p:spTree>
+    <p:extLst>
+      <p:ext uri="{BB962C8B-B14F-4D97-AF65-F5344CB8AC3E}">
+        <p14:creationId xmlns:p14="http://schemas.microsoft.com/office/powerpoint/2010/main" val="34684478"/>
+      </p:ext>
+    </p:extLst>
+  </p:cSld>
+  <p:clrMapOvr>
+    <a:masterClrMapping/>
+  </p:clrMapOvr>
+</p:sld>
+</file>
+
+<file path=ppt/slides/slide19.xml><?xml version="1.0" encoding="utf-8"?>
+<p:sld xmlns:a="http://schemas.openxmlformats.org/drawingml/2006/main" xmlns:r="http://schemas.openxmlformats.org/officeDocument/2006/relationships" xmlns:p="http://schemas.openxmlformats.org/presentationml/2006/main">
+  <p:cSld>
+    <p:spTree>
+      <p:nvGrpSpPr>
+        <p:cNvPr id="1" name=""/>
+        <p:cNvGrpSpPr/>
+        <p:nvPr/>
+      </p:nvGrpSpPr>
+      <p:grpSpPr>
+        <a:xfrm>
+          <a:off x="0" y="0"/>
+          <a:ext cx="0" cy="0"/>
+          <a:chOff x="0" y="0"/>
+          <a:chExt cx="0" cy="0"/>
+        </a:xfrm>
+      </p:grpSpPr>
+      <p:sp>
+        <p:nvSpPr>
+          <p:cNvPr id="2" name="Title 1">
+            <a:extLst>
+              <a:ext uri="{FF2B5EF4-FFF2-40B4-BE49-F238E27FC236}">
+                <a16:creationId xmlns:a16="http://schemas.microsoft.com/office/drawing/2014/main" id="{35D1068B-662D-0D1D-343A-C9860324419D}"/>
+              </a:ext>
+            </a:extLst>
+          </p:cNvPr>
+          <p:cNvSpPr>
+            <a:spLocks noGrp="1"/>
+          </p:cNvSpPr>
+          <p:nvPr>
+            <p:ph type="title"/>
+          </p:nvPr>
+        </p:nvSpPr>
+        <p:spPr>
+          <a:xfrm>
             <a:off x="870691" y="6720"/>
             <a:ext cx="10515600" cy="1325563"/>
           </a:xfrm>
@@ -11493,7 +13540,7 @@
         </p:blipFill>
         <p:spPr>
           <a:xfrm>
-            <a:off x="5725456" y="1553282"/>
+            <a:off x="5727210" y="1548646"/>
             <a:ext cx="6305550" cy="4133850"/>
           </a:xfrm>
           <a:prstGeom prst="rect">
@@ -11531,7 +13578,7 @@
         </p:blipFill>
         <p:spPr>
           <a:xfrm>
-            <a:off x="216979" y="1331159"/>
+            <a:off x="216978" y="1401004"/>
             <a:ext cx="5374227" cy="4351338"/>
           </a:xfrm>
         </p:spPr>
@@ -11672,7 +13719,7 @@
           </a:xfrm>
           <a:prstGeom prst="bentConnector4">
             <a:avLst>
-              <a:gd name="adj1" fmla="val -99120"/>
+              <a:gd name="adj1" fmla="val -80535"/>
               <a:gd name="adj2" fmla="val 83595"/>
             </a:avLst>
           </a:prstGeom>
@@ -11706,18 +13753,19 @@
           </p:cNvPr>
           <p:cNvCxnSpPr>
             <a:cxnSpLocks/>
+            <a:stCxn id="11" idx="2"/>
           </p:cNvCxnSpPr>
           <p:nvPr/>
         </p:nvCxnSpPr>
         <p:spPr>
           <a:xfrm rot="5400000" flipH="1" flipV="1">
-            <a:off x="6060604" y="505732"/>
-            <a:ext cx="2024898" cy="8337921"/>
+            <a:off x="5998231" y="572982"/>
+            <a:ext cx="2085220" cy="8273499"/>
           </a:xfrm>
           <a:prstGeom prst="bentConnector4">
             <a:avLst>
-              <a:gd name="adj1" fmla="val -11289"/>
-              <a:gd name="adj2" fmla="val 99738"/>
+              <a:gd name="adj1" fmla="val -10963"/>
+              <a:gd name="adj2" fmla="val 100029"/>
             </a:avLst>
           </a:prstGeom>
           <a:ln>
@@ -11880,7 +13928,1435 @@
 </p:sld>
 </file>
 
-<file path=ppt/slides/slide17.xml><?xml version="1.0" encoding="utf-8"?>
+<file path=ppt/slides/slide2.xml><?xml version="1.0" encoding="utf-8"?>
+<p:sld xmlns:a="http://schemas.openxmlformats.org/drawingml/2006/main" xmlns:r="http://schemas.openxmlformats.org/officeDocument/2006/relationships" xmlns:p="http://schemas.openxmlformats.org/presentationml/2006/main">
+  <p:cSld>
+    <p:spTree>
+      <p:nvGrpSpPr>
+        <p:cNvPr id="1" name="">
+          <a:extLst>
+            <a:ext uri="{FF2B5EF4-FFF2-40B4-BE49-F238E27FC236}">
+              <a16:creationId xmlns:a16="http://schemas.microsoft.com/office/drawing/2014/main" id="{F118384A-6957-A59C-4177-A8136F85C65E}"/>
+            </a:ext>
+          </a:extLst>
+        </p:cNvPr>
+        <p:cNvGrpSpPr/>
+        <p:nvPr/>
+      </p:nvGrpSpPr>
+      <p:grpSpPr>
+        <a:xfrm>
+          <a:off x="0" y="0"/>
+          <a:ext cx="0" cy="0"/>
+          <a:chOff x="0" y="0"/>
+          <a:chExt cx="0" cy="0"/>
+        </a:xfrm>
+      </p:grpSpPr>
+      <p:sp>
+        <p:nvSpPr>
+          <p:cNvPr id="3" name="Rectangle: Rounded Corners 2">
+            <a:extLst>
+              <a:ext uri="{FF2B5EF4-FFF2-40B4-BE49-F238E27FC236}">
+                <a16:creationId xmlns:a16="http://schemas.microsoft.com/office/drawing/2014/main" id="{574B0605-2BF9-017B-0D98-88772BB40A0B}"/>
+              </a:ext>
+            </a:extLst>
+          </p:cNvPr>
+          <p:cNvSpPr/>
+          <p:nvPr/>
+        </p:nvSpPr>
+        <p:spPr>
+          <a:xfrm>
+            <a:off x="-5900" y="3459549"/>
+            <a:ext cx="2575632" cy="2314955"/>
+          </a:xfrm>
+          <a:prstGeom prst="roundRect">
+            <a:avLst/>
+          </a:prstGeom>
+        </p:spPr>
+        <p:style>
+          <a:lnRef idx="2">
+            <a:schemeClr val="accent6">
+              <a:shade val="15000"/>
+            </a:schemeClr>
+          </a:lnRef>
+          <a:fillRef idx="1">
+            <a:schemeClr val="accent6"/>
+          </a:fillRef>
+          <a:effectRef idx="0">
+            <a:schemeClr val="accent6"/>
+          </a:effectRef>
+          <a:fontRef idx="minor">
+            <a:schemeClr val="lt1"/>
+          </a:fontRef>
+        </p:style>
+        <p:txBody>
+          <a:bodyPr rtlCol="0" anchor="ctr"/>
+          <a:lstStyle/>
+          <a:p>
+            <a:pPr algn="ctr"/>
+            <a:endParaRPr lang="en-GB"/>
+          </a:p>
+        </p:txBody>
+      </p:sp>
+      <p:sp>
+        <p:nvSpPr>
+          <p:cNvPr id="2" name="Title 1">
+            <a:extLst>
+              <a:ext uri="{FF2B5EF4-FFF2-40B4-BE49-F238E27FC236}">
+                <a16:creationId xmlns:a16="http://schemas.microsoft.com/office/drawing/2014/main" id="{FD30336A-2C46-FAA0-D4D1-8CD07D12BAE5}"/>
+              </a:ext>
+            </a:extLst>
+          </p:cNvPr>
+          <p:cNvSpPr>
+            <a:spLocks noGrp="1"/>
+          </p:cNvSpPr>
+          <p:nvPr>
+            <p:ph type="ctrTitle"/>
+          </p:nvPr>
+        </p:nvSpPr>
+        <p:spPr>
+          <a:xfrm>
+            <a:off x="1186369" y="343311"/>
+            <a:ext cx="9144000" cy="900644"/>
+          </a:xfrm>
+        </p:spPr>
+        <p:txBody>
+          <a:bodyPr>
+            <a:normAutofit fontScale="90000"/>
+          </a:bodyPr>
+          <a:lstStyle/>
+          <a:p>
+            <a:r>
+              <a:rPr lang="en-GB" sz="3600" dirty="0"/>
+              <a:t>EPIC: Issues with large number of small cuts </a:t>
+            </a:r>
+            <a:br>
+              <a:rPr lang="en-GB" sz="3600" dirty="0"/>
+            </a:br>
+            <a:r>
+              <a:rPr lang="en-GB" sz="2700" dirty="0"/>
+              <a:t>(7-fold deceleration </a:t>
+            </a:r>
+            <a:r>
+              <a:rPr lang="en-GB" sz="2700" dirty="0" err="1"/>
+              <a:t>vrt</a:t>
+            </a:r>
+            <a:r>
+              <a:rPr lang="en-GB" sz="2700" dirty="0"/>
+              <a:t>. Horace-3) </a:t>
+            </a:r>
+          </a:p>
+        </p:txBody>
+      </p:sp>
+      <p:sp>
+        <p:nvSpPr>
+          <p:cNvPr id="4" name="Rectangle: Rounded Corners 3">
+            <a:extLst>
+              <a:ext uri="{FF2B5EF4-FFF2-40B4-BE49-F238E27FC236}">
+                <a16:creationId xmlns:a16="http://schemas.microsoft.com/office/drawing/2014/main" id="{E4129989-D202-9D1F-5FCF-F28C579318FD}"/>
+              </a:ext>
+            </a:extLst>
+          </p:cNvPr>
+          <p:cNvSpPr/>
+          <p:nvPr/>
+        </p:nvSpPr>
+        <p:spPr>
+          <a:xfrm>
+            <a:off x="251438" y="3859829"/>
+            <a:ext cx="2036883" cy="1514397"/>
+          </a:xfrm>
+          <a:prstGeom prst="roundRect">
+            <a:avLst/>
+          </a:prstGeom>
+          <a:noFill/>
+          <a:ln>
+            <a:solidFill>
+              <a:schemeClr val="tx1"/>
+            </a:solidFill>
+          </a:ln>
+        </p:spPr>
+        <p:style>
+          <a:lnRef idx="2">
+            <a:schemeClr val="accent1">
+              <a:shade val="15000"/>
+            </a:schemeClr>
+          </a:lnRef>
+          <a:fillRef idx="1">
+            <a:schemeClr val="accent1"/>
+          </a:fillRef>
+          <a:effectRef idx="0">
+            <a:schemeClr val="accent1"/>
+          </a:effectRef>
+          <a:fontRef idx="minor">
+            <a:schemeClr val="lt1"/>
+          </a:fontRef>
+        </p:style>
+        <p:txBody>
+          <a:bodyPr rtlCol="0" anchor="t" anchorCtr="0"/>
+          <a:lstStyle/>
+          <a:p>
+            <a:pPr algn="ctr"/>
+            <a:r>
+              <a:rPr lang="en-GB" dirty="0">
+                <a:solidFill>
+                  <a:schemeClr val="tx1"/>
+                </a:solidFill>
+              </a:rPr>
+              <a:t>#1788 </a:t>
+            </a:r>
+            <a:r>
+              <a:rPr lang="en-GB" dirty="0" err="1">
+                <a:solidFill>
+                  <a:schemeClr val="tx1"/>
+                </a:solidFill>
+              </a:rPr>
+              <a:t>hashable</a:t>
+            </a:r>
+            <a:r>
+              <a:rPr lang="en-GB" dirty="0">
+                <a:solidFill>
+                  <a:schemeClr val="tx1"/>
+                </a:solidFill>
+              </a:rPr>
+              <a:t> class</a:t>
+            </a:r>
+          </a:p>
+        </p:txBody>
+      </p:sp>
+      <p:sp>
+        <p:nvSpPr>
+          <p:cNvPr id="5" name="Rectangle: Rounded Corners 4">
+            <a:extLst>
+              <a:ext uri="{FF2B5EF4-FFF2-40B4-BE49-F238E27FC236}">
+                <a16:creationId xmlns:a16="http://schemas.microsoft.com/office/drawing/2014/main" id="{4783F5B6-9737-003A-E810-B3343685846E}"/>
+              </a:ext>
+            </a:extLst>
+          </p:cNvPr>
+          <p:cNvSpPr/>
+          <p:nvPr/>
+        </p:nvSpPr>
+        <p:spPr>
+          <a:xfrm>
+            <a:off x="3397247" y="2352648"/>
+            <a:ext cx="2036883" cy="1514397"/>
+          </a:xfrm>
+          <a:prstGeom prst="roundRect">
+            <a:avLst/>
+          </a:prstGeom>
+          <a:noFill/>
+          <a:ln>
+            <a:solidFill>
+              <a:srgbClr val="7030A0"/>
+            </a:solidFill>
+          </a:ln>
+        </p:spPr>
+        <p:style>
+          <a:lnRef idx="2">
+            <a:schemeClr val="accent1">
+              <a:shade val="15000"/>
+            </a:schemeClr>
+          </a:lnRef>
+          <a:fillRef idx="1">
+            <a:schemeClr val="accent1"/>
+          </a:fillRef>
+          <a:effectRef idx="0">
+            <a:schemeClr val="accent1"/>
+          </a:effectRef>
+          <a:fontRef idx="minor">
+            <a:schemeClr val="lt1"/>
+          </a:fontRef>
+        </p:style>
+        <p:txBody>
+          <a:bodyPr tIns="0" rtlCol="0" anchor="t" anchorCtr="0"/>
+          <a:lstStyle/>
+          <a:p>
+            <a:pPr algn="ctr"/>
+            <a:r>
+              <a:rPr lang="en-GB" dirty="0">
+                <a:solidFill>
+                  <a:schemeClr val="tx1"/>
+                </a:solidFill>
+              </a:rPr>
+              <a:t>#1790 Make instruments, samples and detectors </a:t>
+            </a:r>
+            <a:r>
+              <a:rPr lang="en-GB" dirty="0" err="1">
+                <a:solidFill>
+                  <a:schemeClr val="tx1"/>
+                </a:solidFill>
+              </a:rPr>
+              <a:t>hashable</a:t>
+            </a:r>
+            <a:r>
+              <a:rPr lang="en-GB" dirty="0">
+                <a:solidFill>
+                  <a:schemeClr val="tx1"/>
+                </a:solidFill>
+              </a:rPr>
+              <a:t> </a:t>
+            </a:r>
+          </a:p>
+          <a:p>
+            <a:pPr algn="ctr"/>
+            <a:endParaRPr lang="en-GB" dirty="0">
+              <a:solidFill>
+                <a:schemeClr val="tx1"/>
+              </a:solidFill>
+            </a:endParaRPr>
+          </a:p>
+        </p:txBody>
+      </p:sp>
+      <p:sp>
+        <p:nvSpPr>
+          <p:cNvPr id="6" name="Rectangle: Rounded Corners 5">
+            <a:extLst>
+              <a:ext uri="{FF2B5EF4-FFF2-40B4-BE49-F238E27FC236}">
+                <a16:creationId xmlns:a16="http://schemas.microsoft.com/office/drawing/2014/main" id="{2E456575-CA85-8492-F2A4-16FCF43C9518}"/>
+              </a:ext>
+            </a:extLst>
+          </p:cNvPr>
+          <p:cNvSpPr/>
+          <p:nvPr/>
+        </p:nvSpPr>
+        <p:spPr>
+          <a:xfrm>
+            <a:off x="593128" y="1304520"/>
+            <a:ext cx="2036883" cy="1514397"/>
+          </a:xfrm>
+          <a:prstGeom prst="roundRect">
+            <a:avLst/>
+          </a:prstGeom>
+          <a:noFill/>
+          <a:ln>
+            <a:solidFill>
+              <a:srgbClr val="00B050"/>
+            </a:solidFill>
+          </a:ln>
+        </p:spPr>
+        <p:style>
+          <a:lnRef idx="2">
+            <a:schemeClr val="accent1">
+              <a:shade val="15000"/>
+            </a:schemeClr>
+          </a:lnRef>
+          <a:fillRef idx="1">
+            <a:schemeClr val="accent1"/>
+          </a:fillRef>
+          <a:effectRef idx="0">
+            <a:schemeClr val="accent1"/>
+          </a:effectRef>
+          <a:fontRef idx="minor">
+            <a:schemeClr val="lt1"/>
+          </a:fontRef>
+        </p:style>
+        <p:txBody>
+          <a:bodyPr tIns="0" rtlCol="0" anchor="t" anchorCtr="0"/>
+          <a:lstStyle/>
+          <a:p>
+            <a:pPr algn="ctr"/>
+            <a:r>
+              <a:rPr lang="en-GB" dirty="0">
+                <a:solidFill>
+                  <a:schemeClr val="tx1"/>
+                </a:solidFill>
+              </a:rPr>
+              <a:t>#1147 Serializable </a:t>
+            </a:r>
+            <a:r>
+              <a:rPr lang="en-GB" b="1" dirty="0" err="1">
+                <a:solidFill>
+                  <a:schemeClr val="tx1"/>
+                </a:solidFill>
+              </a:rPr>
+              <a:t>eq</a:t>
+            </a:r>
+            <a:r>
+              <a:rPr lang="en-GB" dirty="0">
+                <a:solidFill>
+                  <a:schemeClr val="tx1"/>
+                </a:solidFill>
+              </a:rPr>
+              <a:t> method should be replaced by equal to </a:t>
+            </a:r>
+            <a:r>
+              <a:rPr lang="en-GB" dirty="0" err="1">
+                <a:solidFill>
+                  <a:schemeClr val="tx1"/>
+                </a:solidFill>
+              </a:rPr>
+              <a:t>tol</a:t>
+            </a:r>
+            <a:endParaRPr lang="en-GB" dirty="0">
+              <a:solidFill>
+                <a:schemeClr val="tx1"/>
+              </a:solidFill>
+            </a:endParaRPr>
+          </a:p>
+        </p:txBody>
+      </p:sp>
+      <p:sp>
+        <p:nvSpPr>
+          <p:cNvPr id="9" name="Rectangle: Rounded Corners 8">
+            <a:extLst>
+              <a:ext uri="{FF2B5EF4-FFF2-40B4-BE49-F238E27FC236}">
+                <a16:creationId xmlns:a16="http://schemas.microsoft.com/office/drawing/2014/main" id="{7ABD33D1-F224-1916-BB01-61DE3D11EC55}"/>
+              </a:ext>
+            </a:extLst>
+          </p:cNvPr>
+          <p:cNvSpPr/>
+          <p:nvPr/>
+        </p:nvSpPr>
+        <p:spPr>
+          <a:xfrm>
+            <a:off x="2603983" y="5227405"/>
+            <a:ext cx="2036883" cy="1514397"/>
+          </a:xfrm>
+          <a:prstGeom prst="roundRect">
+            <a:avLst/>
+          </a:prstGeom>
+          <a:noFill/>
+          <a:ln>
+            <a:solidFill>
+              <a:srgbClr val="0070C0"/>
+            </a:solidFill>
+          </a:ln>
+        </p:spPr>
+        <p:style>
+          <a:lnRef idx="2">
+            <a:schemeClr val="accent1">
+              <a:shade val="15000"/>
+            </a:schemeClr>
+          </a:lnRef>
+          <a:fillRef idx="1">
+            <a:schemeClr val="accent1"/>
+          </a:fillRef>
+          <a:effectRef idx="0">
+            <a:schemeClr val="accent1"/>
+          </a:effectRef>
+          <a:fontRef idx="minor">
+            <a:schemeClr val="lt1"/>
+          </a:fontRef>
+        </p:style>
+        <p:txBody>
+          <a:bodyPr rtlCol="0" anchor="ctr"/>
+          <a:lstStyle/>
+          <a:p>
+            <a:pPr algn="ctr"/>
+            <a:r>
+              <a:rPr lang="en-GB" dirty="0">
+                <a:solidFill>
+                  <a:schemeClr val="tx1"/>
+                </a:solidFill>
+              </a:rPr>
+              <a:t>#896 Enable full </a:t>
+            </a:r>
+            <a:r>
+              <a:rPr lang="en-GB" dirty="0" err="1">
+                <a:solidFill>
+                  <a:schemeClr val="tx1"/>
+                </a:solidFill>
+              </a:rPr>
+              <a:t>mexing</a:t>
+            </a:r>
+            <a:r>
+              <a:rPr lang="en-GB" dirty="0">
+                <a:solidFill>
+                  <a:schemeClr val="tx1"/>
+                </a:solidFill>
+              </a:rPr>
+              <a:t> option in cut </a:t>
+            </a:r>
+          </a:p>
+        </p:txBody>
+      </p:sp>
+      <p:cxnSp>
+        <p:nvCxnSpPr>
+          <p:cNvPr id="8" name="Straight Arrow Connector 7">
+            <a:extLst>
+              <a:ext uri="{FF2B5EF4-FFF2-40B4-BE49-F238E27FC236}">
+                <a16:creationId xmlns:a16="http://schemas.microsoft.com/office/drawing/2014/main" id="{456819D6-A997-BE29-4DFC-5530A197A424}"/>
+              </a:ext>
+            </a:extLst>
+          </p:cNvPr>
+          <p:cNvCxnSpPr>
+            <a:cxnSpLocks/>
+            <a:stCxn id="4" idx="3"/>
+            <a:endCxn id="5" idx="1"/>
+          </p:cNvCxnSpPr>
+          <p:nvPr/>
+        </p:nvCxnSpPr>
+        <p:spPr>
+          <a:xfrm flipV="1">
+            <a:off x="2288321" y="3109847"/>
+            <a:ext cx="1108926" cy="1507181"/>
+          </a:xfrm>
+          <a:prstGeom prst="straightConnector1">
+            <a:avLst/>
+          </a:prstGeom>
+          <a:ln>
+            <a:tailEnd type="triangle"/>
+          </a:ln>
+        </p:spPr>
+        <p:style>
+          <a:lnRef idx="2">
+            <a:schemeClr val="accent1"/>
+          </a:lnRef>
+          <a:fillRef idx="0">
+            <a:schemeClr val="accent1"/>
+          </a:fillRef>
+          <a:effectRef idx="1">
+            <a:schemeClr val="accent1"/>
+          </a:effectRef>
+          <a:fontRef idx="minor">
+            <a:schemeClr val="tx1"/>
+          </a:fontRef>
+        </p:style>
+      </p:cxnSp>
+      <p:cxnSp>
+        <p:nvCxnSpPr>
+          <p:cNvPr id="20" name="Straight Arrow Connector 19">
+            <a:extLst>
+              <a:ext uri="{FF2B5EF4-FFF2-40B4-BE49-F238E27FC236}">
+                <a16:creationId xmlns:a16="http://schemas.microsoft.com/office/drawing/2014/main" id="{73E23EDF-5F2F-05DB-8209-B1B1FCB48913}"/>
+              </a:ext>
+            </a:extLst>
+          </p:cNvPr>
+          <p:cNvCxnSpPr>
+            <a:cxnSpLocks/>
+            <a:stCxn id="5" idx="2"/>
+            <a:endCxn id="9" idx="0"/>
+          </p:cNvCxnSpPr>
+          <p:nvPr/>
+        </p:nvCxnSpPr>
+        <p:spPr>
+          <a:xfrm flipH="1">
+            <a:off x="3622425" y="3867045"/>
+            <a:ext cx="793264" cy="1360360"/>
+          </a:xfrm>
+          <a:prstGeom prst="straightConnector1">
+            <a:avLst/>
+          </a:prstGeom>
+          <a:ln>
+            <a:tailEnd type="triangle"/>
+          </a:ln>
+        </p:spPr>
+        <p:style>
+          <a:lnRef idx="2">
+            <a:schemeClr val="accent1"/>
+          </a:lnRef>
+          <a:fillRef idx="0">
+            <a:schemeClr val="accent1"/>
+          </a:fillRef>
+          <a:effectRef idx="1">
+            <a:schemeClr val="accent1"/>
+          </a:effectRef>
+          <a:fontRef idx="minor">
+            <a:schemeClr val="tx1"/>
+          </a:fontRef>
+        </p:style>
+      </p:cxnSp>
+      <p:cxnSp>
+        <p:nvCxnSpPr>
+          <p:cNvPr id="25" name="Straight Arrow Connector 24">
+            <a:extLst>
+              <a:ext uri="{FF2B5EF4-FFF2-40B4-BE49-F238E27FC236}">
+                <a16:creationId xmlns:a16="http://schemas.microsoft.com/office/drawing/2014/main" id="{F5014BCF-6CF4-43E1-2606-11501B52C634}"/>
+              </a:ext>
+            </a:extLst>
+          </p:cNvPr>
+          <p:cNvCxnSpPr>
+            <a:cxnSpLocks/>
+            <a:stCxn id="39" idx="0"/>
+          </p:cNvCxnSpPr>
+          <p:nvPr/>
+        </p:nvCxnSpPr>
+        <p:spPr>
+          <a:xfrm rot="16200000" flipV="1">
+            <a:off x="3952135" y="704445"/>
+            <a:ext cx="845558" cy="3489806"/>
+          </a:xfrm>
+          <a:prstGeom prst="bentConnector2">
+            <a:avLst/>
+          </a:prstGeom>
+          <a:ln>
+            <a:tailEnd type="triangle"/>
+          </a:ln>
+        </p:spPr>
+        <p:style>
+          <a:lnRef idx="2">
+            <a:schemeClr val="accent1"/>
+          </a:lnRef>
+          <a:fillRef idx="0">
+            <a:schemeClr val="accent1"/>
+          </a:fillRef>
+          <a:effectRef idx="1">
+            <a:schemeClr val="accent1"/>
+          </a:effectRef>
+          <a:fontRef idx="minor">
+            <a:schemeClr val="tx1"/>
+          </a:fontRef>
+        </p:style>
+      </p:cxnSp>
+      <p:sp>
+        <p:nvSpPr>
+          <p:cNvPr id="30" name="Rectangle: Rounded Corners 29">
+            <a:extLst>
+              <a:ext uri="{FF2B5EF4-FFF2-40B4-BE49-F238E27FC236}">
+                <a16:creationId xmlns:a16="http://schemas.microsoft.com/office/drawing/2014/main" id="{9EE05101-E299-6922-F244-0B5D743DF4E3}"/>
+              </a:ext>
+            </a:extLst>
+          </p:cNvPr>
+          <p:cNvSpPr/>
+          <p:nvPr/>
+        </p:nvSpPr>
+        <p:spPr>
+          <a:xfrm>
+            <a:off x="7051600" y="2351324"/>
+            <a:ext cx="2036883" cy="1514397"/>
+          </a:xfrm>
+          <a:prstGeom prst="roundRect">
+            <a:avLst/>
+          </a:prstGeom>
+          <a:noFill/>
+          <a:ln>
+            <a:solidFill>
+              <a:srgbClr val="7030A0"/>
+            </a:solidFill>
+          </a:ln>
+        </p:spPr>
+        <p:style>
+          <a:lnRef idx="2">
+            <a:schemeClr val="accent1">
+              <a:shade val="15000"/>
+            </a:schemeClr>
+          </a:lnRef>
+          <a:fillRef idx="1">
+            <a:schemeClr val="accent1"/>
+          </a:fillRef>
+          <a:effectRef idx="0">
+            <a:schemeClr val="accent1"/>
+          </a:effectRef>
+          <a:fontRef idx="minor">
+            <a:schemeClr val="lt1"/>
+          </a:fontRef>
+        </p:style>
+        <p:txBody>
+          <a:bodyPr tIns="0" rtlCol="0" anchor="t" anchorCtr="0"/>
+          <a:lstStyle/>
+          <a:p>
+            <a:pPr algn="ctr"/>
+            <a:r>
+              <a:rPr lang="en-GB" dirty="0">
+                <a:solidFill>
+                  <a:schemeClr val="tx1"/>
+                </a:solidFill>
+              </a:rPr>
+              <a:t>#1791Problem with unique references singleton implementation</a:t>
+            </a:r>
+          </a:p>
+        </p:txBody>
+      </p:sp>
+      <p:cxnSp>
+        <p:nvCxnSpPr>
+          <p:cNvPr id="31" name="Straight Arrow Connector 30">
+            <a:extLst>
+              <a:ext uri="{FF2B5EF4-FFF2-40B4-BE49-F238E27FC236}">
+                <a16:creationId xmlns:a16="http://schemas.microsoft.com/office/drawing/2014/main" id="{D655D82B-26B7-BA9D-F2ED-1A3EF5463AA1}"/>
+              </a:ext>
+            </a:extLst>
+          </p:cNvPr>
+          <p:cNvCxnSpPr>
+            <a:cxnSpLocks/>
+            <a:stCxn id="5" idx="3"/>
+            <a:endCxn id="39" idx="1"/>
+          </p:cNvCxnSpPr>
+          <p:nvPr/>
+        </p:nvCxnSpPr>
+        <p:spPr>
+          <a:xfrm>
+            <a:off x="5434130" y="3109847"/>
+            <a:ext cx="193675" cy="10607"/>
+          </a:xfrm>
+          <a:prstGeom prst="straightConnector1">
+            <a:avLst/>
+          </a:prstGeom>
+          <a:ln>
+            <a:tailEnd type="triangle"/>
+          </a:ln>
+        </p:spPr>
+        <p:style>
+          <a:lnRef idx="2">
+            <a:schemeClr val="accent1"/>
+          </a:lnRef>
+          <a:fillRef idx="0">
+            <a:schemeClr val="accent1"/>
+          </a:fillRef>
+          <a:effectRef idx="1">
+            <a:schemeClr val="accent1"/>
+          </a:effectRef>
+          <a:fontRef idx="minor">
+            <a:schemeClr val="tx1"/>
+          </a:fontRef>
+        </p:style>
+      </p:cxnSp>
+      <p:sp>
+        <p:nvSpPr>
+          <p:cNvPr id="38" name="Oval 37">
+            <a:extLst>
+              <a:ext uri="{FF2B5EF4-FFF2-40B4-BE49-F238E27FC236}">
+                <a16:creationId xmlns:a16="http://schemas.microsoft.com/office/drawing/2014/main" id="{83B91431-A65C-D707-5C4E-4373EE54D90B}"/>
+              </a:ext>
+            </a:extLst>
+          </p:cNvPr>
+          <p:cNvSpPr/>
+          <p:nvPr/>
+        </p:nvSpPr>
+        <p:spPr>
+          <a:xfrm>
+            <a:off x="9784302" y="426084"/>
+            <a:ext cx="1843444" cy="1765210"/>
+          </a:xfrm>
+          <a:prstGeom prst="ellipse">
+            <a:avLst/>
+          </a:prstGeom>
+          <a:noFill/>
+          <a:ln>
+            <a:solidFill>
+              <a:srgbClr val="C00000"/>
+            </a:solidFill>
+          </a:ln>
+        </p:spPr>
+        <p:style>
+          <a:lnRef idx="2">
+            <a:schemeClr val="accent1">
+              <a:shade val="15000"/>
+            </a:schemeClr>
+          </a:lnRef>
+          <a:fillRef idx="1">
+            <a:schemeClr val="accent1"/>
+          </a:fillRef>
+          <a:effectRef idx="0">
+            <a:schemeClr val="accent1"/>
+          </a:effectRef>
+          <a:fontRef idx="minor">
+            <a:schemeClr val="lt1"/>
+          </a:fontRef>
+        </p:style>
+        <p:txBody>
+          <a:bodyPr rtlCol="0" anchor="ctr"/>
+          <a:lstStyle/>
+          <a:p>
+            <a:pPr algn="ctr"/>
+            <a:r>
+              <a:rPr lang="en-GB" b="1" dirty="0" err="1">
+                <a:ln>
+                  <a:solidFill>
+                    <a:schemeClr val="tx1"/>
+                  </a:solidFill>
+                </a:ln>
+              </a:rPr>
+              <a:t>Conclu-sion</a:t>
+            </a:r>
+            <a:endParaRPr lang="en-GB" b="1" dirty="0">
+              <a:ln>
+                <a:solidFill>
+                  <a:schemeClr val="tx1"/>
+                </a:solidFill>
+              </a:ln>
+            </a:endParaRPr>
+          </a:p>
+        </p:txBody>
+      </p:sp>
+      <p:sp>
+        <p:nvSpPr>
+          <p:cNvPr id="39" name="Rectangle 38">
+            <a:extLst>
+              <a:ext uri="{FF2B5EF4-FFF2-40B4-BE49-F238E27FC236}">
+                <a16:creationId xmlns:a16="http://schemas.microsoft.com/office/drawing/2014/main" id="{B90A5591-F381-80A9-7BBC-7DDFB80F627C}"/>
+              </a:ext>
+            </a:extLst>
+          </p:cNvPr>
+          <p:cNvSpPr/>
+          <p:nvPr/>
+        </p:nvSpPr>
+        <p:spPr>
+          <a:xfrm>
+            <a:off x="5627805" y="2872127"/>
+            <a:ext cx="984024" cy="496654"/>
+          </a:xfrm>
+          <a:prstGeom prst="rect">
+            <a:avLst/>
+          </a:prstGeom>
+          <a:solidFill>
+            <a:schemeClr val="bg1"/>
+          </a:solidFill>
+        </p:spPr>
+        <p:style>
+          <a:lnRef idx="2">
+            <a:schemeClr val="accent1">
+              <a:shade val="15000"/>
+            </a:schemeClr>
+          </a:lnRef>
+          <a:fillRef idx="1">
+            <a:schemeClr val="accent1"/>
+          </a:fillRef>
+          <a:effectRef idx="0">
+            <a:schemeClr val="accent1"/>
+          </a:effectRef>
+          <a:fontRef idx="minor">
+            <a:schemeClr val="lt1"/>
+          </a:fontRef>
+        </p:style>
+        <p:txBody>
+          <a:bodyPr tIns="0" rtlCol="0" anchor="t" anchorCtr="0"/>
+          <a:lstStyle/>
+          <a:p>
+            <a:pPr algn="ctr"/>
+            <a:r>
+              <a:rPr lang="en-GB" dirty="0">
+                <a:solidFill>
+                  <a:schemeClr val="tx1"/>
+                </a:solidFill>
+              </a:rPr>
+              <a:t>Fix tests</a:t>
+            </a:r>
+          </a:p>
+        </p:txBody>
+      </p:sp>
+      <p:sp>
+        <p:nvSpPr>
+          <p:cNvPr id="40" name="Rectangle: Rounded Corners 39">
+            <a:extLst>
+              <a:ext uri="{FF2B5EF4-FFF2-40B4-BE49-F238E27FC236}">
+                <a16:creationId xmlns:a16="http://schemas.microsoft.com/office/drawing/2014/main" id="{ED8EE401-530F-22EF-F841-5A660091B24B}"/>
+              </a:ext>
+            </a:extLst>
+          </p:cNvPr>
+          <p:cNvSpPr/>
+          <p:nvPr/>
+        </p:nvSpPr>
+        <p:spPr>
+          <a:xfrm>
+            <a:off x="4929205" y="4556022"/>
+            <a:ext cx="2036883" cy="1514397"/>
+          </a:xfrm>
+          <a:prstGeom prst="roundRect">
+            <a:avLst/>
+          </a:prstGeom>
+          <a:noFill/>
+          <a:ln>
+            <a:solidFill>
+              <a:srgbClr val="FFC000"/>
+            </a:solidFill>
+          </a:ln>
+        </p:spPr>
+        <p:style>
+          <a:lnRef idx="2">
+            <a:schemeClr val="accent1">
+              <a:shade val="15000"/>
+            </a:schemeClr>
+          </a:lnRef>
+          <a:fillRef idx="1">
+            <a:schemeClr val="accent1"/>
+          </a:fillRef>
+          <a:effectRef idx="0">
+            <a:schemeClr val="accent1"/>
+          </a:effectRef>
+          <a:fontRef idx="minor">
+            <a:schemeClr val="lt1"/>
+          </a:fontRef>
+        </p:style>
+        <p:txBody>
+          <a:bodyPr rtlCol="0" anchor="ctr"/>
+          <a:lstStyle/>
+          <a:p>
+            <a:pPr algn="ctr"/>
+            <a:r>
+              <a:rPr lang="en-GB" dirty="0">
+                <a:solidFill>
+                  <a:schemeClr val="tx1"/>
+                </a:solidFill>
+              </a:rPr>
+              <a:t>#1798 Odd behaviour of </a:t>
+            </a:r>
+            <a:r>
+              <a:rPr lang="en-GB" b="1" dirty="0" err="1">
+                <a:solidFill>
+                  <a:schemeClr val="tx1"/>
+                </a:solidFill>
+              </a:rPr>
+              <a:t>multifit</a:t>
+            </a:r>
+            <a:r>
+              <a:rPr lang="en-GB" dirty="0">
+                <a:solidFill>
+                  <a:schemeClr val="tx1"/>
+                </a:solidFill>
+              </a:rPr>
+              <a:t> and covariance matrix </a:t>
+            </a:r>
+          </a:p>
+        </p:txBody>
+      </p:sp>
+      <p:cxnSp>
+        <p:nvCxnSpPr>
+          <p:cNvPr id="41" name="Straight Arrow Connector 40">
+            <a:extLst>
+              <a:ext uri="{FF2B5EF4-FFF2-40B4-BE49-F238E27FC236}">
+                <a16:creationId xmlns:a16="http://schemas.microsoft.com/office/drawing/2014/main" id="{9B6BF28D-90F9-B5CE-CB62-A15C53BF9E4B}"/>
+              </a:ext>
+            </a:extLst>
+          </p:cNvPr>
+          <p:cNvCxnSpPr>
+            <a:cxnSpLocks/>
+            <a:stCxn id="30" idx="3"/>
+            <a:endCxn id="82" idx="1"/>
+          </p:cNvCxnSpPr>
+          <p:nvPr/>
+        </p:nvCxnSpPr>
+        <p:spPr>
+          <a:xfrm flipV="1">
+            <a:off x="9088483" y="3099239"/>
+            <a:ext cx="599100" cy="9284"/>
+          </a:xfrm>
+          <a:prstGeom prst="straightConnector1">
+            <a:avLst/>
+          </a:prstGeom>
+          <a:ln>
+            <a:tailEnd type="triangle"/>
+          </a:ln>
+        </p:spPr>
+        <p:style>
+          <a:lnRef idx="2">
+            <a:schemeClr val="accent1"/>
+          </a:lnRef>
+          <a:fillRef idx="0">
+            <a:schemeClr val="accent1"/>
+          </a:fillRef>
+          <a:effectRef idx="1">
+            <a:schemeClr val="accent1"/>
+          </a:effectRef>
+          <a:fontRef idx="minor">
+            <a:schemeClr val="tx1"/>
+          </a:fontRef>
+        </p:style>
+      </p:cxnSp>
+      <p:cxnSp>
+        <p:nvCxnSpPr>
+          <p:cNvPr id="45" name="Straight Arrow Connector 44">
+            <a:extLst>
+              <a:ext uri="{FF2B5EF4-FFF2-40B4-BE49-F238E27FC236}">
+                <a16:creationId xmlns:a16="http://schemas.microsoft.com/office/drawing/2014/main" id="{E7B44C7B-B5FF-4E8D-C343-237978A35BA2}"/>
+              </a:ext>
+            </a:extLst>
+          </p:cNvPr>
+          <p:cNvCxnSpPr>
+            <a:cxnSpLocks/>
+            <a:stCxn id="39" idx="2"/>
+            <a:endCxn id="40" idx="0"/>
+          </p:cNvCxnSpPr>
+          <p:nvPr/>
+        </p:nvCxnSpPr>
+        <p:spPr>
+          <a:xfrm flipH="1">
+            <a:off x="5947647" y="3368781"/>
+            <a:ext cx="172170" cy="1187241"/>
+          </a:xfrm>
+          <a:prstGeom prst="straightConnector1">
+            <a:avLst/>
+          </a:prstGeom>
+          <a:ln>
+            <a:tailEnd type="triangle"/>
+          </a:ln>
+        </p:spPr>
+        <p:style>
+          <a:lnRef idx="2">
+            <a:schemeClr val="accent1"/>
+          </a:lnRef>
+          <a:fillRef idx="0">
+            <a:schemeClr val="accent1"/>
+          </a:fillRef>
+          <a:effectRef idx="1">
+            <a:schemeClr val="accent1"/>
+          </a:effectRef>
+          <a:fontRef idx="minor">
+            <a:schemeClr val="tx1"/>
+          </a:fontRef>
+        </p:style>
+      </p:cxnSp>
+      <p:sp>
+        <p:nvSpPr>
+          <p:cNvPr id="49" name="Rectangle: Rounded Corners 48">
+            <a:extLst>
+              <a:ext uri="{FF2B5EF4-FFF2-40B4-BE49-F238E27FC236}">
+                <a16:creationId xmlns:a16="http://schemas.microsoft.com/office/drawing/2014/main" id="{476EB243-FA9A-27D0-E0FC-E4EA0275A475}"/>
+              </a:ext>
+            </a:extLst>
+          </p:cNvPr>
+          <p:cNvSpPr/>
+          <p:nvPr/>
+        </p:nvSpPr>
+        <p:spPr>
+          <a:xfrm>
+            <a:off x="7049856" y="4568558"/>
+            <a:ext cx="2036883" cy="1514397"/>
+          </a:xfrm>
+          <a:prstGeom prst="roundRect">
+            <a:avLst/>
+          </a:prstGeom>
+          <a:noFill/>
+          <a:ln>
+            <a:solidFill>
+              <a:srgbClr val="C00000"/>
+            </a:solidFill>
+          </a:ln>
+        </p:spPr>
+        <p:style>
+          <a:lnRef idx="2">
+            <a:schemeClr val="accent1">
+              <a:shade val="15000"/>
+            </a:schemeClr>
+          </a:lnRef>
+          <a:fillRef idx="1">
+            <a:schemeClr val="accent1"/>
+          </a:fillRef>
+          <a:effectRef idx="0">
+            <a:schemeClr val="accent1"/>
+          </a:effectRef>
+          <a:fontRef idx="minor">
+            <a:schemeClr val="lt1"/>
+          </a:fontRef>
+        </p:style>
+        <p:txBody>
+          <a:bodyPr rtlCol="0" anchor="ctr"/>
+          <a:lstStyle/>
+          <a:p>
+            <a:pPr algn="ctr"/>
+            <a:r>
+              <a:rPr lang="en-GB" dirty="0">
+                <a:solidFill>
+                  <a:schemeClr val="tx1"/>
+                </a:solidFill>
+              </a:rPr>
+              <a:t>Failing objects comparison on Jenkins only</a:t>
+            </a:r>
+          </a:p>
+        </p:txBody>
+      </p:sp>
+      <p:cxnSp>
+        <p:nvCxnSpPr>
+          <p:cNvPr id="50" name="Straight Arrow Connector 49">
+            <a:extLst>
+              <a:ext uri="{FF2B5EF4-FFF2-40B4-BE49-F238E27FC236}">
+                <a16:creationId xmlns:a16="http://schemas.microsoft.com/office/drawing/2014/main" id="{AC572C97-19E7-3EF2-9D82-96B8F7EF8375}"/>
+              </a:ext>
+            </a:extLst>
+          </p:cNvPr>
+          <p:cNvCxnSpPr>
+            <a:cxnSpLocks/>
+            <a:stCxn id="39" idx="2"/>
+            <a:endCxn id="49" idx="0"/>
+          </p:cNvCxnSpPr>
+          <p:nvPr/>
+        </p:nvCxnSpPr>
+        <p:spPr>
+          <a:xfrm>
+            <a:off x="6119817" y="3368781"/>
+            <a:ext cx="1948481" cy="1199777"/>
+          </a:xfrm>
+          <a:prstGeom prst="straightConnector1">
+            <a:avLst/>
+          </a:prstGeom>
+          <a:ln>
+            <a:tailEnd type="triangle"/>
+          </a:ln>
+        </p:spPr>
+        <p:style>
+          <a:lnRef idx="2">
+            <a:schemeClr val="accent1"/>
+          </a:lnRef>
+          <a:fillRef idx="0">
+            <a:schemeClr val="accent1"/>
+          </a:fillRef>
+          <a:effectRef idx="1">
+            <a:schemeClr val="accent1"/>
+          </a:effectRef>
+          <a:fontRef idx="minor">
+            <a:schemeClr val="tx1"/>
+          </a:fontRef>
+        </p:style>
+      </p:cxnSp>
+      <p:sp>
+        <p:nvSpPr>
+          <p:cNvPr id="55" name="Rectangle 54">
+            <a:extLst>
+              <a:ext uri="{FF2B5EF4-FFF2-40B4-BE49-F238E27FC236}">
+                <a16:creationId xmlns:a16="http://schemas.microsoft.com/office/drawing/2014/main" id="{2A304C9B-2E4C-E1C6-06A0-3069B500A9F4}"/>
+              </a:ext>
+            </a:extLst>
+          </p:cNvPr>
+          <p:cNvSpPr/>
+          <p:nvPr/>
+        </p:nvSpPr>
+        <p:spPr>
+          <a:xfrm>
+            <a:off x="3287035" y="4333314"/>
+            <a:ext cx="1514992" cy="496654"/>
+          </a:xfrm>
+          <a:prstGeom prst="rect">
+            <a:avLst/>
+          </a:prstGeom>
+          <a:solidFill>
+            <a:schemeClr val="bg1"/>
+          </a:solidFill>
+        </p:spPr>
+        <p:style>
+          <a:lnRef idx="2">
+            <a:schemeClr val="accent1">
+              <a:shade val="15000"/>
+            </a:schemeClr>
+          </a:lnRef>
+          <a:fillRef idx="1">
+            <a:schemeClr val="accent1"/>
+          </a:fillRef>
+          <a:effectRef idx="0">
+            <a:schemeClr val="accent1"/>
+          </a:effectRef>
+          <a:fontRef idx="minor">
+            <a:schemeClr val="lt1"/>
+          </a:fontRef>
+        </p:style>
+        <p:txBody>
+          <a:bodyPr tIns="0" rtlCol="0" anchor="t" anchorCtr="0"/>
+          <a:lstStyle/>
+          <a:p>
+            <a:pPr algn="ctr"/>
+            <a:r>
+              <a:rPr lang="en-GB" dirty="0">
+                <a:solidFill>
+                  <a:schemeClr val="tx1"/>
+                </a:solidFill>
+              </a:rPr>
+              <a:t>Still ~2 times slower</a:t>
+            </a:r>
+          </a:p>
+        </p:txBody>
+      </p:sp>
+      <p:sp>
+        <p:nvSpPr>
+          <p:cNvPr id="82" name="Rectangle: Rounded Corners 81">
+            <a:extLst>
+              <a:ext uri="{FF2B5EF4-FFF2-40B4-BE49-F238E27FC236}">
+                <a16:creationId xmlns:a16="http://schemas.microsoft.com/office/drawing/2014/main" id="{131DD974-E3ED-4F5B-3FEA-8758721272B4}"/>
+              </a:ext>
+            </a:extLst>
+          </p:cNvPr>
+          <p:cNvSpPr/>
+          <p:nvPr/>
+        </p:nvSpPr>
+        <p:spPr>
+          <a:xfrm>
+            <a:off x="9687583" y="2342040"/>
+            <a:ext cx="2036883" cy="1514397"/>
+          </a:xfrm>
+          <a:prstGeom prst="roundRect">
+            <a:avLst/>
+          </a:prstGeom>
+          <a:noFill/>
+          <a:ln>
+            <a:solidFill>
+              <a:srgbClr val="00B0F0"/>
+            </a:solidFill>
+          </a:ln>
+        </p:spPr>
+        <p:style>
+          <a:lnRef idx="2">
+            <a:schemeClr val="accent1">
+              <a:shade val="15000"/>
+            </a:schemeClr>
+          </a:lnRef>
+          <a:fillRef idx="1">
+            <a:schemeClr val="accent1"/>
+          </a:fillRef>
+          <a:effectRef idx="0">
+            <a:schemeClr val="accent1"/>
+          </a:effectRef>
+          <a:fontRef idx="minor">
+            <a:schemeClr val="lt1"/>
+          </a:fontRef>
+        </p:style>
+        <p:txBody>
+          <a:bodyPr tIns="0" rtlCol="0" anchor="t" anchorCtr="0"/>
+          <a:lstStyle/>
+          <a:p>
+            <a:pPr algn="ctr"/>
+            <a:r>
+              <a:rPr lang="en-GB" dirty="0">
+                <a:solidFill>
+                  <a:schemeClr val="tx1"/>
+                </a:solidFill>
+              </a:rPr>
+              <a:t>Delete redundant unique objects from memory</a:t>
+            </a:r>
+          </a:p>
+        </p:txBody>
+      </p:sp>
+      <p:cxnSp>
+        <p:nvCxnSpPr>
+          <p:cNvPr id="84" name="Straight Arrow Connector 83">
+            <a:extLst>
+              <a:ext uri="{FF2B5EF4-FFF2-40B4-BE49-F238E27FC236}">
+                <a16:creationId xmlns:a16="http://schemas.microsoft.com/office/drawing/2014/main" id="{049D1E8D-53BC-59F9-985A-811A14E1CD42}"/>
+              </a:ext>
+            </a:extLst>
+          </p:cNvPr>
+          <p:cNvCxnSpPr>
+            <a:cxnSpLocks/>
+            <a:stCxn id="82" idx="0"/>
+            <a:endCxn id="38" idx="4"/>
+          </p:cNvCxnSpPr>
+          <p:nvPr/>
+        </p:nvCxnSpPr>
+        <p:spPr>
+          <a:xfrm flipH="1" flipV="1">
+            <a:off x="10706024" y="2191294"/>
+            <a:ext cx="1" cy="150746"/>
+          </a:xfrm>
+          <a:prstGeom prst="straightConnector1">
+            <a:avLst/>
+          </a:prstGeom>
+          <a:ln>
+            <a:tailEnd type="triangle"/>
+          </a:ln>
+        </p:spPr>
+        <p:style>
+          <a:lnRef idx="2">
+            <a:schemeClr val="accent1"/>
+          </a:lnRef>
+          <a:fillRef idx="0">
+            <a:schemeClr val="accent1"/>
+          </a:fillRef>
+          <a:effectRef idx="1">
+            <a:schemeClr val="accent1"/>
+          </a:effectRef>
+          <a:fontRef idx="minor">
+            <a:schemeClr val="tx1"/>
+          </a:fontRef>
+        </p:style>
+      </p:cxnSp>
+      <p:cxnSp>
+        <p:nvCxnSpPr>
+          <p:cNvPr id="92" name="Straight Arrow Connector 91">
+            <a:extLst>
+              <a:ext uri="{FF2B5EF4-FFF2-40B4-BE49-F238E27FC236}">
+                <a16:creationId xmlns:a16="http://schemas.microsoft.com/office/drawing/2014/main" id="{245D09C4-71C3-6EAF-66AD-95DB63860B3F}"/>
+              </a:ext>
+            </a:extLst>
+          </p:cNvPr>
+          <p:cNvCxnSpPr>
+            <a:stCxn id="49" idx="0"/>
+            <a:endCxn id="30" idx="2"/>
+          </p:cNvCxnSpPr>
+          <p:nvPr/>
+        </p:nvCxnSpPr>
+        <p:spPr>
+          <a:xfrm flipV="1">
+            <a:off x="8068298" y="3865721"/>
+            <a:ext cx="1744" cy="702837"/>
+          </a:xfrm>
+          <a:prstGeom prst="straightConnector1">
+            <a:avLst/>
+          </a:prstGeom>
+          <a:ln>
+            <a:tailEnd type="triangle"/>
+          </a:ln>
+        </p:spPr>
+        <p:style>
+          <a:lnRef idx="2">
+            <a:schemeClr val="accent1"/>
+          </a:lnRef>
+          <a:fillRef idx="0">
+            <a:schemeClr val="accent1"/>
+          </a:fillRef>
+          <a:effectRef idx="1">
+            <a:schemeClr val="accent1"/>
+          </a:effectRef>
+          <a:fontRef idx="minor">
+            <a:schemeClr val="tx1"/>
+          </a:fontRef>
+        </p:style>
+      </p:cxnSp>
+      <p:sp>
+        <p:nvSpPr>
+          <p:cNvPr id="93" name="Rectangle: Rounded Corners 92">
+            <a:extLst>
+              <a:ext uri="{FF2B5EF4-FFF2-40B4-BE49-F238E27FC236}">
+                <a16:creationId xmlns:a16="http://schemas.microsoft.com/office/drawing/2014/main" id="{AAEC1513-019B-F449-7725-E07851B51982}"/>
+              </a:ext>
+            </a:extLst>
+          </p:cNvPr>
+          <p:cNvSpPr/>
+          <p:nvPr/>
+        </p:nvSpPr>
+        <p:spPr>
+          <a:xfrm>
+            <a:off x="9683218" y="4226656"/>
+            <a:ext cx="2036883" cy="920905"/>
+          </a:xfrm>
+          <a:prstGeom prst="roundRect">
+            <a:avLst/>
+          </a:prstGeom>
+          <a:noFill/>
+          <a:ln>
+            <a:solidFill>
+              <a:srgbClr val="00B0F0"/>
+            </a:solidFill>
+          </a:ln>
+        </p:spPr>
+        <p:style>
+          <a:lnRef idx="2">
+            <a:schemeClr val="accent1">
+              <a:shade val="15000"/>
+            </a:schemeClr>
+          </a:lnRef>
+          <a:fillRef idx="1">
+            <a:schemeClr val="accent1"/>
+          </a:fillRef>
+          <a:effectRef idx="0">
+            <a:schemeClr val="accent1"/>
+          </a:effectRef>
+          <a:fontRef idx="minor">
+            <a:schemeClr val="lt1"/>
+          </a:fontRef>
+        </p:style>
+        <p:txBody>
+          <a:bodyPr tIns="0" rtlCol="0" anchor="t" anchorCtr="0"/>
+          <a:lstStyle/>
+          <a:p>
+            <a:pPr algn="ctr"/>
+            <a:r>
+              <a:rPr lang="en-GB" dirty="0">
+                <a:solidFill>
+                  <a:schemeClr val="tx1"/>
+                </a:solidFill>
+              </a:rPr>
+              <a:t>COW pointers management</a:t>
+            </a:r>
+          </a:p>
+          <a:p>
+            <a:pPr algn="ctr"/>
+            <a:r>
+              <a:rPr lang="en-GB" dirty="0">
+                <a:solidFill>
+                  <a:schemeClr val="tx1"/>
+                </a:solidFill>
+              </a:rPr>
+              <a:t>?</a:t>
+            </a:r>
+          </a:p>
+        </p:txBody>
+      </p:sp>
+      <p:cxnSp>
+        <p:nvCxnSpPr>
+          <p:cNvPr id="94" name="Straight Arrow Connector 93">
+            <a:extLst>
+              <a:ext uri="{FF2B5EF4-FFF2-40B4-BE49-F238E27FC236}">
+                <a16:creationId xmlns:a16="http://schemas.microsoft.com/office/drawing/2014/main" id="{3B8D490D-2F1C-67CD-962C-735DE1C51FB5}"/>
+              </a:ext>
+            </a:extLst>
+          </p:cNvPr>
+          <p:cNvCxnSpPr>
+            <a:cxnSpLocks/>
+            <a:stCxn id="30" idx="3"/>
+            <a:endCxn id="93" idx="1"/>
+          </p:cNvCxnSpPr>
+          <p:nvPr/>
+        </p:nvCxnSpPr>
+        <p:spPr>
+          <a:xfrm>
+            <a:off x="9088483" y="3108523"/>
+            <a:ext cx="594735" cy="1578586"/>
+          </a:xfrm>
+          <a:prstGeom prst="straightConnector1">
+            <a:avLst/>
+          </a:prstGeom>
+          <a:ln>
+            <a:tailEnd type="triangle"/>
+          </a:ln>
+        </p:spPr>
+        <p:style>
+          <a:lnRef idx="2">
+            <a:schemeClr val="accent1"/>
+          </a:lnRef>
+          <a:fillRef idx="0">
+            <a:schemeClr val="accent1"/>
+          </a:fillRef>
+          <a:effectRef idx="1">
+            <a:schemeClr val="accent1"/>
+          </a:effectRef>
+          <a:fontRef idx="minor">
+            <a:schemeClr val="tx1"/>
+          </a:fontRef>
+        </p:style>
+      </p:cxnSp>
+      <p:cxnSp>
+        <p:nvCxnSpPr>
+          <p:cNvPr id="97" name="Straight Arrow Connector 96">
+            <a:extLst>
+              <a:ext uri="{FF2B5EF4-FFF2-40B4-BE49-F238E27FC236}">
+                <a16:creationId xmlns:a16="http://schemas.microsoft.com/office/drawing/2014/main" id="{AA0712CD-017F-351B-00B2-0C198D670A78}"/>
+              </a:ext>
+            </a:extLst>
+          </p:cNvPr>
+          <p:cNvCxnSpPr>
+            <a:cxnSpLocks/>
+            <a:stCxn id="93" idx="3"/>
+            <a:endCxn id="38" idx="6"/>
+          </p:cNvCxnSpPr>
+          <p:nvPr/>
+        </p:nvCxnSpPr>
+        <p:spPr>
+          <a:xfrm flipH="1" flipV="1">
+            <a:off x="11627746" y="1308689"/>
+            <a:ext cx="92355" cy="3378420"/>
+          </a:xfrm>
+          <a:prstGeom prst="bentConnector3">
+            <a:avLst>
+              <a:gd name="adj1" fmla="val -247523"/>
+            </a:avLst>
+          </a:prstGeom>
+          <a:ln>
+            <a:tailEnd type="triangle"/>
+          </a:ln>
+        </p:spPr>
+        <p:style>
+          <a:lnRef idx="2">
+            <a:schemeClr val="accent1"/>
+          </a:lnRef>
+          <a:fillRef idx="0">
+            <a:schemeClr val="accent1"/>
+          </a:fillRef>
+          <a:effectRef idx="1">
+            <a:schemeClr val="accent1"/>
+          </a:effectRef>
+          <a:fontRef idx="minor">
+            <a:schemeClr val="tx1"/>
+          </a:fontRef>
+        </p:style>
+      </p:cxnSp>
+    </p:spTree>
+    <p:extLst>
+      <p:ext uri="{BB962C8B-B14F-4D97-AF65-F5344CB8AC3E}">
+        <p14:creationId xmlns:p14="http://schemas.microsoft.com/office/powerpoint/2010/main" val="2014910993"/>
+      </p:ext>
+    </p:extLst>
+  </p:cSld>
+  <p:clrMapOvr>
+    <a:masterClrMapping/>
+  </p:clrMapOvr>
+</p:sld>
+</file>
+
+<file path=ppt/slides/slide20.xml><?xml version="1.0" encoding="utf-8"?>
 <p:sld xmlns:a="http://schemas.openxmlformats.org/drawingml/2006/main" xmlns:r="http://schemas.openxmlformats.org/officeDocument/2006/relationships" xmlns:p="http://schemas.openxmlformats.org/presentationml/2006/main">
   <p:cSld>
     <p:spTree>
@@ -12120,7 +15596,7 @@
                   <a:srgbClr val="C00000"/>
                 </a:solidFill>
               </a:rPr>
-              <a:t>Does not work!!!</a:t>
+              <a:t>Unfinished!</a:t>
             </a:r>
             <a:endParaRPr lang="en-GB" dirty="0">
               <a:solidFill>
@@ -12939,7 +16415,7 @@
         </p:nvSpPr>
         <p:spPr>
           <a:xfrm>
-            <a:off x="2552893" y="5208176"/>
+            <a:off x="7485009" y="5237252"/>
             <a:ext cx="3722583" cy="369332"/>
           </a:xfrm>
           <a:prstGeom prst="rect">
@@ -12994,7 +16470,7 @@
         </p:nvSpPr>
         <p:spPr>
           <a:xfrm>
-            <a:off x="1363866" y="5606584"/>
+            <a:off x="7485008" y="5664770"/>
             <a:ext cx="3722583" cy="369332"/>
           </a:xfrm>
           <a:prstGeom prst="rect">
@@ -13048,7 +16524,7 @@
 </p:sld>
 </file>
 
-<file path=ppt/slides/slide18.xml><?xml version="1.0" encoding="utf-8"?>
+<file path=ppt/slides/slide21.xml><?xml version="1.0" encoding="utf-8"?>
 <p:sld xmlns:a="http://schemas.openxmlformats.org/drawingml/2006/main" xmlns:r="http://schemas.openxmlformats.org/officeDocument/2006/relationships" xmlns:p="http://schemas.openxmlformats.org/presentationml/2006/main">
   <p:cSld>
     <p:spTree>
@@ -13056,7 +16532,7 @@
         <p:cNvPr id="1" name="">
           <a:extLst>
             <a:ext uri="{FF2B5EF4-FFF2-40B4-BE49-F238E27FC236}">
-              <a16:creationId xmlns:a16="http://schemas.microsoft.com/office/drawing/2014/main" id="{4CA0C552-3CC1-C6B6-7F80-21FBE3AEFF4C}"/>
+              <a16:creationId xmlns:a16="http://schemas.microsoft.com/office/drawing/2014/main" id="{06BB0A6A-D628-41B5-628A-72959695D279}"/>
             </a:ext>
           </a:extLst>
         </p:cNvPr>
@@ -13076,7 +16552,7 @@
           <p:cNvPr id="7" name="Rectangle: Rounded Corners 6">
             <a:extLst>
               <a:ext uri="{FF2B5EF4-FFF2-40B4-BE49-F238E27FC236}">
-                <a16:creationId xmlns:a16="http://schemas.microsoft.com/office/drawing/2014/main" id="{D27D43FD-163E-E829-C3E6-64B19B6A326B}"/>
+                <a16:creationId xmlns:a16="http://schemas.microsoft.com/office/drawing/2014/main" id="{4B9B8C14-C51E-1E95-7197-5C69848DDF93}"/>
               </a:ext>
             </a:extLst>
           </p:cNvPr>
@@ -13085,8 +16561,8 @@
         </p:nvSpPr>
         <p:spPr>
           <a:xfrm>
-            <a:off x="9385850" y="2266624"/>
-            <a:ext cx="2575632" cy="3184991"/>
+            <a:off x="1464818" y="1951044"/>
+            <a:ext cx="2575632" cy="2314955"/>
           </a:xfrm>
           <a:prstGeom prst="roundRect">
             <a:avLst/>
@@ -13122,7 +16598,7 @@
           <p:cNvPr id="2" name="Title 1">
             <a:extLst>
               <a:ext uri="{FF2B5EF4-FFF2-40B4-BE49-F238E27FC236}">
-                <a16:creationId xmlns:a16="http://schemas.microsoft.com/office/drawing/2014/main" id="{AFBB7318-C942-8ED6-071D-AB2539049218}"/>
+                <a16:creationId xmlns:a16="http://schemas.microsoft.com/office/drawing/2014/main" id="{ECFBB700-5879-55D8-E06A-ADDB7FA1E743}"/>
               </a:ext>
             </a:extLst>
           </p:cNvPr>
@@ -13169,10 +16645,10 @@
       </p:sp>
       <p:sp>
         <p:nvSpPr>
-          <p:cNvPr id="4" name="Rectangle: Rounded Corners 3">
-            <a:extLst>
-              <a:ext uri="{FF2B5EF4-FFF2-40B4-BE49-F238E27FC236}">
-                <a16:creationId xmlns:a16="http://schemas.microsoft.com/office/drawing/2014/main" id="{54383811-FAAA-BD66-B812-54FDDB6316C7}"/>
+          <p:cNvPr id="30" name="Rectangle: Rounded Corners 29">
+            <a:extLst>
+              <a:ext uri="{FF2B5EF4-FFF2-40B4-BE49-F238E27FC236}">
+                <a16:creationId xmlns:a16="http://schemas.microsoft.com/office/drawing/2014/main" id="{424CEB9F-ADA4-9F22-161D-8A49FA18259D}"/>
               </a:ext>
             </a:extLst>
           </p:cNvPr>
@@ -13181,82 +16657,7 @@
         </p:nvSpPr>
         <p:spPr>
           <a:xfrm>
-            <a:off x="251438" y="3859829"/>
-            <a:ext cx="2036883" cy="1514397"/>
-          </a:xfrm>
-          <a:prstGeom prst="roundRect">
-            <a:avLst/>
-          </a:prstGeom>
-          <a:noFill/>
-          <a:ln>
-            <a:solidFill>
-              <a:srgbClr val="00B050"/>
-            </a:solidFill>
-          </a:ln>
-        </p:spPr>
-        <p:style>
-          <a:lnRef idx="2">
-            <a:schemeClr val="accent1">
-              <a:shade val="15000"/>
-            </a:schemeClr>
-          </a:lnRef>
-          <a:fillRef idx="1">
-            <a:schemeClr val="accent1"/>
-          </a:fillRef>
-          <a:effectRef idx="0">
-            <a:schemeClr val="accent1"/>
-          </a:effectRef>
-          <a:fontRef idx="minor">
-            <a:schemeClr val="lt1"/>
-          </a:fontRef>
-        </p:style>
-        <p:txBody>
-          <a:bodyPr rtlCol="0" anchor="t" anchorCtr="0"/>
-          <a:lstStyle/>
-          <a:p>
-            <a:pPr algn="ctr"/>
-            <a:r>
-              <a:rPr lang="en-GB" dirty="0">
-                <a:solidFill>
-                  <a:schemeClr val="tx1"/>
-                </a:solidFill>
-              </a:rPr>
-              <a:t>#1788 </a:t>
-            </a:r>
-            <a:r>
-              <a:rPr lang="en-GB" dirty="0" err="1">
-                <a:solidFill>
-                  <a:schemeClr val="tx1"/>
-                </a:solidFill>
-              </a:rPr>
-              <a:t>hashable</a:t>
-            </a:r>
-            <a:r>
-              <a:rPr lang="en-GB" dirty="0">
-                <a:solidFill>
-                  <a:schemeClr val="tx1"/>
-                </a:solidFill>
-              </a:rPr>
-              <a:t> class</a:t>
-            </a:r>
-          </a:p>
-        </p:txBody>
-      </p:sp>
-      <p:sp>
-        <p:nvSpPr>
-          <p:cNvPr id="5" name="Rectangle: Rounded Corners 4">
-            <a:extLst>
-              <a:ext uri="{FF2B5EF4-FFF2-40B4-BE49-F238E27FC236}">
-                <a16:creationId xmlns:a16="http://schemas.microsoft.com/office/drawing/2014/main" id="{9A814989-14E6-E763-F4DC-E53E3D98210D}"/>
-              </a:ext>
-            </a:extLst>
-          </p:cNvPr>
-          <p:cNvSpPr/>
-          <p:nvPr/>
-        </p:nvSpPr>
-        <p:spPr>
-          <a:xfrm>
-            <a:off x="3397247" y="2352648"/>
+            <a:off x="1741581" y="2286342"/>
             <a:ext cx="2036883" cy="1514397"/>
           </a:xfrm>
           <a:prstGeom prst="roundRect">
@@ -13296,41 +16697,17 @@
                   <a:schemeClr val="tx1"/>
                 </a:solidFill>
               </a:rPr>
-              <a:t>#1790 Make instruments, samples and detectors </a:t>
-            </a:r>
-            <a:r>
-              <a:rPr lang="en-GB" dirty="0" err="1">
-                <a:solidFill>
-                  <a:schemeClr val="tx1"/>
-                </a:solidFill>
-              </a:rPr>
-              <a:t>hashable</a:t>
-            </a:r>
-            <a:r>
-              <a:rPr lang="en-GB" dirty="0">
-                <a:solidFill>
-                  <a:schemeClr val="tx1"/>
-                </a:solidFill>
-              </a:rPr>
-              <a:t> </a:t>
-            </a:r>
-          </a:p>
-          <a:p>
-            <a:pPr algn="ctr"/>
-            <a:endParaRPr lang="en-GB" dirty="0">
-              <a:solidFill>
-                <a:schemeClr val="tx1"/>
-              </a:solidFill>
-            </a:endParaRPr>
-          </a:p>
-        </p:txBody>
-      </p:sp>
-      <p:sp>
-        <p:nvSpPr>
-          <p:cNvPr id="6" name="Rectangle: Rounded Corners 5">
-            <a:extLst>
-              <a:ext uri="{FF2B5EF4-FFF2-40B4-BE49-F238E27FC236}">
-                <a16:creationId xmlns:a16="http://schemas.microsoft.com/office/drawing/2014/main" id="{1926F282-1226-B2A3-04C8-5D66D11BA2BB}"/>
+              <a:t>#1791Problem with unique references singleton implementation</a:t>
+            </a:r>
+          </a:p>
+        </p:txBody>
+      </p:sp>
+      <p:sp>
+        <p:nvSpPr>
+          <p:cNvPr id="38" name="Oval 37">
+            <a:extLst>
+              <a:ext uri="{FF2B5EF4-FFF2-40B4-BE49-F238E27FC236}">
+                <a16:creationId xmlns:a16="http://schemas.microsoft.com/office/drawing/2014/main" id="{9311672B-0C84-F313-6F6B-A23324AA0E83}"/>
               </a:ext>
             </a:extLst>
           </p:cNvPr>
@@ -13339,398 +16716,7 @@
         </p:nvSpPr>
         <p:spPr>
           <a:xfrm>
-            <a:off x="593128" y="1304520"/>
-            <a:ext cx="2036883" cy="1514397"/>
-          </a:xfrm>
-          <a:prstGeom prst="roundRect">
-            <a:avLst/>
-          </a:prstGeom>
-          <a:ln>
-            <a:solidFill>
-              <a:srgbClr val="00B050"/>
-            </a:solidFill>
-          </a:ln>
-        </p:spPr>
-        <p:style>
-          <a:lnRef idx="2">
-            <a:schemeClr val="dk1"/>
-          </a:lnRef>
-          <a:fillRef idx="1">
-            <a:schemeClr val="lt1"/>
-          </a:fillRef>
-          <a:effectRef idx="0">
-            <a:schemeClr val="dk1"/>
-          </a:effectRef>
-          <a:fontRef idx="minor">
-            <a:schemeClr val="dk1"/>
-          </a:fontRef>
-        </p:style>
-        <p:txBody>
-          <a:bodyPr tIns="0" rtlCol="0" anchor="t" anchorCtr="0"/>
-          <a:lstStyle/>
-          <a:p>
-            <a:pPr algn="ctr"/>
-            <a:r>
-              <a:rPr lang="en-GB" dirty="0">
-                <a:solidFill>
-                  <a:schemeClr val="tx1"/>
-                </a:solidFill>
-              </a:rPr>
-              <a:t>#1147 Serializable </a:t>
-            </a:r>
-            <a:r>
-              <a:rPr lang="en-GB" b="1" dirty="0" err="1">
-                <a:solidFill>
-                  <a:schemeClr val="tx1"/>
-                </a:solidFill>
-              </a:rPr>
-              <a:t>eq</a:t>
-            </a:r>
-            <a:r>
-              <a:rPr lang="en-GB" dirty="0">
-                <a:solidFill>
-                  <a:schemeClr val="tx1"/>
-                </a:solidFill>
-              </a:rPr>
-              <a:t> method should be replaced by equal to </a:t>
-            </a:r>
-            <a:r>
-              <a:rPr lang="en-GB" dirty="0" err="1">
-                <a:solidFill>
-                  <a:schemeClr val="tx1"/>
-                </a:solidFill>
-              </a:rPr>
-              <a:t>tol</a:t>
-            </a:r>
-            <a:endParaRPr lang="en-GB" dirty="0">
-              <a:solidFill>
-                <a:schemeClr val="tx1"/>
-              </a:solidFill>
-            </a:endParaRPr>
-          </a:p>
-        </p:txBody>
-      </p:sp>
-      <p:sp>
-        <p:nvSpPr>
-          <p:cNvPr id="9" name="Rectangle: Rounded Corners 8">
-            <a:extLst>
-              <a:ext uri="{FF2B5EF4-FFF2-40B4-BE49-F238E27FC236}">
-                <a16:creationId xmlns:a16="http://schemas.microsoft.com/office/drawing/2014/main" id="{430E257D-4C38-3254-38F0-FAF59EACD865}"/>
-              </a:ext>
-            </a:extLst>
-          </p:cNvPr>
-          <p:cNvSpPr/>
-          <p:nvPr/>
-        </p:nvSpPr>
-        <p:spPr>
-          <a:xfrm>
-            <a:off x="2603983" y="5227405"/>
-            <a:ext cx="2036883" cy="1514397"/>
-          </a:xfrm>
-          <a:prstGeom prst="roundRect">
-            <a:avLst/>
-          </a:prstGeom>
-          <a:noFill/>
-          <a:ln>
-            <a:solidFill>
-              <a:srgbClr val="0070C0"/>
-            </a:solidFill>
-          </a:ln>
-        </p:spPr>
-        <p:style>
-          <a:lnRef idx="2">
-            <a:schemeClr val="accent1">
-              <a:shade val="15000"/>
-            </a:schemeClr>
-          </a:lnRef>
-          <a:fillRef idx="1">
-            <a:schemeClr val="accent1"/>
-          </a:fillRef>
-          <a:effectRef idx="0">
-            <a:schemeClr val="accent1"/>
-          </a:effectRef>
-          <a:fontRef idx="minor">
-            <a:schemeClr val="lt1"/>
-          </a:fontRef>
-        </p:style>
-        <p:txBody>
-          <a:bodyPr rtlCol="0" anchor="ctr"/>
-          <a:lstStyle/>
-          <a:p>
-            <a:pPr algn="ctr"/>
-            <a:r>
-              <a:rPr lang="en-GB" dirty="0">
-                <a:solidFill>
-                  <a:schemeClr val="tx1"/>
-                </a:solidFill>
-              </a:rPr>
-              <a:t>#896 Enable full </a:t>
-            </a:r>
-            <a:r>
-              <a:rPr lang="en-GB" dirty="0" err="1">
-                <a:solidFill>
-                  <a:schemeClr val="tx1"/>
-                </a:solidFill>
-              </a:rPr>
-              <a:t>mexing</a:t>
-            </a:r>
-            <a:r>
-              <a:rPr lang="en-GB" dirty="0">
-                <a:solidFill>
-                  <a:schemeClr val="tx1"/>
-                </a:solidFill>
-              </a:rPr>
-              <a:t> option in cut </a:t>
-            </a:r>
-          </a:p>
-        </p:txBody>
-      </p:sp>
-      <p:cxnSp>
-        <p:nvCxnSpPr>
-          <p:cNvPr id="8" name="Straight Arrow Connector 7">
-            <a:extLst>
-              <a:ext uri="{FF2B5EF4-FFF2-40B4-BE49-F238E27FC236}">
-                <a16:creationId xmlns:a16="http://schemas.microsoft.com/office/drawing/2014/main" id="{3863F1A7-D76F-C9F6-05D0-3D140892C02D}"/>
-              </a:ext>
-            </a:extLst>
-          </p:cNvPr>
-          <p:cNvCxnSpPr>
-            <a:cxnSpLocks/>
-            <a:stCxn id="4" idx="3"/>
-            <a:endCxn id="5" idx="1"/>
-          </p:cNvCxnSpPr>
-          <p:nvPr/>
-        </p:nvCxnSpPr>
-        <p:spPr>
-          <a:xfrm flipV="1">
-            <a:off x="2288321" y="3109847"/>
-            <a:ext cx="1108926" cy="1507181"/>
-          </a:xfrm>
-          <a:prstGeom prst="straightConnector1">
-            <a:avLst/>
-          </a:prstGeom>
-          <a:ln>
-            <a:tailEnd type="triangle"/>
-          </a:ln>
-        </p:spPr>
-        <p:style>
-          <a:lnRef idx="2">
-            <a:schemeClr val="accent1"/>
-          </a:lnRef>
-          <a:fillRef idx="0">
-            <a:schemeClr val="accent1"/>
-          </a:fillRef>
-          <a:effectRef idx="1">
-            <a:schemeClr val="accent1"/>
-          </a:effectRef>
-          <a:fontRef idx="minor">
-            <a:schemeClr val="tx1"/>
-          </a:fontRef>
-        </p:style>
-      </p:cxnSp>
-      <p:cxnSp>
-        <p:nvCxnSpPr>
-          <p:cNvPr id="20" name="Straight Arrow Connector 19">
-            <a:extLst>
-              <a:ext uri="{FF2B5EF4-FFF2-40B4-BE49-F238E27FC236}">
-                <a16:creationId xmlns:a16="http://schemas.microsoft.com/office/drawing/2014/main" id="{57BD9FDE-05F3-2A10-5B61-A2631EFDCD87}"/>
-              </a:ext>
-            </a:extLst>
-          </p:cNvPr>
-          <p:cNvCxnSpPr>
-            <a:cxnSpLocks/>
-            <a:stCxn id="5" idx="2"/>
-            <a:endCxn id="9" idx="0"/>
-          </p:cNvCxnSpPr>
-          <p:nvPr/>
-        </p:nvCxnSpPr>
-        <p:spPr>
-          <a:xfrm flipH="1">
-            <a:off x="3622425" y="3867045"/>
-            <a:ext cx="793264" cy="1360360"/>
-          </a:xfrm>
-          <a:prstGeom prst="straightConnector1">
-            <a:avLst/>
-          </a:prstGeom>
-          <a:ln>
-            <a:tailEnd type="triangle"/>
-          </a:ln>
-        </p:spPr>
-        <p:style>
-          <a:lnRef idx="2">
-            <a:schemeClr val="accent1"/>
-          </a:lnRef>
-          <a:fillRef idx="0">
-            <a:schemeClr val="accent1"/>
-          </a:fillRef>
-          <a:effectRef idx="1">
-            <a:schemeClr val="accent1"/>
-          </a:effectRef>
-          <a:fontRef idx="minor">
-            <a:schemeClr val="tx1"/>
-          </a:fontRef>
-        </p:style>
-      </p:cxnSp>
-      <p:cxnSp>
-        <p:nvCxnSpPr>
-          <p:cNvPr id="25" name="Straight Arrow Connector 24">
-            <a:extLst>
-              <a:ext uri="{FF2B5EF4-FFF2-40B4-BE49-F238E27FC236}">
-                <a16:creationId xmlns:a16="http://schemas.microsoft.com/office/drawing/2014/main" id="{5748EE1E-79A4-7530-4973-BAFA76749016}"/>
-              </a:ext>
-            </a:extLst>
-          </p:cNvPr>
-          <p:cNvCxnSpPr>
-            <a:cxnSpLocks/>
-            <a:stCxn id="39" idx="0"/>
-            <a:endCxn id="6" idx="3"/>
-          </p:cNvCxnSpPr>
-          <p:nvPr/>
-        </p:nvCxnSpPr>
-        <p:spPr>
-          <a:xfrm rot="16200000" flipV="1">
-            <a:off x="3969710" y="722020"/>
-            <a:ext cx="810408" cy="3489806"/>
-          </a:xfrm>
-          <a:prstGeom prst="bentConnector2">
-            <a:avLst/>
-          </a:prstGeom>
-          <a:ln>
-            <a:tailEnd type="triangle"/>
-          </a:ln>
-        </p:spPr>
-        <p:style>
-          <a:lnRef idx="2">
-            <a:schemeClr val="accent1"/>
-          </a:lnRef>
-          <a:fillRef idx="0">
-            <a:schemeClr val="accent1"/>
-          </a:fillRef>
-          <a:effectRef idx="1">
-            <a:schemeClr val="accent1"/>
-          </a:effectRef>
-          <a:fontRef idx="minor">
-            <a:schemeClr val="tx1"/>
-          </a:fontRef>
-        </p:style>
-      </p:cxnSp>
-      <p:sp>
-        <p:nvSpPr>
-          <p:cNvPr id="30" name="Rectangle: Rounded Corners 29">
-            <a:extLst>
-              <a:ext uri="{FF2B5EF4-FFF2-40B4-BE49-F238E27FC236}">
-                <a16:creationId xmlns:a16="http://schemas.microsoft.com/office/drawing/2014/main" id="{15DFBAC9-C1A1-CAE0-2D0A-3B15A5077C41}"/>
-              </a:ext>
-            </a:extLst>
-          </p:cNvPr>
-          <p:cNvSpPr/>
-          <p:nvPr/>
-        </p:nvSpPr>
-        <p:spPr>
-          <a:xfrm>
-            <a:off x="7051600" y="2351324"/>
-            <a:ext cx="2036883" cy="1514397"/>
-          </a:xfrm>
-          <a:prstGeom prst="roundRect">
-            <a:avLst/>
-          </a:prstGeom>
-          <a:noFill/>
-          <a:ln>
-            <a:solidFill>
-              <a:srgbClr val="7030A0"/>
-            </a:solidFill>
-          </a:ln>
-        </p:spPr>
-        <p:style>
-          <a:lnRef idx="2">
-            <a:schemeClr val="accent1">
-              <a:shade val="15000"/>
-            </a:schemeClr>
-          </a:lnRef>
-          <a:fillRef idx="1">
-            <a:schemeClr val="accent1"/>
-          </a:fillRef>
-          <a:effectRef idx="0">
-            <a:schemeClr val="accent1"/>
-          </a:effectRef>
-          <a:fontRef idx="minor">
-            <a:schemeClr val="lt1"/>
-          </a:fontRef>
-        </p:style>
-        <p:txBody>
-          <a:bodyPr tIns="0" rtlCol="0" anchor="t" anchorCtr="0"/>
-          <a:lstStyle/>
-          <a:p>
-            <a:pPr algn="ctr"/>
-            <a:r>
-              <a:rPr lang="en-GB" dirty="0">
-                <a:solidFill>
-                  <a:schemeClr val="tx1"/>
-                </a:solidFill>
-              </a:rPr>
-              <a:t>#1791Problem with unique references singleton implementation</a:t>
-            </a:r>
-          </a:p>
-        </p:txBody>
-      </p:sp>
-      <p:cxnSp>
-        <p:nvCxnSpPr>
-          <p:cNvPr id="31" name="Straight Arrow Connector 30">
-            <a:extLst>
-              <a:ext uri="{FF2B5EF4-FFF2-40B4-BE49-F238E27FC236}">
-                <a16:creationId xmlns:a16="http://schemas.microsoft.com/office/drawing/2014/main" id="{2B9083B8-B4E1-837A-D2FE-DFE5E165FBAA}"/>
-              </a:ext>
-            </a:extLst>
-          </p:cNvPr>
-          <p:cNvCxnSpPr>
-            <a:cxnSpLocks/>
-            <a:stCxn id="5" idx="3"/>
-            <a:endCxn id="39" idx="1"/>
-          </p:cNvCxnSpPr>
-          <p:nvPr/>
-        </p:nvCxnSpPr>
-        <p:spPr>
-          <a:xfrm>
-            <a:off x="5434130" y="3109847"/>
-            <a:ext cx="193675" cy="10607"/>
-          </a:xfrm>
-          <a:prstGeom prst="straightConnector1">
-            <a:avLst/>
-          </a:prstGeom>
-          <a:ln>
-            <a:tailEnd type="triangle"/>
-          </a:ln>
-        </p:spPr>
-        <p:style>
-          <a:lnRef idx="2">
-            <a:schemeClr val="accent1"/>
-          </a:lnRef>
-          <a:fillRef idx="0">
-            <a:schemeClr val="accent1"/>
-          </a:fillRef>
-          <a:effectRef idx="1">
-            <a:schemeClr val="accent1"/>
-          </a:effectRef>
-          <a:fontRef idx="minor">
-            <a:schemeClr val="tx1"/>
-          </a:fontRef>
-        </p:style>
-      </p:cxnSp>
-      <p:sp>
-        <p:nvSpPr>
-          <p:cNvPr id="38" name="Oval 37">
-            <a:extLst>
-              <a:ext uri="{FF2B5EF4-FFF2-40B4-BE49-F238E27FC236}">
-                <a16:creationId xmlns:a16="http://schemas.microsoft.com/office/drawing/2014/main" id="{523A0548-3619-E72F-110D-702D1BE7C6B4}"/>
-              </a:ext>
-            </a:extLst>
-          </p:cNvPr>
-          <p:cNvSpPr/>
-          <p:nvPr/>
-        </p:nvSpPr>
-        <p:spPr>
-          <a:xfrm>
-            <a:off x="9784302" y="426084"/>
+            <a:off x="9981639" y="2265315"/>
             <a:ext cx="1843444" cy="1765210"/>
           </a:xfrm>
           <a:prstGeom prst="ellipse">
@@ -13786,10 +16772,10 @@
       </p:sp>
       <p:sp>
         <p:nvSpPr>
-          <p:cNvPr id="39" name="Rectangle 38">
-            <a:extLst>
-              <a:ext uri="{FF2B5EF4-FFF2-40B4-BE49-F238E27FC236}">
-                <a16:creationId xmlns:a16="http://schemas.microsoft.com/office/drawing/2014/main" id="{290A44C2-9F8B-DA1E-35ED-4BBA2582562C}"/>
+          <p:cNvPr id="40" name="Rectangle: Rounded Corners 39">
+            <a:extLst>
+              <a:ext uri="{FF2B5EF4-FFF2-40B4-BE49-F238E27FC236}">
+                <a16:creationId xmlns:a16="http://schemas.microsoft.com/office/drawing/2014/main" id="{B2AAC06B-6EBB-889D-4880-E0E4C70D26A4}"/>
               </a:ext>
             </a:extLst>
           </p:cNvPr>
@@ -13798,63 +16784,7 @@
         </p:nvSpPr>
         <p:spPr>
           <a:xfrm>
-            <a:off x="5627805" y="2872127"/>
-            <a:ext cx="984024" cy="496654"/>
-          </a:xfrm>
-          <a:prstGeom prst="rect">
-            <a:avLst/>
-          </a:prstGeom>
-          <a:solidFill>
-            <a:schemeClr val="bg1"/>
-          </a:solidFill>
-        </p:spPr>
-        <p:style>
-          <a:lnRef idx="2">
-            <a:schemeClr val="accent1">
-              <a:shade val="15000"/>
-            </a:schemeClr>
-          </a:lnRef>
-          <a:fillRef idx="1">
-            <a:schemeClr val="accent1"/>
-          </a:fillRef>
-          <a:effectRef idx="0">
-            <a:schemeClr val="accent1"/>
-          </a:effectRef>
-          <a:fontRef idx="minor">
-            <a:schemeClr val="lt1"/>
-          </a:fontRef>
-        </p:style>
-        <p:txBody>
-          <a:bodyPr tIns="0" rtlCol="0" anchor="t" anchorCtr="0"/>
-          <a:lstStyle/>
-          <a:p>
-            <a:pPr algn="ctr"/>
-            <a:r>
-              <a:rPr lang="en-GB" dirty="0">
-                <a:solidFill>
-                  <a:schemeClr val="tx1"/>
-                </a:solidFill>
-              </a:rPr>
-              <a:t>Fix tests</a:t>
-            </a:r>
-          </a:p>
-        </p:txBody>
-      </p:sp>
-      <p:sp>
-        <p:nvSpPr>
-          <p:cNvPr id="40" name="Rectangle: Rounded Corners 39">
-            <a:extLst>
-              <a:ext uri="{FF2B5EF4-FFF2-40B4-BE49-F238E27FC236}">
-                <a16:creationId xmlns:a16="http://schemas.microsoft.com/office/drawing/2014/main" id="{BCB639A5-744F-99A3-4261-84568A563CF5}"/>
-              </a:ext>
-            </a:extLst>
-          </p:cNvPr>
-          <p:cNvSpPr/>
-          <p:nvPr/>
-        </p:nvSpPr>
-        <p:spPr>
-          <a:xfrm>
-            <a:off x="4929205" y="4556022"/>
+            <a:off x="1740709" y="4568558"/>
             <a:ext cx="2036883" cy="1514397"/>
           </a:xfrm>
           <a:prstGeom prst="roundRect">
@@ -13915,98 +16845,12 @@
           </a:p>
         </p:txBody>
       </p:sp>
-      <p:cxnSp>
-        <p:nvCxnSpPr>
-          <p:cNvPr id="41" name="Straight Arrow Connector 40">
-            <a:extLst>
-              <a:ext uri="{FF2B5EF4-FFF2-40B4-BE49-F238E27FC236}">
-                <a16:creationId xmlns:a16="http://schemas.microsoft.com/office/drawing/2014/main" id="{E751F5EB-FF97-F5ED-4F34-B8913056B5BD}"/>
-              </a:ext>
-            </a:extLst>
-          </p:cNvPr>
-          <p:cNvCxnSpPr>
-            <a:cxnSpLocks/>
-            <a:stCxn id="30" idx="3"/>
-            <a:endCxn id="82" idx="1"/>
-          </p:cNvCxnSpPr>
-          <p:nvPr/>
-        </p:nvCxnSpPr>
-        <p:spPr>
-          <a:xfrm flipV="1">
-            <a:off x="9088483" y="3099239"/>
-            <a:ext cx="599100" cy="9284"/>
-          </a:xfrm>
-          <a:prstGeom prst="straightConnector1">
-            <a:avLst/>
-          </a:prstGeom>
-          <a:ln>
-            <a:tailEnd type="triangle"/>
-          </a:ln>
-        </p:spPr>
-        <p:style>
-          <a:lnRef idx="2">
-            <a:schemeClr val="accent1"/>
-          </a:lnRef>
-          <a:fillRef idx="0">
-            <a:schemeClr val="accent1"/>
-          </a:fillRef>
-          <a:effectRef idx="1">
-            <a:schemeClr val="accent1"/>
-          </a:effectRef>
-          <a:fontRef idx="minor">
-            <a:schemeClr val="tx1"/>
-          </a:fontRef>
-        </p:style>
-      </p:cxnSp>
-      <p:cxnSp>
-        <p:nvCxnSpPr>
-          <p:cNvPr id="45" name="Straight Arrow Connector 44">
-            <a:extLst>
-              <a:ext uri="{FF2B5EF4-FFF2-40B4-BE49-F238E27FC236}">
-                <a16:creationId xmlns:a16="http://schemas.microsoft.com/office/drawing/2014/main" id="{E2A5F591-20A6-9542-11F5-093BBBF19B94}"/>
-              </a:ext>
-            </a:extLst>
-          </p:cNvPr>
-          <p:cNvCxnSpPr>
-            <a:cxnSpLocks/>
-            <a:stCxn id="39" idx="2"/>
-            <a:endCxn id="40" idx="0"/>
-          </p:cNvCxnSpPr>
-          <p:nvPr/>
-        </p:nvCxnSpPr>
-        <p:spPr>
-          <a:xfrm flipH="1">
-            <a:off x="5947647" y="3368781"/>
-            <a:ext cx="172170" cy="1187241"/>
-          </a:xfrm>
-          <a:prstGeom prst="straightConnector1">
-            <a:avLst/>
-          </a:prstGeom>
-          <a:ln>
-            <a:tailEnd type="triangle"/>
-          </a:ln>
-        </p:spPr>
-        <p:style>
-          <a:lnRef idx="2">
-            <a:schemeClr val="accent1"/>
-          </a:lnRef>
-          <a:fillRef idx="0">
-            <a:schemeClr val="accent1"/>
-          </a:fillRef>
-          <a:effectRef idx="1">
-            <a:schemeClr val="accent1"/>
-          </a:effectRef>
-          <a:fontRef idx="minor">
-            <a:schemeClr val="tx1"/>
-          </a:fontRef>
-        </p:style>
-      </p:cxnSp>
-      <p:sp>
-        <p:nvSpPr>
-          <p:cNvPr id="49" name="Rectangle: Rounded Corners 48">
-            <a:extLst>
-              <a:ext uri="{FF2B5EF4-FFF2-40B4-BE49-F238E27FC236}">
-                <a16:creationId xmlns:a16="http://schemas.microsoft.com/office/drawing/2014/main" id="{2C042A11-0CF0-42B3-1E18-19010C2FC0DA}"/>
+      <p:sp>
+        <p:nvSpPr>
+          <p:cNvPr id="82" name="Rectangle: Rounded Corners 81">
+            <a:extLst>
+              <a:ext uri="{FF2B5EF4-FFF2-40B4-BE49-F238E27FC236}">
+                <a16:creationId xmlns:a16="http://schemas.microsoft.com/office/drawing/2014/main" id="{9CB078DF-BB2D-3FC6-57C1-C0BB036F388F}"/>
               </a:ext>
             </a:extLst>
           </p:cNvPr>
@@ -14015,164 +16859,7 @@
         </p:nvSpPr>
         <p:spPr>
           <a:xfrm>
-            <a:off x="7049856" y="4568558"/>
-            <a:ext cx="2036883" cy="1514397"/>
-          </a:xfrm>
-          <a:prstGeom prst="roundRect">
-            <a:avLst/>
-          </a:prstGeom>
-          <a:noFill/>
-          <a:ln>
-            <a:solidFill>
-              <a:srgbClr val="C00000"/>
-            </a:solidFill>
-          </a:ln>
-        </p:spPr>
-        <p:style>
-          <a:lnRef idx="2">
-            <a:schemeClr val="accent1">
-              <a:shade val="15000"/>
-            </a:schemeClr>
-          </a:lnRef>
-          <a:fillRef idx="1">
-            <a:schemeClr val="accent1"/>
-          </a:fillRef>
-          <a:effectRef idx="0">
-            <a:schemeClr val="accent1"/>
-          </a:effectRef>
-          <a:fontRef idx="minor">
-            <a:schemeClr val="lt1"/>
-          </a:fontRef>
-        </p:style>
-        <p:txBody>
-          <a:bodyPr rtlCol="0" anchor="ctr"/>
-          <a:lstStyle/>
-          <a:p>
-            <a:pPr algn="ctr"/>
-            <a:r>
-              <a:rPr lang="en-GB" dirty="0">
-                <a:solidFill>
-                  <a:schemeClr val="tx1"/>
-                </a:solidFill>
-              </a:rPr>
-              <a:t>Failing objects comparison on Jenkins only</a:t>
-            </a:r>
-          </a:p>
-        </p:txBody>
-      </p:sp>
-      <p:cxnSp>
-        <p:nvCxnSpPr>
-          <p:cNvPr id="50" name="Straight Arrow Connector 49">
-            <a:extLst>
-              <a:ext uri="{FF2B5EF4-FFF2-40B4-BE49-F238E27FC236}">
-                <a16:creationId xmlns:a16="http://schemas.microsoft.com/office/drawing/2014/main" id="{2A8E110A-830E-DC4E-824B-B792FD3CEDD8}"/>
-              </a:ext>
-            </a:extLst>
-          </p:cNvPr>
-          <p:cNvCxnSpPr>
-            <a:cxnSpLocks/>
-            <a:endCxn id="49" idx="1"/>
-          </p:cNvCxnSpPr>
-          <p:nvPr/>
-        </p:nvCxnSpPr>
-        <p:spPr>
-          <a:xfrm>
-            <a:off x="6964112" y="5313220"/>
-            <a:ext cx="85744" cy="12537"/>
-          </a:xfrm>
-          <a:prstGeom prst="straightConnector1">
-            <a:avLst/>
-          </a:prstGeom>
-          <a:ln>
-            <a:tailEnd type="triangle"/>
-          </a:ln>
-        </p:spPr>
-        <p:style>
-          <a:lnRef idx="2">
-            <a:schemeClr val="accent1"/>
-          </a:lnRef>
-          <a:fillRef idx="0">
-            <a:schemeClr val="accent1"/>
-          </a:fillRef>
-          <a:effectRef idx="1">
-            <a:schemeClr val="accent1"/>
-          </a:effectRef>
-          <a:fontRef idx="minor">
-            <a:schemeClr val="tx1"/>
-          </a:fontRef>
-        </p:style>
-      </p:cxnSp>
-      <p:sp>
-        <p:nvSpPr>
-          <p:cNvPr id="55" name="Rectangle 54">
-            <a:extLst>
-              <a:ext uri="{FF2B5EF4-FFF2-40B4-BE49-F238E27FC236}">
-                <a16:creationId xmlns:a16="http://schemas.microsoft.com/office/drawing/2014/main" id="{CAF3451B-9E1B-AAA1-A5B8-13EC31958268}"/>
-              </a:ext>
-            </a:extLst>
-          </p:cNvPr>
-          <p:cNvSpPr/>
-          <p:nvPr/>
-        </p:nvSpPr>
-        <p:spPr>
-          <a:xfrm>
-            <a:off x="3287035" y="4333314"/>
-            <a:ext cx="1514992" cy="496654"/>
-          </a:xfrm>
-          <a:prstGeom prst="rect">
-            <a:avLst/>
-          </a:prstGeom>
-          <a:solidFill>
-            <a:schemeClr val="bg1"/>
-          </a:solidFill>
-        </p:spPr>
-        <p:style>
-          <a:lnRef idx="2">
-            <a:schemeClr val="accent1">
-              <a:shade val="15000"/>
-            </a:schemeClr>
-          </a:lnRef>
-          <a:fillRef idx="1">
-            <a:schemeClr val="accent1"/>
-          </a:fillRef>
-          <a:effectRef idx="0">
-            <a:schemeClr val="accent1"/>
-          </a:effectRef>
-          <a:fontRef idx="minor">
-            <a:schemeClr val="lt1"/>
-          </a:fontRef>
-        </p:style>
-        <p:txBody>
-          <a:bodyPr tIns="0" rtlCol="0" anchor="t" anchorCtr="0"/>
-          <a:lstStyle/>
-          <a:p>
-            <a:pPr algn="ctr"/>
-            <a:r>
-              <a:rPr lang="en-GB" dirty="0">
-                <a:solidFill>
-                  <a:schemeClr val="tx1"/>
-                </a:solidFill>
-              </a:rPr>
-              <a:t>Still ~2 times slower</a:t>
-            </a:r>
-          </a:p>
-        </p:txBody>
-      </p:sp>
-      <p:sp>
-        <p:nvSpPr>
-          <p:cNvPr id="82" name="Rectangle: Rounded Corners 81">
-            <a:extLst>
-              <a:ext uri="{FF2B5EF4-FFF2-40B4-BE49-F238E27FC236}">
-                <a16:creationId xmlns:a16="http://schemas.microsoft.com/office/drawing/2014/main" id="{8020ABDD-CE2F-DCAC-48CF-5BF5592331A8}"/>
-              </a:ext>
-            </a:extLst>
-          </p:cNvPr>
-          <p:cNvSpPr/>
-          <p:nvPr/>
-        </p:nvSpPr>
-        <p:spPr>
-          <a:xfrm>
-            <a:off x="9687583" y="2342040"/>
+            <a:off x="6734659" y="1438484"/>
             <a:ext cx="2036883" cy="1514397"/>
           </a:xfrm>
           <a:prstGeom prst="roundRect">
@@ -14222,21 +16909,21 @@
           <p:cNvPr id="84" name="Straight Arrow Connector 83">
             <a:extLst>
               <a:ext uri="{FF2B5EF4-FFF2-40B4-BE49-F238E27FC236}">
-                <a16:creationId xmlns:a16="http://schemas.microsoft.com/office/drawing/2014/main" id="{7AB3ADC1-6EC7-A7F6-267A-E79708A81886}"/>
+                <a16:creationId xmlns:a16="http://schemas.microsoft.com/office/drawing/2014/main" id="{AFD003DE-17F0-12DB-BE36-DED99E6D6D35}"/>
               </a:ext>
             </a:extLst>
           </p:cNvPr>
           <p:cNvCxnSpPr>
             <a:cxnSpLocks/>
-            <a:stCxn id="82" idx="0"/>
-            <a:endCxn id="38" idx="4"/>
+            <a:stCxn id="82" idx="3"/>
+            <a:endCxn id="38" idx="2"/>
           </p:cNvCxnSpPr>
           <p:nvPr/>
         </p:nvCxnSpPr>
         <p:spPr>
-          <a:xfrm flipH="1" flipV="1">
-            <a:off x="10706024" y="2191294"/>
-            <a:ext cx="1" cy="150746"/>
+          <a:xfrm>
+            <a:off x="8771542" y="2195683"/>
+            <a:ext cx="1210097" cy="952237"/>
           </a:xfrm>
           <a:prstGeom prst="straightConnector1">
             <a:avLst/>
@@ -14265,20 +16952,21 @@
           <p:cNvPr id="92" name="Straight Arrow Connector 91">
             <a:extLst>
               <a:ext uri="{FF2B5EF4-FFF2-40B4-BE49-F238E27FC236}">
-                <a16:creationId xmlns:a16="http://schemas.microsoft.com/office/drawing/2014/main" id="{5BF40F63-3399-1AA1-01E6-72B828CBD979}"/>
+                <a16:creationId xmlns:a16="http://schemas.microsoft.com/office/drawing/2014/main" id="{361D45F8-6AE7-2625-5F23-A5C12C2C22FD}"/>
               </a:ext>
             </a:extLst>
           </p:cNvPr>
           <p:cNvCxnSpPr>
-            <a:stCxn id="49" idx="0"/>
+            <a:cxnSpLocks/>
+            <a:stCxn id="40" idx="0"/>
             <a:endCxn id="30" idx="2"/>
           </p:cNvCxnSpPr>
           <p:nvPr/>
         </p:nvCxnSpPr>
         <p:spPr>
           <a:xfrm flipV="1">
-            <a:off x="8068298" y="3865721"/>
-            <a:ext cx="1744" cy="702837"/>
+            <a:off x="2759151" y="3800739"/>
+            <a:ext cx="872" cy="767819"/>
           </a:xfrm>
           <a:prstGeom prst="straightConnector1">
             <a:avLst/>
@@ -14307,7 +16995,7 @@
           <p:cNvPr id="93" name="Rectangle: Rounded Corners 92">
             <a:extLst>
               <a:ext uri="{FF2B5EF4-FFF2-40B4-BE49-F238E27FC236}">
-                <a16:creationId xmlns:a16="http://schemas.microsoft.com/office/drawing/2014/main" id="{34C04E97-D8C4-E813-A65F-B3C52DA41617}"/>
+                <a16:creationId xmlns:a16="http://schemas.microsoft.com/office/drawing/2014/main" id="{512AF10D-54DC-E699-E472-CA071E7BF62B}"/>
               </a:ext>
             </a:extLst>
           </p:cNvPr>
@@ -14316,7 +17004,7 @@
         </p:nvSpPr>
         <p:spPr>
           <a:xfrm>
-            <a:off x="9683218" y="4226656"/>
+            <a:off x="6790932" y="3444156"/>
             <a:ext cx="2036883" cy="920905"/>
           </a:xfrm>
           <a:prstGeom prst="roundRect">
@@ -14356,18 +17044,7 @@
                   <a:schemeClr val="tx1"/>
                 </a:solidFill>
               </a:rPr>
-              <a:t>COW pointers management</a:t>
-            </a:r>
-          </a:p>
-          <a:p>
-            <a:pPr algn="ctr"/>
-            <a:r>
-              <a:rPr lang="en-GB" dirty="0">
-                <a:solidFill>
-                  <a:schemeClr val="tx1"/>
-                </a:solidFill>
-              </a:rPr>
-              <a:t>?</a:t>
+              <a:t>Hold unique in memory</a:t>
             </a:r>
           </a:p>
         </p:txBody>
@@ -14377,21 +17054,21 @@
           <p:cNvPr id="94" name="Straight Arrow Connector 93">
             <a:extLst>
               <a:ext uri="{FF2B5EF4-FFF2-40B4-BE49-F238E27FC236}">
-                <a16:creationId xmlns:a16="http://schemas.microsoft.com/office/drawing/2014/main" id="{2F70B305-2CE2-C04E-DA11-E2AA7D861C5E}"/>
+                <a16:creationId xmlns:a16="http://schemas.microsoft.com/office/drawing/2014/main" id="{C8C3AB7B-66CC-B6B7-B71C-E61F69CCC176}"/>
               </a:ext>
             </a:extLst>
           </p:cNvPr>
           <p:cNvCxnSpPr>
             <a:cxnSpLocks/>
             <a:stCxn id="30" idx="3"/>
-            <a:endCxn id="93" idx="1"/>
+            <a:endCxn id="27" idx="1"/>
           </p:cNvCxnSpPr>
           <p:nvPr/>
         </p:nvCxnSpPr>
         <p:spPr>
-          <a:xfrm>
-            <a:off x="9088483" y="3108523"/>
-            <a:ext cx="594735" cy="1578586"/>
+          <a:xfrm flipV="1">
+            <a:off x="3778464" y="3016763"/>
+            <a:ext cx="989434" cy="26778"/>
           </a:xfrm>
           <a:prstGeom prst="straightConnector1">
             <a:avLst/>
@@ -14415,31 +17092,284 @@
           </a:fontRef>
         </p:style>
       </p:cxnSp>
+      <p:sp>
+        <p:nvSpPr>
+          <p:cNvPr id="27" name="Diamond 26">
+            <a:extLst>
+              <a:ext uri="{FF2B5EF4-FFF2-40B4-BE49-F238E27FC236}">
+                <a16:creationId xmlns:a16="http://schemas.microsoft.com/office/drawing/2014/main" id="{3ED6A9DF-E908-C04F-960E-44CFF51B8273}"/>
+              </a:ext>
+            </a:extLst>
+          </p:cNvPr>
+          <p:cNvSpPr/>
+          <p:nvPr/>
+        </p:nvSpPr>
+        <p:spPr>
+          <a:xfrm>
+            <a:off x="4767898" y="2046371"/>
+            <a:ext cx="1149755" cy="1940783"/>
+          </a:xfrm>
+          <a:prstGeom prst="diamond">
+            <a:avLst/>
+          </a:prstGeom>
+          <a:noFill/>
+          <a:ln>
+            <a:solidFill>
+              <a:schemeClr val="tx2">
+                <a:lumMod val="75000"/>
+                <a:lumOff val="25000"/>
+              </a:schemeClr>
+            </a:solidFill>
+          </a:ln>
+        </p:spPr>
+        <p:style>
+          <a:lnRef idx="2">
+            <a:schemeClr val="accent1">
+              <a:shade val="15000"/>
+            </a:schemeClr>
+          </a:lnRef>
+          <a:fillRef idx="1">
+            <a:schemeClr val="accent1"/>
+          </a:fillRef>
+          <a:effectRef idx="0">
+            <a:schemeClr val="accent1"/>
+          </a:effectRef>
+          <a:fontRef idx="minor">
+            <a:schemeClr val="lt1"/>
+          </a:fontRef>
+        </p:style>
+        <p:txBody>
+          <a:bodyPr vert="vert" rtlCol="0" anchor="ctr"/>
+          <a:lstStyle/>
+          <a:p>
+            <a:pPr algn="ctr"/>
+            <a:r>
+              <a:rPr lang="en-GB" dirty="0">
+                <a:solidFill>
+                  <a:schemeClr val="tx1"/>
+                </a:solidFill>
+              </a:rPr>
+              <a:t>Choice</a:t>
+            </a:r>
+          </a:p>
+        </p:txBody>
+      </p:sp>
+      <p:sp>
+        <p:nvSpPr>
+          <p:cNvPr id="52" name="Rectangle: Rounded Corners 51">
+            <a:extLst>
+              <a:ext uri="{FF2B5EF4-FFF2-40B4-BE49-F238E27FC236}">
+                <a16:creationId xmlns:a16="http://schemas.microsoft.com/office/drawing/2014/main" id="{FA8B3B48-AB16-2865-E99D-F25FC48AC1D1}"/>
+              </a:ext>
+            </a:extLst>
+          </p:cNvPr>
+          <p:cNvSpPr/>
+          <p:nvPr/>
+        </p:nvSpPr>
+        <p:spPr>
+          <a:xfrm>
+            <a:off x="6790931" y="4865303"/>
+            <a:ext cx="2036883" cy="920905"/>
+          </a:xfrm>
+          <a:prstGeom prst="roundRect">
+            <a:avLst/>
+          </a:prstGeom>
+          <a:noFill/>
+          <a:ln>
+            <a:solidFill>
+              <a:srgbClr val="00B0F0"/>
+            </a:solidFill>
+          </a:ln>
+        </p:spPr>
+        <p:style>
+          <a:lnRef idx="2">
+            <a:schemeClr val="accent1">
+              <a:shade val="15000"/>
+            </a:schemeClr>
+          </a:lnRef>
+          <a:fillRef idx="1">
+            <a:schemeClr val="accent1"/>
+          </a:fillRef>
+          <a:effectRef idx="0">
+            <a:schemeClr val="accent1"/>
+          </a:effectRef>
+          <a:fontRef idx="minor">
+            <a:schemeClr val="lt1"/>
+          </a:fontRef>
+        </p:style>
+        <p:txBody>
+          <a:bodyPr tIns="0" rtlCol="0" anchor="t" anchorCtr="0"/>
+          <a:lstStyle/>
+          <a:p>
+            <a:pPr algn="ctr"/>
+            <a:r>
+              <a:rPr lang="en-GB" dirty="0">
+                <a:solidFill>
+                  <a:schemeClr val="tx1"/>
+                </a:solidFill>
+              </a:rPr>
+              <a:t>Do nothing</a:t>
+            </a:r>
+          </a:p>
+        </p:txBody>
+      </p:sp>
       <p:cxnSp>
         <p:nvCxnSpPr>
-          <p:cNvPr id="97" name="Straight Arrow Connector 96">
-            <a:extLst>
-              <a:ext uri="{FF2B5EF4-FFF2-40B4-BE49-F238E27FC236}">
-                <a16:creationId xmlns:a16="http://schemas.microsoft.com/office/drawing/2014/main" id="{4BD8BEB1-09DA-AF17-2AF8-B1992314D0BE}"/>
+          <p:cNvPr id="53" name="Straight Arrow Connector 96">
+            <a:extLst>
+              <a:ext uri="{FF2B5EF4-FFF2-40B4-BE49-F238E27FC236}">
+                <a16:creationId xmlns:a16="http://schemas.microsoft.com/office/drawing/2014/main" id="{86B4266F-EC97-3AA8-B3DE-37588E259574}"/>
+              </a:ext>
+            </a:extLst>
+          </p:cNvPr>
+          <p:cNvCxnSpPr>
+            <a:cxnSpLocks/>
+            <a:stCxn id="27" idx="0"/>
+            <a:endCxn id="82" idx="1"/>
+          </p:cNvCxnSpPr>
+          <p:nvPr/>
+        </p:nvCxnSpPr>
+        <p:spPr>
+          <a:xfrm rot="16200000" flipH="1">
+            <a:off x="5964061" y="1425086"/>
+            <a:ext cx="149312" cy="1391883"/>
+          </a:xfrm>
+          <a:prstGeom prst="bentConnector4">
+            <a:avLst>
+              <a:gd name="adj1" fmla="val -153102"/>
+              <a:gd name="adj2" fmla="val 70651"/>
+            </a:avLst>
+          </a:prstGeom>
+          <a:ln>
+            <a:tailEnd type="triangle"/>
+          </a:ln>
+        </p:spPr>
+        <p:style>
+          <a:lnRef idx="2">
+            <a:schemeClr val="accent1"/>
+          </a:lnRef>
+          <a:fillRef idx="0">
+            <a:schemeClr val="accent1"/>
+          </a:fillRef>
+          <a:effectRef idx="1">
+            <a:schemeClr val="accent1"/>
+          </a:effectRef>
+          <a:fontRef idx="minor">
+            <a:schemeClr val="tx1"/>
+          </a:fontRef>
+        </p:style>
+      </p:cxnSp>
+      <p:cxnSp>
+        <p:nvCxnSpPr>
+          <p:cNvPr id="57" name="Straight Arrow Connector 96">
+            <a:extLst>
+              <a:ext uri="{FF2B5EF4-FFF2-40B4-BE49-F238E27FC236}">
+                <a16:creationId xmlns:a16="http://schemas.microsoft.com/office/drawing/2014/main" id="{320AF1E3-D07D-EE63-C6DC-BAB1159AED29}"/>
+              </a:ext>
+            </a:extLst>
+          </p:cNvPr>
+          <p:cNvCxnSpPr>
+            <a:cxnSpLocks/>
+            <a:stCxn id="27" idx="3"/>
+            <a:endCxn id="93" idx="1"/>
+          </p:cNvCxnSpPr>
+          <p:nvPr/>
+        </p:nvCxnSpPr>
+        <p:spPr>
+          <a:xfrm>
+            <a:off x="5917653" y="3016763"/>
+            <a:ext cx="873279" cy="887846"/>
+          </a:xfrm>
+          <a:prstGeom prst="bentConnector3">
+            <a:avLst>
+              <a:gd name="adj1" fmla="val 50000"/>
+            </a:avLst>
+          </a:prstGeom>
+          <a:ln>
+            <a:tailEnd type="triangle"/>
+          </a:ln>
+        </p:spPr>
+        <p:style>
+          <a:lnRef idx="2">
+            <a:schemeClr val="accent1"/>
+          </a:lnRef>
+          <a:fillRef idx="0">
+            <a:schemeClr val="accent1"/>
+          </a:fillRef>
+          <a:effectRef idx="1">
+            <a:schemeClr val="accent1"/>
+          </a:effectRef>
+          <a:fontRef idx="minor">
+            <a:schemeClr val="tx1"/>
+          </a:fontRef>
+        </p:style>
+      </p:cxnSp>
+      <p:cxnSp>
+        <p:nvCxnSpPr>
+          <p:cNvPr id="60" name="Straight Arrow Connector 96">
+            <a:extLst>
+              <a:ext uri="{FF2B5EF4-FFF2-40B4-BE49-F238E27FC236}">
+                <a16:creationId xmlns:a16="http://schemas.microsoft.com/office/drawing/2014/main" id="{CDF53BBD-F889-734C-FF4D-38B96649B581}"/>
+              </a:ext>
+            </a:extLst>
+          </p:cNvPr>
+          <p:cNvCxnSpPr>
+            <a:cxnSpLocks/>
+            <a:stCxn id="27" idx="2"/>
+            <a:endCxn id="52" idx="1"/>
+          </p:cNvCxnSpPr>
+          <p:nvPr/>
+        </p:nvCxnSpPr>
+        <p:spPr>
+          <a:xfrm rot="16200000" flipH="1">
+            <a:off x="5397552" y="3932377"/>
+            <a:ext cx="1338602" cy="1448155"/>
+          </a:xfrm>
+          <a:prstGeom prst="bentConnector2">
+            <a:avLst/>
+          </a:prstGeom>
+          <a:ln>
+            <a:tailEnd type="triangle"/>
+          </a:ln>
+        </p:spPr>
+        <p:style>
+          <a:lnRef idx="2">
+            <a:schemeClr val="accent1"/>
+          </a:lnRef>
+          <a:fillRef idx="0">
+            <a:schemeClr val="accent1"/>
+          </a:fillRef>
+          <a:effectRef idx="1">
+            <a:schemeClr val="accent1"/>
+          </a:effectRef>
+          <a:fontRef idx="minor">
+            <a:schemeClr val="tx1"/>
+          </a:fontRef>
+        </p:style>
+      </p:cxnSp>
+      <p:cxnSp>
+        <p:nvCxnSpPr>
+          <p:cNvPr id="63" name="Straight Arrow Connector 62">
+            <a:extLst>
+              <a:ext uri="{FF2B5EF4-FFF2-40B4-BE49-F238E27FC236}">
+                <a16:creationId xmlns:a16="http://schemas.microsoft.com/office/drawing/2014/main" id="{79652684-EE29-1D93-1B4D-D15C3748062A}"/>
               </a:ext>
             </a:extLst>
           </p:cNvPr>
           <p:cNvCxnSpPr>
             <a:cxnSpLocks/>
             <a:stCxn id="93" idx="3"/>
-            <a:endCxn id="38" idx="6"/>
+            <a:endCxn id="38" idx="2"/>
           </p:cNvCxnSpPr>
           <p:nvPr/>
         </p:nvCxnSpPr>
         <p:spPr>
-          <a:xfrm flipH="1" flipV="1">
-            <a:off x="11627746" y="1308689"/>
-            <a:ext cx="92355" cy="3378420"/>
-          </a:xfrm>
-          <a:prstGeom prst="bentConnector3">
-            <a:avLst>
-              <a:gd name="adj1" fmla="val -247523"/>
-            </a:avLst>
+          <a:xfrm flipV="1">
+            <a:off x="8827815" y="3147920"/>
+            <a:ext cx="1153824" cy="756689"/>
+          </a:xfrm>
+          <a:prstGeom prst="straightConnector1">
+            <a:avLst/>
           </a:prstGeom>
           <a:ln>
             <a:tailEnd type="triangle"/>
@@ -14460,106 +17390,53 @@
           </a:fontRef>
         </p:style>
       </p:cxnSp>
-      <p:sp>
-        <p:nvSpPr>
-          <p:cNvPr id="10" name="Arrow: Right 9">
-            <a:extLst>
-              <a:ext uri="{FF2B5EF4-FFF2-40B4-BE49-F238E27FC236}">
-                <a16:creationId xmlns:a16="http://schemas.microsoft.com/office/drawing/2014/main" id="{AB4B8516-DD20-6C0C-EA8D-B2896C43EB7D}"/>
-              </a:ext>
-            </a:extLst>
-          </p:cNvPr>
-          <p:cNvSpPr/>
-          <p:nvPr/>
-        </p:nvSpPr>
-        <p:spPr>
-          <a:xfrm rot="1871184">
-            <a:off x="8885636" y="2062246"/>
-            <a:ext cx="645848" cy="391736"/>
-          </a:xfrm>
-          <a:prstGeom prst="rightArrow">
-            <a:avLst/>
-          </a:prstGeom>
-        </p:spPr>
-        <p:style>
-          <a:lnRef idx="2">
-            <a:schemeClr val="accent1">
-              <a:shade val="15000"/>
-            </a:schemeClr>
-          </a:lnRef>
-          <a:fillRef idx="1">
-            <a:schemeClr val="accent1"/>
-          </a:fillRef>
-          <a:effectRef idx="0">
-            <a:schemeClr val="accent1"/>
-          </a:effectRef>
-          <a:fontRef idx="minor">
-            <a:schemeClr val="lt1"/>
-          </a:fontRef>
-        </p:style>
-        <p:txBody>
-          <a:bodyPr rtlCol="0" anchor="ctr"/>
-          <a:lstStyle/>
-          <a:p>
-            <a:pPr algn="ctr"/>
-            <a:endParaRPr lang="en-GB"/>
-          </a:p>
-        </p:txBody>
-      </p:sp>
-      <p:sp>
-        <p:nvSpPr>
-          <p:cNvPr id="3" name="Cloud 2">
-            <a:extLst>
-              <a:ext uri="{FF2B5EF4-FFF2-40B4-BE49-F238E27FC236}">
-                <a16:creationId xmlns:a16="http://schemas.microsoft.com/office/drawing/2014/main" id="{E25F6C35-1A71-3490-029C-B5A5A634BF92}"/>
-              </a:ext>
-            </a:extLst>
-          </p:cNvPr>
-          <p:cNvSpPr/>
-          <p:nvPr/>
-        </p:nvSpPr>
-        <p:spPr>
-          <a:xfrm>
-            <a:off x="6715629" y="659248"/>
-            <a:ext cx="2914464" cy="1917008"/>
-          </a:xfrm>
-          <a:prstGeom prst="cloud">
-            <a:avLst/>
-          </a:prstGeom>
-        </p:spPr>
-        <p:style>
-          <a:lnRef idx="2">
-            <a:schemeClr val="accent1">
-              <a:shade val="15000"/>
-            </a:schemeClr>
-          </a:lnRef>
-          <a:fillRef idx="1">
-            <a:schemeClr val="accent1"/>
-          </a:fillRef>
-          <a:effectRef idx="0">
-            <a:schemeClr val="accent1"/>
-          </a:effectRef>
-          <a:fontRef idx="minor">
-            <a:schemeClr val="lt1"/>
-          </a:fontRef>
-        </p:style>
-        <p:txBody>
-          <a:bodyPr rtlCol="0" anchor="ctr"/>
-          <a:lstStyle/>
-          <a:p>
-            <a:pPr algn="ctr"/>
-            <a:r>
-              <a:rPr lang="en-GB" sz="3200" dirty="0" err="1"/>
-              <a:t>Conse-quences</a:t>
-            </a:r>
-            <a:endParaRPr lang="en-GB" sz="3200" dirty="0"/>
-          </a:p>
-        </p:txBody>
-      </p:sp>
+      <p:cxnSp>
+        <p:nvCxnSpPr>
+          <p:cNvPr id="66" name="Straight Arrow Connector 65">
+            <a:extLst>
+              <a:ext uri="{FF2B5EF4-FFF2-40B4-BE49-F238E27FC236}">
+                <a16:creationId xmlns:a16="http://schemas.microsoft.com/office/drawing/2014/main" id="{9C06FFF7-EE75-B87B-EA5A-DA80F4A0939A}"/>
+              </a:ext>
+            </a:extLst>
+          </p:cNvPr>
+          <p:cNvCxnSpPr>
+            <a:cxnSpLocks/>
+            <a:stCxn id="52" idx="3"/>
+            <a:endCxn id="38" idx="2"/>
+          </p:cNvCxnSpPr>
+          <p:nvPr/>
+        </p:nvCxnSpPr>
+        <p:spPr>
+          <a:xfrm flipV="1">
+            <a:off x="8827814" y="3147920"/>
+            <a:ext cx="1153825" cy="2177836"/>
+          </a:xfrm>
+          <a:prstGeom prst="straightConnector1">
+            <a:avLst/>
+          </a:prstGeom>
+          <a:ln>
+            <a:tailEnd type="triangle"/>
+          </a:ln>
+        </p:spPr>
+        <p:style>
+          <a:lnRef idx="2">
+            <a:schemeClr val="accent1"/>
+          </a:lnRef>
+          <a:fillRef idx="0">
+            <a:schemeClr val="accent1"/>
+          </a:fillRef>
+          <a:effectRef idx="1">
+            <a:schemeClr val="accent1"/>
+          </a:effectRef>
+          <a:fontRef idx="minor">
+            <a:schemeClr val="tx1"/>
+          </a:fontRef>
+        </p:style>
+      </p:cxnSp>
     </p:spTree>
     <p:extLst>
       <p:ext uri="{BB962C8B-B14F-4D97-AF65-F5344CB8AC3E}">
-        <p14:creationId xmlns:p14="http://schemas.microsoft.com/office/powerpoint/2010/main" val="3327602871"/>
+        <p14:creationId xmlns:p14="http://schemas.microsoft.com/office/powerpoint/2010/main" val="3829465899"/>
       </p:ext>
     </p:extLst>
   </p:cSld>
@@ -14569,7 +17446,7 @@
 </p:sld>
 </file>
 
-<file path=ppt/slides/slide19.xml><?xml version="1.0" encoding="utf-8"?>
+<file path=ppt/slides/slide22.xml><?xml version="1.0" encoding="utf-8"?>
 <p:sld xmlns:a="http://schemas.openxmlformats.org/drawingml/2006/main" xmlns:r="http://schemas.openxmlformats.org/officeDocument/2006/relationships" xmlns:p="http://schemas.openxmlformats.org/presentationml/2006/main">
   <p:cSld>
     <p:spTree>
@@ -14970,1435 +17847,7 @@
 </p:sld>
 </file>
 
-<file path=ppt/slides/slide2.xml><?xml version="1.0" encoding="utf-8"?>
-<p:sld xmlns:a="http://schemas.openxmlformats.org/drawingml/2006/main" xmlns:r="http://schemas.openxmlformats.org/officeDocument/2006/relationships" xmlns:p="http://schemas.openxmlformats.org/presentationml/2006/main">
-  <p:cSld>
-    <p:spTree>
-      <p:nvGrpSpPr>
-        <p:cNvPr id="1" name="">
-          <a:extLst>
-            <a:ext uri="{FF2B5EF4-FFF2-40B4-BE49-F238E27FC236}">
-              <a16:creationId xmlns:a16="http://schemas.microsoft.com/office/drawing/2014/main" id="{F118384A-6957-A59C-4177-A8136F85C65E}"/>
-            </a:ext>
-          </a:extLst>
-        </p:cNvPr>
-        <p:cNvGrpSpPr/>
-        <p:nvPr/>
-      </p:nvGrpSpPr>
-      <p:grpSpPr>
-        <a:xfrm>
-          <a:off x="0" y="0"/>
-          <a:ext cx="0" cy="0"/>
-          <a:chOff x="0" y="0"/>
-          <a:chExt cx="0" cy="0"/>
-        </a:xfrm>
-      </p:grpSpPr>
-      <p:sp>
-        <p:nvSpPr>
-          <p:cNvPr id="3" name="Rectangle: Rounded Corners 2">
-            <a:extLst>
-              <a:ext uri="{FF2B5EF4-FFF2-40B4-BE49-F238E27FC236}">
-                <a16:creationId xmlns:a16="http://schemas.microsoft.com/office/drawing/2014/main" id="{574B0605-2BF9-017B-0D98-88772BB40A0B}"/>
-              </a:ext>
-            </a:extLst>
-          </p:cNvPr>
-          <p:cNvSpPr/>
-          <p:nvPr/>
-        </p:nvSpPr>
-        <p:spPr>
-          <a:xfrm>
-            <a:off x="-5900" y="3459549"/>
-            <a:ext cx="2575632" cy="2314955"/>
-          </a:xfrm>
-          <a:prstGeom prst="roundRect">
-            <a:avLst/>
-          </a:prstGeom>
-        </p:spPr>
-        <p:style>
-          <a:lnRef idx="2">
-            <a:schemeClr val="accent6">
-              <a:shade val="15000"/>
-            </a:schemeClr>
-          </a:lnRef>
-          <a:fillRef idx="1">
-            <a:schemeClr val="accent6"/>
-          </a:fillRef>
-          <a:effectRef idx="0">
-            <a:schemeClr val="accent6"/>
-          </a:effectRef>
-          <a:fontRef idx="minor">
-            <a:schemeClr val="lt1"/>
-          </a:fontRef>
-        </p:style>
-        <p:txBody>
-          <a:bodyPr rtlCol="0" anchor="ctr"/>
-          <a:lstStyle/>
-          <a:p>
-            <a:pPr algn="ctr"/>
-            <a:endParaRPr lang="en-GB"/>
-          </a:p>
-        </p:txBody>
-      </p:sp>
-      <p:sp>
-        <p:nvSpPr>
-          <p:cNvPr id="2" name="Title 1">
-            <a:extLst>
-              <a:ext uri="{FF2B5EF4-FFF2-40B4-BE49-F238E27FC236}">
-                <a16:creationId xmlns:a16="http://schemas.microsoft.com/office/drawing/2014/main" id="{FD30336A-2C46-FAA0-D4D1-8CD07D12BAE5}"/>
-              </a:ext>
-            </a:extLst>
-          </p:cNvPr>
-          <p:cNvSpPr>
-            <a:spLocks noGrp="1"/>
-          </p:cNvSpPr>
-          <p:nvPr>
-            <p:ph type="ctrTitle"/>
-          </p:nvPr>
-        </p:nvSpPr>
-        <p:spPr>
-          <a:xfrm>
-            <a:off x="1186369" y="343311"/>
-            <a:ext cx="9144000" cy="900644"/>
-          </a:xfrm>
-        </p:spPr>
-        <p:txBody>
-          <a:bodyPr>
-            <a:normAutofit fontScale="90000"/>
-          </a:bodyPr>
-          <a:lstStyle/>
-          <a:p>
-            <a:r>
-              <a:rPr lang="en-GB" sz="3600" dirty="0"/>
-              <a:t>EPIC: Issues with large number of small cuts </a:t>
-            </a:r>
-            <a:br>
-              <a:rPr lang="en-GB" sz="3600" dirty="0"/>
-            </a:br>
-            <a:r>
-              <a:rPr lang="en-GB" sz="2700" dirty="0"/>
-              <a:t>(7-fold deceleration </a:t>
-            </a:r>
-            <a:r>
-              <a:rPr lang="en-GB" sz="2700" dirty="0" err="1"/>
-              <a:t>vrt</a:t>
-            </a:r>
-            <a:r>
-              <a:rPr lang="en-GB" sz="2700" dirty="0"/>
-              <a:t>. Horace-3) </a:t>
-            </a:r>
-          </a:p>
-        </p:txBody>
-      </p:sp>
-      <p:sp>
-        <p:nvSpPr>
-          <p:cNvPr id="4" name="Rectangle: Rounded Corners 3">
-            <a:extLst>
-              <a:ext uri="{FF2B5EF4-FFF2-40B4-BE49-F238E27FC236}">
-                <a16:creationId xmlns:a16="http://schemas.microsoft.com/office/drawing/2014/main" id="{E4129989-D202-9D1F-5FCF-F28C579318FD}"/>
-              </a:ext>
-            </a:extLst>
-          </p:cNvPr>
-          <p:cNvSpPr/>
-          <p:nvPr/>
-        </p:nvSpPr>
-        <p:spPr>
-          <a:xfrm>
-            <a:off x="251438" y="3859829"/>
-            <a:ext cx="2036883" cy="1514397"/>
-          </a:xfrm>
-          <a:prstGeom prst="roundRect">
-            <a:avLst/>
-          </a:prstGeom>
-          <a:noFill/>
-          <a:ln>
-            <a:solidFill>
-              <a:schemeClr val="tx1"/>
-            </a:solidFill>
-          </a:ln>
-        </p:spPr>
-        <p:style>
-          <a:lnRef idx="2">
-            <a:schemeClr val="accent1">
-              <a:shade val="15000"/>
-            </a:schemeClr>
-          </a:lnRef>
-          <a:fillRef idx="1">
-            <a:schemeClr val="accent1"/>
-          </a:fillRef>
-          <a:effectRef idx="0">
-            <a:schemeClr val="accent1"/>
-          </a:effectRef>
-          <a:fontRef idx="minor">
-            <a:schemeClr val="lt1"/>
-          </a:fontRef>
-        </p:style>
-        <p:txBody>
-          <a:bodyPr rtlCol="0" anchor="t" anchorCtr="0"/>
-          <a:lstStyle/>
-          <a:p>
-            <a:pPr algn="ctr"/>
-            <a:r>
-              <a:rPr lang="en-GB" dirty="0">
-                <a:solidFill>
-                  <a:schemeClr val="tx1"/>
-                </a:solidFill>
-              </a:rPr>
-              <a:t>#1788 </a:t>
-            </a:r>
-            <a:r>
-              <a:rPr lang="en-GB" dirty="0" err="1">
-                <a:solidFill>
-                  <a:schemeClr val="tx1"/>
-                </a:solidFill>
-              </a:rPr>
-              <a:t>hashable</a:t>
-            </a:r>
-            <a:r>
-              <a:rPr lang="en-GB" dirty="0">
-                <a:solidFill>
-                  <a:schemeClr val="tx1"/>
-                </a:solidFill>
-              </a:rPr>
-              <a:t> class</a:t>
-            </a:r>
-          </a:p>
-        </p:txBody>
-      </p:sp>
-      <p:sp>
-        <p:nvSpPr>
-          <p:cNvPr id="5" name="Rectangle: Rounded Corners 4">
-            <a:extLst>
-              <a:ext uri="{FF2B5EF4-FFF2-40B4-BE49-F238E27FC236}">
-                <a16:creationId xmlns:a16="http://schemas.microsoft.com/office/drawing/2014/main" id="{4783F5B6-9737-003A-E810-B3343685846E}"/>
-              </a:ext>
-            </a:extLst>
-          </p:cNvPr>
-          <p:cNvSpPr/>
-          <p:nvPr/>
-        </p:nvSpPr>
-        <p:spPr>
-          <a:xfrm>
-            <a:off x="3397247" y="2352648"/>
-            <a:ext cx="2036883" cy="1514397"/>
-          </a:xfrm>
-          <a:prstGeom prst="roundRect">
-            <a:avLst/>
-          </a:prstGeom>
-          <a:noFill/>
-          <a:ln>
-            <a:solidFill>
-              <a:srgbClr val="7030A0"/>
-            </a:solidFill>
-          </a:ln>
-        </p:spPr>
-        <p:style>
-          <a:lnRef idx="2">
-            <a:schemeClr val="accent1">
-              <a:shade val="15000"/>
-            </a:schemeClr>
-          </a:lnRef>
-          <a:fillRef idx="1">
-            <a:schemeClr val="accent1"/>
-          </a:fillRef>
-          <a:effectRef idx="0">
-            <a:schemeClr val="accent1"/>
-          </a:effectRef>
-          <a:fontRef idx="minor">
-            <a:schemeClr val="lt1"/>
-          </a:fontRef>
-        </p:style>
-        <p:txBody>
-          <a:bodyPr tIns="0" rtlCol="0" anchor="t" anchorCtr="0"/>
-          <a:lstStyle/>
-          <a:p>
-            <a:pPr algn="ctr"/>
-            <a:r>
-              <a:rPr lang="en-GB" dirty="0">
-                <a:solidFill>
-                  <a:schemeClr val="tx1"/>
-                </a:solidFill>
-              </a:rPr>
-              <a:t>#1790 Make instruments, samples and detectors </a:t>
-            </a:r>
-            <a:r>
-              <a:rPr lang="en-GB" dirty="0" err="1">
-                <a:solidFill>
-                  <a:schemeClr val="tx1"/>
-                </a:solidFill>
-              </a:rPr>
-              <a:t>hashable</a:t>
-            </a:r>
-            <a:r>
-              <a:rPr lang="en-GB" dirty="0">
-                <a:solidFill>
-                  <a:schemeClr val="tx1"/>
-                </a:solidFill>
-              </a:rPr>
-              <a:t> </a:t>
-            </a:r>
-          </a:p>
-          <a:p>
-            <a:pPr algn="ctr"/>
-            <a:endParaRPr lang="en-GB" dirty="0">
-              <a:solidFill>
-                <a:schemeClr val="tx1"/>
-              </a:solidFill>
-            </a:endParaRPr>
-          </a:p>
-        </p:txBody>
-      </p:sp>
-      <p:sp>
-        <p:nvSpPr>
-          <p:cNvPr id="6" name="Rectangle: Rounded Corners 5">
-            <a:extLst>
-              <a:ext uri="{FF2B5EF4-FFF2-40B4-BE49-F238E27FC236}">
-                <a16:creationId xmlns:a16="http://schemas.microsoft.com/office/drawing/2014/main" id="{2E456575-CA85-8492-F2A4-16FCF43C9518}"/>
-              </a:ext>
-            </a:extLst>
-          </p:cNvPr>
-          <p:cNvSpPr/>
-          <p:nvPr/>
-        </p:nvSpPr>
-        <p:spPr>
-          <a:xfrm>
-            <a:off x="593128" y="1304520"/>
-            <a:ext cx="2036883" cy="1514397"/>
-          </a:xfrm>
-          <a:prstGeom prst="roundRect">
-            <a:avLst/>
-          </a:prstGeom>
-          <a:noFill/>
-          <a:ln>
-            <a:solidFill>
-              <a:srgbClr val="00B050"/>
-            </a:solidFill>
-          </a:ln>
-        </p:spPr>
-        <p:style>
-          <a:lnRef idx="2">
-            <a:schemeClr val="accent1">
-              <a:shade val="15000"/>
-            </a:schemeClr>
-          </a:lnRef>
-          <a:fillRef idx="1">
-            <a:schemeClr val="accent1"/>
-          </a:fillRef>
-          <a:effectRef idx="0">
-            <a:schemeClr val="accent1"/>
-          </a:effectRef>
-          <a:fontRef idx="minor">
-            <a:schemeClr val="lt1"/>
-          </a:fontRef>
-        </p:style>
-        <p:txBody>
-          <a:bodyPr tIns="0" rtlCol="0" anchor="t" anchorCtr="0"/>
-          <a:lstStyle/>
-          <a:p>
-            <a:pPr algn="ctr"/>
-            <a:r>
-              <a:rPr lang="en-GB" dirty="0">
-                <a:solidFill>
-                  <a:schemeClr val="tx1"/>
-                </a:solidFill>
-              </a:rPr>
-              <a:t>#1147 Serializable </a:t>
-            </a:r>
-            <a:r>
-              <a:rPr lang="en-GB" b="1" dirty="0" err="1">
-                <a:solidFill>
-                  <a:schemeClr val="tx1"/>
-                </a:solidFill>
-              </a:rPr>
-              <a:t>eq</a:t>
-            </a:r>
-            <a:r>
-              <a:rPr lang="en-GB" dirty="0">
-                <a:solidFill>
-                  <a:schemeClr val="tx1"/>
-                </a:solidFill>
-              </a:rPr>
-              <a:t> method should be replaced by equal to </a:t>
-            </a:r>
-            <a:r>
-              <a:rPr lang="en-GB" dirty="0" err="1">
-                <a:solidFill>
-                  <a:schemeClr val="tx1"/>
-                </a:solidFill>
-              </a:rPr>
-              <a:t>tol</a:t>
-            </a:r>
-            <a:endParaRPr lang="en-GB" dirty="0">
-              <a:solidFill>
-                <a:schemeClr val="tx1"/>
-              </a:solidFill>
-            </a:endParaRPr>
-          </a:p>
-        </p:txBody>
-      </p:sp>
-      <p:sp>
-        <p:nvSpPr>
-          <p:cNvPr id="9" name="Rectangle: Rounded Corners 8">
-            <a:extLst>
-              <a:ext uri="{FF2B5EF4-FFF2-40B4-BE49-F238E27FC236}">
-                <a16:creationId xmlns:a16="http://schemas.microsoft.com/office/drawing/2014/main" id="{7ABD33D1-F224-1916-BB01-61DE3D11EC55}"/>
-              </a:ext>
-            </a:extLst>
-          </p:cNvPr>
-          <p:cNvSpPr/>
-          <p:nvPr/>
-        </p:nvSpPr>
-        <p:spPr>
-          <a:xfrm>
-            <a:off x="2603983" y="5227405"/>
-            <a:ext cx="2036883" cy="1514397"/>
-          </a:xfrm>
-          <a:prstGeom prst="roundRect">
-            <a:avLst/>
-          </a:prstGeom>
-          <a:noFill/>
-          <a:ln>
-            <a:solidFill>
-              <a:srgbClr val="0070C0"/>
-            </a:solidFill>
-          </a:ln>
-        </p:spPr>
-        <p:style>
-          <a:lnRef idx="2">
-            <a:schemeClr val="accent1">
-              <a:shade val="15000"/>
-            </a:schemeClr>
-          </a:lnRef>
-          <a:fillRef idx="1">
-            <a:schemeClr val="accent1"/>
-          </a:fillRef>
-          <a:effectRef idx="0">
-            <a:schemeClr val="accent1"/>
-          </a:effectRef>
-          <a:fontRef idx="minor">
-            <a:schemeClr val="lt1"/>
-          </a:fontRef>
-        </p:style>
-        <p:txBody>
-          <a:bodyPr rtlCol="0" anchor="ctr"/>
-          <a:lstStyle/>
-          <a:p>
-            <a:pPr algn="ctr"/>
-            <a:r>
-              <a:rPr lang="en-GB" dirty="0">
-                <a:solidFill>
-                  <a:schemeClr val="tx1"/>
-                </a:solidFill>
-              </a:rPr>
-              <a:t>#896 Enable full </a:t>
-            </a:r>
-            <a:r>
-              <a:rPr lang="en-GB" dirty="0" err="1">
-                <a:solidFill>
-                  <a:schemeClr val="tx1"/>
-                </a:solidFill>
-              </a:rPr>
-              <a:t>mexing</a:t>
-            </a:r>
-            <a:r>
-              <a:rPr lang="en-GB" dirty="0">
-                <a:solidFill>
-                  <a:schemeClr val="tx1"/>
-                </a:solidFill>
-              </a:rPr>
-              <a:t> option in cut </a:t>
-            </a:r>
-          </a:p>
-        </p:txBody>
-      </p:sp>
-      <p:cxnSp>
-        <p:nvCxnSpPr>
-          <p:cNvPr id="8" name="Straight Arrow Connector 7">
-            <a:extLst>
-              <a:ext uri="{FF2B5EF4-FFF2-40B4-BE49-F238E27FC236}">
-                <a16:creationId xmlns:a16="http://schemas.microsoft.com/office/drawing/2014/main" id="{456819D6-A997-BE29-4DFC-5530A197A424}"/>
-              </a:ext>
-            </a:extLst>
-          </p:cNvPr>
-          <p:cNvCxnSpPr>
-            <a:cxnSpLocks/>
-            <a:stCxn id="4" idx="3"/>
-            <a:endCxn id="5" idx="1"/>
-          </p:cNvCxnSpPr>
-          <p:nvPr/>
-        </p:nvCxnSpPr>
-        <p:spPr>
-          <a:xfrm flipV="1">
-            <a:off x="2288321" y="3109847"/>
-            <a:ext cx="1108926" cy="1507181"/>
-          </a:xfrm>
-          <a:prstGeom prst="straightConnector1">
-            <a:avLst/>
-          </a:prstGeom>
-          <a:ln>
-            <a:tailEnd type="triangle"/>
-          </a:ln>
-        </p:spPr>
-        <p:style>
-          <a:lnRef idx="2">
-            <a:schemeClr val="accent1"/>
-          </a:lnRef>
-          <a:fillRef idx="0">
-            <a:schemeClr val="accent1"/>
-          </a:fillRef>
-          <a:effectRef idx="1">
-            <a:schemeClr val="accent1"/>
-          </a:effectRef>
-          <a:fontRef idx="minor">
-            <a:schemeClr val="tx1"/>
-          </a:fontRef>
-        </p:style>
-      </p:cxnSp>
-      <p:cxnSp>
-        <p:nvCxnSpPr>
-          <p:cNvPr id="20" name="Straight Arrow Connector 19">
-            <a:extLst>
-              <a:ext uri="{FF2B5EF4-FFF2-40B4-BE49-F238E27FC236}">
-                <a16:creationId xmlns:a16="http://schemas.microsoft.com/office/drawing/2014/main" id="{73E23EDF-5F2F-05DB-8209-B1B1FCB48913}"/>
-              </a:ext>
-            </a:extLst>
-          </p:cNvPr>
-          <p:cNvCxnSpPr>
-            <a:cxnSpLocks/>
-            <a:stCxn id="5" idx="2"/>
-            <a:endCxn id="9" idx="0"/>
-          </p:cNvCxnSpPr>
-          <p:nvPr/>
-        </p:nvCxnSpPr>
-        <p:spPr>
-          <a:xfrm flipH="1">
-            <a:off x="3622425" y="3867045"/>
-            <a:ext cx="793264" cy="1360360"/>
-          </a:xfrm>
-          <a:prstGeom prst="straightConnector1">
-            <a:avLst/>
-          </a:prstGeom>
-          <a:ln>
-            <a:tailEnd type="triangle"/>
-          </a:ln>
-        </p:spPr>
-        <p:style>
-          <a:lnRef idx="2">
-            <a:schemeClr val="accent1"/>
-          </a:lnRef>
-          <a:fillRef idx="0">
-            <a:schemeClr val="accent1"/>
-          </a:fillRef>
-          <a:effectRef idx="1">
-            <a:schemeClr val="accent1"/>
-          </a:effectRef>
-          <a:fontRef idx="minor">
-            <a:schemeClr val="tx1"/>
-          </a:fontRef>
-        </p:style>
-      </p:cxnSp>
-      <p:cxnSp>
-        <p:nvCxnSpPr>
-          <p:cNvPr id="25" name="Straight Arrow Connector 24">
-            <a:extLst>
-              <a:ext uri="{FF2B5EF4-FFF2-40B4-BE49-F238E27FC236}">
-                <a16:creationId xmlns:a16="http://schemas.microsoft.com/office/drawing/2014/main" id="{F5014BCF-6CF4-43E1-2606-11501B52C634}"/>
-              </a:ext>
-            </a:extLst>
-          </p:cNvPr>
-          <p:cNvCxnSpPr>
-            <a:cxnSpLocks/>
-            <a:stCxn id="39" idx="0"/>
-          </p:cNvCxnSpPr>
-          <p:nvPr/>
-        </p:nvCxnSpPr>
-        <p:spPr>
-          <a:xfrm rot="16200000" flipV="1">
-            <a:off x="3952135" y="704445"/>
-            <a:ext cx="845558" cy="3489806"/>
-          </a:xfrm>
-          <a:prstGeom prst="bentConnector2">
-            <a:avLst/>
-          </a:prstGeom>
-          <a:ln>
-            <a:tailEnd type="triangle"/>
-          </a:ln>
-        </p:spPr>
-        <p:style>
-          <a:lnRef idx="2">
-            <a:schemeClr val="accent1"/>
-          </a:lnRef>
-          <a:fillRef idx="0">
-            <a:schemeClr val="accent1"/>
-          </a:fillRef>
-          <a:effectRef idx="1">
-            <a:schemeClr val="accent1"/>
-          </a:effectRef>
-          <a:fontRef idx="minor">
-            <a:schemeClr val="tx1"/>
-          </a:fontRef>
-        </p:style>
-      </p:cxnSp>
-      <p:sp>
-        <p:nvSpPr>
-          <p:cNvPr id="30" name="Rectangle: Rounded Corners 29">
-            <a:extLst>
-              <a:ext uri="{FF2B5EF4-FFF2-40B4-BE49-F238E27FC236}">
-                <a16:creationId xmlns:a16="http://schemas.microsoft.com/office/drawing/2014/main" id="{9EE05101-E299-6922-F244-0B5D743DF4E3}"/>
-              </a:ext>
-            </a:extLst>
-          </p:cNvPr>
-          <p:cNvSpPr/>
-          <p:nvPr/>
-        </p:nvSpPr>
-        <p:spPr>
-          <a:xfrm>
-            <a:off x="7051600" y="2351324"/>
-            <a:ext cx="2036883" cy="1514397"/>
-          </a:xfrm>
-          <a:prstGeom prst="roundRect">
-            <a:avLst/>
-          </a:prstGeom>
-          <a:noFill/>
-          <a:ln>
-            <a:solidFill>
-              <a:srgbClr val="7030A0"/>
-            </a:solidFill>
-          </a:ln>
-        </p:spPr>
-        <p:style>
-          <a:lnRef idx="2">
-            <a:schemeClr val="accent1">
-              <a:shade val="15000"/>
-            </a:schemeClr>
-          </a:lnRef>
-          <a:fillRef idx="1">
-            <a:schemeClr val="accent1"/>
-          </a:fillRef>
-          <a:effectRef idx="0">
-            <a:schemeClr val="accent1"/>
-          </a:effectRef>
-          <a:fontRef idx="minor">
-            <a:schemeClr val="lt1"/>
-          </a:fontRef>
-        </p:style>
-        <p:txBody>
-          <a:bodyPr tIns="0" rtlCol="0" anchor="t" anchorCtr="0"/>
-          <a:lstStyle/>
-          <a:p>
-            <a:pPr algn="ctr"/>
-            <a:r>
-              <a:rPr lang="en-GB" dirty="0">
-                <a:solidFill>
-                  <a:schemeClr val="tx1"/>
-                </a:solidFill>
-              </a:rPr>
-              <a:t>#1791Problem with unique references singleton implementation</a:t>
-            </a:r>
-          </a:p>
-        </p:txBody>
-      </p:sp>
-      <p:cxnSp>
-        <p:nvCxnSpPr>
-          <p:cNvPr id="31" name="Straight Arrow Connector 30">
-            <a:extLst>
-              <a:ext uri="{FF2B5EF4-FFF2-40B4-BE49-F238E27FC236}">
-                <a16:creationId xmlns:a16="http://schemas.microsoft.com/office/drawing/2014/main" id="{D655D82B-26B7-BA9D-F2ED-1A3EF5463AA1}"/>
-              </a:ext>
-            </a:extLst>
-          </p:cNvPr>
-          <p:cNvCxnSpPr>
-            <a:cxnSpLocks/>
-            <a:stCxn id="5" idx="3"/>
-            <a:endCxn id="39" idx="1"/>
-          </p:cNvCxnSpPr>
-          <p:nvPr/>
-        </p:nvCxnSpPr>
-        <p:spPr>
-          <a:xfrm>
-            <a:off x="5434130" y="3109847"/>
-            <a:ext cx="193675" cy="10607"/>
-          </a:xfrm>
-          <a:prstGeom prst="straightConnector1">
-            <a:avLst/>
-          </a:prstGeom>
-          <a:ln>
-            <a:tailEnd type="triangle"/>
-          </a:ln>
-        </p:spPr>
-        <p:style>
-          <a:lnRef idx="2">
-            <a:schemeClr val="accent1"/>
-          </a:lnRef>
-          <a:fillRef idx="0">
-            <a:schemeClr val="accent1"/>
-          </a:fillRef>
-          <a:effectRef idx="1">
-            <a:schemeClr val="accent1"/>
-          </a:effectRef>
-          <a:fontRef idx="minor">
-            <a:schemeClr val="tx1"/>
-          </a:fontRef>
-        </p:style>
-      </p:cxnSp>
-      <p:sp>
-        <p:nvSpPr>
-          <p:cNvPr id="38" name="Oval 37">
-            <a:extLst>
-              <a:ext uri="{FF2B5EF4-FFF2-40B4-BE49-F238E27FC236}">
-                <a16:creationId xmlns:a16="http://schemas.microsoft.com/office/drawing/2014/main" id="{83B91431-A65C-D707-5C4E-4373EE54D90B}"/>
-              </a:ext>
-            </a:extLst>
-          </p:cNvPr>
-          <p:cNvSpPr/>
-          <p:nvPr/>
-        </p:nvSpPr>
-        <p:spPr>
-          <a:xfrm>
-            <a:off x="9784302" y="426084"/>
-            <a:ext cx="1843444" cy="1765210"/>
-          </a:xfrm>
-          <a:prstGeom prst="ellipse">
-            <a:avLst/>
-          </a:prstGeom>
-          <a:noFill/>
-          <a:ln>
-            <a:solidFill>
-              <a:srgbClr val="C00000"/>
-            </a:solidFill>
-          </a:ln>
-        </p:spPr>
-        <p:style>
-          <a:lnRef idx="2">
-            <a:schemeClr val="accent1">
-              <a:shade val="15000"/>
-            </a:schemeClr>
-          </a:lnRef>
-          <a:fillRef idx="1">
-            <a:schemeClr val="accent1"/>
-          </a:fillRef>
-          <a:effectRef idx="0">
-            <a:schemeClr val="accent1"/>
-          </a:effectRef>
-          <a:fontRef idx="minor">
-            <a:schemeClr val="lt1"/>
-          </a:fontRef>
-        </p:style>
-        <p:txBody>
-          <a:bodyPr rtlCol="0" anchor="ctr"/>
-          <a:lstStyle/>
-          <a:p>
-            <a:pPr algn="ctr"/>
-            <a:r>
-              <a:rPr lang="en-GB" b="1" dirty="0" err="1">
-                <a:ln>
-                  <a:solidFill>
-                    <a:schemeClr val="tx1"/>
-                  </a:solidFill>
-                </a:ln>
-              </a:rPr>
-              <a:t>Conclu-sion</a:t>
-            </a:r>
-            <a:endParaRPr lang="en-GB" b="1" dirty="0">
-              <a:ln>
-                <a:solidFill>
-                  <a:schemeClr val="tx1"/>
-                </a:solidFill>
-              </a:ln>
-            </a:endParaRPr>
-          </a:p>
-        </p:txBody>
-      </p:sp>
-      <p:sp>
-        <p:nvSpPr>
-          <p:cNvPr id="39" name="Rectangle 38">
-            <a:extLst>
-              <a:ext uri="{FF2B5EF4-FFF2-40B4-BE49-F238E27FC236}">
-                <a16:creationId xmlns:a16="http://schemas.microsoft.com/office/drawing/2014/main" id="{B90A5591-F381-80A9-7BBC-7DDFB80F627C}"/>
-              </a:ext>
-            </a:extLst>
-          </p:cNvPr>
-          <p:cNvSpPr/>
-          <p:nvPr/>
-        </p:nvSpPr>
-        <p:spPr>
-          <a:xfrm>
-            <a:off x="5627805" y="2872127"/>
-            <a:ext cx="984024" cy="496654"/>
-          </a:xfrm>
-          <a:prstGeom prst="rect">
-            <a:avLst/>
-          </a:prstGeom>
-          <a:solidFill>
-            <a:schemeClr val="bg1"/>
-          </a:solidFill>
-        </p:spPr>
-        <p:style>
-          <a:lnRef idx="2">
-            <a:schemeClr val="accent1">
-              <a:shade val="15000"/>
-            </a:schemeClr>
-          </a:lnRef>
-          <a:fillRef idx="1">
-            <a:schemeClr val="accent1"/>
-          </a:fillRef>
-          <a:effectRef idx="0">
-            <a:schemeClr val="accent1"/>
-          </a:effectRef>
-          <a:fontRef idx="minor">
-            <a:schemeClr val="lt1"/>
-          </a:fontRef>
-        </p:style>
-        <p:txBody>
-          <a:bodyPr tIns="0" rtlCol="0" anchor="t" anchorCtr="0"/>
-          <a:lstStyle/>
-          <a:p>
-            <a:pPr algn="ctr"/>
-            <a:r>
-              <a:rPr lang="en-GB" dirty="0">
-                <a:solidFill>
-                  <a:schemeClr val="tx1"/>
-                </a:solidFill>
-              </a:rPr>
-              <a:t>Fix tests</a:t>
-            </a:r>
-          </a:p>
-        </p:txBody>
-      </p:sp>
-      <p:sp>
-        <p:nvSpPr>
-          <p:cNvPr id="40" name="Rectangle: Rounded Corners 39">
-            <a:extLst>
-              <a:ext uri="{FF2B5EF4-FFF2-40B4-BE49-F238E27FC236}">
-                <a16:creationId xmlns:a16="http://schemas.microsoft.com/office/drawing/2014/main" id="{ED8EE401-530F-22EF-F841-5A660091B24B}"/>
-              </a:ext>
-            </a:extLst>
-          </p:cNvPr>
-          <p:cNvSpPr/>
-          <p:nvPr/>
-        </p:nvSpPr>
-        <p:spPr>
-          <a:xfrm>
-            <a:off x="4929205" y="4556022"/>
-            <a:ext cx="2036883" cy="1514397"/>
-          </a:xfrm>
-          <a:prstGeom prst="roundRect">
-            <a:avLst/>
-          </a:prstGeom>
-          <a:noFill/>
-          <a:ln>
-            <a:solidFill>
-              <a:srgbClr val="FFC000"/>
-            </a:solidFill>
-          </a:ln>
-        </p:spPr>
-        <p:style>
-          <a:lnRef idx="2">
-            <a:schemeClr val="accent1">
-              <a:shade val="15000"/>
-            </a:schemeClr>
-          </a:lnRef>
-          <a:fillRef idx="1">
-            <a:schemeClr val="accent1"/>
-          </a:fillRef>
-          <a:effectRef idx="0">
-            <a:schemeClr val="accent1"/>
-          </a:effectRef>
-          <a:fontRef idx="minor">
-            <a:schemeClr val="lt1"/>
-          </a:fontRef>
-        </p:style>
-        <p:txBody>
-          <a:bodyPr rtlCol="0" anchor="ctr"/>
-          <a:lstStyle/>
-          <a:p>
-            <a:pPr algn="ctr"/>
-            <a:r>
-              <a:rPr lang="en-GB" dirty="0">
-                <a:solidFill>
-                  <a:schemeClr val="tx1"/>
-                </a:solidFill>
-              </a:rPr>
-              <a:t>#1798 Odd behaviour of </a:t>
-            </a:r>
-            <a:r>
-              <a:rPr lang="en-GB" b="1" dirty="0" err="1">
-                <a:solidFill>
-                  <a:schemeClr val="tx1"/>
-                </a:solidFill>
-              </a:rPr>
-              <a:t>multifit</a:t>
-            </a:r>
-            <a:r>
-              <a:rPr lang="en-GB" dirty="0">
-                <a:solidFill>
-                  <a:schemeClr val="tx1"/>
-                </a:solidFill>
-              </a:rPr>
-              <a:t> and covariance matrix </a:t>
-            </a:r>
-          </a:p>
-        </p:txBody>
-      </p:sp>
-      <p:cxnSp>
-        <p:nvCxnSpPr>
-          <p:cNvPr id="41" name="Straight Arrow Connector 40">
-            <a:extLst>
-              <a:ext uri="{FF2B5EF4-FFF2-40B4-BE49-F238E27FC236}">
-                <a16:creationId xmlns:a16="http://schemas.microsoft.com/office/drawing/2014/main" id="{9B6BF28D-90F9-B5CE-CB62-A15C53BF9E4B}"/>
-              </a:ext>
-            </a:extLst>
-          </p:cNvPr>
-          <p:cNvCxnSpPr>
-            <a:cxnSpLocks/>
-            <a:stCxn id="30" idx="3"/>
-            <a:endCxn id="82" idx="1"/>
-          </p:cNvCxnSpPr>
-          <p:nvPr/>
-        </p:nvCxnSpPr>
-        <p:spPr>
-          <a:xfrm flipV="1">
-            <a:off x="9088483" y="3099239"/>
-            <a:ext cx="599100" cy="9284"/>
-          </a:xfrm>
-          <a:prstGeom prst="straightConnector1">
-            <a:avLst/>
-          </a:prstGeom>
-          <a:ln>
-            <a:tailEnd type="triangle"/>
-          </a:ln>
-        </p:spPr>
-        <p:style>
-          <a:lnRef idx="2">
-            <a:schemeClr val="accent1"/>
-          </a:lnRef>
-          <a:fillRef idx="0">
-            <a:schemeClr val="accent1"/>
-          </a:fillRef>
-          <a:effectRef idx="1">
-            <a:schemeClr val="accent1"/>
-          </a:effectRef>
-          <a:fontRef idx="minor">
-            <a:schemeClr val="tx1"/>
-          </a:fontRef>
-        </p:style>
-      </p:cxnSp>
-      <p:cxnSp>
-        <p:nvCxnSpPr>
-          <p:cNvPr id="45" name="Straight Arrow Connector 44">
-            <a:extLst>
-              <a:ext uri="{FF2B5EF4-FFF2-40B4-BE49-F238E27FC236}">
-                <a16:creationId xmlns:a16="http://schemas.microsoft.com/office/drawing/2014/main" id="{E7B44C7B-B5FF-4E8D-C343-237978A35BA2}"/>
-              </a:ext>
-            </a:extLst>
-          </p:cNvPr>
-          <p:cNvCxnSpPr>
-            <a:cxnSpLocks/>
-            <a:stCxn id="39" idx="2"/>
-            <a:endCxn id="40" idx="0"/>
-          </p:cNvCxnSpPr>
-          <p:nvPr/>
-        </p:nvCxnSpPr>
-        <p:spPr>
-          <a:xfrm flipH="1">
-            <a:off x="5947647" y="3368781"/>
-            <a:ext cx="172170" cy="1187241"/>
-          </a:xfrm>
-          <a:prstGeom prst="straightConnector1">
-            <a:avLst/>
-          </a:prstGeom>
-          <a:ln>
-            <a:tailEnd type="triangle"/>
-          </a:ln>
-        </p:spPr>
-        <p:style>
-          <a:lnRef idx="2">
-            <a:schemeClr val="accent1"/>
-          </a:lnRef>
-          <a:fillRef idx="0">
-            <a:schemeClr val="accent1"/>
-          </a:fillRef>
-          <a:effectRef idx="1">
-            <a:schemeClr val="accent1"/>
-          </a:effectRef>
-          <a:fontRef idx="minor">
-            <a:schemeClr val="tx1"/>
-          </a:fontRef>
-        </p:style>
-      </p:cxnSp>
-      <p:sp>
-        <p:nvSpPr>
-          <p:cNvPr id="49" name="Rectangle: Rounded Corners 48">
-            <a:extLst>
-              <a:ext uri="{FF2B5EF4-FFF2-40B4-BE49-F238E27FC236}">
-                <a16:creationId xmlns:a16="http://schemas.microsoft.com/office/drawing/2014/main" id="{476EB243-FA9A-27D0-E0FC-E4EA0275A475}"/>
-              </a:ext>
-            </a:extLst>
-          </p:cNvPr>
-          <p:cNvSpPr/>
-          <p:nvPr/>
-        </p:nvSpPr>
-        <p:spPr>
-          <a:xfrm>
-            <a:off x="7049856" y="4568558"/>
-            <a:ext cx="2036883" cy="1514397"/>
-          </a:xfrm>
-          <a:prstGeom prst="roundRect">
-            <a:avLst/>
-          </a:prstGeom>
-          <a:noFill/>
-          <a:ln>
-            <a:solidFill>
-              <a:srgbClr val="C00000"/>
-            </a:solidFill>
-          </a:ln>
-        </p:spPr>
-        <p:style>
-          <a:lnRef idx="2">
-            <a:schemeClr val="accent1">
-              <a:shade val="15000"/>
-            </a:schemeClr>
-          </a:lnRef>
-          <a:fillRef idx="1">
-            <a:schemeClr val="accent1"/>
-          </a:fillRef>
-          <a:effectRef idx="0">
-            <a:schemeClr val="accent1"/>
-          </a:effectRef>
-          <a:fontRef idx="minor">
-            <a:schemeClr val="lt1"/>
-          </a:fontRef>
-        </p:style>
-        <p:txBody>
-          <a:bodyPr rtlCol="0" anchor="ctr"/>
-          <a:lstStyle/>
-          <a:p>
-            <a:pPr algn="ctr"/>
-            <a:r>
-              <a:rPr lang="en-GB" dirty="0">
-                <a:solidFill>
-                  <a:schemeClr val="tx1"/>
-                </a:solidFill>
-              </a:rPr>
-              <a:t>Failing objects comparison on Jenkins only</a:t>
-            </a:r>
-          </a:p>
-        </p:txBody>
-      </p:sp>
-      <p:cxnSp>
-        <p:nvCxnSpPr>
-          <p:cNvPr id="50" name="Straight Arrow Connector 49">
-            <a:extLst>
-              <a:ext uri="{FF2B5EF4-FFF2-40B4-BE49-F238E27FC236}">
-                <a16:creationId xmlns:a16="http://schemas.microsoft.com/office/drawing/2014/main" id="{AC572C97-19E7-3EF2-9D82-96B8F7EF8375}"/>
-              </a:ext>
-            </a:extLst>
-          </p:cNvPr>
-          <p:cNvCxnSpPr>
-            <a:cxnSpLocks/>
-            <a:stCxn id="39" idx="2"/>
-            <a:endCxn id="49" idx="0"/>
-          </p:cNvCxnSpPr>
-          <p:nvPr/>
-        </p:nvCxnSpPr>
-        <p:spPr>
-          <a:xfrm>
-            <a:off x="6119817" y="3368781"/>
-            <a:ext cx="1948481" cy="1199777"/>
-          </a:xfrm>
-          <a:prstGeom prst="straightConnector1">
-            <a:avLst/>
-          </a:prstGeom>
-          <a:ln>
-            <a:tailEnd type="triangle"/>
-          </a:ln>
-        </p:spPr>
-        <p:style>
-          <a:lnRef idx="2">
-            <a:schemeClr val="accent1"/>
-          </a:lnRef>
-          <a:fillRef idx="0">
-            <a:schemeClr val="accent1"/>
-          </a:fillRef>
-          <a:effectRef idx="1">
-            <a:schemeClr val="accent1"/>
-          </a:effectRef>
-          <a:fontRef idx="minor">
-            <a:schemeClr val="tx1"/>
-          </a:fontRef>
-        </p:style>
-      </p:cxnSp>
-      <p:sp>
-        <p:nvSpPr>
-          <p:cNvPr id="55" name="Rectangle 54">
-            <a:extLst>
-              <a:ext uri="{FF2B5EF4-FFF2-40B4-BE49-F238E27FC236}">
-                <a16:creationId xmlns:a16="http://schemas.microsoft.com/office/drawing/2014/main" id="{2A304C9B-2E4C-E1C6-06A0-3069B500A9F4}"/>
-              </a:ext>
-            </a:extLst>
-          </p:cNvPr>
-          <p:cNvSpPr/>
-          <p:nvPr/>
-        </p:nvSpPr>
-        <p:spPr>
-          <a:xfrm>
-            <a:off x="3287035" y="4333314"/>
-            <a:ext cx="1514992" cy="496654"/>
-          </a:xfrm>
-          <a:prstGeom prst="rect">
-            <a:avLst/>
-          </a:prstGeom>
-          <a:solidFill>
-            <a:schemeClr val="bg1"/>
-          </a:solidFill>
-        </p:spPr>
-        <p:style>
-          <a:lnRef idx="2">
-            <a:schemeClr val="accent1">
-              <a:shade val="15000"/>
-            </a:schemeClr>
-          </a:lnRef>
-          <a:fillRef idx="1">
-            <a:schemeClr val="accent1"/>
-          </a:fillRef>
-          <a:effectRef idx="0">
-            <a:schemeClr val="accent1"/>
-          </a:effectRef>
-          <a:fontRef idx="minor">
-            <a:schemeClr val="lt1"/>
-          </a:fontRef>
-        </p:style>
-        <p:txBody>
-          <a:bodyPr tIns="0" rtlCol="0" anchor="t" anchorCtr="0"/>
-          <a:lstStyle/>
-          <a:p>
-            <a:pPr algn="ctr"/>
-            <a:r>
-              <a:rPr lang="en-GB" dirty="0">
-                <a:solidFill>
-                  <a:schemeClr val="tx1"/>
-                </a:solidFill>
-              </a:rPr>
-              <a:t>Still ~2 times slower</a:t>
-            </a:r>
-          </a:p>
-        </p:txBody>
-      </p:sp>
-      <p:sp>
-        <p:nvSpPr>
-          <p:cNvPr id="82" name="Rectangle: Rounded Corners 81">
-            <a:extLst>
-              <a:ext uri="{FF2B5EF4-FFF2-40B4-BE49-F238E27FC236}">
-                <a16:creationId xmlns:a16="http://schemas.microsoft.com/office/drawing/2014/main" id="{131DD974-E3ED-4F5B-3FEA-8758721272B4}"/>
-              </a:ext>
-            </a:extLst>
-          </p:cNvPr>
-          <p:cNvSpPr/>
-          <p:nvPr/>
-        </p:nvSpPr>
-        <p:spPr>
-          <a:xfrm>
-            <a:off x="9687583" y="2342040"/>
-            <a:ext cx="2036883" cy="1514397"/>
-          </a:xfrm>
-          <a:prstGeom prst="roundRect">
-            <a:avLst/>
-          </a:prstGeom>
-          <a:noFill/>
-          <a:ln>
-            <a:solidFill>
-              <a:srgbClr val="00B0F0"/>
-            </a:solidFill>
-          </a:ln>
-        </p:spPr>
-        <p:style>
-          <a:lnRef idx="2">
-            <a:schemeClr val="accent1">
-              <a:shade val="15000"/>
-            </a:schemeClr>
-          </a:lnRef>
-          <a:fillRef idx="1">
-            <a:schemeClr val="accent1"/>
-          </a:fillRef>
-          <a:effectRef idx="0">
-            <a:schemeClr val="accent1"/>
-          </a:effectRef>
-          <a:fontRef idx="minor">
-            <a:schemeClr val="lt1"/>
-          </a:fontRef>
-        </p:style>
-        <p:txBody>
-          <a:bodyPr tIns="0" rtlCol="0" anchor="t" anchorCtr="0"/>
-          <a:lstStyle/>
-          <a:p>
-            <a:pPr algn="ctr"/>
-            <a:r>
-              <a:rPr lang="en-GB" dirty="0">
-                <a:solidFill>
-                  <a:schemeClr val="tx1"/>
-                </a:solidFill>
-              </a:rPr>
-              <a:t>Delete redundant unique objects from memory</a:t>
-            </a:r>
-          </a:p>
-        </p:txBody>
-      </p:sp>
-      <p:cxnSp>
-        <p:nvCxnSpPr>
-          <p:cNvPr id="84" name="Straight Arrow Connector 83">
-            <a:extLst>
-              <a:ext uri="{FF2B5EF4-FFF2-40B4-BE49-F238E27FC236}">
-                <a16:creationId xmlns:a16="http://schemas.microsoft.com/office/drawing/2014/main" id="{049D1E8D-53BC-59F9-985A-811A14E1CD42}"/>
-              </a:ext>
-            </a:extLst>
-          </p:cNvPr>
-          <p:cNvCxnSpPr>
-            <a:cxnSpLocks/>
-            <a:stCxn id="82" idx="0"/>
-            <a:endCxn id="38" idx="4"/>
-          </p:cNvCxnSpPr>
-          <p:nvPr/>
-        </p:nvCxnSpPr>
-        <p:spPr>
-          <a:xfrm flipH="1" flipV="1">
-            <a:off x="10706024" y="2191294"/>
-            <a:ext cx="1" cy="150746"/>
-          </a:xfrm>
-          <a:prstGeom prst="straightConnector1">
-            <a:avLst/>
-          </a:prstGeom>
-          <a:ln>
-            <a:tailEnd type="triangle"/>
-          </a:ln>
-        </p:spPr>
-        <p:style>
-          <a:lnRef idx="2">
-            <a:schemeClr val="accent1"/>
-          </a:lnRef>
-          <a:fillRef idx="0">
-            <a:schemeClr val="accent1"/>
-          </a:fillRef>
-          <a:effectRef idx="1">
-            <a:schemeClr val="accent1"/>
-          </a:effectRef>
-          <a:fontRef idx="minor">
-            <a:schemeClr val="tx1"/>
-          </a:fontRef>
-        </p:style>
-      </p:cxnSp>
-      <p:cxnSp>
-        <p:nvCxnSpPr>
-          <p:cNvPr id="92" name="Straight Arrow Connector 91">
-            <a:extLst>
-              <a:ext uri="{FF2B5EF4-FFF2-40B4-BE49-F238E27FC236}">
-                <a16:creationId xmlns:a16="http://schemas.microsoft.com/office/drawing/2014/main" id="{245D09C4-71C3-6EAF-66AD-95DB63860B3F}"/>
-              </a:ext>
-            </a:extLst>
-          </p:cNvPr>
-          <p:cNvCxnSpPr>
-            <a:stCxn id="49" idx="0"/>
-            <a:endCxn id="30" idx="2"/>
-          </p:cNvCxnSpPr>
-          <p:nvPr/>
-        </p:nvCxnSpPr>
-        <p:spPr>
-          <a:xfrm flipV="1">
-            <a:off x="8068298" y="3865721"/>
-            <a:ext cx="1744" cy="702837"/>
-          </a:xfrm>
-          <a:prstGeom prst="straightConnector1">
-            <a:avLst/>
-          </a:prstGeom>
-          <a:ln>
-            <a:tailEnd type="triangle"/>
-          </a:ln>
-        </p:spPr>
-        <p:style>
-          <a:lnRef idx="2">
-            <a:schemeClr val="accent1"/>
-          </a:lnRef>
-          <a:fillRef idx="0">
-            <a:schemeClr val="accent1"/>
-          </a:fillRef>
-          <a:effectRef idx="1">
-            <a:schemeClr val="accent1"/>
-          </a:effectRef>
-          <a:fontRef idx="minor">
-            <a:schemeClr val="tx1"/>
-          </a:fontRef>
-        </p:style>
-      </p:cxnSp>
-      <p:sp>
-        <p:nvSpPr>
-          <p:cNvPr id="93" name="Rectangle: Rounded Corners 92">
-            <a:extLst>
-              <a:ext uri="{FF2B5EF4-FFF2-40B4-BE49-F238E27FC236}">
-                <a16:creationId xmlns:a16="http://schemas.microsoft.com/office/drawing/2014/main" id="{AAEC1513-019B-F449-7725-E07851B51982}"/>
-              </a:ext>
-            </a:extLst>
-          </p:cNvPr>
-          <p:cNvSpPr/>
-          <p:nvPr/>
-        </p:nvSpPr>
-        <p:spPr>
-          <a:xfrm>
-            <a:off x="9683218" y="4226656"/>
-            <a:ext cx="2036883" cy="920905"/>
-          </a:xfrm>
-          <a:prstGeom prst="roundRect">
-            <a:avLst/>
-          </a:prstGeom>
-          <a:noFill/>
-          <a:ln>
-            <a:solidFill>
-              <a:srgbClr val="00B0F0"/>
-            </a:solidFill>
-          </a:ln>
-        </p:spPr>
-        <p:style>
-          <a:lnRef idx="2">
-            <a:schemeClr val="accent1">
-              <a:shade val="15000"/>
-            </a:schemeClr>
-          </a:lnRef>
-          <a:fillRef idx="1">
-            <a:schemeClr val="accent1"/>
-          </a:fillRef>
-          <a:effectRef idx="0">
-            <a:schemeClr val="accent1"/>
-          </a:effectRef>
-          <a:fontRef idx="minor">
-            <a:schemeClr val="lt1"/>
-          </a:fontRef>
-        </p:style>
-        <p:txBody>
-          <a:bodyPr tIns="0" rtlCol="0" anchor="t" anchorCtr="0"/>
-          <a:lstStyle/>
-          <a:p>
-            <a:pPr algn="ctr"/>
-            <a:r>
-              <a:rPr lang="en-GB" dirty="0">
-                <a:solidFill>
-                  <a:schemeClr val="tx1"/>
-                </a:solidFill>
-              </a:rPr>
-              <a:t>COW pointers management</a:t>
-            </a:r>
-          </a:p>
-          <a:p>
-            <a:pPr algn="ctr"/>
-            <a:r>
-              <a:rPr lang="en-GB" dirty="0">
-                <a:solidFill>
-                  <a:schemeClr val="tx1"/>
-                </a:solidFill>
-              </a:rPr>
-              <a:t>?</a:t>
-            </a:r>
-          </a:p>
-        </p:txBody>
-      </p:sp>
-      <p:cxnSp>
-        <p:nvCxnSpPr>
-          <p:cNvPr id="94" name="Straight Arrow Connector 93">
-            <a:extLst>
-              <a:ext uri="{FF2B5EF4-FFF2-40B4-BE49-F238E27FC236}">
-                <a16:creationId xmlns:a16="http://schemas.microsoft.com/office/drawing/2014/main" id="{3B8D490D-2F1C-67CD-962C-735DE1C51FB5}"/>
-              </a:ext>
-            </a:extLst>
-          </p:cNvPr>
-          <p:cNvCxnSpPr>
-            <a:cxnSpLocks/>
-            <a:stCxn id="30" idx="3"/>
-            <a:endCxn id="93" idx="1"/>
-          </p:cNvCxnSpPr>
-          <p:nvPr/>
-        </p:nvCxnSpPr>
-        <p:spPr>
-          <a:xfrm>
-            <a:off x="9088483" y="3108523"/>
-            <a:ext cx="594735" cy="1578586"/>
-          </a:xfrm>
-          <a:prstGeom prst="straightConnector1">
-            <a:avLst/>
-          </a:prstGeom>
-          <a:ln>
-            <a:tailEnd type="triangle"/>
-          </a:ln>
-        </p:spPr>
-        <p:style>
-          <a:lnRef idx="2">
-            <a:schemeClr val="accent1"/>
-          </a:lnRef>
-          <a:fillRef idx="0">
-            <a:schemeClr val="accent1"/>
-          </a:fillRef>
-          <a:effectRef idx="1">
-            <a:schemeClr val="accent1"/>
-          </a:effectRef>
-          <a:fontRef idx="minor">
-            <a:schemeClr val="tx1"/>
-          </a:fontRef>
-        </p:style>
-      </p:cxnSp>
-      <p:cxnSp>
-        <p:nvCxnSpPr>
-          <p:cNvPr id="97" name="Straight Arrow Connector 96">
-            <a:extLst>
-              <a:ext uri="{FF2B5EF4-FFF2-40B4-BE49-F238E27FC236}">
-                <a16:creationId xmlns:a16="http://schemas.microsoft.com/office/drawing/2014/main" id="{AA0712CD-017F-351B-00B2-0C198D670A78}"/>
-              </a:ext>
-            </a:extLst>
-          </p:cNvPr>
-          <p:cNvCxnSpPr>
-            <a:cxnSpLocks/>
-            <a:stCxn id="93" idx="3"/>
-            <a:endCxn id="38" idx="6"/>
-          </p:cNvCxnSpPr>
-          <p:nvPr/>
-        </p:nvCxnSpPr>
-        <p:spPr>
-          <a:xfrm flipH="1" flipV="1">
-            <a:off x="11627746" y="1308689"/>
-            <a:ext cx="92355" cy="3378420"/>
-          </a:xfrm>
-          <a:prstGeom prst="bentConnector3">
-            <a:avLst>
-              <a:gd name="adj1" fmla="val -247523"/>
-            </a:avLst>
-          </a:prstGeom>
-          <a:ln>
-            <a:tailEnd type="triangle"/>
-          </a:ln>
-        </p:spPr>
-        <p:style>
-          <a:lnRef idx="2">
-            <a:schemeClr val="accent1"/>
-          </a:lnRef>
-          <a:fillRef idx="0">
-            <a:schemeClr val="accent1"/>
-          </a:fillRef>
-          <a:effectRef idx="1">
-            <a:schemeClr val="accent1"/>
-          </a:effectRef>
-          <a:fontRef idx="minor">
-            <a:schemeClr val="tx1"/>
-          </a:fontRef>
-        </p:style>
-      </p:cxnSp>
-    </p:spTree>
-    <p:extLst>
-      <p:ext uri="{BB962C8B-B14F-4D97-AF65-F5344CB8AC3E}">
-        <p14:creationId xmlns:p14="http://schemas.microsoft.com/office/powerpoint/2010/main" val="2014910993"/>
-      </p:ext>
-    </p:extLst>
-  </p:cSld>
-  <p:clrMapOvr>
-    <a:masterClrMapping/>
-  </p:clrMapOvr>
-</p:sld>
-</file>
-
-<file path=ppt/slides/slide20.xml><?xml version="1.0" encoding="utf-8"?>
+<file path=ppt/slides/slide23.xml><?xml version="1.0" encoding="utf-8"?>
 <p:sld xmlns:a="http://schemas.openxmlformats.org/drawingml/2006/main" xmlns:r="http://schemas.openxmlformats.org/officeDocument/2006/relationships" xmlns:p="http://schemas.openxmlformats.org/presentationml/2006/main">
   <p:cSld>
     <p:spTree>
@@ -16548,12 +17997,12 @@
         </p:spPr>
         <p:txBody>
           <a:bodyPr>
-            <a:normAutofit fontScale="85000" lnSpcReduction="20000"/>
+            <a:normAutofit fontScale="77500" lnSpcReduction="20000"/>
           </a:bodyPr>
           <a:lstStyle/>
           <a:p>
             <a:r>
-              <a:rPr lang="en-GB" dirty="0" err="1">
+              <a:rPr lang="en-GB" dirty="0">
                 <a:solidFill>
                   <a:schemeClr val="accent6">
                     <a:lumMod val="50000"/>
@@ -16562,10 +18011,10 @@
                 <a:latin typeface="Courier New" panose="02070309020205020404" pitchFamily="49" charset="0"/>
                 <a:cs typeface="Courier New" panose="02070309020205020404" pitchFamily="49" charset="0"/>
               </a:rPr>
-              <a:t>build_hash</a:t>
-            </a:r>
-            <a:r>
-              <a:rPr lang="en-GB" dirty="0">
+              <a:t>[</a:t>
+            </a:r>
+            <a:r>
+              <a:rPr lang="en-GB" dirty="0" err="1">
                 <a:solidFill>
                   <a:schemeClr val="accent6">
                     <a:lumMod val="50000"/>
@@ -16574,14 +18023,10 @@
                 <a:latin typeface="Courier New" panose="02070309020205020404" pitchFamily="49" charset="0"/>
                 <a:cs typeface="Courier New" panose="02070309020205020404" pitchFamily="49" charset="0"/>
               </a:rPr>
-              <a:t> </a:t>
-            </a:r>
-            <a:r>
-              <a:rPr lang="en-GB" dirty="0"/>
-              <a:t>– separate function similar to </a:t>
-            </a:r>
-            <a:r>
-              <a:rPr lang="en-GB" b="1" dirty="0">
+              <a:t>obj,hash</a:t>
+            </a:r>
+            <a:r>
+              <a:rPr lang="en-GB" dirty="0">
                 <a:solidFill>
                   <a:schemeClr val="accent6">
                     <a:lumMod val="50000"/>
@@ -16590,23 +18035,10 @@
                 <a:latin typeface="Courier New" panose="02070309020205020404" pitchFamily="49" charset="0"/>
                 <a:cs typeface="Courier New" panose="02070309020205020404" pitchFamily="49" charset="0"/>
               </a:rPr>
-              <a:t>serialize</a:t>
-            </a:r>
-            <a:r>
-              <a:rPr lang="en-GB" dirty="0"/>
-              <a:t> </a:t>
-            </a:r>
-          </a:p>
-          <a:p>
-            <a:endParaRPr lang="en-GB" dirty="0"/>
-          </a:p>
-          <a:p>
-            <a:r>
-              <a:rPr lang="en-GB" dirty="0"/>
-              <a:t>Child of </a:t>
-            </a:r>
-            <a:r>
-              <a:rPr lang="en-GB" dirty="0">
+              <a:t>]=</a:t>
+            </a:r>
+            <a:r>
+              <a:rPr lang="en-GB" dirty="0" err="1">
                 <a:solidFill>
                   <a:schemeClr val="accent6">
                     <a:lumMod val="50000"/>
@@ -16615,6 +18047,100 @@
                 <a:latin typeface="Courier New" panose="02070309020205020404" pitchFamily="49" charset="0"/>
                 <a:cs typeface="Courier New" panose="02070309020205020404" pitchFamily="49" charset="0"/>
               </a:rPr>
+              <a:t>build_hash</a:t>
+            </a:r>
+            <a:r>
+              <a:rPr lang="en-GB" dirty="0">
+                <a:solidFill>
+                  <a:schemeClr val="accent6">
+                    <a:lumMod val="50000"/>
+                  </a:schemeClr>
+                </a:solidFill>
+                <a:latin typeface="Courier New" panose="02070309020205020404" pitchFamily="49" charset="0"/>
+                <a:cs typeface="Courier New" panose="02070309020205020404" pitchFamily="49" charset="0"/>
+              </a:rPr>
+              <a:t>(</a:t>
+            </a:r>
+            <a:r>
+              <a:rPr lang="en-GB" dirty="0" err="1">
+                <a:solidFill>
+                  <a:schemeClr val="accent6">
+                    <a:lumMod val="50000"/>
+                  </a:schemeClr>
+                </a:solidFill>
+                <a:latin typeface="Courier New" panose="02070309020205020404" pitchFamily="49" charset="0"/>
+                <a:cs typeface="Courier New" panose="02070309020205020404" pitchFamily="49" charset="0"/>
+              </a:rPr>
+              <a:t>obj</a:t>
+            </a:r>
+            <a:r>
+              <a:rPr lang="en-GB" dirty="0">
+                <a:solidFill>
+                  <a:schemeClr val="accent6">
+                    <a:lumMod val="50000"/>
+                  </a:schemeClr>
+                </a:solidFill>
+                <a:latin typeface="Courier New" panose="02070309020205020404" pitchFamily="49" charset="0"/>
+                <a:cs typeface="Courier New" panose="02070309020205020404" pitchFamily="49" charset="0"/>
+              </a:rPr>
+              <a:t>) </a:t>
+            </a:r>
+            <a:r>
+              <a:rPr lang="en-GB" dirty="0"/>
+              <a:t>– separate function similar to </a:t>
+            </a:r>
+            <a:r>
+              <a:rPr lang="en-GB" b="1" dirty="0">
+                <a:solidFill>
+                  <a:schemeClr val="accent6">
+                    <a:lumMod val="50000"/>
+                  </a:schemeClr>
+                </a:solidFill>
+                <a:latin typeface="Courier New" panose="02070309020205020404" pitchFamily="49" charset="0"/>
+                <a:cs typeface="Courier New" panose="02070309020205020404" pitchFamily="49" charset="0"/>
+              </a:rPr>
+              <a:t>serialize</a:t>
+            </a:r>
+            <a:r>
+              <a:rPr lang="en-GB" dirty="0"/>
+              <a:t> </a:t>
+            </a:r>
+          </a:p>
+          <a:p>
+            <a:endParaRPr lang="en-GB" dirty="0"/>
+          </a:p>
+          <a:p>
+            <a:pPr marL="0" indent="0">
+              <a:buNone/>
+            </a:pPr>
+            <a:r>
+              <a:rPr lang="en-GB" sz="3600" dirty="0" err="1"/>
+              <a:t>Hashable</a:t>
+            </a:r>
+            <a:r>
+              <a:rPr lang="en-GB" sz="3600" dirty="0"/>
+              <a:t> class</a:t>
+            </a:r>
+            <a:r>
+              <a:rPr lang="en-GB" dirty="0"/>
+              <a:t>:</a:t>
+            </a:r>
+          </a:p>
+          <a:p>
+            <a:r>
+              <a:rPr lang="en-GB" dirty="0"/>
+              <a:t>Child of </a:t>
+            </a:r>
+            <a:r>
+              <a:rPr lang="en-GB" dirty="0">
+                <a:solidFill>
+                  <a:schemeClr val="accent6">
+                    <a:lumMod val="50000"/>
+                  </a:schemeClr>
+                </a:solidFill>
+                <a:latin typeface="Courier New" panose="02070309020205020404" pitchFamily="49" charset="0"/>
+                <a:cs typeface="Courier New" panose="02070309020205020404" pitchFamily="49" charset="0"/>
+              </a:rPr>
               <a:t>serializable</a:t>
             </a:r>
           </a:p>
@@ -16651,11 +18177,23 @@
               </a:rPr>
               <a:t>, </a:t>
             </a:r>
+          </a:p>
+          <a:p>
+            <a:pPr lvl="1"/>
             <a:r>
               <a:rPr lang="en-GB" dirty="0">
                 <a:cs typeface="Courier New" panose="02070309020205020404" pitchFamily="49" charset="0"/>
               </a:rPr>
-              <a:t>Retrieves existing hash if available. Uses simplified modified code </a:t>
+              <a:t>Retrieves existing hash if available.</a:t>
+            </a:r>
+          </a:p>
+          <a:p>
+            <a:pPr lvl="1"/>
+            <a:r>
+              <a:rPr lang="en-GB" dirty="0">
+                <a:cs typeface="Courier New" panose="02070309020205020404" pitchFamily="49" charset="0"/>
+              </a:rPr>
+              <a:t> Uses simplified modified code </a:t>
             </a:r>
             <a:r>
               <a:rPr lang="en-GB" dirty="0" err="1">
@@ -16822,7 +18360,19 @@
           <a:p>
             <a:r>
               <a:rPr lang="en-GB" dirty="0"/>
-              <a:t>Came from #1147: Customized </a:t>
+              <a:t>Changes from </a:t>
+            </a:r>
+            <a:r>
+              <a:rPr lang="en-GB" dirty="0">
+                <a:solidFill>
+                  <a:srgbClr val="00B050"/>
+                </a:solidFill>
+              </a:rPr>
+              <a:t>#1147</a:t>
+            </a:r>
+            <a:r>
+              <a:rPr lang="en-GB" dirty="0"/>
+              <a:t>: Customized </a:t>
             </a:r>
             <a:r>
               <a:rPr lang="en-GB" dirty="0" err="1">
@@ -16886,7 +18436,7 @@
                 <a:latin typeface="Courier New" panose="02070309020205020404" pitchFamily="49" charset="0"/>
                 <a:cs typeface="Courier New" panose="02070309020205020404" pitchFamily="49" charset="0"/>
               </a:rPr>
-              <a:t>equal_to_tol</a:t>
+              <a:t>equal_to_tol_single</a:t>
             </a:r>
             <a:r>
               <a:rPr lang="en-GB" dirty="0">

--- a/documentation/presentations/Large_number_of_small_cuts.pptx
+++ b/documentation/presentations/Large_number_of_small_cuts.pptx
@@ -21,13 +21,15 @@
     <p:sldId id="269" r:id="rId15"/>
     <p:sldId id="276" r:id="rId16"/>
     <p:sldId id="277" r:id="rId17"/>
-    <p:sldId id="270" r:id="rId18"/>
-    <p:sldId id="278" r:id="rId19"/>
-    <p:sldId id="271" r:id="rId20"/>
-    <p:sldId id="272" r:id="rId21"/>
-    <p:sldId id="279" r:id="rId22"/>
-    <p:sldId id="274" r:id="rId23"/>
-    <p:sldId id="275" r:id="rId24"/>
+    <p:sldId id="281" r:id="rId18"/>
+    <p:sldId id="270" r:id="rId19"/>
+    <p:sldId id="278" r:id="rId20"/>
+    <p:sldId id="271" r:id="rId21"/>
+    <p:sldId id="280" r:id="rId22"/>
+    <p:sldId id="272" r:id="rId23"/>
+    <p:sldId id="274" r:id="rId24"/>
+    <p:sldId id="279" r:id="rId25"/>
+    <p:sldId id="275" r:id="rId26"/>
   </p:sldIdLst>
   <p:sldSz cx="12192000" cy="6858000"/>
   <p:notesSz cx="6858000" cy="9144000"/>
@@ -11426,7 +11428,7 @@
         </p:nvSpPr>
         <p:spPr>
           <a:xfrm>
-            <a:off x="1740709" y="4568558"/>
+            <a:off x="2236298" y="4601297"/>
             <a:ext cx="2036883" cy="1514397"/>
           </a:xfrm>
           <a:prstGeom prst="roundRect">
@@ -11435,7 +11437,7 @@
           <a:noFill/>
           <a:ln>
             <a:solidFill>
-              <a:srgbClr val="FFC000"/>
+              <a:srgbClr val="0066FF"/>
             </a:solidFill>
           </a:ln>
         </p:spPr>
@@ -11606,9 +11608,9 @@
           <p:nvPr/>
         </p:nvCxnSpPr>
         <p:spPr>
-          <a:xfrm flipV="1">
-            <a:off x="2759151" y="3800739"/>
-            <a:ext cx="872" cy="767819"/>
+          <a:xfrm flipH="1" flipV="1">
+            <a:off x="2760023" y="3800739"/>
+            <a:ext cx="494717" cy="800558"/>
           </a:xfrm>
           <a:prstGeom prst="straightConnector1">
             <a:avLst/>
@@ -12052,6 +12054,124 @@
           <a:xfrm flipV="1">
             <a:off x="8827814" y="3147920"/>
             <a:ext cx="1153825" cy="2177836"/>
+          </a:xfrm>
+          <a:prstGeom prst="straightConnector1">
+            <a:avLst/>
+          </a:prstGeom>
+          <a:ln>
+            <a:tailEnd type="triangle"/>
+          </a:ln>
+        </p:spPr>
+        <p:style>
+          <a:lnRef idx="2">
+            <a:schemeClr val="accent1"/>
+          </a:lnRef>
+          <a:fillRef idx="0">
+            <a:schemeClr val="accent1"/>
+          </a:fillRef>
+          <a:effectRef idx="1">
+            <a:schemeClr val="accent1"/>
+          </a:effectRef>
+          <a:fontRef idx="minor">
+            <a:schemeClr val="tx1"/>
+          </a:fontRef>
+        </p:style>
+      </p:cxnSp>
+      <p:sp>
+        <p:nvSpPr>
+          <p:cNvPr id="3" name="Rectangle: Rounded Corners 2">
+            <a:extLst>
+              <a:ext uri="{FF2B5EF4-FFF2-40B4-BE49-F238E27FC236}">
+                <a16:creationId xmlns:a16="http://schemas.microsoft.com/office/drawing/2014/main" id="{F23E6467-0FE0-7A72-3FA7-086961FD04A7}"/>
+              </a:ext>
+            </a:extLst>
+          </p:cNvPr>
+          <p:cNvSpPr/>
+          <p:nvPr/>
+        </p:nvSpPr>
+        <p:spPr>
+          <a:xfrm>
+            <a:off x="64031" y="4612028"/>
+            <a:ext cx="2036883" cy="1514397"/>
+          </a:xfrm>
+          <a:prstGeom prst="roundRect">
+            <a:avLst/>
+          </a:prstGeom>
+          <a:noFill/>
+          <a:ln>
+            <a:solidFill>
+              <a:srgbClr val="0070C0"/>
+            </a:solidFill>
+          </a:ln>
+        </p:spPr>
+        <p:style>
+          <a:lnRef idx="2">
+            <a:schemeClr val="accent1">
+              <a:shade val="15000"/>
+            </a:schemeClr>
+          </a:lnRef>
+          <a:fillRef idx="1">
+            <a:schemeClr val="accent1"/>
+          </a:fillRef>
+          <a:effectRef idx="0">
+            <a:schemeClr val="accent1"/>
+          </a:effectRef>
+          <a:fontRef idx="minor">
+            <a:schemeClr val="lt1"/>
+          </a:fontRef>
+        </p:style>
+        <p:txBody>
+          <a:bodyPr rtlCol="0" anchor="ctr"/>
+          <a:lstStyle/>
+          <a:p>
+            <a:pPr algn="ctr"/>
+            <a:r>
+              <a:rPr lang="en-GB" dirty="0">
+                <a:solidFill>
+                  <a:schemeClr val="tx1"/>
+                </a:solidFill>
+              </a:rPr>
+              <a:t>#896 Enable full </a:t>
+            </a:r>
+            <a:r>
+              <a:rPr lang="en-GB" dirty="0" err="1">
+                <a:solidFill>
+                  <a:schemeClr val="tx1"/>
+                </a:solidFill>
+              </a:rPr>
+              <a:t>mexing</a:t>
+            </a:r>
+            <a:r>
+              <a:rPr lang="en-GB" dirty="0">
+                <a:solidFill>
+                  <a:schemeClr val="tx1"/>
+                </a:solidFill>
+              </a:rPr>
+              <a:t> option in cut </a:t>
+            </a:r>
+          </a:p>
+        </p:txBody>
+      </p:sp>
+      <p:cxnSp>
+        <p:nvCxnSpPr>
+          <p:cNvPr id="5" name="Straight Arrow Connector 4">
+            <a:extLst>
+              <a:ext uri="{FF2B5EF4-FFF2-40B4-BE49-F238E27FC236}">
+                <a16:creationId xmlns:a16="http://schemas.microsoft.com/office/drawing/2014/main" id="{8D2894BA-604A-8668-112E-6DE1D609AC34}"/>
+              </a:ext>
+            </a:extLst>
+          </p:cNvPr>
+          <p:cNvCxnSpPr>
+            <a:cxnSpLocks/>
+            <a:stCxn id="3" idx="0"/>
+            <a:endCxn id="30" idx="2"/>
+          </p:cNvCxnSpPr>
+          <p:nvPr/>
+        </p:nvCxnSpPr>
+        <p:spPr>
+          <a:xfrm flipV="1">
+            <a:off x="1082473" y="3800739"/>
+            <a:ext cx="1677550" cy="811289"/>
           </a:xfrm>
           <a:prstGeom prst="straightConnector1">
             <a:avLst/>
@@ -12218,7 +12338,7 @@
             </a:r>
             <a:r>
               <a:rPr lang="en-GB" dirty="0"/>
-              <a:t>method which allow to save/ recover object contents and </a:t>
+              <a:t>methods which allow to save/ recover object contents and </a:t>
             </a:r>
             <a:r>
               <a:rPr lang="en-GB" sz="2200" dirty="0">
@@ -12859,6 +12979,323 @@
 </file>
 
 <file path=ppt/slides/slide17.xml><?xml version="1.0" encoding="utf-8"?>
+<p:sld xmlns:a="http://schemas.openxmlformats.org/drawingml/2006/main" xmlns:r="http://schemas.openxmlformats.org/officeDocument/2006/relationships" xmlns:p="http://schemas.openxmlformats.org/presentationml/2006/main">
+  <p:cSld>
+    <p:spTree>
+      <p:nvGrpSpPr>
+        <p:cNvPr id="1" name=""/>
+        <p:cNvGrpSpPr/>
+        <p:nvPr/>
+      </p:nvGrpSpPr>
+      <p:grpSpPr>
+        <a:xfrm>
+          <a:off x="0" y="0"/>
+          <a:ext cx="0" cy="0"/>
+          <a:chOff x="0" y="0"/>
+          <a:chExt cx="0" cy="0"/>
+        </a:xfrm>
+      </p:grpSpPr>
+      <p:sp>
+        <p:nvSpPr>
+          <p:cNvPr id="2" name="Title 1">
+            <a:extLst>
+              <a:ext uri="{FF2B5EF4-FFF2-40B4-BE49-F238E27FC236}">
+                <a16:creationId xmlns:a16="http://schemas.microsoft.com/office/drawing/2014/main" id="{6177DD34-98C3-49BD-0D22-876F65272AB4}"/>
+              </a:ext>
+            </a:extLst>
+          </p:cNvPr>
+          <p:cNvSpPr>
+            <a:spLocks noGrp="1"/>
+          </p:cNvSpPr>
+          <p:nvPr>
+            <p:ph type="title"/>
+          </p:nvPr>
+        </p:nvSpPr>
+        <p:spPr/>
+        <p:txBody>
+          <a:bodyPr/>
+          <a:lstStyle/>
+          <a:p>
+            <a:r>
+              <a:rPr lang="en-GB" dirty="0" err="1"/>
+              <a:t>Hashable</a:t>
+            </a:r>
+            <a:r>
+              <a:rPr lang="en-GB" dirty="0"/>
+              <a:t>/serializable objects comparison:</a:t>
+            </a:r>
+          </a:p>
+        </p:txBody>
+      </p:sp>
+      <p:sp>
+        <p:nvSpPr>
+          <p:cNvPr id="3" name="Content Placeholder 2">
+            <a:extLst>
+              <a:ext uri="{FF2B5EF4-FFF2-40B4-BE49-F238E27FC236}">
+                <a16:creationId xmlns:a16="http://schemas.microsoft.com/office/drawing/2014/main" id="{BB6870A6-EA62-CF12-0EE4-EBF1AE57595D}"/>
+              </a:ext>
+            </a:extLst>
+          </p:cNvPr>
+          <p:cNvSpPr>
+            <a:spLocks noGrp="1"/>
+          </p:cNvSpPr>
+          <p:nvPr>
+            <p:ph idx="1"/>
+          </p:nvPr>
+        </p:nvSpPr>
+        <p:spPr>
+          <a:xfrm>
+            <a:off x="838200" y="1825625"/>
+            <a:ext cx="11076850" cy="4351338"/>
+          </a:xfrm>
+        </p:spPr>
+        <p:txBody>
+          <a:bodyPr>
+            <a:normAutofit fontScale="92500" lnSpcReduction="20000"/>
+          </a:bodyPr>
+          <a:lstStyle/>
+          <a:p>
+            <a:pPr marL="0" indent="0">
+              <a:buNone/>
+            </a:pPr>
+            <a:r>
+              <a:rPr lang="en-GB" dirty="0"/>
+              <a:t>s</a:t>
+            </a:r>
+            <a:r>
+              <a:rPr lang="en-GB"/>
+              <a:t>erializable</a:t>
+            </a:r>
+            <a:r>
+              <a:rPr lang="en-GB" dirty="0"/>
+              <a:t>:</a:t>
+            </a:r>
+            <a:endParaRPr lang="en-GB" dirty="0">
+              <a:solidFill>
+                <a:schemeClr val="accent6">
+                  <a:lumMod val="75000"/>
+                </a:schemeClr>
+              </a:solidFill>
+              <a:latin typeface="Courier New" panose="02070309020205020404" pitchFamily="49" charset="0"/>
+              <a:cs typeface="Courier New" panose="02070309020205020404" pitchFamily="49" charset="0"/>
+            </a:endParaRPr>
+          </a:p>
+          <a:p>
+            <a:r>
+              <a:rPr lang="en-GB" dirty="0" err="1">
+                <a:solidFill>
+                  <a:schemeClr val="accent6">
+                    <a:lumMod val="75000"/>
+                  </a:schemeClr>
+                </a:solidFill>
+                <a:latin typeface="Courier New" panose="02070309020205020404" pitchFamily="49" charset="0"/>
+                <a:cs typeface="Courier New" panose="02070309020205020404" pitchFamily="49" charset="0"/>
+              </a:rPr>
+              <a:t>equal_to_tol</a:t>
+            </a:r>
+            <a:r>
+              <a:rPr lang="en-GB" dirty="0"/>
+              <a:t>–</a:t>
+            </a:r>
+            <a:r>
+              <a:rPr lang="en-GB" dirty="0">
+                <a:latin typeface="+mj-lt"/>
+              </a:rPr>
+              <a:t> </a:t>
+            </a:r>
+            <a:r>
+              <a:rPr lang="en-GB" dirty="0">
+                <a:latin typeface="+mj-lt"/>
+                <a:cs typeface="Courier New" panose="02070309020205020404" pitchFamily="49" charset="0"/>
+              </a:rPr>
+              <a:t>compares values of </a:t>
+            </a:r>
+            <a:r>
+              <a:rPr lang="en-GB" dirty="0" err="1">
+                <a:solidFill>
+                  <a:schemeClr val="accent6">
+                    <a:lumMod val="75000"/>
+                  </a:schemeClr>
+                </a:solidFill>
+                <a:latin typeface="Courier New" panose="02070309020205020404" pitchFamily="49" charset="0"/>
+                <a:cs typeface="Courier New" panose="02070309020205020404" pitchFamily="49" charset="0"/>
+              </a:rPr>
+              <a:t>saveableFields</a:t>
+            </a:r>
+            <a:r>
+              <a:rPr lang="en-GB" dirty="0">
+                <a:solidFill>
+                  <a:schemeClr val="accent6">
+                    <a:lumMod val="75000"/>
+                  </a:schemeClr>
+                </a:solidFill>
+                <a:latin typeface="Courier New" panose="02070309020205020404" pitchFamily="49" charset="0"/>
+                <a:cs typeface="Courier New" panose="02070309020205020404" pitchFamily="49" charset="0"/>
+              </a:rPr>
+              <a:t>()</a:t>
+            </a:r>
+            <a:endParaRPr lang="en-GB" dirty="0"/>
+          </a:p>
+          <a:p>
+            <a:endParaRPr lang="en-GB" dirty="0">
+              <a:solidFill>
+                <a:schemeClr val="accent6">
+                  <a:lumMod val="75000"/>
+                </a:schemeClr>
+              </a:solidFill>
+              <a:latin typeface="Courier New" panose="02070309020205020404" pitchFamily="49" charset="0"/>
+              <a:cs typeface="Courier New" panose="02070309020205020404" pitchFamily="49" charset="0"/>
+            </a:endParaRPr>
+          </a:p>
+          <a:p>
+            <a:pPr marL="0" indent="0">
+              <a:buNone/>
+            </a:pPr>
+            <a:r>
+              <a:rPr lang="en-GB" dirty="0" err="1">
+                <a:cs typeface="Courier New" panose="02070309020205020404" pitchFamily="49" charset="0"/>
+              </a:rPr>
+              <a:t>hashable</a:t>
+            </a:r>
+            <a:r>
+              <a:rPr lang="en-GB" dirty="0">
+                <a:cs typeface="Courier New" panose="02070309020205020404" pitchFamily="49" charset="0"/>
+              </a:rPr>
+              <a:t>:</a:t>
+            </a:r>
+          </a:p>
+          <a:p>
+            <a:r>
+              <a:rPr lang="en-GB" dirty="0" err="1">
+                <a:solidFill>
+                  <a:schemeClr val="accent6">
+                    <a:lumMod val="75000"/>
+                  </a:schemeClr>
+                </a:solidFill>
+                <a:latin typeface="Courier New" panose="02070309020205020404" pitchFamily="49" charset="0"/>
+                <a:cs typeface="Courier New" panose="02070309020205020404" pitchFamily="49" charset="0"/>
+              </a:rPr>
+              <a:t>eq</a:t>
+            </a:r>
+            <a:r>
+              <a:rPr lang="en-GB" dirty="0">
+                <a:solidFill>
+                  <a:schemeClr val="accent6">
+                    <a:lumMod val="75000"/>
+                  </a:schemeClr>
+                </a:solidFill>
+                <a:latin typeface="Courier New" panose="02070309020205020404" pitchFamily="49" charset="0"/>
+                <a:cs typeface="Courier New" panose="02070309020205020404" pitchFamily="49" charset="0"/>
+              </a:rPr>
+              <a:t>/</a:t>
+            </a:r>
+            <a:r>
+              <a:rPr lang="en-GB" dirty="0" err="1">
+                <a:solidFill>
+                  <a:schemeClr val="accent6">
+                    <a:lumMod val="75000"/>
+                  </a:schemeClr>
+                </a:solidFill>
+                <a:latin typeface="Courier New" panose="02070309020205020404" pitchFamily="49" charset="0"/>
+                <a:cs typeface="Courier New" panose="02070309020205020404" pitchFamily="49" charset="0"/>
+              </a:rPr>
+              <a:t>neq</a:t>
+            </a:r>
+            <a:r>
+              <a:rPr lang="en-GB" dirty="0">
+                <a:solidFill>
+                  <a:schemeClr val="accent6">
+                    <a:lumMod val="75000"/>
+                  </a:schemeClr>
+                </a:solidFill>
+                <a:latin typeface="Courier New" panose="02070309020205020404" pitchFamily="49" charset="0"/>
+                <a:cs typeface="Courier New" panose="02070309020205020404" pitchFamily="49" charset="0"/>
+              </a:rPr>
+              <a:t>    </a:t>
+            </a:r>
+            <a:r>
+              <a:rPr lang="en-GB" dirty="0"/>
+              <a:t>	– compares hashes</a:t>
+            </a:r>
+          </a:p>
+          <a:p>
+            <a:endParaRPr lang="en-GB" dirty="0"/>
+          </a:p>
+          <a:p>
+            <a:r>
+              <a:rPr lang="en-GB" dirty="0" err="1">
+                <a:solidFill>
+                  <a:schemeClr val="accent6">
+                    <a:lumMod val="75000"/>
+                  </a:schemeClr>
+                </a:solidFill>
+                <a:latin typeface="Courier New" panose="02070309020205020404" pitchFamily="49" charset="0"/>
+                <a:cs typeface="Courier New" panose="02070309020205020404" pitchFamily="49" charset="0"/>
+              </a:rPr>
+              <a:t>equal_to_tol</a:t>
+            </a:r>
+            <a:r>
+              <a:rPr lang="en-GB" dirty="0"/>
+              <a:t>– compares hashes first and if fail, goes to serializable </a:t>
+            </a:r>
+            <a:r>
+              <a:rPr lang="en-GB" dirty="0" err="1">
+                <a:solidFill>
+                  <a:schemeClr val="accent6">
+                    <a:lumMod val="75000"/>
+                  </a:schemeClr>
+                </a:solidFill>
+                <a:latin typeface="Courier New" panose="02070309020205020404" pitchFamily="49" charset="0"/>
+                <a:cs typeface="Courier New" panose="02070309020205020404" pitchFamily="49" charset="0"/>
+              </a:rPr>
+              <a:t>equal_to_tol</a:t>
+            </a:r>
+            <a:endParaRPr lang="en-GB" dirty="0"/>
+          </a:p>
+          <a:p>
+            <a:endParaRPr lang="en-GB" dirty="0"/>
+          </a:p>
+          <a:p>
+            <a:r>
+              <a:rPr lang="en-GB" dirty="0" err="1">
+                <a:solidFill>
+                  <a:schemeClr val="accent6">
+                    <a:lumMod val="75000"/>
+                  </a:schemeClr>
+                </a:solidFill>
+                <a:latin typeface="Courier New" panose="02070309020205020404" pitchFamily="49" charset="0"/>
+                <a:cs typeface="Courier New" panose="02070309020205020404" pitchFamily="49" charset="0"/>
+              </a:rPr>
+              <a:t>isequal</a:t>
+            </a:r>
+            <a:r>
+              <a:rPr lang="en-GB" dirty="0">
+                <a:latin typeface="Courier New" panose="02070309020205020404" pitchFamily="49" charset="0"/>
+                <a:cs typeface="Courier New" panose="02070309020205020404" pitchFamily="49" charset="0"/>
+              </a:rPr>
+              <a:t> </a:t>
+            </a:r>
+            <a:r>
+              <a:rPr lang="en-GB" dirty="0"/>
+              <a:t>	– compares objects and their internal structure ignoring hashes even if present</a:t>
+            </a:r>
+          </a:p>
+        </p:txBody>
+      </p:sp>
+    </p:spTree>
+    <p:extLst>
+      <p:ext uri="{BB962C8B-B14F-4D97-AF65-F5344CB8AC3E}">
+        <p14:creationId xmlns:p14="http://schemas.microsoft.com/office/powerpoint/2010/main" val="2405111257"/>
+      </p:ext>
+    </p:extLst>
+  </p:cSld>
+  <p:clrMapOvr>
+    <a:masterClrMapping/>
+  </p:clrMapOvr>
+</p:sld>
+</file>
+
+<file path=ppt/slides/slide18.xml><?xml version="1.0" encoding="utf-8"?>
 <p:sld xmlns:a="http://schemas.openxmlformats.org/drawingml/2006/main" xmlns:r="http://schemas.openxmlformats.org/officeDocument/2006/relationships" xmlns:p="http://schemas.openxmlformats.org/presentationml/2006/main">
   <p:cSld>
     <p:spTree>
@@ -13290,7 +13727,7 @@
 </p:sld>
 </file>
 
-<file path=ppt/slides/slide18.xml><?xml version="1.0" encoding="utf-8"?>
+<file path=ppt/slides/slide19.xml><?xml version="1.0" encoding="utf-8"?>
 <p:sld xmlns:a="http://schemas.openxmlformats.org/drawingml/2006/main" xmlns:r="http://schemas.openxmlformats.org/officeDocument/2006/relationships" xmlns:p="http://schemas.openxmlformats.org/presentationml/2006/main">
   <p:cSld>
     <p:spTree>
@@ -13389,7 +13826,7 @@
             </a:r>
             <a:r>
               <a:rPr lang="en-GB" sz="2000" dirty="0"/>
-              <a:t>are mixed together, despite having different purposes</a:t>
+              <a:t>are mixed together, despite having different purposes.</a:t>
             </a:r>
             <a:endParaRPr lang="en-GB" sz="3600" dirty="0">
               <a:solidFill>
@@ -13415,12 +13852,194 @@
             <p:ph sz="half" idx="1"/>
           </p:nvPr>
         </p:nvSpPr>
-        <p:spPr/>
+        <p:spPr>
+          <a:xfrm>
+            <a:off x="907907" y="1690688"/>
+            <a:ext cx="9937779" cy="2176413"/>
+          </a:xfrm>
+          <a:ln w="25400">
+            <a:solidFill>
+              <a:srgbClr val="C00000"/>
+            </a:solidFill>
+          </a:ln>
+        </p:spPr>
         <p:txBody>
-          <a:bodyPr/>
+          <a:bodyPr>
+            <a:normAutofit/>
+          </a:bodyPr>
           <a:lstStyle/>
           <a:p>
-            <a:endParaRPr lang="en-GB"/>
+            <a:pPr marL="0" indent="0">
+              <a:buNone/>
+            </a:pPr>
+            <a:r>
+              <a:rPr lang="en-GB" sz="1900" b="0" i="0" dirty="0" err="1">
+                <a:effectLst/>
+                <a:latin typeface="Courier New" panose="02070309020205020404" pitchFamily="49" charset="0"/>
+                <a:cs typeface="Courier New" panose="02070309020205020404" pitchFamily="49" charset="0"/>
+              </a:rPr>
+              <a:t>glcont</a:t>
+            </a:r>
+            <a:r>
+              <a:rPr lang="en-GB" sz="1900" b="0" i="0" dirty="0">
+                <a:effectLst/>
+                <a:latin typeface="Courier New" panose="02070309020205020404" pitchFamily="49" charset="0"/>
+                <a:cs typeface="Courier New" panose="02070309020205020404" pitchFamily="49" charset="0"/>
+              </a:rPr>
+              <a:t> = </a:t>
+            </a:r>
+            <a:r>
+              <a:rPr lang="en-GB" sz="1900" b="0" i="0" dirty="0" err="1">
+                <a:effectLst/>
+                <a:latin typeface="Courier New" panose="02070309020205020404" pitchFamily="49" charset="0"/>
+                <a:cs typeface="Courier New" panose="02070309020205020404" pitchFamily="49" charset="0"/>
+              </a:rPr>
+              <a:t>self.global_container</a:t>
+            </a:r>
+            <a:r>
+              <a:rPr lang="en-GB" sz="1900" b="0" i="0" dirty="0">
+                <a:effectLst/>
+                <a:latin typeface="Courier New" panose="02070309020205020404" pitchFamily="49" charset="0"/>
+                <a:cs typeface="Courier New" panose="02070309020205020404" pitchFamily="49" charset="0"/>
+              </a:rPr>
+              <a:t>(</a:t>
+            </a:r>
+            <a:r>
+              <a:rPr lang="en-GB" sz="1900" b="0" i="0" dirty="0">
+                <a:solidFill>
+                  <a:srgbClr val="A709F5"/>
+                </a:solidFill>
+                <a:effectLst/>
+                <a:latin typeface="Courier New" panose="02070309020205020404" pitchFamily="49" charset="0"/>
+                <a:cs typeface="Courier New" panose="02070309020205020404" pitchFamily="49" charset="0"/>
+              </a:rPr>
+              <a:t>'value'</a:t>
+            </a:r>
+            <a:r>
+              <a:rPr lang="en-GB" sz="1900" b="0" i="0" dirty="0">
+                <a:effectLst/>
+                <a:latin typeface="Courier New" panose="02070309020205020404" pitchFamily="49" charset="0"/>
+                <a:cs typeface="Courier New" panose="02070309020205020404" pitchFamily="49" charset="0"/>
+              </a:rPr>
+              <a:t>, </a:t>
+            </a:r>
+            <a:r>
+              <a:rPr lang="en-GB" sz="1900" b="0" i="0" dirty="0" err="1">
+                <a:effectLst/>
+                <a:latin typeface="Courier New" panose="02070309020205020404" pitchFamily="49" charset="0"/>
+                <a:cs typeface="Courier New" panose="02070309020205020404" pitchFamily="49" charset="0"/>
+              </a:rPr>
+              <a:t>self.global_name</a:t>
+            </a:r>
+            <a:r>
+              <a:rPr lang="en-GB" sz="1900" b="0" i="0" dirty="0">
+                <a:effectLst/>
+                <a:latin typeface="Courier New" panose="02070309020205020404" pitchFamily="49" charset="0"/>
+                <a:cs typeface="Courier New" panose="02070309020205020404" pitchFamily="49" charset="0"/>
+              </a:rPr>
+              <a:t>_);</a:t>
+            </a:r>
+          </a:p>
+          <a:p>
+            <a:pPr marL="0" indent="0">
+              <a:buNone/>
+            </a:pPr>
+            <a:r>
+              <a:rPr lang="en-GB" sz="1900" dirty="0">
+                <a:latin typeface="Courier New" panose="02070309020205020404" pitchFamily="49" charset="0"/>
+                <a:cs typeface="Courier New" panose="02070309020205020404" pitchFamily="49" charset="0"/>
+              </a:rPr>
+              <a:t>…</a:t>
+            </a:r>
+          </a:p>
+          <a:p>
+            <a:pPr marL="0" indent="0">
+              <a:buNone/>
+            </a:pPr>
+            <a:r>
+              <a:rPr lang="en-GB" sz="1900" b="0" i="0" dirty="0">
+                <a:effectLst/>
+                <a:latin typeface="Courier New" panose="02070309020205020404" pitchFamily="49" charset="0"/>
+                <a:cs typeface="Courier New" panose="02070309020205020404" pitchFamily="49" charset="0"/>
+              </a:rPr>
+              <a:t>…</a:t>
+            </a:r>
+          </a:p>
+          <a:p>
+            <a:pPr marL="0" indent="0">
+              <a:buNone/>
+            </a:pPr>
+            <a:r>
+              <a:rPr lang="en-GB" sz="1900" dirty="0">
+                <a:latin typeface="Courier New" panose="02070309020205020404" pitchFamily="49" charset="0"/>
+                <a:cs typeface="Courier New" panose="02070309020205020404" pitchFamily="49" charset="0"/>
+              </a:rPr>
+              <a:t>…</a:t>
+            </a:r>
+            <a:endParaRPr lang="en-GB" sz="1900" b="0" i="0" dirty="0">
+              <a:effectLst/>
+              <a:latin typeface="Courier New" panose="02070309020205020404" pitchFamily="49" charset="0"/>
+              <a:cs typeface="Courier New" panose="02070309020205020404" pitchFamily="49" charset="0"/>
+            </a:endParaRPr>
+          </a:p>
+          <a:p>
+            <a:pPr marL="0" indent="0">
+              <a:buNone/>
+            </a:pPr>
+            <a:r>
+              <a:rPr lang="en-GB" sz="1900" b="0" i="0" dirty="0" err="1">
+                <a:effectLst/>
+                <a:latin typeface="Courier New" panose="02070309020205020404" pitchFamily="49" charset="0"/>
+                <a:cs typeface="Courier New" panose="02070309020205020404" pitchFamily="49" charset="0"/>
+              </a:rPr>
+              <a:t>self.global_container</a:t>
+            </a:r>
+            <a:r>
+              <a:rPr lang="en-GB" sz="1900" b="0" i="0" dirty="0">
+                <a:effectLst/>
+                <a:latin typeface="Courier New" panose="02070309020205020404" pitchFamily="49" charset="0"/>
+                <a:cs typeface="Courier New" panose="02070309020205020404" pitchFamily="49" charset="0"/>
+              </a:rPr>
+              <a:t>(</a:t>
+            </a:r>
+            <a:r>
+              <a:rPr lang="en-GB" sz="1900" b="0" i="0" dirty="0">
+                <a:solidFill>
+                  <a:srgbClr val="A709F5"/>
+                </a:solidFill>
+                <a:effectLst/>
+                <a:latin typeface="Courier New" panose="02070309020205020404" pitchFamily="49" charset="0"/>
+                <a:cs typeface="Courier New" panose="02070309020205020404" pitchFamily="49" charset="0"/>
+              </a:rPr>
+              <a:t>'reset'</a:t>
+            </a:r>
+            <a:r>
+              <a:rPr lang="en-GB" sz="1900" b="0" i="0" dirty="0">
+                <a:effectLst/>
+                <a:latin typeface="Courier New" panose="02070309020205020404" pitchFamily="49" charset="0"/>
+                <a:cs typeface="Courier New" panose="02070309020205020404" pitchFamily="49" charset="0"/>
+              </a:rPr>
+              <a:t>,self.global_name_,</a:t>
+            </a:r>
+            <a:r>
+              <a:rPr lang="en-GB" sz="1900" b="0" i="0" dirty="0" err="1">
+                <a:effectLst/>
+                <a:latin typeface="Courier New" panose="02070309020205020404" pitchFamily="49" charset="0"/>
+                <a:cs typeface="Courier New" panose="02070309020205020404" pitchFamily="49" charset="0"/>
+              </a:rPr>
+              <a:t>glcont</a:t>
+            </a:r>
+            <a:r>
+              <a:rPr lang="en-GB" sz="1900" b="0" i="0" dirty="0">
+                <a:effectLst/>
+                <a:latin typeface="Courier New" panose="02070309020205020404" pitchFamily="49" charset="0"/>
+                <a:cs typeface="Courier New" panose="02070309020205020404" pitchFamily="49" charset="0"/>
+              </a:rPr>
+              <a:t>);</a:t>
+            </a:r>
+          </a:p>
+          <a:p>
+            <a:endParaRPr lang="en-GB" dirty="0"/>
           </a:p>
         </p:txBody>
       </p:sp>
@@ -13440,170 +14059,11 @@
             <p:ph sz="half" idx="2"/>
           </p:nvPr>
         </p:nvSpPr>
-        <p:spPr/>
-        <p:txBody>
-          <a:bodyPr/>
-          <a:lstStyle/>
-          <a:p>
-            <a:endParaRPr lang="en-GB"/>
-          </a:p>
-        </p:txBody>
-      </p:sp>
-    </p:spTree>
-    <p:extLst>
-      <p:ext uri="{BB962C8B-B14F-4D97-AF65-F5344CB8AC3E}">
-        <p14:creationId xmlns:p14="http://schemas.microsoft.com/office/powerpoint/2010/main" val="34684478"/>
-      </p:ext>
-    </p:extLst>
-  </p:cSld>
-  <p:clrMapOvr>
-    <a:masterClrMapping/>
-  </p:clrMapOvr>
-</p:sld>
-</file>
-
-<file path=ppt/slides/slide19.xml><?xml version="1.0" encoding="utf-8"?>
-<p:sld xmlns:a="http://schemas.openxmlformats.org/drawingml/2006/main" xmlns:r="http://schemas.openxmlformats.org/officeDocument/2006/relationships" xmlns:p="http://schemas.openxmlformats.org/presentationml/2006/main">
-  <p:cSld>
-    <p:spTree>
-      <p:nvGrpSpPr>
-        <p:cNvPr id="1" name=""/>
-        <p:cNvGrpSpPr/>
-        <p:nvPr/>
-      </p:nvGrpSpPr>
-      <p:grpSpPr>
-        <a:xfrm>
-          <a:off x="0" y="0"/>
-          <a:ext cx="0" cy="0"/>
-          <a:chOff x="0" y="0"/>
-          <a:chExt cx="0" cy="0"/>
-        </a:xfrm>
-      </p:grpSpPr>
-      <p:sp>
-        <p:nvSpPr>
-          <p:cNvPr id="2" name="Title 1">
-            <a:extLst>
-              <a:ext uri="{FF2B5EF4-FFF2-40B4-BE49-F238E27FC236}">
-                <a16:creationId xmlns:a16="http://schemas.microsoft.com/office/drawing/2014/main" id="{35D1068B-662D-0D1D-343A-C9860324419D}"/>
-              </a:ext>
-            </a:extLst>
-          </p:cNvPr>
-          <p:cNvSpPr>
-            <a:spLocks noGrp="1"/>
-          </p:cNvSpPr>
-          <p:nvPr>
-            <p:ph type="title"/>
-          </p:nvPr>
-        </p:nvSpPr>
         <p:spPr>
           <a:xfrm>
-            <a:off x="870691" y="6720"/>
-            <a:ext cx="10515600" cy="1325563"/>
-          </a:xfrm>
-        </p:spPr>
-        <p:txBody>
-          <a:bodyPr/>
-          <a:lstStyle/>
-          <a:p>
-            <a:r>
-              <a:rPr lang="en-GB" dirty="0"/>
-              <a:t>Suggested solution in progress:</a:t>
-            </a:r>
-          </a:p>
-        </p:txBody>
-      </p:sp>
-      <p:pic>
-        <p:nvPicPr>
-          <p:cNvPr id="7" name="Picture 6" descr="A black screen with white text&#10;&#10;Description automatically generated">
-            <a:extLst>
-              <a:ext uri="{FF2B5EF4-FFF2-40B4-BE49-F238E27FC236}">
-                <a16:creationId xmlns:a16="http://schemas.microsoft.com/office/drawing/2014/main" id="{4449528F-3959-EB74-A067-5F40F6ACCA8F}"/>
-              </a:ext>
-            </a:extLst>
-          </p:cNvPr>
-          <p:cNvPicPr>
-            <a:picLocks noChangeAspect="1"/>
-          </p:cNvPicPr>
-          <p:nvPr/>
-        </p:nvPicPr>
-        <p:blipFill>
-          <a:blip r:embed="rId2">
-            <a:extLst>
-              <a:ext uri="{28A0092B-C50C-407E-A947-70E740481C1C}">
-                <a14:useLocalDpi xmlns:a14="http://schemas.microsoft.com/office/drawing/2010/main" val="0"/>
-              </a:ext>
-            </a:extLst>
-          </a:blip>
-          <a:stretch>
-            <a:fillRect/>
-          </a:stretch>
-        </p:blipFill>
-        <p:spPr>
-          <a:xfrm>
-            <a:off x="5727210" y="1548646"/>
-            <a:ext cx="6305550" cy="4133850"/>
-          </a:xfrm>
-          <a:prstGeom prst="rect">
-            <a:avLst/>
-          </a:prstGeom>
-        </p:spPr>
-      </p:pic>
-      <p:pic>
-        <p:nvPicPr>
-          <p:cNvPr id="11" name="Content Placeholder 10" descr="A screenshot of a computer&#10;&#10;Description automatically generated">
-            <a:extLst>
-              <a:ext uri="{FF2B5EF4-FFF2-40B4-BE49-F238E27FC236}">
-                <a16:creationId xmlns:a16="http://schemas.microsoft.com/office/drawing/2014/main" id="{F3210451-13B1-3349-8762-F33DC77D2CDF}"/>
-              </a:ext>
-            </a:extLst>
-          </p:cNvPr>
-          <p:cNvPicPr>
-            <a:picLocks noGrp="1" noChangeAspect="1"/>
-          </p:cNvPicPr>
-          <p:nvPr>
-            <p:ph idx="1"/>
-          </p:nvPr>
-        </p:nvPicPr>
-        <p:blipFill>
-          <a:blip r:embed="rId3">
-            <a:extLst>
-              <a:ext uri="{28A0092B-C50C-407E-A947-70E740481C1C}">
-                <a14:useLocalDpi xmlns:a14="http://schemas.microsoft.com/office/drawing/2010/main" val="0"/>
-              </a:ext>
-            </a:extLst>
-          </a:blip>
-          <a:stretch>
-            <a:fillRect/>
-          </a:stretch>
-        </p:blipFill>
-        <p:spPr>
-          <a:xfrm>
-            <a:off x="216978" y="1401004"/>
-            <a:ext cx="5374227" cy="4351338"/>
-          </a:xfrm>
-        </p:spPr>
-      </p:pic>
-      <p:sp>
-        <p:nvSpPr>
-          <p:cNvPr id="12" name="TextBox 11">
-            <a:extLst>
-              <a:ext uri="{FF2B5EF4-FFF2-40B4-BE49-F238E27FC236}">
-                <a16:creationId xmlns:a16="http://schemas.microsoft.com/office/drawing/2014/main" id="{BC38D77C-59ED-1FE6-E8B9-C61D0C5FBB0B}"/>
-              </a:ext>
-            </a:extLst>
-          </p:cNvPr>
-          <p:cNvSpPr txBox="1"/>
-          <p:nvPr/>
-        </p:nvSpPr>
-        <p:spPr>
-          <a:xfrm>
-            <a:off x="4335860" y="1059134"/>
-            <a:ext cx="3652376" cy="1477328"/>
-          </a:xfrm>
-          <a:prstGeom prst="rect">
-            <a:avLst/>
-          </a:prstGeom>
-          <a:noFill/>
+            <a:off x="907906" y="4231766"/>
+            <a:ext cx="9937779" cy="2401116"/>
+          </a:xfrm>
           <a:ln w="25400">
             <a:solidFill>
               <a:srgbClr val="00B050"/>
@@ -13611,17 +14071,194 @@
           </a:ln>
         </p:spPr>
         <p:txBody>
-          <a:bodyPr wrap="square" rtlCol="0">
-            <a:spAutoFit/>
+          <a:bodyPr>
+            <a:normAutofit/>
           </a:bodyPr>
           <a:lstStyle/>
           <a:p>
-            <a:r>
-              <a:rPr lang="en-GB" dirty="0"/>
-              <a:t>Move 50% of common code here between </a:t>
-            </a:r>
+            <a:pPr marL="0" indent="0">
+              <a:buNone/>
+            </a:pPr>
+            <a:r>
+              <a:rPr lang="en-GB" sz="1900" dirty="0">
+                <a:latin typeface="Courier New" panose="02070309020205020404" pitchFamily="49" charset="0"/>
+                <a:cs typeface="Courier New" panose="02070309020205020404" pitchFamily="49" charset="0"/>
+              </a:rPr>
+              <a:t>storage = </a:t>
+            </a:r>
+            <a:r>
+              <a:rPr lang="en-GB" sz="1900" dirty="0" err="1">
+                <a:latin typeface="Courier New" panose="02070309020205020404" pitchFamily="49" charset="0"/>
+                <a:cs typeface="Courier New" panose="02070309020205020404" pitchFamily="49" charset="0"/>
+              </a:rPr>
+              <a:t>unique_obj_store.instance</a:t>
+            </a:r>
+            <a:r>
+              <a:rPr lang="en-GB" sz="1900" dirty="0">
+                <a:latin typeface="Courier New" panose="02070309020205020404" pitchFamily="49" charset="0"/>
+                <a:cs typeface="Courier New" panose="02070309020205020404" pitchFamily="49" charset="0"/>
+              </a:rPr>
+              <a:t>().</a:t>
+            </a:r>
+            <a:r>
+              <a:rPr lang="en-GB" sz="1900" b="1" dirty="0" err="1">
+                <a:latin typeface="Courier New" panose="02070309020205020404" pitchFamily="49" charset="0"/>
+                <a:cs typeface="Courier New" panose="02070309020205020404" pitchFamily="49" charset="0"/>
+              </a:rPr>
+              <a:t>get_objects</a:t>
+            </a:r>
+            <a:r>
+              <a:rPr lang="en-GB" sz="1900" dirty="0">
+                <a:latin typeface="Courier New" panose="02070309020205020404" pitchFamily="49" charset="0"/>
+                <a:cs typeface="Courier New" panose="02070309020205020404" pitchFamily="49" charset="0"/>
+              </a:rPr>
+              <a:t>(</a:t>
+            </a:r>
+            <a:r>
+              <a:rPr lang="en-GB" sz="1900" dirty="0" err="1">
+                <a:latin typeface="Courier New" panose="02070309020205020404" pitchFamily="49" charset="0"/>
+                <a:cs typeface="Courier New" panose="02070309020205020404" pitchFamily="49" charset="0"/>
+              </a:rPr>
+              <a:t>self.basename</a:t>
+            </a:r>
+            <a:r>
+              <a:rPr lang="en-GB" sz="1900" dirty="0">
+                <a:latin typeface="Courier New" panose="02070309020205020404" pitchFamily="49" charset="0"/>
+                <a:cs typeface="Courier New" panose="02070309020205020404" pitchFamily="49" charset="0"/>
+              </a:rPr>
+              <a:t>)</a:t>
+            </a:r>
+          </a:p>
+          <a:p>
+            <a:pPr marL="0" indent="0">
+              <a:buNone/>
+            </a:pPr>
+            <a:r>
+              <a:rPr lang="en-GB" sz="1900" dirty="0">
+                <a:latin typeface="Courier New" panose="02070309020205020404" pitchFamily="49" charset="0"/>
+                <a:cs typeface="Courier New" panose="02070309020205020404" pitchFamily="49" charset="0"/>
+              </a:rPr>
+              <a:t>…</a:t>
+            </a:r>
+          </a:p>
+          <a:p>
+            <a:pPr marL="0" indent="0">
+              <a:buNone/>
+            </a:pPr>
+            <a:r>
+              <a:rPr lang="en-GB" sz="1900" dirty="0">
+                <a:latin typeface="Courier New" panose="02070309020205020404" pitchFamily="49" charset="0"/>
+                <a:cs typeface="Courier New" panose="02070309020205020404" pitchFamily="49" charset="0"/>
+              </a:rPr>
+              <a:t>…</a:t>
+            </a:r>
+          </a:p>
+          <a:p>
+            <a:pPr marL="0" indent="0">
+              <a:buNone/>
+            </a:pPr>
+            <a:r>
+              <a:rPr lang="en-GB" sz="1900" dirty="0">
+                <a:latin typeface="Courier New" panose="02070309020205020404" pitchFamily="49" charset="0"/>
+                <a:cs typeface="Courier New" panose="02070309020205020404" pitchFamily="49" charset="0"/>
+              </a:rPr>
+              <a:t>…</a:t>
+            </a:r>
+          </a:p>
+          <a:p>
+            <a:pPr marL="0" indent="0">
+              <a:buNone/>
+            </a:pPr>
+            <a:r>
+              <a:rPr lang="en-GB" sz="1900" dirty="0" err="1">
+                <a:latin typeface="Courier New" panose="02070309020205020404" pitchFamily="49" charset="0"/>
+                <a:cs typeface="Courier New" panose="02070309020205020404" pitchFamily="49" charset="0"/>
+              </a:rPr>
+              <a:t>unique_obj_store.instance</a:t>
+            </a:r>
+            <a:r>
+              <a:rPr lang="en-GB" sz="1900" dirty="0">
+                <a:latin typeface="Courier New" panose="02070309020205020404" pitchFamily="49" charset="0"/>
+                <a:cs typeface="Courier New" panose="02070309020205020404" pitchFamily="49" charset="0"/>
+              </a:rPr>
+              <a:t>().</a:t>
+            </a:r>
+            <a:r>
+              <a:rPr lang="en-GB" sz="1900" b="1" dirty="0" err="1">
+                <a:latin typeface="Courier New" panose="02070309020205020404" pitchFamily="49" charset="0"/>
+                <a:cs typeface="Courier New" panose="02070309020205020404" pitchFamily="49" charset="0"/>
+              </a:rPr>
+              <a:t>set_objects</a:t>
+            </a:r>
+            <a:r>
+              <a:rPr lang="en-GB" sz="1900" dirty="0">
+                <a:latin typeface="Courier New" panose="02070309020205020404" pitchFamily="49" charset="0"/>
+                <a:cs typeface="Courier New" panose="02070309020205020404" pitchFamily="49" charset="0"/>
+              </a:rPr>
+              <a:t>(storage);</a:t>
+            </a:r>
+          </a:p>
+        </p:txBody>
+      </p:sp>
+      <p:sp>
+        <p:nvSpPr>
+          <p:cNvPr id="3" name="Rectangle 2">
+            <a:extLst>
+              <a:ext uri="{FF2B5EF4-FFF2-40B4-BE49-F238E27FC236}">
+                <a16:creationId xmlns:a16="http://schemas.microsoft.com/office/drawing/2014/main" id="{75ECFA10-50C7-5958-43CF-2021984F0DF9}"/>
+              </a:ext>
+            </a:extLst>
+          </p:cNvPr>
+          <p:cNvSpPr/>
+          <p:nvPr/>
+        </p:nvSpPr>
+        <p:spPr>
+          <a:xfrm>
+            <a:off x="7463736" y="2203967"/>
+            <a:ext cx="4344560" cy="812284"/>
+          </a:xfrm>
+          <a:prstGeom prst="rect">
+            <a:avLst/>
+          </a:prstGeom>
+          <a:solidFill>
+            <a:schemeClr val="bg1"/>
+          </a:solidFill>
+          <a:ln>
+            <a:solidFill>
+              <a:srgbClr val="0070C0"/>
+            </a:solidFill>
+          </a:ln>
+        </p:spPr>
+        <p:style>
+          <a:lnRef idx="2">
+            <a:schemeClr val="accent1">
+              <a:shade val="15000"/>
+            </a:schemeClr>
+          </a:lnRef>
+          <a:fillRef idx="1">
+            <a:schemeClr val="accent1"/>
+          </a:fillRef>
+          <a:effectRef idx="0">
+            <a:schemeClr val="accent1"/>
+          </a:effectRef>
+          <a:fontRef idx="minor">
+            <a:schemeClr val="lt1"/>
+          </a:fontRef>
+        </p:style>
+        <p:txBody>
+          <a:bodyPr rtlCol="0" anchor="ctr"/>
+          <a:lstStyle/>
+          <a:p>
             <a:r>
               <a:rPr lang="en-GB" dirty="0">
+                <a:solidFill>
+                  <a:schemeClr val="tx1"/>
+                </a:solidFill>
+              </a:rPr>
+              <a:t>Fields of the structure within static function in: </a:t>
+            </a:r>
+            <a:r>
+              <a:rPr lang="en-GB" dirty="0" err="1">
                 <a:solidFill>
                   <a:schemeClr val="accent6">
                     <a:lumMod val="75000"/>
@@ -13630,97 +14267,43 @@
                 <a:latin typeface="Courier New" panose="02070309020205020404" pitchFamily="49" charset="0"/>
                 <a:cs typeface="Courier New" panose="02070309020205020404" pitchFamily="49" charset="0"/>
               </a:rPr>
-              <a:t>references</a:t>
-            </a:r>
-            <a:r>
-              <a:rPr lang="en-GB" dirty="0">
-                <a:latin typeface="Courier New" panose="02070309020205020404" pitchFamily="49" charset="0"/>
-                <a:cs typeface="Courier New" panose="02070309020205020404" pitchFamily="49" charset="0"/>
-              </a:rPr>
-              <a:t> </a:t>
-            </a:r>
-            <a:r>
-              <a:rPr lang="en-GB" dirty="0"/>
-              <a:t>and </a:t>
-            </a:r>
-            <a:r>
-              <a:rPr lang="en-GB" dirty="0">
-                <a:solidFill>
-                  <a:schemeClr val="accent6">
-                    <a:lumMod val="75000"/>
-                  </a:schemeClr>
-                </a:solidFill>
-                <a:latin typeface="Courier New" panose="02070309020205020404" pitchFamily="49" charset="0"/>
-                <a:cs typeface="Courier New" panose="02070309020205020404" pitchFamily="49" charset="0"/>
-              </a:rPr>
-              <a:t>objects</a:t>
-            </a:r>
-            <a:r>
-              <a:rPr lang="en-GB" dirty="0"/>
-              <a:t> and 90% of code between </a:t>
-            </a:r>
-            <a:r>
-              <a:rPr lang="en-GB" dirty="0" err="1">
-                <a:solidFill>
-                  <a:schemeClr val="accent6">
-                    <a:lumMod val="75000"/>
-                  </a:schemeClr>
-                </a:solidFill>
-                <a:latin typeface="Courier New" panose="02070309020205020404" pitchFamily="49" charset="0"/>
-                <a:cs typeface="Courier New" panose="02070309020205020404" pitchFamily="49" charset="0"/>
-              </a:rPr>
-              <a:t>only_obj</a:t>
-            </a:r>
-            <a:r>
-              <a:rPr lang="en-GB" dirty="0">
-                <a:latin typeface="Courier New" panose="02070309020205020404" pitchFamily="49" charset="0"/>
-                <a:cs typeface="Courier New" panose="02070309020205020404" pitchFamily="49" charset="0"/>
-              </a:rPr>
-              <a:t> </a:t>
-            </a:r>
-            <a:r>
-              <a:rPr lang="en-GB" dirty="0"/>
-              <a:t>and </a:t>
-            </a:r>
-            <a:r>
-              <a:rPr lang="en-GB" dirty="0">
-                <a:solidFill>
-                  <a:schemeClr val="accent6">
-                    <a:lumMod val="75000"/>
-                  </a:schemeClr>
-                </a:solidFill>
-                <a:latin typeface="Courier New" panose="02070309020205020404" pitchFamily="49" charset="0"/>
-                <a:cs typeface="Courier New" panose="02070309020205020404" pitchFamily="49" charset="0"/>
-              </a:rPr>
-              <a:t>objects</a:t>
-            </a:r>
+              <a:t>unique_references_container</a:t>
+            </a:r>
+            <a:endParaRPr lang="en-GB" dirty="0">
+              <a:solidFill>
+                <a:schemeClr val="accent6">
+                  <a:lumMod val="75000"/>
+                </a:schemeClr>
+              </a:solidFill>
+              <a:latin typeface="Courier New" panose="02070309020205020404" pitchFamily="49" charset="0"/>
+              <a:cs typeface="Courier New" panose="02070309020205020404" pitchFamily="49" charset="0"/>
+            </a:endParaRPr>
           </a:p>
         </p:txBody>
       </p:sp>
       <p:cxnSp>
         <p:nvCxnSpPr>
-          <p:cNvPr id="14" name="Connector: Elbow 13">
-            <a:extLst>
-              <a:ext uri="{FF2B5EF4-FFF2-40B4-BE49-F238E27FC236}">
-                <a16:creationId xmlns:a16="http://schemas.microsoft.com/office/drawing/2014/main" id="{D48B4E6C-3EBD-E80E-6777-F919605A6F62}"/>
+          <p:cNvPr id="6" name="Connector: Elbow 5">
+            <a:extLst>
+              <a:ext uri="{FF2B5EF4-FFF2-40B4-BE49-F238E27FC236}">
+                <a16:creationId xmlns:a16="http://schemas.microsoft.com/office/drawing/2014/main" id="{FCB491E9-A27C-BD42-EDD9-874C8DD6AB09}"/>
               </a:ext>
             </a:extLst>
           </p:cNvPr>
           <p:cNvCxnSpPr>
             <a:cxnSpLocks/>
-            <a:stCxn id="12" idx="2"/>
+            <a:stCxn id="3" idx="1"/>
           </p:cNvCxnSpPr>
           <p:nvPr/>
         </p:nvCxnSpPr>
         <p:spPr>
-          <a:xfrm rot="5400000" flipH="1">
-            <a:off x="4687765" y="1062180"/>
-            <a:ext cx="230629" cy="2717936"/>
-          </a:xfrm>
-          <a:prstGeom prst="bentConnector4">
+          <a:xfrm rot="10800000">
+            <a:off x="5959852" y="2055355"/>
+            <a:ext cx="1503884" cy="554754"/>
+          </a:xfrm>
+          <a:prstGeom prst="bentConnector3">
             <a:avLst>
-              <a:gd name="adj1" fmla="val -80535"/>
-              <a:gd name="adj2" fmla="val 83595"/>
+              <a:gd name="adj1" fmla="val 100000"/>
             </a:avLst>
           </a:prstGeom>
           <a:ln>
@@ -13744,28 +14327,26 @@
       </p:cxnSp>
       <p:cxnSp>
         <p:nvCxnSpPr>
-          <p:cNvPr id="16" name="Connector: Elbow 15">
-            <a:extLst>
-              <a:ext uri="{FF2B5EF4-FFF2-40B4-BE49-F238E27FC236}">
-                <a16:creationId xmlns:a16="http://schemas.microsoft.com/office/drawing/2014/main" id="{8685C119-6ABD-D39D-31D3-DC94136DC420}"/>
+          <p:cNvPr id="12" name="Connector: Elbow 11">
+            <a:extLst>
+              <a:ext uri="{FF2B5EF4-FFF2-40B4-BE49-F238E27FC236}">
+                <a16:creationId xmlns:a16="http://schemas.microsoft.com/office/drawing/2014/main" id="{03168BEE-FE76-55C5-0FFC-254EF91A8AA1}"/>
               </a:ext>
             </a:extLst>
           </p:cNvPr>
           <p:cNvCxnSpPr>
             <a:cxnSpLocks/>
-            <a:stCxn id="11" idx="2"/>
           </p:cNvCxnSpPr>
           <p:nvPr/>
         </p:nvCxnSpPr>
         <p:spPr>
-          <a:xfrm rot="5400000" flipH="1" flipV="1">
-            <a:off x="5998231" y="572982"/>
-            <a:ext cx="2085220" cy="8273499"/>
-          </a:xfrm>
-          <a:prstGeom prst="bentConnector4">
+          <a:xfrm rot="10800000" flipV="1">
+            <a:off x="4572000" y="2610108"/>
+            <a:ext cx="2891736" cy="613065"/>
+          </a:xfrm>
+          <a:prstGeom prst="bentConnector3">
             <a:avLst>
-              <a:gd name="adj1" fmla="val -10963"/>
-              <a:gd name="adj2" fmla="val 100029"/>
+              <a:gd name="adj1" fmla="val 100080"/>
             </a:avLst>
           </a:prstGeom>
           <a:ln>
@@ -13789,20 +14370,20 @@
       </p:cxnSp>
       <p:sp>
         <p:nvSpPr>
-          <p:cNvPr id="20" name="TextBox 19">
-            <a:extLst>
-              <a:ext uri="{FF2B5EF4-FFF2-40B4-BE49-F238E27FC236}">
-                <a16:creationId xmlns:a16="http://schemas.microsoft.com/office/drawing/2014/main" id="{6A900DB8-F807-F119-37E3-126263CB6DA3}"/>
-              </a:ext>
-            </a:extLst>
-          </p:cNvPr>
-          <p:cNvSpPr txBox="1"/>
+          <p:cNvPr id="21" name="Rectangle 20">
+            <a:extLst>
+              <a:ext uri="{FF2B5EF4-FFF2-40B4-BE49-F238E27FC236}">
+                <a16:creationId xmlns:a16="http://schemas.microsoft.com/office/drawing/2014/main" id="{0F2144C7-FFBA-B1AB-E67D-9DC98DB6B118}"/>
+              </a:ext>
+            </a:extLst>
+          </p:cNvPr>
+          <p:cNvSpPr/>
           <p:nvPr/>
         </p:nvSpPr>
         <p:spPr>
           <a:xfrm>
-            <a:off x="8375186" y="5261800"/>
-            <a:ext cx="1943698" cy="646331"/>
+            <a:off x="7889991" y="4786522"/>
+            <a:ext cx="3987926" cy="812284"/>
           </a:xfrm>
           <a:prstGeom prst="rect">
             <a:avLst/>
@@ -13810,45 +14391,93 @@
           <a:solidFill>
             <a:schemeClr val="bg1"/>
           </a:solidFill>
-          <a:ln w="25400">
+          <a:ln>
             <a:solidFill>
-              <a:srgbClr val="00B050"/>
+              <a:srgbClr val="0070C0"/>
             </a:solidFill>
           </a:ln>
         </p:spPr>
+        <p:style>
+          <a:lnRef idx="2">
+            <a:schemeClr val="accent1">
+              <a:shade val="15000"/>
+            </a:schemeClr>
+          </a:lnRef>
+          <a:fillRef idx="1">
+            <a:schemeClr val="accent1"/>
+          </a:fillRef>
+          <a:effectRef idx="0">
+            <a:schemeClr val="accent1"/>
+          </a:effectRef>
+          <a:fontRef idx="minor">
+            <a:schemeClr val="lt1"/>
+          </a:fontRef>
+        </p:style>
         <p:txBody>
-          <a:bodyPr wrap="square" rtlCol="0">
-            <a:spAutoFit/>
-          </a:bodyPr>
+          <a:bodyPr rtlCol="0" anchor="ctr"/>
           <a:lstStyle/>
           <a:p>
             <a:r>
-              <a:rPr lang="en-GB" dirty="0"/>
-              <a:t>Use common storage singleton</a:t>
-            </a:r>
+              <a:rPr lang="en-GB" dirty="0">
+                <a:solidFill>
+                  <a:schemeClr val="tx1"/>
+                </a:solidFill>
+              </a:rPr>
+              <a:t>Methods of standard singleton class:</a:t>
+            </a:r>
+          </a:p>
+          <a:p>
+            <a:r>
+              <a:rPr lang="en-GB" dirty="0" err="1">
+                <a:solidFill>
+                  <a:schemeClr val="accent6">
+                    <a:lumMod val="75000"/>
+                  </a:schemeClr>
+                </a:solidFill>
+                <a:latin typeface="Courier New" panose="02070309020205020404" pitchFamily="49" charset="0"/>
+                <a:cs typeface="Courier New" panose="02070309020205020404" pitchFamily="49" charset="0"/>
+              </a:rPr>
+              <a:t>unique_obj_store</a:t>
+            </a:r>
+            <a:endParaRPr lang="en-GB" dirty="0">
+              <a:solidFill>
+                <a:schemeClr val="accent6">
+                  <a:lumMod val="75000"/>
+                </a:schemeClr>
+              </a:solidFill>
+              <a:latin typeface="Courier New" panose="02070309020205020404" pitchFamily="49" charset="0"/>
+              <a:cs typeface="Courier New" panose="02070309020205020404" pitchFamily="49" charset="0"/>
+            </a:endParaRPr>
           </a:p>
         </p:txBody>
       </p:sp>
-      <p:sp>
-        <p:nvSpPr>
-          <p:cNvPr id="25" name="Left Brace 24">
-            <a:extLst>
-              <a:ext uri="{FF2B5EF4-FFF2-40B4-BE49-F238E27FC236}">
-                <a16:creationId xmlns:a16="http://schemas.microsoft.com/office/drawing/2014/main" id="{0014F374-38E5-B6EC-E33A-B3932EE28FFC}"/>
-              </a:ext>
-            </a:extLst>
-          </p:cNvPr>
-          <p:cNvSpPr/>
-          <p:nvPr/>
-        </p:nvSpPr>
-        <p:spPr>
-          <a:xfrm rot="16200000">
-            <a:off x="2460752" y="3713851"/>
-            <a:ext cx="507066" cy="4444358"/>
-          </a:xfrm>
-          <a:prstGeom prst="leftBrace">
-            <a:avLst/>
-          </a:prstGeom>
+      <p:cxnSp>
+        <p:nvCxnSpPr>
+          <p:cNvPr id="22" name="Connector: Elbow 21">
+            <a:extLst>
+              <a:ext uri="{FF2B5EF4-FFF2-40B4-BE49-F238E27FC236}">
+                <a16:creationId xmlns:a16="http://schemas.microsoft.com/office/drawing/2014/main" id="{A489B00F-1697-8088-825B-FCE8BC7356F1}"/>
+              </a:ext>
+            </a:extLst>
+          </p:cNvPr>
+          <p:cNvCxnSpPr>
+            <a:cxnSpLocks/>
+          </p:cNvCxnSpPr>
+          <p:nvPr/>
+        </p:nvCxnSpPr>
+        <p:spPr>
+          <a:xfrm rot="10800000">
+            <a:off x="6665373" y="4609133"/>
+            <a:ext cx="1224618" cy="607484"/>
+          </a:xfrm>
+          <a:prstGeom prst="bentConnector3">
+            <a:avLst>
+              <a:gd name="adj1" fmla="val 100410"/>
+            </a:avLst>
+          </a:prstGeom>
+          <a:ln>
+            <a:tailEnd type="triangle"/>
+          </a:ln>
         </p:spPr>
         <p:style>
           <a:lnRef idx="2">
@@ -13864,61 +14493,54 @@
             <a:schemeClr val="tx1"/>
           </a:fontRef>
         </p:style>
-        <p:txBody>
-          <a:bodyPr rtlCol="0" anchor="ctr"/>
-          <a:lstStyle/>
-          <a:p>
-            <a:pPr algn="ctr"/>
-            <a:endParaRPr lang="en-GB"/>
-          </a:p>
-        </p:txBody>
-      </p:sp>
-      <p:sp>
-        <p:nvSpPr>
-          <p:cNvPr id="26" name="TextBox 25">
-            <a:extLst>
-              <a:ext uri="{FF2B5EF4-FFF2-40B4-BE49-F238E27FC236}">
-                <a16:creationId xmlns:a16="http://schemas.microsoft.com/office/drawing/2014/main" id="{80F25323-6A1F-F3A3-A3CC-DCD9D4E2B3D9}"/>
-              </a:ext>
-            </a:extLst>
-          </p:cNvPr>
-          <p:cNvSpPr txBox="1"/>
-          <p:nvPr/>
-        </p:nvSpPr>
-        <p:spPr>
-          <a:xfrm>
-            <a:off x="1750843" y="6198631"/>
-            <a:ext cx="1943698" cy="646331"/>
-          </a:xfrm>
-          <a:prstGeom prst="rect">
-            <a:avLst/>
-          </a:prstGeom>
-          <a:solidFill>
-            <a:schemeClr val="bg1"/>
-          </a:solidFill>
-          <a:ln w="25400">
-            <a:solidFill>
-              <a:srgbClr val="00B050"/>
-            </a:solidFill>
+      </p:cxnSp>
+      <p:cxnSp>
+        <p:nvCxnSpPr>
+          <p:cNvPr id="27" name="Connector: Elbow 26">
+            <a:extLst>
+              <a:ext uri="{FF2B5EF4-FFF2-40B4-BE49-F238E27FC236}">
+                <a16:creationId xmlns:a16="http://schemas.microsoft.com/office/drawing/2014/main" id="{57FDBDB3-49CD-403E-EBD3-8BEA2D4CF3C7}"/>
+              </a:ext>
+            </a:extLst>
+          </p:cNvPr>
+          <p:cNvCxnSpPr>
+            <a:cxnSpLocks/>
+          </p:cNvCxnSpPr>
+          <p:nvPr/>
+        </p:nvCxnSpPr>
+        <p:spPr>
+          <a:xfrm rot="10800000" flipV="1">
+            <a:off x="5245037" y="5216619"/>
+            <a:ext cx="2644955" cy="625654"/>
+          </a:xfrm>
+          <a:prstGeom prst="bentConnector3">
+            <a:avLst>
+              <a:gd name="adj1" fmla="val 100541"/>
+            </a:avLst>
+          </a:prstGeom>
+          <a:ln>
+            <a:tailEnd type="triangle"/>
           </a:ln>
         </p:spPr>
-        <p:txBody>
-          <a:bodyPr wrap="square" rtlCol="0">
-            <a:spAutoFit/>
-          </a:bodyPr>
-          <a:lstStyle/>
-          <a:p>
-            <a:r>
-              <a:rPr lang="en-GB" dirty="0"/>
-              <a:t>90% of common code</a:t>
-            </a:r>
-          </a:p>
-        </p:txBody>
-      </p:sp>
+        <p:style>
+          <a:lnRef idx="2">
+            <a:schemeClr val="accent1"/>
+          </a:lnRef>
+          <a:fillRef idx="0">
+            <a:schemeClr val="accent1"/>
+          </a:fillRef>
+          <a:effectRef idx="1">
+            <a:schemeClr val="accent1"/>
+          </a:effectRef>
+          <a:fontRef idx="minor">
+            <a:schemeClr val="tx1"/>
+          </a:fontRef>
+        </p:style>
+      </p:cxnSp>
     </p:spTree>
     <p:extLst>
       <p:ext uri="{BB962C8B-B14F-4D97-AF65-F5344CB8AC3E}">
-        <p14:creationId xmlns:p14="http://schemas.microsoft.com/office/powerpoint/2010/main" val="120044637"/>
+        <p14:creationId xmlns:p14="http://schemas.microsoft.com/office/powerpoint/2010/main" val="34684478"/>
       </p:ext>
     </p:extLst>
   </p:cSld>
@@ -15357,6 +15979,6381 @@
 </file>
 
 <file path=ppt/slides/slide20.xml><?xml version="1.0" encoding="utf-8"?>
+<p:sld xmlns:a="http://schemas.openxmlformats.org/drawingml/2006/main" xmlns:r="http://schemas.openxmlformats.org/officeDocument/2006/relationships" xmlns:p="http://schemas.openxmlformats.org/presentationml/2006/main">
+  <p:cSld>
+    <p:spTree>
+      <p:nvGrpSpPr>
+        <p:cNvPr id="1" name=""/>
+        <p:cNvGrpSpPr/>
+        <p:nvPr/>
+      </p:nvGrpSpPr>
+      <p:grpSpPr>
+        <a:xfrm>
+          <a:off x="0" y="0"/>
+          <a:ext cx="0" cy="0"/>
+          <a:chOff x="0" y="0"/>
+          <a:chExt cx="0" cy="0"/>
+        </a:xfrm>
+      </p:grpSpPr>
+      <p:sp>
+        <p:nvSpPr>
+          <p:cNvPr id="2" name="Title 1">
+            <a:extLst>
+              <a:ext uri="{FF2B5EF4-FFF2-40B4-BE49-F238E27FC236}">
+                <a16:creationId xmlns:a16="http://schemas.microsoft.com/office/drawing/2014/main" id="{35D1068B-662D-0D1D-343A-C9860324419D}"/>
+              </a:ext>
+            </a:extLst>
+          </p:cNvPr>
+          <p:cNvSpPr>
+            <a:spLocks noGrp="1"/>
+          </p:cNvSpPr>
+          <p:nvPr>
+            <p:ph type="title"/>
+          </p:nvPr>
+        </p:nvSpPr>
+        <p:spPr>
+          <a:xfrm>
+            <a:off x="870691" y="6720"/>
+            <a:ext cx="10515600" cy="1325563"/>
+          </a:xfrm>
+        </p:spPr>
+        <p:txBody>
+          <a:bodyPr/>
+          <a:lstStyle/>
+          <a:p>
+            <a:r>
+              <a:rPr lang="en-GB" dirty="0"/>
+              <a:t>Suggested solution in progress:</a:t>
+            </a:r>
+          </a:p>
+        </p:txBody>
+      </p:sp>
+      <p:pic>
+        <p:nvPicPr>
+          <p:cNvPr id="7" name="Picture 6" descr="A black screen with white text&#10;&#10;Description automatically generated">
+            <a:extLst>
+              <a:ext uri="{FF2B5EF4-FFF2-40B4-BE49-F238E27FC236}">
+                <a16:creationId xmlns:a16="http://schemas.microsoft.com/office/drawing/2014/main" id="{4449528F-3959-EB74-A067-5F40F6ACCA8F}"/>
+              </a:ext>
+            </a:extLst>
+          </p:cNvPr>
+          <p:cNvPicPr>
+            <a:picLocks noChangeAspect="1"/>
+          </p:cNvPicPr>
+          <p:nvPr/>
+        </p:nvPicPr>
+        <p:blipFill>
+          <a:blip r:embed="rId2">
+            <a:extLst>
+              <a:ext uri="{28A0092B-C50C-407E-A947-70E740481C1C}">
+                <a14:useLocalDpi xmlns:a14="http://schemas.microsoft.com/office/drawing/2010/main" val="0"/>
+              </a:ext>
+            </a:extLst>
+          </a:blip>
+          <a:stretch>
+            <a:fillRect/>
+          </a:stretch>
+        </p:blipFill>
+        <p:spPr>
+          <a:xfrm>
+            <a:off x="5727210" y="1548646"/>
+            <a:ext cx="6305550" cy="4133850"/>
+          </a:xfrm>
+          <a:prstGeom prst="rect">
+            <a:avLst/>
+          </a:prstGeom>
+        </p:spPr>
+      </p:pic>
+      <p:pic>
+        <p:nvPicPr>
+          <p:cNvPr id="11" name="Content Placeholder 10" descr="A screenshot of a computer&#10;&#10;Description automatically generated">
+            <a:extLst>
+              <a:ext uri="{FF2B5EF4-FFF2-40B4-BE49-F238E27FC236}">
+                <a16:creationId xmlns:a16="http://schemas.microsoft.com/office/drawing/2014/main" id="{F3210451-13B1-3349-8762-F33DC77D2CDF}"/>
+              </a:ext>
+            </a:extLst>
+          </p:cNvPr>
+          <p:cNvPicPr>
+            <a:picLocks noGrp="1" noChangeAspect="1"/>
+          </p:cNvPicPr>
+          <p:nvPr>
+            <p:ph idx="1"/>
+          </p:nvPr>
+        </p:nvPicPr>
+        <p:blipFill>
+          <a:blip r:embed="rId3">
+            <a:extLst>
+              <a:ext uri="{28A0092B-C50C-407E-A947-70E740481C1C}">
+                <a14:useLocalDpi xmlns:a14="http://schemas.microsoft.com/office/drawing/2010/main" val="0"/>
+              </a:ext>
+            </a:extLst>
+          </a:blip>
+          <a:stretch>
+            <a:fillRect/>
+          </a:stretch>
+        </p:blipFill>
+        <p:spPr>
+          <a:xfrm>
+            <a:off x="216978" y="1401004"/>
+            <a:ext cx="5374227" cy="4351338"/>
+          </a:xfrm>
+        </p:spPr>
+      </p:pic>
+      <p:sp>
+        <p:nvSpPr>
+          <p:cNvPr id="12" name="TextBox 11">
+            <a:extLst>
+              <a:ext uri="{FF2B5EF4-FFF2-40B4-BE49-F238E27FC236}">
+                <a16:creationId xmlns:a16="http://schemas.microsoft.com/office/drawing/2014/main" id="{BC38D77C-59ED-1FE6-E8B9-C61D0C5FBB0B}"/>
+              </a:ext>
+            </a:extLst>
+          </p:cNvPr>
+          <p:cNvSpPr txBox="1"/>
+          <p:nvPr/>
+        </p:nvSpPr>
+        <p:spPr>
+          <a:xfrm>
+            <a:off x="4335860" y="1059134"/>
+            <a:ext cx="3652376" cy="1477328"/>
+          </a:xfrm>
+          <a:prstGeom prst="rect">
+            <a:avLst/>
+          </a:prstGeom>
+          <a:noFill/>
+          <a:ln w="25400">
+            <a:solidFill>
+              <a:srgbClr val="00B050"/>
+            </a:solidFill>
+          </a:ln>
+        </p:spPr>
+        <p:txBody>
+          <a:bodyPr wrap="square" rtlCol="0">
+            <a:spAutoFit/>
+          </a:bodyPr>
+          <a:lstStyle/>
+          <a:p>
+            <a:r>
+              <a:rPr lang="en-GB" dirty="0"/>
+              <a:t>Move 50% of common code here between </a:t>
+            </a:r>
+            <a:r>
+              <a:rPr lang="en-GB" dirty="0">
+                <a:solidFill>
+                  <a:schemeClr val="accent6">
+                    <a:lumMod val="75000"/>
+                  </a:schemeClr>
+                </a:solidFill>
+                <a:latin typeface="Courier New" panose="02070309020205020404" pitchFamily="49" charset="0"/>
+                <a:cs typeface="Courier New" panose="02070309020205020404" pitchFamily="49" charset="0"/>
+              </a:rPr>
+              <a:t>references</a:t>
+            </a:r>
+            <a:r>
+              <a:rPr lang="en-GB" dirty="0">
+                <a:latin typeface="Courier New" panose="02070309020205020404" pitchFamily="49" charset="0"/>
+                <a:cs typeface="Courier New" panose="02070309020205020404" pitchFamily="49" charset="0"/>
+              </a:rPr>
+              <a:t> </a:t>
+            </a:r>
+            <a:r>
+              <a:rPr lang="en-GB" dirty="0"/>
+              <a:t>and </a:t>
+            </a:r>
+            <a:r>
+              <a:rPr lang="en-GB" dirty="0">
+                <a:solidFill>
+                  <a:schemeClr val="accent6">
+                    <a:lumMod val="75000"/>
+                  </a:schemeClr>
+                </a:solidFill>
+                <a:latin typeface="Courier New" panose="02070309020205020404" pitchFamily="49" charset="0"/>
+                <a:cs typeface="Courier New" panose="02070309020205020404" pitchFamily="49" charset="0"/>
+              </a:rPr>
+              <a:t>objects</a:t>
+            </a:r>
+            <a:r>
+              <a:rPr lang="en-GB" dirty="0"/>
+              <a:t> and 90% of code between </a:t>
+            </a:r>
+            <a:r>
+              <a:rPr lang="en-GB" dirty="0" err="1">
+                <a:solidFill>
+                  <a:schemeClr val="accent6">
+                    <a:lumMod val="75000"/>
+                  </a:schemeClr>
+                </a:solidFill>
+                <a:latin typeface="Courier New" panose="02070309020205020404" pitchFamily="49" charset="0"/>
+                <a:cs typeface="Courier New" panose="02070309020205020404" pitchFamily="49" charset="0"/>
+              </a:rPr>
+              <a:t>only_obj</a:t>
+            </a:r>
+            <a:r>
+              <a:rPr lang="en-GB" dirty="0">
+                <a:latin typeface="Courier New" panose="02070309020205020404" pitchFamily="49" charset="0"/>
+                <a:cs typeface="Courier New" panose="02070309020205020404" pitchFamily="49" charset="0"/>
+              </a:rPr>
+              <a:t> </a:t>
+            </a:r>
+            <a:r>
+              <a:rPr lang="en-GB" dirty="0"/>
+              <a:t>and </a:t>
+            </a:r>
+            <a:r>
+              <a:rPr lang="en-GB" dirty="0">
+                <a:solidFill>
+                  <a:schemeClr val="accent6">
+                    <a:lumMod val="75000"/>
+                  </a:schemeClr>
+                </a:solidFill>
+                <a:latin typeface="Courier New" panose="02070309020205020404" pitchFamily="49" charset="0"/>
+                <a:cs typeface="Courier New" panose="02070309020205020404" pitchFamily="49" charset="0"/>
+              </a:rPr>
+              <a:t>objects</a:t>
+            </a:r>
+          </a:p>
+        </p:txBody>
+      </p:sp>
+      <p:cxnSp>
+        <p:nvCxnSpPr>
+          <p:cNvPr id="14" name="Connector: Elbow 13">
+            <a:extLst>
+              <a:ext uri="{FF2B5EF4-FFF2-40B4-BE49-F238E27FC236}">
+                <a16:creationId xmlns:a16="http://schemas.microsoft.com/office/drawing/2014/main" id="{D48B4E6C-3EBD-E80E-6777-F919605A6F62}"/>
+              </a:ext>
+            </a:extLst>
+          </p:cNvPr>
+          <p:cNvCxnSpPr>
+            <a:cxnSpLocks/>
+            <a:stCxn id="12" idx="2"/>
+          </p:cNvCxnSpPr>
+          <p:nvPr/>
+        </p:nvCxnSpPr>
+        <p:spPr>
+          <a:xfrm rot="5400000" flipH="1">
+            <a:off x="4687765" y="1062180"/>
+            <a:ext cx="230629" cy="2717936"/>
+          </a:xfrm>
+          <a:prstGeom prst="bentConnector4">
+            <a:avLst>
+              <a:gd name="adj1" fmla="val -80535"/>
+              <a:gd name="adj2" fmla="val 83595"/>
+            </a:avLst>
+          </a:prstGeom>
+          <a:ln>
+            <a:tailEnd type="triangle"/>
+          </a:ln>
+        </p:spPr>
+        <p:style>
+          <a:lnRef idx="2">
+            <a:schemeClr val="accent1"/>
+          </a:lnRef>
+          <a:fillRef idx="0">
+            <a:schemeClr val="accent1"/>
+          </a:fillRef>
+          <a:effectRef idx="1">
+            <a:schemeClr val="accent1"/>
+          </a:effectRef>
+          <a:fontRef idx="minor">
+            <a:schemeClr val="tx1"/>
+          </a:fontRef>
+        </p:style>
+      </p:cxnSp>
+      <p:cxnSp>
+        <p:nvCxnSpPr>
+          <p:cNvPr id="16" name="Connector: Elbow 15">
+            <a:extLst>
+              <a:ext uri="{FF2B5EF4-FFF2-40B4-BE49-F238E27FC236}">
+                <a16:creationId xmlns:a16="http://schemas.microsoft.com/office/drawing/2014/main" id="{8685C119-6ABD-D39D-31D3-DC94136DC420}"/>
+              </a:ext>
+            </a:extLst>
+          </p:cNvPr>
+          <p:cNvCxnSpPr>
+            <a:cxnSpLocks/>
+            <a:stCxn id="11" idx="2"/>
+          </p:cNvCxnSpPr>
+          <p:nvPr/>
+        </p:nvCxnSpPr>
+        <p:spPr>
+          <a:xfrm rot="5400000" flipH="1" flipV="1">
+            <a:off x="5998231" y="572982"/>
+            <a:ext cx="2085220" cy="8273499"/>
+          </a:xfrm>
+          <a:prstGeom prst="bentConnector4">
+            <a:avLst>
+              <a:gd name="adj1" fmla="val -10963"/>
+              <a:gd name="adj2" fmla="val 100029"/>
+            </a:avLst>
+          </a:prstGeom>
+          <a:ln>
+            <a:tailEnd type="triangle"/>
+          </a:ln>
+        </p:spPr>
+        <p:style>
+          <a:lnRef idx="2">
+            <a:schemeClr val="accent1"/>
+          </a:lnRef>
+          <a:fillRef idx="0">
+            <a:schemeClr val="accent1"/>
+          </a:fillRef>
+          <a:effectRef idx="1">
+            <a:schemeClr val="accent1"/>
+          </a:effectRef>
+          <a:fontRef idx="minor">
+            <a:schemeClr val="tx1"/>
+          </a:fontRef>
+        </p:style>
+      </p:cxnSp>
+      <p:sp>
+        <p:nvSpPr>
+          <p:cNvPr id="20" name="TextBox 19">
+            <a:extLst>
+              <a:ext uri="{FF2B5EF4-FFF2-40B4-BE49-F238E27FC236}">
+                <a16:creationId xmlns:a16="http://schemas.microsoft.com/office/drawing/2014/main" id="{6A900DB8-F807-F119-37E3-126263CB6DA3}"/>
+              </a:ext>
+            </a:extLst>
+          </p:cNvPr>
+          <p:cNvSpPr txBox="1"/>
+          <p:nvPr/>
+        </p:nvSpPr>
+        <p:spPr>
+          <a:xfrm>
+            <a:off x="8375186" y="5261800"/>
+            <a:ext cx="1943698" cy="646331"/>
+          </a:xfrm>
+          <a:prstGeom prst="rect">
+            <a:avLst/>
+          </a:prstGeom>
+          <a:solidFill>
+            <a:schemeClr val="bg1"/>
+          </a:solidFill>
+          <a:ln w="25400">
+            <a:solidFill>
+              <a:srgbClr val="00B050"/>
+            </a:solidFill>
+          </a:ln>
+        </p:spPr>
+        <p:txBody>
+          <a:bodyPr wrap="square" rtlCol="0">
+            <a:spAutoFit/>
+          </a:bodyPr>
+          <a:lstStyle/>
+          <a:p>
+            <a:r>
+              <a:rPr lang="en-GB" dirty="0"/>
+              <a:t>Use common storage singleton</a:t>
+            </a:r>
+          </a:p>
+        </p:txBody>
+      </p:sp>
+      <p:sp>
+        <p:nvSpPr>
+          <p:cNvPr id="25" name="Left Brace 24">
+            <a:extLst>
+              <a:ext uri="{FF2B5EF4-FFF2-40B4-BE49-F238E27FC236}">
+                <a16:creationId xmlns:a16="http://schemas.microsoft.com/office/drawing/2014/main" id="{0014F374-38E5-B6EC-E33A-B3932EE28FFC}"/>
+              </a:ext>
+            </a:extLst>
+          </p:cNvPr>
+          <p:cNvSpPr/>
+          <p:nvPr/>
+        </p:nvSpPr>
+        <p:spPr>
+          <a:xfrm rot="16200000">
+            <a:off x="2460752" y="3713851"/>
+            <a:ext cx="507066" cy="4444358"/>
+          </a:xfrm>
+          <a:prstGeom prst="leftBrace">
+            <a:avLst/>
+          </a:prstGeom>
+        </p:spPr>
+        <p:style>
+          <a:lnRef idx="2">
+            <a:schemeClr val="accent1"/>
+          </a:lnRef>
+          <a:fillRef idx="0">
+            <a:schemeClr val="accent1"/>
+          </a:fillRef>
+          <a:effectRef idx="1">
+            <a:schemeClr val="accent1"/>
+          </a:effectRef>
+          <a:fontRef idx="minor">
+            <a:schemeClr val="tx1"/>
+          </a:fontRef>
+        </p:style>
+        <p:txBody>
+          <a:bodyPr rtlCol="0" anchor="ctr"/>
+          <a:lstStyle/>
+          <a:p>
+            <a:pPr algn="ctr"/>
+            <a:endParaRPr lang="en-GB"/>
+          </a:p>
+        </p:txBody>
+      </p:sp>
+      <p:sp>
+        <p:nvSpPr>
+          <p:cNvPr id="26" name="TextBox 25">
+            <a:extLst>
+              <a:ext uri="{FF2B5EF4-FFF2-40B4-BE49-F238E27FC236}">
+                <a16:creationId xmlns:a16="http://schemas.microsoft.com/office/drawing/2014/main" id="{80F25323-6A1F-F3A3-A3CC-DCD9D4E2B3D9}"/>
+              </a:ext>
+            </a:extLst>
+          </p:cNvPr>
+          <p:cNvSpPr txBox="1"/>
+          <p:nvPr/>
+        </p:nvSpPr>
+        <p:spPr>
+          <a:xfrm>
+            <a:off x="1750843" y="6198631"/>
+            <a:ext cx="1943698" cy="646331"/>
+          </a:xfrm>
+          <a:prstGeom prst="rect">
+            <a:avLst/>
+          </a:prstGeom>
+          <a:solidFill>
+            <a:schemeClr val="bg1"/>
+          </a:solidFill>
+          <a:ln w="25400">
+            <a:solidFill>
+              <a:srgbClr val="00B050"/>
+            </a:solidFill>
+          </a:ln>
+        </p:spPr>
+        <p:txBody>
+          <a:bodyPr wrap="square" rtlCol="0">
+            <a:spAutoFit/>
+          </a:bodyPr>
+          <a:lstStyle/>
+          <a:p>
+            <a:r>
+              <a:rPr lang="en-GB" dirty="0"/>
+              <a:t>90% of common code</a:t>
+            </a:r>
+          </a:p>
+        </p:txBody>
+      </p:sp>
+    </p:spTree>
+    <p:extLst>
+      <p:ext uri="{BB962C8B-B14F-4D97-AF65-F5344CB8AC3E}">
+        <p14:creationId xmlns:p14="http://schemas.microsoft.com/office/powerpoint/2010/main" val="120044637"/>
+      </p:ext>
+    </p:extLst>
+  </p:cSld>
+  <p:clrMapOvr>
+    <a:masterClrMapping/>
+  </p:clrMapOvr>
+</p:sld>
+</file>
+
+<file path=ppt/slides/slide21.xml><?xml version="1.0" encoding="utf-8"?>
+<p:sld xmlns:a="http://schemas.openxmlformats.org/drawingml/2006/main" xmlns:r="http://schemas.openxmlformats.org/officeDocument/2006/relationships" xmlns:p="http://schemas.openxmlformats.org/presentationml/2006/main">
+  <p:cSld>
+    <p:spTree>
+      <p:nvGrpSpPr>
+        <p:cNvPr id="1" name=""/>
+        <p:cNvGrpSpPr/>
+        <p:nvPr/>
+      </p:nvGrpSpPr>
+      <p:grpSpPr>
+        <a:xfrm>
+          <a:off x="0" y="0"/>
+          <a:ext cx="0" cy="0"/>
+          <a:chOff x="0" y="0"/>
+          <a:chExt cx="0" cy="0"/>
+        </a:xfrm>
+      </p:grpSpPr>
+      <p:sp>
+        <p:nvSpPr>
+          <p:cNvPr id="2" name="Title 1">
+            <a:extLst>
+              <a:ext uri="{FF2B5EF4-FFF2-40B4-BE49-F238E27FC236}">
+                <a16:creationId xmlns:a16="http://schemas.microsoft.com/office/drawing/2014/main" id="{C3875A99-28E0-258A-2DD5-BC25A5F15187}"/>
+              </a:ext>
+            </a:extLst>
+          </p:cNvPr>
+          <p:cNvSpPr>
+            <a:spLocks noGrp="1"/>
+          </p:cNvSpPr>
+          <p:nvPr>
+            <p:ph type="title"/>
+          </p:nvPr>
+        </p:nvSpPr>
+        <p:spPr>
+          <a:xfrm>
+            <a:off x="838200" y="365404"/>
+            <a:ext cx="10515600" cy="1325563"/>
+          </a:xfrm>
+        </p:spPr>
+        <p:txBody>
+          <a:bodyPr>
+            <a:normAutofit/>
+          </a:bodyPr>
+          <a:lstStyle/>
+          <a:p>
+            <a:r>
+              <a:rPr lang="en-GB" sz="3600" dirty="0" err="1">
+                <a:solidFill>
+                  <a:schemeClr val="accent6">
+                    <a:lumMod val="75000"/>
+                  </a:schemeClr>
+                </a:solidFill>
+                <a:latin typeface="Courier New" panose="02070309020205020404" pitchFamily="49" charset="0"/>
+                <a:cs typeface="Courier New" panose="02070309020205020404" pitchFamily="49" charset="0"/>
+              </a:rPr>
+              <a:t>unique_only_obj_container</a:t>
+            </a:r>
+            <a:r>
+              <a:rPr lang="en-GB" sz="3600" dirty="0">
+                <a:solidFill>
+                  <a:schemeClr val="accent6">
+                    <a:lumMod val="75000"/>
+                  </a:schemeClr>
+                </a:solidFill>
+                <a:latin typeface="Courier New" panose="02070309020205020404" pitchFamily="49" charset="0"/>
+                <a:cs typeface="Courier New" panose="02070309020205020404" pitchFamily="49" charset="0"/>
+              </a:rPr>
+              <a:t>. </a:t>
+            </a:r>
+            <a:r>
+              <a:rPr lang="en-GB" sz="3600" dirty="0">
+                <a:cs typeface="Courier New" panose="02070309020205020404" pitchFamily="49" charset="0"/>
+              </a:rPr>
+              <a:t>Memory management</a:t>
+            </a:r>
+            <a:endParaRPr lang="en-GB" sz="3600" dirty="0">
+              <a:solidFill>
+                <a:schemeClr val="accent6">
+                  <a:lumMod val="75000"/>
+                </a:schemeClr>
+              </a:solidFill>
+              <a:cs typeface="Courier New" panose="02070309020205020404" pitchFamily="49" charset="0"/>
+            </a:endParaRPr>
+          </a:p>
+        </p:txBody>
+      </p:sp>
+      <p:grpSp>
+        <p:nvGrpSpPr>
+          <p:cNvPr id="19" name="Group 18">
+            <a:extLst>
+              <a:ext uri="{FF2B5EF4-FFF2-40B4-BE49-F238E27FC236}">
+                <a16:creationId xmlns:a16="http://schemas.microsoft.com/office/drawing/2014/main" id="{0BDFE5A3-0CBF-FCCE-0C42-716BDB621AF5}"/>
+              </a:ext>
+            </a:extLst>
+          </p:cNvPr>
+          <p:cNvGrpSpPr/>
+          <p:nvPr/>
+        </p:nvGrpSpPr>
+        <p:grpSpPr>
+          <a:xfrm>
+            <a:off x="6437543" y="2950908"/>
+            <a:ext cx="2969800" cy="213515"/>
+            <a:chOff x="6289401" y="1967659"/>
+            <a:chExt cx="2969800" cy="213515"/>
+          </a:xfrm>
+          <a:solidFill>
+            <a:srgbClr val="00B050"/>
+          </a:solidFill>
+        </p:grpSpPr>
+        <p:sp>
+          <p:nvSpPr>
+            <p:cNvPr id="20" name="Rectangle 19">
+              <a:extLst>
+                <a:ext uri="{FF2B5EF4-FFF2-40B4-BE49-F238E27FC236}">
+                  <a16:creationId xmlns:a16="http://schemas.microsoft.com/office/drawing/2014/main" id="{D24C447B-1A6A-BBF3-A120-D1B3034E9398}"/>
+                </a:ext>
+              </a:extLst>
+            </p:cNvPr>
+            <p:cNvSpPr/>
+            <p:nvPr/>
+          </p:nvSpPr>
+          <p:spPr>
+            <a:xfrm>
+              <a:off x="6289401" y="1967659"/>
+              <a:ext cx="204232" cy="213515"/>
+            </a:xfrm>
+            <a:prstGeom prst="rect">
+              <a:avLst/>
+            </a:prstGeom>
+            <a:grpFill/>
+          </p:spPr>
+          <p:style>
+            <a:lnRef idx="2">
+              <a:schemeClr val="accent1">
+                <a:shade val="15000"/>
+              </a:schemeClr>
+            </a:lnRef>
+            <a:fillRef idx="1">
+              <a:schemeClr val="accent1"/>
+            </a:fillRef>
+            <a:effectRef idx="0">
+              <a:schemeClr val="accent1"/>
+            </a:effectRef>
+            <a:fontRef idx="minor">
+              <a:schemeClr val="lt1"/>
+            </a:fontRef>
+          </p:style>
+          <p:txBody>
+            <a:bodyPr rtlCol="0" anchor="ctr"/>
+            <a:lstStyle/>
+            <a:p>
+              <a:pPr algn="ctr"/>
+              <a:endParaRPr lang="en-GB" u="sng"/>
+            </a:p>
+          </p:txBody>
+        </p:sp>
+        <p:sp>
+          <p:nvSpPr>
+            <p:cNvPr id="21" name="Rectangle 20">
+              <a:extLst>
+                <a:ext uri="{FF2B5EF4-FFF2-40B4-BE49-F238E27FC236}">
+                  <a16:creationId xmlns:a16="http://schemas.microsoft.com/office/drawing/2014/main" id="{703672B1-8201-70F9-336F-CCD9F5CF083C}"/>
+                </a:ext>
+              </a:extLst>
+            </p:cNvPr>
+            <p:cNvSpPr/>
+            <p:nvPr/>
+          </p:nvSpPr>
+          <p:spPr>
+            <a:xfrm>
+              <a:off x="6502137" y="1967659"/>
+              <a:ext cx="204232" cy="213515"/>
+            </a:xfrm>
+            <a:prstGeom prst="rect">
+              <a:avLst/>
+            </a:prstGeom>
+            <a:grpFill/>
+          </p:spPr>
+          <p:style>
+            <a:lnRef idx="2">
+              <a:schemeClr val="accent1">
+                <a:shade val="15000"/>
+              </a:schemeClr>
+            </a:lnRef>
+            <a:fillRef idx="1">
+              <a:schemeClr val="accent1"/>
+            </a:fillRef>
+            <a:effectRef idx="0">
+              <a:schemeClr val="accent1"/>
+            </a:effectRef>
+            <a:fontRef idx="minor">
+              <a:schemeClr val="lt1"/>
+            </a:fontRef>
+          </p:style>
+          <p:txBody>
+            <a:bodyPr rtlCol="0" anchor="ctr"/>
+            <a:lstStyle/>
+            <a:p>
+              <a:pPr algn="ctr"/>
+              <a:endParaRPr lang="en-GB" u="sng"/>
+            </a:p>
+          </p:txBody>
+        </p:sp>
+        <p:sp>
+          <p:nvSpPr>
+            <p:cNvPr id="22" name="Rectangle 21">
+              <a:extLst>
+                <a:ext uri="{FF2B5EF4-FFF2-40B4-BE49-F238E27FC236}">
+                  <a16:creationId xmlns:a16="http://schemas.microsoft.com/office/drawing/2014/main" id="{C84D024F-595C-65B7-4FB9-E83CC80B1A87}"/>
+                </a:ext>
+              </a:extLst>
+            </p:cNvPr>
+            <p:cNvSpPr/>
+            <p:nvPr/>
+          </p:nvSpPr>
+          <p:spPr>
+            <a:xfrm>
+              <a:off x="6714873" y="1967659"/>
+              <a:ext cx="204232" cy="213515"/>
+            </a:xfrm>
+            <a:prstGeom prst="rect">
+              <a:avLst/>
+            </a:prstGeom>
+            <a:grpFill/>
+          </p:spPr>
+          <p:style>
+            <a:lnRef idx="2">
+              <a:schemeClr val="accent1">
+                <a:shade val="15000"/>
+              </a:schemeClr>
+            </a:lnRef>
+            <a:fillRef idx="1">
+              <a:schemeClr val="accent1"/>
+            </a:fillRef>
+            <a:effectRef idx="0">
+              <a:schemeClr val="accent1"/>
+            </a:effectRef>
+            <a:fontRef idx="minor">
+              <a:schemeClr val="lt1"/>
+            </a:fontRef>
+          </p:style>
+          <p:txBody>
+            <a:bodyPr rtlCol="0" anchor="ctr"/>
+            <a:lstStyle/>
+            <a:p>
+              <a:pPr algn="ctr"/>
+              <a:endParaRPr lang="en-GB" u="sng"/>
+            </a:p>
+          </p:txBody>
+        </p:sp>
+        <p:sp>
+          <p:nvSpPr>
+            <p:cNvPr id="23" name="Rectangle 22">
+              <a:extLst>
+                <a:ext uri="{FF2B5EF4-FFF2-40B4-BE49-F238E27FC236}">
+                  <a16:creationId xmlns:a16="http://schemas.microsoft.com/office/drawing/2014/main" id="{26916F37-CC13-2AE4-4C6D-81242132F207}"/>
+                </a:ext>
+              </a:extLst>
+            </p:cNvPr>
+            <p:cNvSpPr/>
+            <p:nvPr/>
+          </p:nvSpPr>
+          <p:spPr>
+            <a:xfrm>
+              <a:off x="6927609" y="1967659"/>
+              <a:ext cx="204232" cy="213515"/>
+            </a:xfrm>
+            <a:prstGeom prst="rect">
+              <a:avLst/>
+            </a:prstGeom>
+            <a:grpFill/>
+          </p:spPr>
+          <p:style>
+            <a:lnRef idx="2">
+              <a:schemeClr val="accent1">
+                <a:shade val="15000"/>
+              </a:schemeClr>
+            </a:lnRef>
+            <a:fillRef idx="1">
+              <a:schemeClr val="accent1"/>
+            </a:fillRef>
+            <a:effectRef idx="0">
+              <a:schemeClr val="accent1"/>
+            </a:effectRef>
+            <a:fontRef idx="minor">
+              <a:schemeClr val="lt1"/>
+            </a:fontRef>
+          </p:style>
+          <p:txBody>
+            <a:bodyPr rtlCol="0" anchor="ctr"/>
+            <a:lstStyle/>
+            <a:p>
+              <a:pPr algn="ctr"/>
+              <a:endParaRPr lang="en-GB" u="sng"/>
+            </a:p>
+          </p:txBody>
+        </p:sp>
+        <p:sp>
+          <p:nvSpPr>
+            <p:cNvPr id="24" name="Rectangle 23">
+              <a:extLst>
+                <a:ext uri="{FF2B5EF4-FFF2-40B4-BE49-F238E27FC236}">
+                  <a16:creationId xmlns:a16="http://schemas.microsoft.com/office/drawing/2014/main" id="{37431837-8982-F41D-1B49-1E37770F49D6}"/>
+                </a:ext>
+              </a:extLst>
+            </p:cNvPr>
+            <p:cNvSpPr/>
+            <p:nvPr/>
+          </p:nvSpPr>
+          <p:spPr>
+            <a:xfrm>
+              <a:off x="7140345" y="1967659"/>
+              <a:ext cx="204232" cy="213515"/>
+            </a:xfrm>
+            <a:prstGeom prst="rect">
+              <a:avLst/>
+            </a:prstGeom>
+            <a:grpFill/>
+          </p:spPr>
+          <p:style>
+            <a:lnRef idx="2">
+              <a:schemeClr val="accent1">
+                <a:shade val="15000"/>
+              </a:schemeClr>
+            </a:lnRef>
+            <a:fillRef idx="1">
+              <a:schemeClr val="accent1"/>
+            </a:fillRef>
+            <a:effectRef idx="0">
+              <a:schemeClr val="accent1"/>
+            </a:effectRef>
+            <a:fontRef idx="minor">
+              <a:schemeClr val="lt1"/>
+            </a:fontRef>
+          </p:style>
+          <p:txBody>
+            <a:bodyPr rtlCol="0" anchor="ctr"/>
+            <a:lstStyle/>
+            <a:p>
+              <a:pPr algn="ctr"/>
+              <a:endParaRPr lang="en-GB" u="sng"/>
+            </a:p>
+          </p:txBody>
+        </p:sp>
+        <p:sp>
+          <p:nvSpPr>
+            <p:cNvPr id="25" name="Rectangle 24">
+              <a:extLst>
+                <a:ext uri="{FF2B5EF4-FFF2-40B4-BE49-F238E27FC236}">
+                  <a16:creationId xmlns:a16="http://schemas.microsoft.com/office/drawing/2014/main" id="{DE385CC3-79D6-3EBB-A6FF-C1D525F7F1DF}"/>
+                </a:ext>
+              </a:extLst>
+            </p:cNvPr>
+            <p:cNvSpPr/>
+            <p:nvPr/>
+          </p:nvSpPr>
+          <p:spPr>
+            <a:xfrm>
+              <a:off x="7353081" y="1967659"/>
+              <a:ext cx="204232" cy="213515"/>
+            </a:xfrm>
+            <a:prstGeom prst="rect">
+              <a:avLst/>
+            </a:prstGeom>
+            <a:grpFill/>
+          </p:spPr>
+          <p:style>
+            <a:lnRef idx="2">
+              <a:schemeClr val="accent1">
+                <a:shade val="15000"/>
+              </a:schemeClr>
+            </a:lnRef>
+            <a:fillRef idx="1">
+              <a:schemeClr val="accent1"/>
+            </a:fillRef>
+            <a:effectRef idx="0">
+              <a:schemeClr val="accent1"/>
+            </a:effectRef>
+            <a:fontRef idx="minor">
+              <a:schemeClr val="lt1"/>
+            </a:fontRef>
+          </p:style>
+          <p:txBody>
+            <a:bodyPr rtlCol="0" anchor="ctr"/>
+            <a:lstStyle/>
+            <a:p>
+              <a:pPr algn="ctr"/>
+              <a:endParaRPr lang="en-GB" u="sng"/>
+            </a:p>
+          </p:txBody>
+        </p:sp>
+        <p:sp>
+          <p:nvSpPr>
+            <p:cNvPr id="26" name="Rectangle 25">
+              <a:extLst>
+                <a:ext uri="{FF2B5EF4-FFF2-40B4-BE49-F238E27FC236}">
+                  <a16:creationId xmlns:a16="http://schemas.microsoft.com/office/drawing/2014/main" id="{80B79B56-5C6F-C655-105C-8224513B8427}"/>
+                </a:ext>
+              </a:extLst>
+            </p:cNvPr>
+            <p:cNvSpPr/>
+            <p:nvPr/>
+          </p:nvSpPr>
+          <p:spPr>
+            <a:xfrm>
+              <a:off x="7565817" y="1967659"/>
+              <a:ext cx="204232" cy="213515"/>
+            </a:xfrm>
+            <a:prstGeom prst="rect">
+              <a:avLst/>
+            </a:prstGeom>
+            <a:grpFill/>
+          </p:spPr>
+          <p:style>
+            <a:lnRef idx="2">
+              <a:schemeClr val="accent1">
+                <a:shade val="15000"/>
+              </a:schemeClr>
+            </a:lnRef>
+            <a:fillRef idx="1">
+              <a:schemeClr val="accent1"/>
+            </a:fillRef>
+            <a:effectRef idx="0">
+              <a:schemeClr val="accent1"/>
+            </a:effectRef>
+            <a:fontRef idx="minor">
+              <a:schemeClr val="lt1"/>
+            </a:fontRef>
+          </p:style>
+          <p:txBody>
+            <a:bodyPr rtlCol="0" anchor="ctr"/>
+            <a:lstStyle/>
+            <a:p>
+              <a:pPr algn="ctr"/>
+              <a:endParaRPr lang="en-GB" u="sng"/>
+            </a:p>
+          </p:txBody>
+        </p:sp>
+        <p:sp>
+          <p:nvSpPr>
+            <p:cNvPr id="27" name="Rectangle 26">
+              <a:extLst>
+                <a:ext uri="{FF2B5EF4-FFF2-40B4-BE49-F238E27FC236}">
+                  <a16:creationId xmlns:a16="http://schemas.microsoft.com/office/drawing/2014/main" id="{7D0280B9-8F3C-72EE-EFE7-6693831885C7}"/>
+                </a:ext>
+              </a:extLst>
+            </p:cNvPr>
+            <p:cNvSpPr/>
+            <p:nvPr/>
+          </p:nvSpPr>
+          <p:spPr>
+            <a:xfrm>
+              <a:off x="7778553" y="1967659"/>
+              <a:ext cx="204232" cy="213515"/>
+            </a:xfrm>
+            <a:prstGeom prst="rect">
+              <a:avLst/>
+            </a:prstGeom>
+            <a:grpFill/>
+          </p:spPr>
+          <p:style>
+            <a:lnRef idx="2">
+              <a:schemeClr val="accent1">
+                <a:shade val="15000"/>
+              </a:schemeClr>
+            </a:lnRef>
+            <a:fillRef idx="1">
+              <a:schemeClr val="accent1"/>
+            </a:fillRef>
+            <a:effectRef idx="0">
+              <a:schemeClr val="accent1"/>
+            </a:effectRef>
+            <a:fontRef idx="minor">
+              <a:schemeClr val="lt1"/>
+            </a:fontRef>
+          </p:style>
+          <p:txBody>
+            <a:bodyPr rtlCol="0" anchor="ctr"/>
+            <a:lstStyle/>
+            <a:p>
+              <a:pPr algn="ctr"/>
+              <a:endParaRPr lang="en-GB" u="sng"/>
+            </a:p>
+          </p:txBody>
+        </p:sp>
+        <p:sp>
+          <p:nvSpPr>
+            <p:cNvPr id="28" name="Rectangle 27">
+              <a:extLst>
+                <a:ext uri="{FF2B5EF4-FFF2-40B4-BE49-F238E27FC236}">
+                  <a16:creationId xmlns:a16="http://schemas.microsoft.com/office/drawing/2014/main" id="{F33AB361-9CF2-CA3C-F470-4E56F5847737}"/>
+                </a:ext>
+              </a:extLst>
+            </p:cNvPr>
+            <p:cNvSpPr/>
+            <p:nvPr/>
+          </p:nvSpPr>
+          <p:spPr>
+            <a:xfrm>
+              <a:off x="7991289" y="1967659"/>
+              <a:ext cx="204232" cy="213515"/>
+            </a:xfrm>
+            <a:prstGeom prst="rect">
+              <a:avLst/>
+            </a:prstGeom>
+            <a:grpFill/>
+          </p:spPr>
+          <p:style>
+            <a:lnRef idx="2">
+              <a:schemeClr val="accent1">
+                <a:shade val="15000"/>
+              </a:schemeClr>
+            </a:lnRef>
+            <a:fillRef idx="1">
+              <a:schemeClr val="accent1"/>
+            </a:fillRef>
+            <a:effectRef idx="0">
+              <a:schemeClr val="accent1"/>
+            </a:effectRef>
+            <a:fontRef idx="minor">
+              <a:schemeClr val="lt1"/>
+            </a:fontRef>
+          </p:style>
+          <p:txBody>
+            <a:bodyPr rtlCol="0" anchor="ctr"/>
+            <a:lstStyle/>
+            <a:p>
+              <a:pPr algn="ctr"/>
+              <a:endParaRPr lang="en-GB" u="sng"/>
+            </a:p>
+          </p:txBody>
+        </p:sp>
+        <p:sp>
+          <p:nvSpPr>
+            <p:cNvPr id="29" name="Rectangle 28">
+              <a:extLst>
+                <a:ext uri="{FF2B5EF4-FFF2-40B4-BE49-F238E27FC236}">
+                  <a16:creationId xmlns:a16="http://schemas.microsoft.com/office/drawing/2014/main" id="{BF45DACA-5C03-B28E-3005-A24CFFD1B55E}"/>
+                </a:ext>
+              </a:extLst>
+            </p:cNvPr>
+            <p:cNvSpPr/>
+            <p:nvPr/>
+          </p:nvSpPr>
+          <p:spPr>
+            <a:xfrm>
+              <a:off x="8204025" y="1967659"/>
+              <a:ext cx="204232" cy="213515"/>
+            </a:xfrm>
+            <a:prstGeom prst="rect">
+              <a:avLst/>
+            </a:prstGeom>
+            <a:grpFill/>
+          </p:spPr>
+          <p:style>
+            <a:lnRef idx="2">
+              <a:schemeClr val="accent1">
+                <a:shade val="15000"/>
+              </a:schemeClr>
+            </a:lnRef>
+            <a:fillRef idx="1">
+              <a:schemeClr val="accent1"/>
+            </a:fillRef>
+            <a:effectRef idx="0">
+              <a:schemeClr val="accent1"/>
+            </a:effectRef>
+            <a:fontRef idx="minor">
+              <a:schemeClr val="lt1"/>
+            </a:fontRef>
+          </p:style>
+          <p:txBody>
+            <a:bodyPr rtlCol="0" anchor="ctr"/>
+            <a:lstStyle/>
+            <a:p>
+              <a:pPr algn="ctr"/>
+              <a:endParaRPr lang="en-GB" u="sng"/>
+            </a:p>
+          </p:txBody>
+        </p:sp>
+        <p:sp>
+          <p:nvSpPr>
+            <p:cNvPr id="30" name="Rectangle 29">
+              <a:extLst>
+                <a:ext uri="{FF2B5EF4-FFF2-40B4-BE49-F238E27FC236}">
+                  <a16:creationId xmlns:a16="http://schemas.microsoft.com/office/drawing/2014/main" id="{95571DFC-C584-6DF3-E013-DAEE2AF605F9}"/>
+                </a:ext>
+              </a:extLst>
+            </p:cNvPr>
+            <p:cNvSpPr/>
+            <p:nvPr/>
+          </p:nvSpPr>
+          <p:spPr>
+            <a:xfrm>
+              <a:off x="8416761" y="1967659"/>
+              <a:ext cx="204232" cy="213515"/>
+            </a:xfrm>
+            <a:prstGeom prst="rect">
+              <a:avLst/>
+            </a:prstGeom>
+            <a:grpFill/>
+          </p:spPr>
+          <p:style>
+            <a:lnRef idx="2">
+              <a:schemeClr val="accent1">
+                <a:shade val="15000"/>
+              </a:schemeClr>
+            </a:lnRef>
+            <a:fillRef idx="1">
+              <a:schemeClr val="accent1"/>
+            </a:fillRef>
+            <a:effectRef idx="0">
+              <a:schemeClr val="accent1"/>
+            </a:effectRef>
+            <a:fontRef idx="minor">
+              <a:schemeClr val="lt1"/>
+            </a:fontRef>
+          </p:style>
+          <p:txBody>
+            <a:bodyPr rtlCol="0" anchor="ctr"/>
+            <a:lstStyle/>
+            <a:p>
+              <a:pPr algn="ctr"/>
+              <a:endParaRPr lang="en-GB" u="sng"/>
+            </a:p>
+          </p:txBody>
+        </p:sp>
+        <p:sp>
+          <p:nvSpPr>
+            <p:cNvPr id="31" name="Rectangle 30">
+              <a:extLst>
+                <a:ext uri="{FF2B5EF4-FFF2-40B4-BE49-F238E27FC236}">
+                  <a16:creationId xmlns:a16="http://schemas.microsoft.com/office/drawing/2014/main" id="{ABA8D6B9-52BA-0769-94CA-A998A44E4A25}"/>
+                </a:ext>
+              </a:extLst>
+            </p:cNvPr>
+            <p:cNvSpPr/>
+            <p:nvPr/>
+          </p:nvSpPr>
+          <p:spPr>
+            <a:xfrm>
+              <a:off x="8629497" y="1967659"/>
+              <a:ext cx="204232" cy="213515"/>
+            </a:xfrm>
+            <a:prstGeom prst="rect">
+              <a:avLst/>
+            </a:prstGeom>
+            <a:grpFill/>
+          </p:spPr>
+          <p:style>
+            <a:lnRef idx="2">
+              <a:schemeClr val="accent1">
+                <a:shade val="15000"/>
+              </a:schemeClr>
+            </a:lnRef>
+            <a:fillRef idx="1">
+              <a:schemeClr val="accent1"/>
+            </a:fillRef>
+            <a:effectRef idx="0">
+              <a:schemeClr val="accent1"/>
+            </a:effectRef>
+            <a:fontRef idx="minor">
+              <a:schemeClr val="lt1"/>
+            </a:fontRef>
+          </p:style>
+          <p:txBody>
+            <a:bodyPr rtlCol="0" anchor="ctr"/>
+            <a:lstStyle/>
+            <a:p>
+              <a:pPr algn="ctr"/>
+              <a:endParaRPr lang="en-GB" u="sng"/>
+            </a:p>
+          </p:txBody>
+        </p:sp>
+        <p:sp>
+          <p:nvSpPr>
+            <p:cNvPr id="32" name="Rectangle 31">
+              <a:extLst>
+                <a:ext uri="{FF2B5EF4-FFF2-40B4-BE49-F238E27FC236}">
+                  <a16:creationId xmlns:a16="http://schemas.microsoft.com/office/drawing/2014/main" id="{D9731F29-D0D8-4944-BD35-B71B61794D27}"/>
+                </a:ext>
+              </a:extLst>
+            </p:cNvPr>
+            <p:cNvSpPr/>
+            <p:nvPr/>
+          </p:nvSpPr>
+          <p:spPr>
+            <a:xfrm>
+              <a:off x="8842233" y="1967659"/>
+              <a:ext cx="204232" cy="213515"/>
+            </a:xfrm>
+            <a:prstGeom prst="rect">
+              <a:avLst/>
+            </a:prstGeom>
+            <a:noFill/>
+          </p:spPr>
+          <p:style>
+            <a:lnRef idx="2">
+              <a:schemeClr val="accent1">
+                <a:shade val="15000"/>
+              </a:schemeClr>
+            </a:lnRef>
+            <a:fillRef idx="1">
+              <a:schemeClr val="accent1"/>
+            </a:fillRef>
+            <a:effectRef idx="0">
+              <a:schemeClr val="accent1"/>
+            </a:effectRef>
+            <a:fontRef idx="minor">
+              <a:schemeClr val="lt1"/>
+            </a:fontRef>
+          </p:style>
+          <p:txBody>
+            <a:bodyPr rtlCol="0" anchor="ctr"/>
+            <a:lstStyle/>
+            <a:p>
+              <a:pPr algn="ctr"/>
+              <a:endParaRPr lang="en-GB" u="sng"/>
+            </a:p>
+          </p:txBody>
+        </p:sp>
+        <p:sp>
+          <p:nvSpPr>
+            <p:cNvPr id="33" name="Rectangle 32">
+              <a:extLst>
+                <a:ext uri="{FF2B5EF4-FFF2-40B4-BE49-F238E27FC236}">
+                  <a16:creationId xmlns:a16="http://schemas.microsoft.com/office/drawing/2014/main" id="{9CC9C928-2FC0-1F9F-90D8-2CA282C83F78}"/>
+                </a:ext>
+              </a:extLst>
+            </p:cNvPr>
+            <p:cNvSpPr/>
+            <p:nvPr/>
+          </p:nvSpPr>
+          <p:spPr>
+            <a:xfrm>
+              <a:off x="9054969" y="1967659"/>
+              <a:ext cx="204232" cy="213515"/>
+            </a:xfrm>
+            <a:prstGeom prst="rect">
+              <a:avLst/>
+            </a:prstGeom>
+            <a:noFill/>
+          </p:spPr>
+          <p:style>
+            <a:lnRef idx="2">
+              <a:schemeClr val="accent1">
+                <a:shade val="15000"/>
+              </a:schemeClr>
+            </a:lnRef>
+            <a:fillRef idx="1">
+              <a:schemeClr val="accent1"/>
+            </a:fillRef>
+            <a:effectRef idx="0">
+              <a:schemeClr val="accent1"/>
+            </a:effectRef>
+            <a:fontRef idx="minor">
+              <a:schemeClr val="lt1"/>
+            </a:fontRef>
+          </p:style>
+          <p:txBody>
+            <a:bodyPr rtlCol="0" anchor="ctr"/>
+            <a:lstStyle/>
+            <a:p>
+              <a:pPr algn="ctr"/>
+              <a:endParaRPr lang="en-GB" u="sng"/>
+            </a:p>
+          </p:txBody>
+        </p:sp>
+      </p:grpSp>
+      <p:cxnSp>
+        <p:nvCxnSpPr>
+          <p:cNvPr id="35" name="Straight Arrow Connector 34">
+            <a:extLst>
+              <a:ext uri="{FF2B5EF4-FFF2-40B4-BE49-F238E27FC236}">
+                <a16:creationId xmlns:a16="http://schemas.microsoft.com/office/drawing/2014/main" id="{3F2AB1D6-C598-918F-1992-74C949B9F5F3}"/>
+              </a:ext>
+            </a:extLst>
+          </p:cNvPr>
+          <p:cNvCxnSpPr>
+            <a:cxnSpLocks/>
+            <a:endCxn id="20" idx="0"/>
+          </p:cNvCxnSpPr>
+          <p:nvPr/>
+        </p:nvCxnSpPr>
+        <p:spPr>
+          <a:xfrm>
+            <a:off x="6535017" y="2455030"/>
+            <a:ext cx="4642" cy="495878"/>
+          </a:xfrm>
+          <a:prstGeom prst="straightConnector1">
+            <a:avLst/>
+          </a:prstGeom>
+          <a:ln w="6350">
+            <a:tailEnd type="triangle"/>
+          </a:ln>
+        </p:spPr>
+        <p:style>
+          <a:lnRef idx="2">
+            <a:schemeClr val="accent1"/>
+          </a:lnRef>
+          <a:fillRef idx="0">
+            <a:schemeClr val="accent1"/>
+          </a:fillRef>
+          <a:effectRef idx="1">
+            <a:schemeClr val="accent1"/>
+          </a:effectRef>
+          <a:fontRef idx="minor">
+            <a:schemeClr val="tx1"/>
+          </a:fontRef>
+        </p:style>
+      </p:cxnSp>
+      <p:cxnSp>
+        <p:nvCxnSpPr>
+          <p:cNvPr id="36" name="Straight Arrow Connector 35">
+            <a:extLst>
+              <a:ext uri="{FF2B5EF4-FFF2-40B4-BE49-F238E27FC236}">
+                <a16:creationId xmlns:a16="http://schemas.microsoft.com/office/drawing/2014/main" id="{1458535B-5E37-0637-74F8-BBFB75064B61}"/>
+              </a:ext>
+            </a:extLst>
+          </p:cNvPr>
+          <p:cNvCxnSpPr>
+            <a:cxnSpLocks/>
+          </p:cNvCxnSpPr>
+          <p:nvPr/>
+        </p:nvCxnSpPr>
+        <p:spPr>
+          <a:xfrm>
+            <a:off x="6748143" y="2455030"/>
+            <a:ext cx="4252" cy="495878"/>
+          </a:xfrm>
+          <a:prstGeom prst="straightConnector1">
+            <a:avLst/>
+          </a:prstGeom>
+          <a:ln w="6350">
+            <a:tailEnd type="triangle"/>
+          </a:ln>
+        </p:spPr>
+        <p:style>
+          <a:lnRef idx="2">
+            <a:schemeClr val="accent1"/>
+          </a:lnRef>
+          <a:fillRef idx="0">
+            <a:schemeClr val="accent1"/>
+          </a:fillRef>
+          <a:effectRef idx="1">
+            <a:schemeClr val="accent1"/>
+          </a:effectRef>
+          <a:fontRef idx="minor">
+            <a:schemeClr val="tx1"/>
+          </a:fontRef>
+        </p:style>
+      </p:cxnSp>
+      <p:cxnSp>
+        <p:nvCxnSpPr>
+          <p:cNvPr id="39" name="Straight Arrow Connector 38">
+            <a:extLst>
+              <a:ext uri="{FF2B5EF4-FFF2-40B4-BE49-F238E27FC236}">
+                <a16:creationId xmlns:a16="http://schemas.microsoft.com/office/drawing/2014/main" id="{DEA12C22-E7AF-DEBA-545E-4017F81C1033}"/>
+              </a:ext>
+            </a:extLst>
+          </p:cNvPr>
+          <p:cNvCxnSpPr>
+            <a:cxnSpLocks/>
+          </p:cNvCxnSpPr>
+          <p:nvPr/>
+        </p:nvCxnSpPr>
+        <p:spPr>
+          <a:xfrm>
+            <a:off x="6956237" y="2455030"/>
+            <a:ext cx="4252" cy="495878"/>
+          </a:xfrm>
+          <a:prstGeom prst="straightConnector1">
+            <a:avLst/>
+          </a:prstGeom>
+          <a:ln w="6350">
+            <a:tailEnd type="triangle"/>
+          </a:ln>
+        </p:spPr>
+        <p:style>
+          <a:lnRef idx="2">
+            <a:schemeClr val="accent1"/>
+          </a:lnRef>
+          <a:fillRef idx="0">
+            <a:schemeClr val="accent1"/>
+          </a:fillRef>
+          <a:effectRef idx="1">
+            <a:schemeClr val="accent1"/>
+          </a:effectRef>
+          <a:fontRef idx="minor">
+            <a:schemeClr val="tx1"/>
+          </a:fontRef>
+        </p:style>
+      </p:cxnSp>
+      <p:cxnSp>
+        <p:nvCxnSpPr>
+          <p:cNvPr id="40" name="Straight Arrow Connector 39">
+            <a:extLst>
+              <a:ext uri="{FF2B5EF4-FFF2-40B4-BE49-F238E27FC236}">
+                <a16:creationId xmlns:a16="http://schemas.microsoft.com/office/drawing/2014/main" id="{7C84F7D7-8BCD-AB5F-6E76-8A8A80BAF2B3}"/>
+              </a:ext>
+            </a:extLst>
+          </p:cNvPr>
+          <p:cNvCxnSpPr>
+            <a:cxnSpLocks/>
+            <a:endCxn id="23" idx="0"/>
+          </p:cNvCxnSpPr>
+          <p:nvPr/>
+        </p:nvCxnSpPr>
+        <p:spPr>
+          <a:xfrm>
+            <a:off x="7173615" y="2455030"/>
+            <a:ext cx="4252" cy="495878"/>
+          </a:xfrm>
+          <a:prstGeom prst="straightConnector1">
+            <a:avLst/>
+          </a:prstGeom>
+          <a:ln w="6350">
+            <a:tailEnd type="triangle"/>
+          </a:ln>
+        </p:spPr>
+        <p:style>
+          <a:lnRef idx="2">
+            <a:schemeClr val="accent1"/>
+          </a:lnRef>
+          <a:fillRef idx="0">
+            <a:schemeClr val="accent1"/>
+          </a:fillRef>
+          <a:effectRef idx="1">
+            <a:schemeClr val="accent1"/>
+          </a:effectRef>
+          <a:fontRef idx="minor">
+            <a:schemeClr val="tx1"/>
+          </a:fontRef>
+        </p:style>
+      </p:cxnSp>
+      <p:cxnSp>
+        <p:nvCxnSpPr>
+          <p:cNvPr id="41" name="Straight Arrow Connector 40">
+            <a:extLst>
+              <a:ext uri="{FF2B5EF4-FFF2-40B4-BE49-F238E27FC236}">
+                <a16:creationId xmlns:a16="http://schemas.microsoft.com/office/drawing/2014/main" id="{15A9A952-4B54-4305-4A2A-0DA114584D7E}"/>
+              </a:ext>
+            </a:extLst>
+          </p:cNvPr>
+          <p:cNvCxnSpPr>
+            <a:cxnSpLocks/>
+            <a:endCxn id="24" idx="0"/>
+          </p:cNvCxnSpPr>
+          <p:nvPr/>
+        </p:nvCxnSpPr>
+        <p:spPr>
+          <a:xfrm>
+            <a:off x="7386351" y="2455030"/>
+            <a:ext cx="4252" cy="495878"/>
+          </a:xfrm>
+          <a:prstGeom prst="straightConnector1">
+            <a:avLst/>
+          </a:prstGeom>
+          <a:ln w="6350">
+            <a:tailEnd type="triangle"/>
+          </a:ln>
+        </p:spPr>
+        <p:style>
+          <a:lnRef idx="2">
+            <a:schemeClr val="accent1"/>
+          </a:lnRef>
+          <a:fillRef idx="0">
+            <a:schemeClr val="accent1"/>
+          </a:fillRef>
+          <a:effectRef idx="1">
+            <a:schemeClr val="accent1"/>
+          </a:effectRef>
+          <a:fontRef idx="minor">
+            <a:schemeClr val="tx1"/>
+          </a:fontRef>
+        </p:style>
+      </p:cxnSp>
+      <p:cxnSp>
+        <p:nvCxnSpPr>
+          <p:cNvPr id="42" name="Straight Arrow Connector 41">
+            <a:extLst>
+              <a:ext uri="{FF2B5EF4-FFF2-40B4-BE49-F238E27FC236}">
+                <a16:creationId xmlns:a16="http://schemas.microsoft.com/office/drawing/2014/main" id="{1C1CA811-2686-20BE-EA6D-843C622FFA52}"/>
+              </a:ext>
+            </a:extLst>
+          </p:cNvPr>
+          <p:cNvCxnSpPr>
+            <a:cxnSpLocks/>
+            <a:endCxn id="25" idx="0"/>
+          </p:cNvCxnSpPr>
+          <p:nvPr/>
+        </p:nvCxnSpPr>
+        <p:spPr>
+          <a:xfrm>
+            <a:off x="7603339" y="2455030"/>
+            <a:ext cx="0" cy="495878"/>
+          </a:xfrm>
+          <a:prstGeom prst="straightConnector1">
+            <a:avLst/>
+          </a:prstGeom>
+          <a:ln w="6350">
+            <a:tailEnd type="triangle"/>
+          </a:ln>
+        </p:spPr>
+        <p:style>
+          <a:lnRef idx="2">
+            <a:schemeClr val="accent1"/>
+          </a:lnRef>
+          <a:fillRef idx="0">
+            <a:schemeClr val="accent1"/>
+          </a:fillRef>
+          <a:effectRef idx="1">
+            <a:schemeClr val="accent1"/>
+          </a:effectRef>
+          <a:fontRef idx="minor">
+            <a:schemeClr val="tx1"/>
+          </a:fontRef>
+        </p:style>
+      </p:cxnSp>
+      <p:cxnSp>
+        <p:nvCxnSpPr>
+          <p:cNvPr id="43" name="Straight Arrow Connector 42">
+            <a:extLst>
+              <a:ext uri="{FF2B5EF4-FFF2-40B4-BE49-F238E27FC236}">
+                <a16:creationId xmlns:a16="http://schemas.microsoft.com/office/drawing/2014/main" id="{2C7B6763-0873-D29B-DD2B-8218BACCF203}"/>
+              </a:ext>
+            </a:extLst>
+          </p:cNvPr>
+          <p:cNvCxnSpPr>
+            <a:cxnSpLocks/>
+            <a:endCxn id="26" idx="0"/>
+          </p:cNvCxnSpPr>
+          <p:nvPr/>
+        </p:nvCxnSpPr>
+        <p:spPr>
+          <a:xfrm>
+            <a:off x="7811823" y="2455030"/>
+            <a:ext cx="4252" cy="495878"/>
+          </a:xfrm>
+          <a:prstGeom prst="straightConnector1">
+            <a:avLst/>
+          </a:prstGeom>
+          <a:ln w="6350">
+            <a:tailEnd type="triangle"/>
+          </a:ln>
+        </p:spPr>
+        <p:style>
+          <a:lnRef idx="2">
+            <a:schemeClr val="accent1"/>
+          </a:lnRef>
+          <a:fillRef idx="0">
+            <a:schemeClr val="accent1"/>
+          </a:fillRef>
+          <a:effectRef idx="1">
+            <a:schemeClr val="accent1"/>
+          </a:effectRef>
+          <a:fontRef idx="minor">
+            <a:schemeClr val="tx1"/>
+          </a:fontRef>
+        </p:style>
+      </p:cxnSp>
+      <p:cxnSp>
+        <p:nvCxnSpPr>
+          <p:cNvPr id="44" name="Straight Arrow Connector 43">
+            <a:extLst>
+              <a:ext uri="{FF2B5EF4-FFF2-40B4-BE49-F238E27FC236}">
+                <a16:creationId xmlns:a16="http://schemas.microsoft.com/office/drawing/2014/main" id="{3B478E40-551D-A7F9-3E2A-5C012DFA2749}"/>
+              </a:ext>
+            </a:extLst>
+          </p:cNvPr>
+          <p:cNvCxnSpPr>
+            <a:cxnSpLocks/>
+          </p:cNvCxnSpPr>
+          <p:nvPr/>
+        </p:nvCxnSpPr>
+        <p:spPr>
+          <a:xfrm>
+            <a:off x="8024559" y="2455030"/>
+            <a:ext cx="22438" cy="495878"/>
+          </a:xfrm>
+          <a:prstGeom prst="straightConnector1">
+            <a:avLst/>
+          </a:prstGeom>
+          <a:ln w="6350">
+            <a:tailEnd type="triangle"/>
+          </a:ln>
+        </p:spPr>
+        <p:style>
+          <a:lnRef idx="2">
+            <a:schemeClr val="accent1"/>
+          </a:lnRef>
+          <a:fillRef idx="0">
+            <a:schemeClr val="accent1"/>
+          </a:fillRef>
+          <a:effectRef idx="1">
+            <a:schemeClr val="accent1"/>
+          </a:effectRef>
+          <a:fontRef idx="minor">
+            <a:schemeClr val="tx1"/>
+          </a:fontRef>
+        </p:style>
+      </p:cxnSp>
+      <p:cxnSp>
+        <p:nvCxnSpPr>
+          <p:cNvPr id="45" name="Straight Arrow Connector 44">
+            <a:extLst>
+              <a:ext uri="{FF2B5EF4-FFF2-40B4-BE49-F238E27FC236}">
+                <a16:creationId xmlns:a16="http://schemas.microsoft.com/office/drawing/2014/main" id="{5D41EB65-B661-B895-10A1-4E97BAF4F3BA}"/>
+              </a:ext>
+            </a:extLst>
+          </p:cNvPr>
+          <p:cNvCxnSpPr>
+            <a:cxnSpLocks/>
+            <a:endCxn id="28" idx="0"/>
+          </p:cNvCxnSpPr>
+          <p:nvPr/>
+        </p:nvCxnSpPr>
+        <p:spPr>
+          <a:xfrm>
+            <a:off x="8237295" y="2455030"/>
+            <a:ext cx="4252" cy="495878"/>
+          </a:xfrm>
+          <a:prstGeom prst="straightConnector1">
+            <a:avLst/>
+          </a:prstGeom>
+          <a:ln w="6350">
+            <a:tailEnd type="triangle"/>
+          </a:ln>
+        </p:spPr>
+        <p:style>
+          <a:lnRef idx="2">
+            <a:schemeClr val="accent1"/>
+          </a:lnRef>
+          <a:fillRef idx="0">
+            <a:schemeClr val="accent1"/>
+          </a:fillRef>
+          <a:effectRef idx="1">
+            <a:schemeClr val="accent1"/>
+          </a:effectRef>
+          <a:fontRef idx="minor">
+            <a:schemeClr val="tx1"/>
+          </a:fontRef>
+        </p:style>
+      </p:cxnSp>
+      <p:cxnSp>
+        <p:nvCxnSpPr>
+          <p:cNvPr id="46" name="Straight Arrow Connector 45">
+            <a:extLst>
+              <a:ext uri="{FF2B5EF4-FFF2-40B4-BE49-F238E27FC236}">
+                <a16:creationId xmlns:a16="http://schemas.microsoft.com/office/drawing/2014/main" id="{DF217CC1-A326-E65D-8A7E-0AB4AE65CABD}"/>
+              </a:ext>
+            </a:extLst>
+          </p:cNvPr>
+          <p:cNvCxnSpPr>
+            <a:cxnSpLocks/>
+            <a:endCxn id="29" idx="0"/>
+          </p:cNvCxnSpPr>
+          <p:nvPr/>
+        </p:nvCxnSpPr>
+        <p:spPr>
+          <a:xfrm>
+            <a:off x="8450031" y="2455030"/>
+            <a:ext cx="4252" cy="495878"/>
+          </a:xfrm>
+          <a:prstGeom prst="straightConnector1">
+            <a:avLst/>
+          </a:prstGeom>
+          <a:ln w="6350">
+            <a:tailEnd type="triangle"/>
+          </a:ln>
+        </p:spPr>
+        <p:style>
+          <a:lnRef idx="2">
+            <a:schemeClr val="accent1"/>
+          </a:lnRef>
+          <a:fillRef idx="0">
+            <a:schemeClr val="accent1"/>
+          </a:fillRef>
+          <a:effectRef idx="1">
+            <a:schemeClr val="accent1"/>
+          </a:effectRef>
+          <a:fontRef idx="minor">
+            <a:schemeClr val="tx1"/>
+          </a:fontRef>
+        </p:style>
+      </p:cxnSp>
+      <p:cxnSp>
+        <p:nvCxnSpPr>
+          <p:cNvPr id="47" name="Straight Arrow Connector 46">
+            <a:extLst>
+              <a:ext uri="{FF2B5EF4-FFF2-40B4-BE49-F238E27FC236}">
+                <a16:creationId xmlns:a16="http://schemas.microsoft.com/office/drawing/2014/main" id="{31228DAF-2C48-F4B0-423A-FA547F1382BB}"/>
+              </a:ext>
+            </a:extLst>
+          </p:cNvPr>
+          <p:cNvCxnSpPr>
+            <a:cxnSpLocks/>
+            <a:endCxn id="30" idx="0"/>
+          </p:cNvCxnSpPr>
+          <p:nvPr/>
+        </p:nvCxnSpPr>
+        <p:spPr>
+          <a:xfrm>
+            <a:off x="8662767" y="2455030"/>
+            <a:ext cx="4252" cy="495878"/>
+          </a:xfrm>
+          <a:prstGeom prst="straightConnector1">
+            <a:avLst/>
+          </a:prstGeom>
+          <a:ln w="6350">
+            <a:tailEnd type="triangle"/>
+          </a:ln>
+        </p:spPr>
+        <p:style>
+          <a:lnRef idx="2">
+            <a:schemeClr val="accent1"/>
+          </a:lnRef>
+          <a:fillRef idx="0">
+            <a:schemeClr val="accent1"/>
+          </a:fillRef>
+          <a:effectRef idx="1">
+            <a:schemeClr val="accent1"/>
+          </a:effectRef>
+          <a:fontRef idx="minor">
+            <a:schemeClr val="tx1"/>
+          </a:fontRef>
+        </p:style>
+      </p:cxnSp>
+      <p:cxnSp>
+        <p:nvCxnSpPr>
+          <p:cNvPr id="48" name="Straight Arrow Connector 47">
+            <a:extLst>
+              <a:ext uri="{FF2B5EF4-FFF2-40B4-BE49-F238E27FC236}">
+                <a16:creationId xmlns:a16="http://schemas.microsoft.com/office/drawing/2014/main" id="{19F97C5C-934E-5A9C-DEBF-9FABF739B723}"/>
+              </a:ext>
+            </a:extLst>
+          </p:cNvPr>
+          <p:cNvCxnSpPr>
+            <a:cxnSpLocks/>
+            <a:endCxn id="31" idx="0"/>
+          </p:cNvCxnSpPr>
+          <p:nvPr/>
+        </p:nvCxnSpPr>
+        <p:spPr>
+          <a:xfrm>
+            <a:off x="8875503" y="2455030"/>
+            <a:ext cx="4252" cy="495878"/>
+          </a:xfrm>
+          <a:prstGeom prst="straightConnector1">
+            <a:avLst/>
+          </a:prstGeom>
+          <a:ln w="6350">
+            <a:tailEnd type="triangle"/>
+          </a:ln>
+        </p:spPr>
+        <p:style>
+          <a:lnRef idx="2">
+            <a:schemeClr val="accent1"/>
+          </a:lnRef>
+          <a:fillRef idx="0">
+            <a:schemeClr val="accent1"/>
+          </a:fillRef>
+          <a:effectRef idx="1">
+            <a:schemeClr val="accent1"/>
+          </a:effectRef>
+          <a:fontRef idx="minor">
+            <a:schemeClr val="tx1"/>
+          </a:fontRef>
+        </p:style>
+      </p:cxnSp>
+      <p:cxnSp>
+        <p:nvCxnSpPr>
+          <p:cNvPr id="49" name="Straight Arrow Connector 48">
+            <a:extLst>
+              <a:ext uri="{FF2B5EF4-FFF2-40B4-BE49-F238E27FC236}">
+                <a16:creationId xmlns:a16="http://schemas.microsoft.com/office/drawing/2014/main" id="{03B62B13-1A19-9B01-1BD7-B14F4E7BB539}"/>
+              </a:ext>
+            </a:extLst>
+          </p:cNvPr>
+          <p:cNvCxnSpPr>
+            <a:cxnSpLocks/>
+            <a:endCxn id="32" idx="0"/>
+          </p:cNvCxnSpPr>
+          <p:nvPr/>
+        </p:nvCxnSpPr>
+        <p:spPr>
+          <a:xfrm>
+            <a:off x="9088239" y="2455030"/>
+            <a:ext cx="4252" cy="495878"/>
+          </a:xfrm>
+          <a:prstGeom prst="straightConnector1">
+            <a:avLst/>
+          </a:prstGeom>
+          <a:ln w="6350">
+            <a:tailEnd type="triangle"/>
+          </a:ln>
+        </p:spPr>
+        <p:style>
+          <a:lnRef idx="2">
+            <a:schemeClr val="accent1"/>
+          </a:lnRef>
+          <a:fillRef idx="0">
+            <a:schemeClr val="accent1"/>
+          </a:fillRef>
+          <a:effectRef idx="1">
+            <a:schemeClr val="accent1"/>
+          </a:effectRef>
+          <a:fontRef idx="minor">
+            <a:schemeClr val="tx1"/>
+          </a:fontRef>
+        </p:style>
+      </p:cxnSp>
+      <p:cxnSp>
+        <p:nvCxnSpPr>
+          <p:cNvPr id="50" name="Straight Arrow Connector 49">
+            <a:extLst>
+              <a:ext uri="{FF2B5EF4-FFF2-40B4-BE49-F238E27FC236}">
+                <a16:creationId xmlns:a16="http://schemas.microsoft.com/office/drawing/2014/main" id="{682BECF3-1AB4-3B44-41AF-2C32EC098DE6}"/>
+              </a:ext>
+            </a:extLst>
+          </p:cNvPr>
+          <p:cNvCxnSpPr>
+            <a:cxnSpLocks/>
+            <a:endCxn id="33" idx="0"/>
+          </p:cNvCxnSpPr>
+          <p:nvPr/>
+        </p:nvCxnSpPr>
+        <p:spPr>
+          <a:xfrm>
+            <a:off x="9300975" y="2455030"/>
+            <a:ext cx="4252" cy="495878"/>
+          </a:xfrm>
+          <a:prstGeom prst="straightConnector1">
+            <a:avLst/>
+          </a:prstGeom>
+          <a:ln w="6350">
+            <a:tailEnd type="triangle"/>
+          </a:ln>
+        </p:spPr>
+        <p:style>
+          <a:lnRef idx="2">
+            <a:schemeClr val="accent1"/>
+          </a:lnRef>
+          <a:fillRef idx="0">
+            <a:schemeClr val="accent1"/>
+          </a:fillRef>
+          <a:effectRef idx="1">
+            <a:schemeClr val="accent1"/>
+          </a:effectRef>
+          <a:fontRef idx="minor">
+            <a:schemeClr val="tx1"/>
+          </a:fontRef>
+        </p:style>
+      </p:cxnSp>
+      <p:grpSp>
+        <p:nvGrpSpPr>
+          <p:cNvPr id="18" name="Group 17">
+            <a:extLst>
+              <a:ext uri="{FF2B5EF4-FFF2-40B4-BE49-F238E27FC236}">
+                <a16:creationId xmlns:a16="http://schemas.microsoft.com/office/drawing/2014/main" id="{D640DE27-2AF0-AF38-2164-34DF70EB0917}"/>
+              </a:ext>
+            </a:extLst>
+          </p:cNvPr>
+          <p:cNvGrpSpPr/>
+          <p:nvPr/>
+        </p:nvGrpSpPr>
+        <p:grpSpPr>
+          <a:xfrm>
+            <a:off x="6433291" y="2241515"/>
+            <a:ext cx="2969800" cy="213515"/>
+            <a:chOff x="6289401" y="1967659"/>
+            <a:chExt cx="2969800" cy="213515"/>
+          </a:xfrm>
+        </p:grpSpPr>
+        <p:sp>
+          <p:nvSpPr>
+            <p:cNvPr id="4" name="Rectangle 3">
+              <a:extLst>
+                <a:ext uri="{FF2B5EF4-FFF2-40B4-BE49-F238E27FC236}">
+                  <a16:creationId xmlns:a16="http://schemas.microsoft.com/office/drawing/2014/main" id="{D607BEDB-E2BE-703F-879D-ECEBB0170B39}"/>
+                </a:ext>
+              </a:extLst>
+            </p:cNvPr>
+            <p:cNvSpPr/>
+            <p:nvPr/>
+          </p:nvSpPr>
+          <p:spPr>
+            <a:xfrm>
+              <a:off x="6289401" y="1967659"/>
+              <a:ext cx="204232" cy="213515"/>
+            </a:xfrm>
+            <a:prstGeom prst="rect">
+              <a:avLst/>
+            </a:prstGeom>
+            <a:solidFill>
+              <a:srgbClr val="0066FF"/>
+            </a:solidFill>
+          </p:spPr>
+          <p:style>
+            <a:lnRef idx="2">
+              <a:schemeClr val="accent1">
+                <a:shade val="15000"/>
+              </a:schemeClr>
+            </a:lnRef>
+            <a:fillRef idx="1">
+              <a:schemeClr val="accent1"/>
+            </a:fillRef>
+            <a:effectRef idx="0">
+              <a:schemeClr val="accent1"/>
+            </a:effectRef>
+            <a:fontRef idx="minor">
+              <a:schemeClr val="lt1"/>
+            </a:fontRef>
+          </p:style>
+          <p:txBody>
+            <a:bodyPr rtlCol="0" anchor="ctr"/>
+            <a:lstStyle/>
+            <a:p>
+              <a:pPr algn="ctr"/>
+              <a:r>
+                <a:rPr lang="en-GB" sz="800" dirty="0"/>
+                <a:t>1</a:t>
+              </a:r>
+            </a:p>
+          </p:txBody>
+        </p:sp>
+        <p:sp>
+          <p:nvSpPr>
+            <p:cNvPr id="5" name="Rectangle 4">
+              <a:extLst>
+                <a:ext uri="{FF2B5EF4-FFF2-40B4-BE49-F238E27FC236}">
+                  <a16:creationId xmlns:a16="http://schemas.microsoft.com/office/drawing/2014/main" id="{5C901CC1-9A9F-93C9-CA4B-F9FA24904D62}"/>
+                </a:ext>
+              </a:extLst>
+            </p:cNvPr>
+            <p:cNvSpPr/>
+            <p:nvPr/>
+          </p:nvSpPr>
+          <p:spPr>
+            <a:xfrm>
+              <a:off x="6502137" y="1967659"/>
+              <a:ext cx="204232" cy="213515"/>
+            </a:xfrm>
+            <a:prstGeom prst="rect">
+              <a:avLst/>
+            </a:prstGeom>
+            <a:solidFill>
+              <a:srgbClr val="0066FF"/>
+            </a:solidFill>
+          </p:spPr>
+          <p:style>
+            <a:lnRef idx="2">
+              <a:schemeClr val="accent1">
+                <a:shade val="15000"/>
+              </a:schemeClr>
+            </a:lnRef>
+            <a:fillRef idx="1">
+              <a:schemeClr val="accent1"/>
+            </a:fillRef>
+            <a:effectRef idx="0">
+              <a:schemeClr val="accent1"/>
+            </a:effectRef>
+            <a:fontRef idx="minor">
+              <a:schemeClr val="lt1"/>
+            </a:fontRef>
+          </p:style>
+          <p:txBody>
+            <a:bodyPr rtlCol="0" anchor="ctr"/>
+            <a:lstStyle/>
+            <a:p>
+              <a:pPr algn="ctr"/>
+              <a:r>
+                <a:rPr lang="en-GB" sz="800" dirty="0"/>
+                <a:t>2</a:t>
+              </a:r>
+            </a:p>
+          </p:txBody>
+        </p:sp>
+        <p:sp>
+          <p:nvSpPr>
+            <p:cNvPr id="6" name="Rectangle 5">
+              <a:extLst>
+                <a:ext uri="{FF2B5EF4-FFF2-40B4-BE49-F238E27FC236}">
+                  <a16:creationId xmlns:a16="http://schemas.microsoft.com/office/drawing/2014/main" id="{065D6D11-06D4-09D9-2C61-8B61A8A30F0E}"/>
+                </a:ext>
+              </a:extLst>
+            </p:cNvPr>
+            <p:cNvSpPr/>
+            <p:nvPr/>
+          </p:nvSpPr>
+          <p:spPr>
+            <a:xfrm>
+              <a:off x="6714873" y="1967659"/>
+              <a:ext cx="204232" cy="213515"/>
+            </a:xfrm>
+            <a:prstGeom prst="rect">
+              <a:avLst/>
+            </a:prstGeom>
+            <a:solidFill>
+              <a:srgbClr val="0066FF"/>
+            </a:solidFill>
+          </p:spPr>
+          <p:style>
+            <a:lnRef idx="2">
+              <a:schemeClr val="accent1">
+                <a:shade val="15000"/>
+              </a:schemeClr>
+            </a:lnRef>
+            <a:fillRef idx="1">
+              <a:schemeClr val="accent1"/>
+            </a:fillRef>
+            <a:effectRef idx="0">
+              <a:schemeClr val="accent1"/>
+            </a:effectRef>
+            <a:fontRef idx="minor">
+              <a:schemeClr val="lt1"/>
+            </a:fontRef>
+          </p:style>
+          <p:txBody>
+            <a:bodyPr rtlCol="0" anchor="ctr"/>
+            <a:lstStyle/>
+            <a:p>
+              <a:pPr algn="ctr"/>
+              <a:r>
+                <a:rPr lang="en-GB" sz="800" dirty="0"/>
+                <a:t>3</a:t>
+              </a:r>
+            </a:p>
+          </p:txBody>
+        </p:sp>
+        <p:sp>
+          <p:nvSpPr>
+            <p:cNvPr id="7" name="Rectangle 6">
+              <a:extLst>
+                <a:ext uri="{FF2B5EF4-FFF2-40B4-BE49-F238E27FC236}">
+                  <a16:creationId xmlns:a16="http://schemas.microsoft.com/office/drawing/2014/main" id="{CBFB304F-FAFE-4CB9-A646-DE0478B674EC}"/>
+                </a:ext>
+              </a:extLst>
+            </p:cNvPr>
+            <p:cNvSpPr/>
+            <p:nvPr/>
+          </p:nvSpPr>
+          <p:spPr>
+            <a:xfrm>
+              <a:off x="6927609" y="1967659"/>
+              <a:ext cx="204232" cy="213515"/>
+            </a:xfrm>
+            <a:prstGeom prst="rect">
+              <a:avLst/>
+            </a:prstGeom>
+            <a:solidFill>
+              <a:srgbClr val="0066FF"/>
+            </a:solidFill>
+          </p:spPr>
+          <p:style>
+            <a:lnRef idx="2">
+              <a:schemeClr val="accent1">
+                <a:shade val="15000"/>
+              </a:schemeClr>
+            </a:lnRef>
+            <a:fillRef idx="1">
+              <a:schemeClr val="accent1"/>
+            </a:fillRef>
+            <a:effectRef idx="0">
+              <a:schemeClr val="accent1"/>
+            </a:effectRef>
+            <a:fontRef idx="minor">
+              <a:schemeClr val="lt1"/>
+            </a:fontRef>
+          </p:style>
+          <p:txBody>
+            <a:bodyPr rtlCol="0" anchor="ctr"/>
+            <a:lstStyle/>
+            <a:p>
+              <a:pPr algn="ctr"/>
+              <a:r>
+                <a:rPr lang="en-GB" sz="800" dirty="0"/>
+                <a:t>4</a:t>
+              </a:r>
+            </a:p>
+          </p:txBody>
+        </p:sp>
+        <p:sp>
+          <p:nvSpPr>
+            <p:cNvPr id="8" name="Rectangle 7">
+              <a:extLst>
+                <a:ext uri="{FF2B5EF4-FFF2-40B4-BE49-F238E27FC236}">
+                  <a16:creationId xmlns:a16="http://schemas.microsoft.com/office/drawing/2014/main" id="{6E027B42-C714-6F94-E8C2-DC095C6F88C1}"/>
+                </a:ext>
+              </a:extLst>
+            </p:cNvPr>
+            <p:cNvSpPr/>
+            <p:nvPr/>
+          </p:nvSpPr>
+          <p:spPr>
+            <a:xfrm>
+              <a:off x="7140345" y="1967659"/>
+              <a:ext cx="204232" cy="213515"/>
+            </a:xfrm>
+            <a:prstGeom prst="rect">
+              <a:avLst/>
+            </a:prstGeom>
+            <a:solidFill>
+              <a:srgbClr val="0066FF"/>
+            </a:solidFill>
+          </p:spPr>
+          <p:style>
+            <a:lnRef idx="2">
+              <a:schemeClr val="accent1">
+                <a:shade val="15000"/>
+              </a:schemeClr>
+            </a:lnRef>
+            <a:fillRef idx="1">
+              <a:schemeClr val="accent1"/>
+            </a:fillRef>
+            <a:effectRef idx="0">
+              <a:schemeClr val="accent1"/>
+            </a:effectRef>
+            <a:fontRef idx="minor">
+              <a:schemeClr val="lt1"/>
+            </a:fontRef>
+          </p:style>
+          <p:txBody>
+            <a:bodyPr rtlCol="0" anchor="ctr"/>
+            <a:lstStyle/>
+            <a:p>
+              <a:pPr algn="ctr"/>
+              <a:r>
+                <a:rPr lang="en-GB" sz="800" dirty="0"/>
+                <a:t>5</a:t>
+              </a:r>
+            </a:p>
+          </p:txBody>
+        </p:sp>
+        <p:sp>
+          <p:nvSpPr>
+            <p:cNvPr id="9" name="Rectangle 8">
+              <a:extLst>
+                <a:ext uri="{FF2B5EF4-FFF2-40B4-BE49-F238E27FC236}">
+                  <a16:creationId xmlns:a16="http://schemas.microsoft.com/office/drawing/2014/main" id="{AA93F76B-507A-A95E-B27F-56693E679F43}"/>
+                </a:ext>
+              </a:extLst>
+            </p:cNvPr>
+            <p:cNvSpPr/>
+            <p:nvPr/>
+          </p:nvSpPr>
+          <p:spPr>
+            <a:xfrm>
+              <a:off x="7347692" y="1967659"/>
+              <a:ext cx="230939" cy="213515"/>
+            </a:xfrm>
+            <a:prstGeom prst="rect">
+              <a:avLst/>
+            </a:prstGeom>
+            <a:solidFill>
+              <a:srgbClr val="0066FF"/>
+            </a:solidFill>
+          </p:spPr>
+          <p:style>
+            <a:lnRef idx="2">
+              <a:schemeClr val="accent1">
+                <a:shade val="15000"/>
+              </a:schemeClr>
+            </a:lnRef>
+            <a:fillRef idx="1">
+              <a:schemeClr val="accent1"/>
+            </a:fillRef>
+            <a:effectRef idx="0">
+              <a:schemeClr val="accent1"/>
+            </a:effectRef>
+            <a:fontRef idx="minor">
+              <a:schemeClr val="lt1"/>
+            </a:fontRef>
+          </p:style>
+          <p:txBody>
+            <a:bodyPr rtlCol="0" anchor="ctr"/>
+            <a:lstStyle/>
+            <a:p>
+              <a:pPr algn="ctr"/>
+              <a:r>
+                <a:rPr lang="en-GB" sz="800" dirty="0"/>
+                <a:t>6</a:t>
+              </a:r>
+            </a:p>
+          </p:txBody>
+        </p:sp>
+        <p:sp>
+          <p:nvSpPr>
+            <p:cNvPr id="10" name="Rectangle 9">
+              <a:extLst>
+                <a:ext uri="{FF2B5EF4-FFF2-40B4-BE49-F238E27FC236}">
+                  <a16:creationId xmlns:a16="http://schemas.microsoft.com/office/drawing/2014/main" id="{C34F5B15-73C1-86AE-D80E-C1E85B8739EC}"/>
+                </a:ext>
+              </a:extLst>
+            </p:cNvPr>
+            <p:cNvSpPr/>
+            <p:nvPr/>
+          </p:nvSpPr>
+          <p:spPr>
+            <a:xfrm>
+              <a:off x="7588255" y="1967659"/>
+              <a:ext cx="204231" cy="213515"/>
+            </a:xfrm>
+            <a:prstGeom prst="rect">
+              <a:avLst/>
+            </a:prstGeom>
+            <a:solidFill>
+              <a:srgbClr val="0066FF"/>
+            </a:solidFill>
+          </p:spPr>
+          <p:style>
+            <a:lnRef idx="2">
+              <a:schemeClr val="accent1">
+                <a:shade val="15000"/>
+              </a:schemeClr>
+            </a:lnRef>
+            <a:fillRef idx="1">
+              <a:schemeClr val="accent1"/>
+            </a:fillRef>
+            <a:effectRef idx="0">
+              <a:schemeClr val="accent1"/>
+            </a:effectRef>
+            <a:fontRef idx="minor">
+              <a:schemeClr val="lt1"/>
+            </a:fontRef>
+          </p:style>
+          <p:txBody>
+            <a:bodyPr rtlCol="0" anchor="ctr"/>
+            <a:lstStyle/>
+            <a:p>
+              <a:pPr algn="ctr"/>
+              <a:r>
+                <a:rPr lang="en-GB" sz="800" dirty="0"/>
+                <a:t>7</a:t>
+              </a:r>
+            </a:p>
+          </p:txBody>
+        </p:sp>
+        <p:sp>
+          <p:nvSpPr>
+            <p:cNvPr id="11" name="Rectangle 10">
+              <a:extLst>
+                <a:ext uri="{FF2B5EF4-FFF2-40B4-BE49-F238E27FC236}">
+                  <a16:creationId xmlns:a16="http://schemas.microsoft.com/office/drawing/2014/main" id="{1B461AE7-8C1C-9C9F-8E26-2EEDA1CD711A}"/>
+                </a:ext>
+              </a:extLst>
+            </p:cNvPr>
+            <p:cNvSpPr/>
+            <p:nvPr/>
+          </p:nvSpPr>
+          <p:spPr>
+            <a:xfrm>
+              <a:off x="7778553" y="1967659"/>
+              <a:ext cx="204232" cy="213515"/>
+            </a:xfrm>
+            <a:prstGeom prst="rect">
+              <a:avLst/>
+            </a:prstGeom>
+            <a:solidFill>
+              <a:srgbClr val="0066FF"/>
+            </a:solidFill>
+          </p:spPr>
+          <p:style>
+            <a:lnRef idx="2">
+              <a:schemeClr val="accent1">
+                <a:shade val="15000"/>
+              </a:schemeClr>
+            </a:lnRef>
+            <a:fillRef idx="1">
+              <a:schemeClr val="accent1"/>
+            </a:fillRef>
+            <a:effectRef idx="0">
+              <a:schemeClr val="accent1"/>
+            </a:effectRef>
+            <a:fontRef idx="minor">
+              <a:schemeClr val="lt1"/>
+            </a:fontRef>
+          </p:style>
+          <p:txBody>
+            <a:bodyPr rtlCol="0" anchor="ctr"/>
+            <a:lstStyle/>
+            <a:p>
+              <a:pPr algn="ctr"/>
+              <a:r>
+                <a:rPr lang="en-GB" sz="800" dirty="0"/>
+                <a:t>8</a:t>
+              </a:r>
+            </a:p>
+          </p:txBody>
+        </p:sp>
+        <p:sp>
+          <p:nvSpPr>
+            <p:cNvPr id="12" name="Rectangle 11">
+              <a:extLst>
+                <a:ext uri="{FF2B5EF4-FFF2-40B4-BE49-F238E27FC236}">
+                  <a16:creationId xmlns:a16="http://schemas.microsoft.com/office/drawing/2014/main" id="{50B05FC4-59ED-4C32-9801-4FE28C1DAC2E}"/>
+                </a:ext>
+              </a:extLst>
+            </p:cNvPr>
+            <p:cNvSpPr/>
+            <p:nvPr/>
+          </p:nvSpPr>
+          <p:spPr>
+            <a:xfrm>
+              <a:off x="7991289" y="1967659"/>
+              <a:ext cx="204232" cy="213515"/>
+            </a:xfrm>
+            <a:prstGeom prst="rect">
+              <a:avLst/>
+            </a:prstGeom>
+            <a:solidFill>
+              <a:srgbClr val="0066FF"/>
+            </a:solidFill>
+          </p:spPr>
+          <p:style>
+            <a:lnRef idx="2">
+              <a:schemeClr val="accent1">
+                <a:shade val="15000"/>
+              </a:schemeClr>
+            </a:lnRef>
+            <a:fillRef idx="1">
+              <a:schemeClr val="accent1"/>
+            </a:fillRef>
+            <a:effectRef idx="0">
+              <a:schemeClr val="accent1"/>
+            </a:effectRef>
+            <a:fontRef idx="minor">
+              <a:schemeClr val="lt1"/>
+            </a:fontRef>
+          </p:style>
+          <p:txBody>
+            <a:bodyPr rtlCol="0" anchor="ctr"/>
+            <a:lstStyle/>
+            <a:p>
+              <a:pPr algn="ctr"/>
+              <a:r>
+                <a:rPr lang="en-GB" sz="800" dirty="0"/>
+                <a:t>9</a:t>
+              </a:r>
+            </a:p>
+          </p:txBody>
+        </p:sp>
+        <p:sp>
+          <p:nvSpPr>
+            <p:cNvPr id="13" name="Rectangle 12">
+              <a:extLst>
+                <a:ext uri="{FF2B5EF4-FFF2-40B4-BE49-F238E27FC236}">
+                  <a16:creationId xmlns:a16="http://schemas.microsoft.com/office/drawing/2014/main" id="{06CE7E05-EDB1-3CED-775D-59CC5256AFEE}"/>
+                </a:ext>
+              </a:extLst>
+            </p:cNvPr>
+            <p:cNvSpPr/>
+            <p:nvPr/>
+          </p:nvSpPr>
+          <p:spPr>
+            <a:xfrm>
+              <a:off x="8204025" y="1967659"/>
+              <a:ext cx="204232" cy="213515"/>
+            </a:xfrm>
+            <a:prstGeom prst="rect">
+              <a:avLst/>
+            </a:prstGeom>
+            <a:solidFill>
+              <a:srgbClr val="0066FF"/>
+            </a:solidFill>
+          </p:spPr>
+          <p:style>
+            <a:lnRef idx="2">
+              <a:schemeClr val="accent1">
+                <a:shade val="15000"/>
+              </a:schemeClr>
+            </a:lnRef>
+            <a:fillRef idx="1">
+              <a:schemeClr val="accent1"/>
+            </a:fillRef>
+            <a:effectRef idx="0">
+              <a:schemeClr val="accent1"/>
+            </a:effectRef>
+            <a:fontRef idx="minor">
+              <a:schemeClr val="lt1"/>
+            </a:fontRef>
+          </p:style>
+          <p:txBody>
+            <a:bodyPr rtlCol="0" anchor="ctr"/>
+            <a:lstStyle/>
+            <a:p>
+              <a:pPr algn="ctr"/>
+              <a:r>
+                <a:rPr lang="en-GB" sz="800" dirty="0"/>
+                <a:t>10</a:t>
+              </a:r>
+            </a:p>
+          </p:txBody>
+        </p:sp>
+        <p:sp>
+          <p:nvSpPr>
+            <p:cNvPr id="14" name="Rectangle 13">
+              <a:extLst>
+                <a:ext uri="{FF2B5EF4-FFF2-40B4-BE49-F238E27FC236}">
+                  <a16:creationId xmlns:a16="http://schemas.microsoft.com/office/drawing/2014/main" id="{DC814749-42A7-F5C7-C4E5-6257AE63C6F0}"/>
+                </a:ext>
+              </a:extLst>
+            </p:cNvPr>
+            <p:cNvSpPr/>
+            <p:nvPr/>
+          </p:nvSpPr>
+          <p:spPr>
+            <a:xfrm>
+              <a:off x="8416761" y="1967659"/>
+              <a:ext cx="204232" cy="213515"/>
+            </a:xfrm>
+            <a:prstGeom prst="rect">
+              <a:avLst/>
+            </a:prstGeom>
+            <a:solidFill>
+              <a:srgbClr val="0066FF"/>
+            </a:solidFill>
+          </p:spPr>
+          <p:style>
+            <a:lnRef idx="2">
+              <a:schemeClr val="accent1">
+                <a:shade val="15000"/>
+              </a:schemeClr>
+            </a:lnRef>
+            <a:fillRef idx="1">
+              <a:schemeClr val="accent1"/>
+            </a:fillRef>
+            <a:effectRef idx="0">
+              <a:schemeClr val="accent1"/>
+            </a:effectRef>
+            <a:fontRef idx="minor">
+              <a:schemeClr val="lt1"/>
+            </a:fontRef>
+          </p:style>
+          <p:txBody>
+            <a:bodyPr rtlCol="0" anchor="ctr"/>
+            <a:lstStyle/>
+            <a:p>
+              <a:pPr algn="ctr"/>
+              <a:r>
+                <a:rPr lang="en-GB" sz="800" dirty="0"/>
+                <a:t>11</a:t>
+              </a:r>
+            </a:p>
+          </p:txBody>
+        </p:sp>
+        <p:sp>
+          <p:nvSpPr>
+            <p:cNvPr id="15" name="Rectangle 14">
+              <a:extLst>
+                <a:ext uri="{FF2B5EF4-FFF2-40B4-BE49-F238E27FC236}">
+                  <a16:creationId xmlns:a16="http://schemas.microsoft.com/office/drawing/2014/main" id="{7AC9BE32-B088-138D-2FC2-4299E36DBECF}"/>
+                </a:ext>
+              </a:extLst>
+            </p:cNvPr>
+            <p:cNvSpPr/>
+            <p:nvPr/>
+          </p:nvSpPr>
+          <p:spPr>
+            <a:xfrm>
+              <a:off x="8629497" y="1967659"/>
+              <a:ext cx="204232" cy="213515"/>
+            </a:xfrm>
+            <a:prstGeom prst="rect">
+              <a:avLst/>
+            </a:prstGeom>
+            <a:solidFill>
+              <a:srgbClr val="0066FF"/>
+            </a:solidFill>
+          </p:spPr>
+          <p:style>
+            <a:lnRef idx="2">
+              <a:schemeClr val="accent1">
+                <a:shade val="15000"/>
+              </a:schemeClr>
+            </a:lnRef>
+            <a:fillRef idx="1">
+              <a:schemeClr val="accent1"/>
+            </a:fillRef>
+            <a:effectRef idx="0">
+              <a:schemeClr val="accent1"/>
+            </a:effectRef>
+            <a:fontRef idx="minor">
+              <a:schemeClr val="lt1"/>
+            </a:fontRef>
+          </p:style>
+          <p:txBody>
+            <a:bodyPr rtlCol="0" anchor="ctr"/>
+            <a:lstStyle/>
+            <a:p>
+              <a:pPr algn="ctr"/>
+              <a:r>
+                <a:rPr lang="en-GB" sz="800" dirty="0"/>
+                <a:t>12</a:t>
+              </a:r>
+            </a:p>
+          </p:txBody>
+        </p:sp>
+        <p:sp>
+          <p:nvSpPr>
+            <p:cNvPr id="16" name="Rectangle 15">
+              <a:extLst>
+                <a:ext uri="{FF2B5EF4-FFF2-40B4-BE49-F238E27FC236}">
+                  <a16:creationId xmlns:a16="http://schemas.microsoft.com/office/drawing/2014/main" id="{8A45A22F-9300-3707-2881-7E69237B5252}"/>
+                </a:ext>
+              </a:extLst>
+            </p:cNvPr>
+            <p:cNvSpPr/>
+            <p:nvPr/>
+          </p:nvSpPr>
+          <p:spPr>
+            <a:xfrm>
+              <a:off x="8842233" y="1967659"/>
+              <a:ext cx="204232" cy="213515"/>
+            </a:xfrm>
+            <a:prstGeom prst="rect">
+              <a:avLst/>
+            </a:prstGeom>
+            <a:solidFill>
+              <a:srgbClr val="0066FF"/>
+            </a:solidFill>
+          </p:spPr>
+          <p:style>
+            <a:lnRef idx="2">
+              <a:schemeClr val="accent1">
+                <a:shade val="15000"/>
+              </a:schemeClr>
+            </a:lnRef>
+            <a:fillRef idx="1">
+              <a:schemeClr val="accent1"/>
+            </a:fillRef>
+            <a:effectRef idx="0">
+              <a:schemeClr val="accent1"/>
+            </a:effectRef>
+            <a:fontRef idx="minor">
+              <a:schemeClr val="lt1"/>
+            </a:fontRef>
+          </p:style>
+          <p:txBody>
+            <a:bodyPr rtlCol="0" anchor="ctr"/>
+            <a:lstStyle/>
+            <a:p>
+              <a:pPr algn="ctr"/>
+              <a:r>
+                <a:rPr lang="en-GB" sz="800" dirty="0"/>
+                <a:t>13</a:t>
+              </a:r>
+            </a:p>
+          </p:txBody>
+        </p:sp>
+        <p:sp>
+          <p:nvSpPr>
+            <p:cNvPr id="17" name="Rectangle 16">
+              <a:extLst>
+                <a:ext uri="{FF2B5EF4-FFF2-40B4-BE49-F238E27FC236}">
+                  <a16:creationId xmlns:a16="http://schemas.microsoft.com/office/drawing/2014/main" id="{296CC4FE-AA56-A7DE-3ADF-7ABE12D5E1A0}"/>
+                </a:ext>
+              </a:extLst>
+            </p:cNvPr>
+            <p:cNvSpPr/>
+            <p:nvPr/>
+          </p:nvSpPr>
+          <p:spPr>
+            <a:xfrm>
+              <a:off x="9054969" y="1967659"/>
+              <a:ext cx="204232" cy="213515"/>
+            </a:xfrm>
+            <a:prstGeom prst="rect">
+              <a:avLst/>
+            </a:prstGeom>
+            <a:solidFill>
+              <a:srgbClr val="0066FF"/>
+            </a:solidFill>
+          </p:spPr>
+          <p:style>
+            <a:lnRef idx="2">
+              <a:schemeClr val="accent1">
+                <a:shade val="15000"/>
+              </a:schemeClr>
+            </a:lnRef>
+            <a:fillRef idx="1">
+              <a:schemeClr val="accent1"/>
+            </a:fillRef>
+            <a:effectRef idx="0">
+              <a:schemeClr val="accent1"/>
+            </a:effectRef>
+            <a:fontRef idx="minor">
+              <a:schemeClr val="lt1"/>
+            </a:fontRef>
+          </p:style>
+          <p:txBody>
+            <a:bodyPr rtlCol="0" anchor="ctr"/>
+            <a:lstStyle/>
+            <a:p>
+              <a:pPr algn="ctr"/>
+              <a:r>
+                <a:rPr lang="en-GB" sz="800" dirty="0"/>
+                <a:t>14</a:t>
+              </a:r>
+            </a:p>
+          </p:txBody>
+        </p:sp>
+      </p:grpSp>
+      <p:cxnSp>
+        <p:nvCxnSpPr>
+          <p:cNvPr id="51" name="Straight Arrow Connector 50">
+            <a:extLst>
+              <a:ext uri="{FF2B5EF4-FFF2-40B4-BE49-F238E27FC236}">
+                <a16:creationId xmlns:a16="http://schemas.microsoft.com/office/drawing/2014/main" id="{A1299DBC-E626-A184-7EA9-8B3F1B5DD236}"/>
+              </a:ext>
+            </a:extLst>
+          </p:cNvPr>
+          <p:cNvCxnSpPr>
+            <a:cxnSpLocks/>
+            <a:stCxn id="67" idx="2"/>
+            <a:endCxn id="15" idx="0"/>
+          </p:cNvCxnSpPr>
+          <p:nvPr/>
+        </p:nvCxnSpPr>
+        <p:spPr>
+          <a:xfrm>
+            <a:off x="8875503" y="1926274"/>
+            <a:ext cx="0" cy="315241"/>
+          </a:xfrm>
+          <a:prstGeom prst="straightConnector1">
+            <a:avLst/>
+          </a:prstGeom>
+          <a:ln>
+            <a:tailEnd type="triangle"/>
+          </a:ln>
+        </p:spPr>
+        <p:style>
+          <a:lnRef idx="2">
+            <a:schemeClr val="accent1"/>
+          </a:lnRef>
+          <a:fillRef idx="0">
+            <a:schemeClr val="accent1"/>
+          </a:fillRef>
+          <a:effectRef idx="1">
+            <a:schemeClr val="accent1"/>
+          </a:effectRef>
+          <a:fontRef idx="minor">
+            <a:schemeClr val="tx1"/>
+          </a:fontRef>
+        </p:style>
+      </p:cxnSp>
+      <p:sp>
+        <p:nvSpPr>
+          <p:cNvPr id="67" name="TextBox 66">
+            <a:extLst>
+              <a:ext uri="{FF2B5EF4-FFF2-40B4-BE49-F238E27FC236}">
+                <a16:creationId xmlns:a16="http://schemas.microsoft.com/office/drawing/2014/main" id="{6944BD7E-0D35-D0F4-4423-30E195DE611D}"/>
+              </a:ext>
+            </a:extLst>
+          </p:cNvPr>
+          <p:cNvSpPr txBox="1"/>
+          <p:nvPr/>
+        </p:nvSpPr>
+        <p:spPr>
+          <a:xfrm>
+            <a:off x="8299127" y="1556942"/>
+            <a:ext cx="1152751" cy="369332"/>
+          </a:xfrm>
+          <a:prstGeom prst="rect">
+            <a:avLst/>
+          </a:prstGeom>
+          <a:noFill/>
+          <a:ln>
+            <a:solidFill>
+              <a:schemeClr val="accent1"/>
+            </a:solidFill>
+          </a:ln>
+        </p:spPr>
+        <p:txBody>
+          <a:bodyPr wrap="none" rtlCol="0">
+            <a:spAutoFit/>
+          </a:bodyPr>
+          <a:lstStyle/>
+          <a:p>
+            <a:r>
+              <a:rPr lang="en-GB" dirty="0"/>
+              <a:t>Last filled</a:t>
+            </a:r>
+          </a:p>
+        </p:txBody>
+      </p:sp>
+      <p:grpSp>
+        <p:nvGrpSpPr>
+          <p:cNvPr id="71" name="Group 70">
+            <a:extLst>
+              <a:ext uri="{FF2B5EF4-FFF2-40B4-BE49-F238E27FC236}">
+                <a16:creationId xmlns:a16="http://schemas.microsoft.com/office/drawing/2014/main" id="{7BC0429D-1867-3629-970E-83BC9A0958AC}"/>
+              </a:ext>
+            </a:extLst>
+          </p:cNvPr>
+          <p:cNvGrpSpPr/>
+          <p:nvPr/>
+        </p:nvGrpSpPr>
+        <p:grpSpPr>
+          <a:xfrm>
+            <a:off x="6441413" y="5066712"/>
+            <a:ext cx="2969800" cy="213515"/>
+            <a:chOff x="6289401" y="1967659"/>
+            <a:chExt cx="2969800" cy="213515"/>
+          </a:xfrm>
+          <a:solidFill>
+            <a:srgbClr val="00B050"/>
+          </a:solidFill>
+        </p:grpSpPr>
+        <p:sp>
+          <p:nvSpPr>
+            <p:cNvPr id="72" name="Rectangle 71">
+              <a:extLst>
+                <a:ext uri="{FF2B5EF4-FFF2-40B4-BE49-F238E27FC236}">
+                  <a16:creationId xmlns:a16="http://schemas.microsoft.com/office/drawing/2014/main" id="{621E2D44-E9C8-C84A-0D8F-B8F593F74DC5}"/>
+                </a:ext>
+              </a:extLst>
+            </p:cNvPr>
+            <p:cNvSpPr/>
+            <p:nvPr/>
+          </p:nvSpPr>
+          <p:spPr>
+            <a:xfrm>
+              <a:off x="6289401" y="1967659"/>
+              <a:ext cx="204232" cy="213515"/>
+            </a:xfrm>
+            <a:prstGeom prst="rect">
+              <a:avLst/>
+            </a:prstGeom>
+            <a:grpFill/>
+          </p:spPr>
+          <p:style>
+            <a:lnRef idx="2">
+              <a:schemeClr val="accent1">
+                <a:shade val="15000"/>
+              </a:schemeClr>
+            </a:lnRef>
+            <a:fillRef idx="1">
+              <a:schemeClr val="accent1"/>
+            </a:fillRef>
+            <a:effectRef idx="0">
+              <a:schemeClr val="accent1"/>
+            </a:effectRef>
+            <a:fontRef idx="minor">
+              <a:schemeClr val="lt1"/>
+            </a:fontRef>
+          </p:style>
+          <p:txBody>
+            <a:bodyPr rtlCol="0" anchor="ctr"/>
+            <a:lstStyle/>
+            <a:p>
+              <a:pPr algn="ctr"/>
+              <a:endParaRPr lang="en-GB" u="sng"/>
+            </a:p>
+          </p:txBody>
+        </p:sp>
+        <p:sp>
+          <p:nvSpPr>
+            <p:cNvPr id="73" name="Rectangle 72">
+              <a:extLst>
+                <a:ext uri="{FF2B5EF4-FFF2-40B4-BE49-F238E27FC236}">
+                  <a16:creationId xmlns:a16="http://schemas.microsoft.com/office/drawing/2014/main" id="{B7FE73CF-EF1C-B110-76FD-14F29E0399CD}"/>
+                </a:ext>
+              </a:extLst>
+            </p:cNvPr>
+            <p:cNvSpPr/>
+            <p:nvPr/>
+          </p:nvSpPr>
+          <p:spPr>
+            <a:xfrm>
+              <a:off x="6502137" y="1967659"/>
+              <a:ext cx="204232" cy="213515"/>
+            </a:xfrm>
+            <a:prstGeom prst="rect">
+              <a:avLst/>
+            </a:prstGeom>
+            <a:grpFill/>
+          </p:spPr>
+          <p:style>
+            <a:lnRef idx="2">
+              <a:schemeClr val="accent1">
+                <a:shade val="15000"/>
+              </a:schemeClr>
+            </a:lnRef>
+            <a:fillRef idx="1">
+              <a:schemeClr val="accent1"/>
+            </a:fillRef>
+            <a:effectRef idx="0">
+              <a:schemeClr val="accent1"/>
+            </a:effectRef>
+            <a:fontRef idx="minor">
+              <a:schemeClr val="lt1"/>
+            </a:fontRef>
+          </p:style>
+          <p:txBody>
+            <a:bodyPr rtlCol="0" anchor="ctr"/>
+            <a:lstStyle/>
+            <a:p>
+              <a:pPr algn="ctr"/>
+              <a:endParaRPr lang="en-GB" u="sng"/>
+            </a:p>
+          </p:txBody>
+        </p:sp>
+        <p:sp>
+          <p:nvSpPr>
+            <p:cNvPr id="74" name="Rectangle 73">
+              <a:extLst>
+                <a:ext uri="{FF2B5EF4-FFF2-40B4-BE49-F238E27FC236}">
+                  <a16:creationId xmlns:a16="http://schemas.microsoft.com/office/drawing/2014/main" id="{E077249E-F737-652E-7C96-B0EC07ACAD2E}"/>
+                </a:ext>
+              </a:extLst>
+            </p:cNvPr>
+            <p:cNvSpPr/>
+            <p:nvPr/>
+          </p:nvSpPr>
+          <p:spPr>
+            <a:xfrm>
+              <a:off x="6714873" y="1967659"/>
+              <a:ext cx="204232" cy="213515"/>
+            </a:xfrm>
+            <a:prstGeom prst="rect">
+              <a:avLst/>
+            </a:prstGeom>
+            <a:grpFill/>
+          </p:spPr>
+          <p:style>
+            <a:lnRef idx="2">
+              <a:schemeClr val="accent1">
+                <a:shade val="15000"/>
+              </a:schemeClr>
+            </a:lnRef>
+            <a:fillRef idx="1">
+              <a:schemeClr val="accent1"/>
+            </a:fillRef>
+            <a:effectRef idx="0">
+              <a:schemeClr val="accent1"/>
+            </a:effectRef>
+            <a:fontRef idx="minor">
+              <a:schemeClr val="lt1"/>
+            </a:fontRef>
+          </p:style>
+          <p:txBody>
+            <a:bodyPr rtlCol="0" anchor="ctr"/>
+            <a:lstStyle/>
+            <a:p>
+              <a:pPr algn="ctr"/>
+              <a:endParaRPr lang="en-GB" u="sng"/>
+            </a:p>
+          </p:txBody>
+        </p:sp>
+        <p:sp>
+          <p:nvSpPr>
+            <p:cNvPr id="75" name="Rectangle 74">
+              <a:extLst>
+                <a:ext uri="{FF2B5EF4-FFF2-40B4-BE49-F238E27FC236}">
+                  <a16:creationId xmlns:a16="http://schemas.microsoft.com/office/drawing/2014/main" id="{E566BB51-C5C3-C288-46C7-99C46F79B5CE}"/>
+                </a:ext>
+              </a:extLst>
+            </p:cNvPr>
+            <p:cNvSpPr/>
+            <p:nvPr/>
+          </p:nvSpPr>
+          <p:spPr>
+            <a:xfrm>
+              <a:off x="6927609" y="1967659"/>
+              <a:ext cx="204232" cy="213515"/>
+            </a:xfrm>
+            <a:prstGeom prst="rect">
+              <a:avLst/>
+            </a:prstGeom>
+            <a:noFill/>
+            <a:ln>
+              <a:solidFill>
+                <a:srgbClr val="FF0000"/>
+              </a:solidFill>
+            </a:ln>
+          </p:spPr>
+          <p:style>
+            <a:lnRef idx="2">
+              <a:schemeClr val="accent1">
+                <a:shade val="15000"/>
+              </a:schemeClr>
+            </a:lnRef>
+            <a:fillRef idx="1">
+              <a:schemeClr val="accent1"/>
+            </a:fillRef>
+            <a:effectRef idx="0">
+              <a:schemeClr val="accent1"/>
+            </a:effectRef>
+            <a:fontRef idx="minor">
+              <a:schemeClr val="lt1"/>
+            </a:fontRef>
+          </p:style>
+          <p:txBody>
+            <a:bodyPr rtlCol="0" anchor="ctr"/>
+            <a:lstStyle/>
+            <a:p>
+              <a:pPr algn="ctr"/>
+              <a:r>
+                <a:rPr lang="en-GB" u="sng" dirty="0">
+                  <a:solidFill>
+                    <a:srgbClr val="C00000"/>
+                  </a:solidFill>
+                </a:rPr>
+                <a:t>x</a:t>
+              </a:r>
+            </a:p>
+          </p:txBody>
+        </p:sp>
+        <p:sp>
+          <p:nvSpPr>
+            <p:cNvPr id="76" name="Rectangle 75">
+              <a:extLst>
+                <a:ext uri="{FF2B5EF4-FFF2-40B4-BE49-F238E27FC236}">
+                  <a16:creationId xmlns:a16="http://schemas.microsoft.com/office/drawing/2014/main" id="{D4CF587B-9079-8F7C-553B-0E1DC0ABC6D2}"/>
+                </a:ext>
+              </a:extLst>
+            </p:cNvPr>
+            <p:cNvSpPr/>
+            <p:nvPr/>
+          </p:nvSpPr>
+          <p:spPr>
+            <a:xfrm>
+              <a:off x="7140345" y="1967659"/>
+              <a:ext cx="204232" cy="213515"/>
+            </a:xfrm>
+            <a:prstGeom prst="rect">
+              <a:avLst/>
+            </a:prstGeom>
+            <a:grpFill/>
+          </p:spPr>
+          <p:style>
+            <a:lnRef idx="2">
+              <a:schemeClr val="accent1">
+                <a:shade val="15000"/>
+              </a:schemeClr>
+            </a:lnRef>
+            <a:fillRef idx="1">
+              <a:schemeClr val="accent1"/>
+            </a:fillRef>
+            <a:effectRef idx="0">
+              <a:schemeClr val="accent1"/>
+            </a:effectRef>
+            <a:fontRef idx="minor">
+              <a:schemeClr val="lt1"/>
+            </a:fontRef>
+          </p:style>
+          <p:txBody>
+            <a:bodyPr rtlCol="0" anchor="ctr"/>
+            <a:lstStyle/>
+            <a:p>
+              <a:pPr algn="ctr"/>
+              <a:endParaRPr lang="en-GB" u="sng"/>
+            </a:p>
+          </p:txBody>
+        </p:sp>
+        <p:sp>
+          <p:nvSpPr>
+            <p:cNvPr id="77" name="Rectangle 76">
+              <a:extLst>
+                <a:ext uri="{FF2B5EF4-FFF2-40B4-BE49-F238E27FC236}">
+                  <a16:creationId xmlns:a16="http://schemas.microsoft.com/office/drawing/2014/main" id="{25F793A4-0D2F-485A-71AE-4CCA15053F5E}"/>
+                </a:ext>
+              </a:extLst>
+            </p:cNvPr>
+            <p:cNvSpPr/>
+            <p:nvPr/>
+          </p:nvSpPr>
+          <p:spPr>
+            <a:xfrm>
+              <a:off x="7353081" y="1967659"/>
+              <a:ext cx="204232" cy="213515"/>
+            </a:xfrm>
+            <a:prstGeom prst="rect">
+              <a:avLst/>
+            </a:prstGeom>
+            <a:grpFill/>
+          </p:spPr>
+          <p:style>
+            <a:lnRef idx="2">
+              <a:schemeClr val="accent1">
+                <a:shade val="15000"/>
+              </a:schemeClr>
+            </a:lnRef>
+            <a:fillRef idx="1">
+              <a:schemeClr val="accent1"/>
+            </a:fillRef>
+            <a:effectRef idx="0">
+              <a:schemeClr val="accent1"/>
+            </a:effectRef>
+            <a:fontRef idx="minor">
+              <a:schemeClr val="lt1"/>
+            </a:fontRef>
+          </p:style>
+          <p:txBody>
+            <a:bodyPr rtlCol="0" anchor="ctr"/>
+            <a:lstStyle/>
+            <a:p>
+              <a:pPr algn="ctr"/>
+              <a:endParaRPr lang="en-GB" u="sng"/>
+            </a:p>
+          </p:txBody>
+        </p:sp>
+        <p:sp>
+          <p:nvSpPr>
+            <p:cNvPr id="78" name="Rectangle 77">
+              <a:extLst>
+                <a:ext uri="{FF2B5EF4-FFF2-40B4-BE49-F238E27FC236}">
+                  <a16:creationId xmlns:a16="http://schemas.microsoft.com/office/drawing/2014/main" id="{E85707D5-3505-C661-0897-0E51CF3305C6}"/>
+                </a:ext>
+              </a:extLst>
+            </p:cNvPr>
+            <p:cNvSpPr/>
+            <p:nvPr/>
+          </p:nvSpPr>
+          <p:spPr>
+            <a:xfrm>
+              <a:off x="7565817" y="1967659"/>
+              <a:ext cx="204232" cy="213515"/>
+            </a:xfrm>
+            <a:prstGeom prst="rect">
+              <a:avLst/>
+            </a:prstGeom>
+            <a:grpFill/>
+          </p:spPr>
+          <p:style>
+            <a:lnRef idx="2">
+              <a:schemeClr val="accent1">
+                <a:shade val="15000"/>
+              </a:schemeClr>
+            </a:lnRef>
+            <a:fillRef idx="1">
+              <a:schemeClr val="accent1"/>
+            </a:fillRef>
+            <a:effectRef idx="0">
+              <a:schemeClr val="accent1"/>
+            </a:effectRef>
+            <a:fontRef idx="minor">
+              <a:schemeClr val="lt1"/>
+            </a:fontRef>
+          </p:style>
+          <p:txBody>
+            <a:bodyPr rtlCol="0" anchor="ctr"/>
+            <a:lstStyle/>
+            <a:p>
+              <a:pPr algn="ctr"/>
+              <a:endParaRPr lang="en-GB" u="sng"/>
+            </a:p>
+          </p:txBody>
+        </p:sp>
+        <p:sp>
+          <p:nvSpPr>
+            <p:cNvPr id="79" name="Rectangle 78">
+              <a:extLst>
+                <a:ext uri="{FF2B5EF4-FFF2-40B4-BE49-F238E27FC236}">
+                  <a16:creationId xmlns:a16="http://schemas.microsoft.com/office/drawing/2014/main" id="{F106D758-8B87-550A-040D-EF161FF4CFAA}"/>
+                </a:ext>
+              </a:extLst>
+            </p:cNvPr>
+            <p:cNvSpPr/>
+            <p:nvPr/>
+          </p:nvSpPr>
+          <p:spPr>
+            <a:xfrm>
+              <a:off x="7778553" y="1967659"/>
+              <a:ext cx="204232" cy="213515"/>
+            </a:xfrm>
+            <a:prstGeom prst="rect">
+              <a:avLst/>
+            </a:prstGeom>
+            <a:grpFill/>
+          </p:spPr>
+          <p:style>
+            <a:lnRef idx="2">
+              <a:schemeClr val="accent1">
+                <a:shade val="15000"/>
+              </a:schemeClr>
+            </a:lnRef>
+            <a:fillRef idx="1">
+              <a:schemeClr val="accent1"/>
+            </a:fillRef>
+            <a:effectRef idx="0">
+              <a:schemeClr val="accent1"/>
+            </a:effectRef>
+            <a:fontRef idx="minor">
+              <a:schemeClr val="lt1"/>
+            </a:fontRef>
+          </p:style>
+          <p:txBody>
+            <a:bodyPr rtlCol="0" anchor="ctr"/>
+            <a:lstStyle/>
+            <a:p>
+              <a:pPr algn="ctr"/>
+              <a:endParaRPr lang="en-GB" u="sng"/>
+            </a:p>
+          </p:txBody>
+        </p:sp>
+        <p:sp>
+          <p:nvSpPr>
+            <p:cNvPr id="80" name="Rectangle 79">
+              <a:extLst>
+                <a:ext uri="{FF2B5EF4-FFF2-40B4-BE49-F238E27FC236}">
+                  <a16:creationId xmlns:a16="http://schemas.microsoft.com/office/drawing/2014/main" id="{E57470ED-2484-A893-F6ED-D01A43694301}"/>
+                </a:ext>
+              </a:extLst>
+            </p:cNvPr>
+            <p:cNvSpPr/>
+            <p:nvPr/>
+          </p:nvSpPr>
+          <p:spPr>
+            <a:xfrm>
+              <a:off x="7991289" y="1967659"/>
+              <a:ext cx="204232" cy="213515"/>
+            </a:xfrm>
+            <a:prstGeom prst="rect">
+              <a:avLst/>
+            </a:prstGeom>
+            <a:grpFill/>
+          </p:spPr>
+          <p:style>
+            <a:lnRef idx="2">
+              <a:schemeClr val="accent1">
+                <a:shade val="15000"/>
+              </a:schemeClr>
+            </a:lnRef>
+            <a:fillRef idx="1">
+              <a:schemeClr val="accent1"/>
+            </a:fillRef>
+            <a:effectRef idx="0">
+              <a:schemeClr val="accent1"/>
+            </a:effectRef>
+            <a:fontRef idx="minor">
+              <a:schemeClr val="lt1"/>
+            </a:fontRef>
+          </p:style>
+          <p:txBody>
+            <a:bodyPr rtlCol="0" anchor="ctr"/>
+            <a:lstStyle/>
+            <a:p>
+              <a:pPr algn="ctr"/>
+              <a:endParaRPr lang="en-GB" u="sng"/>
+            </a:p>
+          </p:txBody>
+        </p:sp>
+        <p:sp>
+          <p:nvSpPr>
+            <p:cNvPr id="81" name="Rectangle 80">
+              <a:extLst>
+                <a:ext uri="{FF2B5EF4-FFF2-40B4-BE49-F238E27FC236}">
+                  <a16:creationId xmlns:a16="http://schemas.microsoft.com/office/drawing/2014/main" id="{36B05DEC-19DB-D00E-A8C6-4C6C4576EE5A}"/>
+                </a:ext>
+              </a:extLst>
+            </p:cNvPr>
+            <p:cNvSpPr/>
+            <p:nvPr/>
+          </p:nvSpPr>
+          <p:spPr>
+            <a:xfrm>
+              <a:off x="8204025" y="1967659"/>
+              <a:ext cx="204232" cy="213515"/>
+            </a:xfrm>
+            <a:prstGeom prst="rect">
+              <a:avLst/>
+            </a:prstGeom>
+            <a:grpFill/>
+          </p:spPr>
+          <p:style>
+            <a:lnRef idx="2">
+              <a:schemeClr val="accent1">
+                <a:shade val="15000"/>
+              </a:schemeClr>
+            </a:lnRef>
+            <a:fillRef idx="1">
+              <a:schemeClr val="accent1"/>
+            </a:fillRef>
+            <a:effectRef idx="0">
+              <a:schemeClr val="accent1"/>
+            </a:effectRef>
+            <a:fontRef idx="minor">
+              <a:schemeClr val="lt1"/>
+            </a:fontRef>
+          </p:style>
+          <p:txBody>
+            <a:bodyPr rtlCol="0" anchor="ctr"/>
+            <a:lstStyle/>
+            <a:p>
+              <a:pPr algn="ctr"/>
+              <a:endParaRPr lang="en-GB" u="sng"/>
+            </a:p>
+          </p:txBody>
+        </p:sp>
+        <p:sp>
+          <p:nvSpPr>
+            <p:cNvPr id="82" name="Rectangle 81">
+              <a:extLst>
+                <a:ext uri="{FF2B5EF4-FFF2-40B4-BE49-F238E27FC236}">
+                  <a16:creationId xmlns:a16="http://schemas.microsoft.com/office/drawing/2014/main" id="{537A1E8C-D060-5D1B-AB8F-52A686B22D8D}"/>
+                </a:ext>
+              </a:extLst>
+            </p:cNvPr>
+            <p:cNvSpPr/>
+            <p:nvPr/>
+          </p:nvSpPr>
+          <p:spPr>
+            <a:xfrm>
+              <a:off x="8416761" y="1967659"/>
+              <a:ext cx="204232" cy="213515"/>
+            </a:xfrm>
+            <a:prstGeom prst="rect">
+              <a:avLst/>
+            </a:prstGeom>
+            <a:grpFill/>
+          </p:spPr>
+          <p:style>
+            <a:lnRef idx="2">
+              <a:schemeClr val="accent1">
+                <a:shade val="15000"/>
+              </a:schemeClr>
+            </a:lnRef>
+            <a:fillRef idx="1">
+              <a:schemeClr val="accent1"/>
+            </a:fillRef>
+            <a:effectRef idx="0">
+              <a:schemeClr val="accent1"/>
+            </a:effectRef>
+            <a:fontRef idx="minor">
+              <a:schemeClr val="lt1"/>
+            </a:fontRef>
+          </p:style>
+          <p:txBody>
+            <a:bodyPr rtlCol="0" anchor="ctr"/>
+            <a:lstStyle/>
+            <a:p>
+              <a:pPr algn="ctr"/>
+              <a:endParaRPr lang="en-GB" u="sng"/>
+            </a:p>
+          </p:txBody>
+        </p:sp>
+        <p:sp>
+          <p:nvSpPr>
+            <p:cNvPr id="83" name="Rectangle 82">
+              <a:extLst>
+                <a:ext uri="{FF2B5EF4-FFF2-40B4-BE49-F238E27FC236}">
+                  <a16:creationId xmlns:a16="http://schemas.microsoft.com/office/drawing/2014/main" id="{1985708A-1A20-7D6C-C9CA-713C449FE35C}"/>
+                </a:ext>
+              </a:extLst>
+            </p:cNvPr>
+            <p:cNvSpPr/>
+            <p:nvPr/>
+          </p:nvSpPr>
+          <p:spPr>
+            <a:xfrm>
+              <a:off x="8629497" y="1967659"/>
+              <a:ext cx="204232" cy="213515"/>
+            </a:xfrm>
+            <a:prstGeom prst="rect">
+              <a:avLst/>
+            </a:prstGeom>
+            <a:grpFill/>
+          </p:spPr>
+          <p:style>
+            <a:lnRef idx="2">
+              <a:schemeClr val="accent1">
+                <a:shade val="15000"/>
+              </a:schemeClr>
+            </a:lnRef>
+            <a:fillRef idx="1">
+              <a:schemeClr val="accent1"/>
+            </a:fillRef>
+            <a:effectRef idx="0">
+              <a:schemeClr val="accent1"/>
+            </a:effectRef>
+            <a:fontRef idx="minor">
+              <a:schemeClr val="lt1"/>
+            </a:fontRef>
+          </p:style>
+          <p:txBody>
+            <a:bodyPr rtlCol="0" anchor="ctr"/>
+            <a:lstStyle/>
+            <a:p>
+              <a:pPr algn="ctr"/>
+              <a:endParaRPr lang="en-GB" u="sng"/>
+            </a:p>
+          </p:txBody>
+        </p:sp>
+        <p:sp>
+          <p:nvSpPr>
+            <p:cNvPr id="84" name="Rectangle 83">
+              <a:extLst>
+                <a:ext uri="{FF2B5EF4-FFF2-40B4-BE49-F238E27FC236}">
+                  <a16:creationId xmlns:a16="http://schemas.microsoft.com/office/drawing/2014/main" id="{7F8B9E30-DA1F-F043-A811-CC0D5D196AE5}"/>
+                </a:ext>
+              </a:extLst>
+            </p:cNvPr>
+            <p:cNvSpPr/>
+            <p:nvPr/>
+          </p:nvSpPr>
+          <p:spPr>
+            <a:xfrm>
+              <a:off x="8842233" y="1967659"/>
+              <a:ext cx="204232" cy="213515"/>
+            </a:xfrm>
+            <a:prstGeom prst="rect">
+              <a:avLst/>
+            </a:prstGeom>
+            <a:noFill/>
+          </p:spPr>
+          <p:style>
+            <a:lnRef idx="2">
+              <a:schemeClr val="accent1">
+                <a:shade val="15000"/>
+              </a:schemeClr>
+            </a:lnRef>
+            <a:fillRef idx="1">
+              <a:schemeClr val="accent1"/>
+            </a:fillRef>
+            <a:effectRef idx="0">
+              <a:schemeClr val="accent1"/>
+            </a:effectRef>
+            <a:fontRef idx="minor">
+              <a:schemeClr val="lt1"/>
+            </a:fontRef>
+          </p:style>
+          <p:txBody>
+            <a:bodyPr rtlCol="0" anchor="ctr"/>
+            <a:lstStyle/>
+            <a:p>
+              <a:pPr algn="ctr"/>
+              <a:endParaRPr lang="en-GB" u="sng"/>
+            </a:p>
+          </p:txBody>
+        </p:sp>
+        <p:sp>
+          <p:nvSpPr>
+            <p:cNvPr id="85" name="Rectangle 84">
+              <a:extLst>
+                <a:ext uri="{FF2B5EF4-FFF2-40B4-BE49-F238E27FC236}">
+                  <a16:creationId xmlns:a16="http://schemas.microsoft.com/office/drawing/2014/main" id="{B06FABA1-37DD-B09C-DCBC-D14464811355}"/>
+                </a:ext>
+              </a:extLst>
+            </p:cNvPr>
+            <p:cNvSpPr/>
+            <p:nvPr/>
+          </p:nvSpPr>
+          <p:spPr>
+            <a:xfrm>
+              <a:off x="9054969" y="1967659"/>
+              <a:ext cx="204232" cy="213515"/>
+            </a:xfrm>
+            <a:prstGeom prst="rect">
+              <a:avLst/>
+            </a:prstGeom>
+            <a:noFill/>
+          </p:spPr>
+          <p:style>
+            <a:lnRef idx="2">
+              <a:schemeClr val="accent1">
+                <a:shade val="15000"/>
+              </a:schemeClr>
+            </a:lnRef>
+            <a:fillRef idx="1">
+              <a:schemeClr val="accent1"/>
+            </a:fillRef>
+            <a:effectRef idx="0">
+              <a:schemeClr val="accent1"/>
+            </a:effectRef>
+            <a:fontRef idx="minor">
+              <a:schemeClr val="lt1"/>
+            </a:fontRef>
+          </p:style>
+          <p:txBody>
+            <a:bodyPr rtlCol="0" anchor="ctr"/>
+            <a:lstStyle/>
+            <a:p>
+              <a:pPr algn="ctr"/>
+              <a:endParaRPr lang="en-GB" u="sng"/>
+            </a:p>
+          </p:txBody>
+        </p:sp>
+      </p:grpSp>
+      <p:cxnSp>
+        <p:nvCxnSpPr>
+          <p:cNvPr id="86" name="Straight Arrow Connector 85">
+            <a:extLst>
+              <a:ext uri="{FF2B5EF4-FFF2-40B4-BE49-F238E27FC236}">
+                <a16:creationId xmlns:a16="http://schemas.microsoft.com/office/drawing/2014/main" id="{59102E48-C3EC-9D61-51AD-3F8A6C1BBE6A}"/>
+              </a:ext>
+            </a:extLst>
+          </p:cNvPr>
+          <p:cNvCxnSpPr>
+            <a:cxnSpLocks/>
+            <a:endCxn id="72" idx="0"/>
+          </p:cNvCxnSpPr>
+          <p:nvPr/>
+        </p:nvCxnSpPr>
+        <p:spPr>
+          <a:xfrm>
+            <a:off x="6538887" y="4570834"/>
+            <a:ext cx="4642" cy="495878"/>
+          </a:xfrm>
+          <a:prstGeom prst="straightConnector1">
+            <a:avLst/>
+          </a:prstGeom>
+          <a:ln w="6350">
+            <a:tailEnd type="triangle"/>
+          </a:ln>
+        </p:spPr>
+        <p:style>
+          <a:lnRef idx="2">
+            <a:schemeClr val="accent1"/>
+          </a:lnRef>
+          <a:fillRef idx="0">
+            <a:schemeClr val="accent1"/>
+          </a:fillRef>
+          <a:effectRef idx="1">
+            <a:schemeClr val="accent1"/>
+          </a:effectRef>
+          <a:fontRef idx="minor">
+            <a:schemeClr val="tx1"/>
+          </a:fontRef>
+        </p:style>
+      </p:cxnSp>
+      <p:cxnSp>
+        <p:nvCxnSpPr>
+          <p:cNvPr id="87" name="Straight Arrow Connector 86">
+            <a:extLst>
+              <a:ext uri="{FF2B5EF4-FFF2-40B4-BE49-F238E27FC236}">
+                <a16:creationId xmlns:a16="http://schemas.microsoft.com/office/drawing/2014/main" id="{3BF726DB-9964-1389-ABF8-EB6E8C551DA9}"/>
+              </a:ext>
+            </a:extLst>
+          </p:cNvPr>
+          <p:cNvCxnSpPr>
+            <a:cxnSpLocks/>
+            <a:endCxn id="73" idx="0"/>
+          </p:cNvCxnSpPr>
+          <p:nvPr/>
+        </p:nvCxnSpPr>
+        <p:spPr>
+          <a:xfrm>
+            <a:off x="6752013" y="4570834"/>
+            <a:ext cx="4252" cy="495878"/>
+          </a:xfrm>
+          <a:prstGeom prst="straightConnector1">
+            <a:avLst/>
+          </a:prstGeom>
+          <a:ln w="6350">
+            <a:tailEnd type="triangle"/>
+          </a:ln>
+        </p:spPr>
+        <p:style>
+          <a:lnRef idx="2">
+            <a:schemeClr val="accent1"/>
+          </a:lnRef>
+          <a:fillRef idx="0">
+            <a:schemeClr val="accent1"/>
+          </a:fillRef>
+          <a:effectRef idx="1">
+            <a:schemeClr val="accent1"/>
+          </a:effectRef>
+          <a:fontRef idx="minor">
+            <a:schemeClr val="tx1"/>
+          </a:fontRef>
+        </p:style>
+      </p:cxnSp>
+      <p:cxnSp>
+        <p:nvCxnSpPr>
+          <p:cNvPr id="88" name="Straight Arrow Connector 87">
+            <a:extLst>
+              <a:ext uri="{FF2B5EF4-FFF2-40B4-BE49-F238E27FC236}">
+                <a16:creationId xmlns:a16="http://schemas.microsoft.com/office/drawing/2014/main" id="{E9040B06-B8A5-2C95-4784-B03F23F7109E}"/>
+              </a:ext>
+            </a:extLst>
+          </p:cNvPr>
+          <p:cNvCxnSpPr>
+            <a:cxnSpLocks/>
+            <a:endCxn id="74" idx="0"/>
+          </p:cNvCxnSpPr>
+          <p:nvPr/>
+        </p:nvCxnSpPr>
+        <p:spPr>
+          <a:xfrm>
+            <a:off x="6964749" y="4570834"/>
+            <a:ext cx="4252" cy="495878"/>
+          </a:xfrm>
+          <a:prstGeom prst="straightConnector1">
+            <a:avLst/>
+          </a:prstGeom>
+          <a:ln w="6350">
+            <a:tailEnd type="triangle"/>
+          </a:ln>
+        </p:spPr>
+        <p:style>
+          <a:lnRef idx="2">
+            <a:schemeClr val="accent1"/>
+          </a:lnRef>
+          <a:fillRef idx="0">
+            <a:schemeClr val="accent1"/>
+          </a:fillRef>
+          <a:effectRef idx="1">
+            <a:schemeClr val="accent1"/>
+          </a:effectRef>
+          <a:fontRef idx="minor">
+            <a:schemeClr val="tx1"/>
+          </a:fontRef>
+        </p:style>
+      </p:cxnSp>
+      <p:cxnSp>
+        <p:nvCxnSpPr>
+          <p:cNvPr id="89" name="Straight Arrow Connector 88">
+            <a:extLst>
+              <a:ext uri="{FF2B5EF4-FFF2-40B4-BE49-F238E27FC236}">
+                <a16:creationId xmlns:a16="http://schemas.microsoft.com/office/drawing/2014/main" id="{97EE7752-D1CC-3EAA-3A3A-0280A24D01C1}"/>
+              </a:ext>
+            </a:extLst>
+          </p:cNvPr>
+          <p:cNvCxnSpPr>
+            <a:cxnSpLocks/>
+            <a:stCxn id="131" idx="2"/>
+            <a:endCxn id="75" idx="0"/>
+          </p:cNvCxnSpPr>
+          <p:nvPr/>
+        </p:nvCxnSpPr>
+        <p:spPr>
+          <a:xfrm flipH="1">
+            <a:off x="7181737" y="4570834"/>
+            <a:ext cx="1693766" cy="495878"/>
+          </a:xfrm>
+          <a:prstGeom prst="straightConnector1">
+            <a:avLst/>
+          </a:prstGeom>
+          <a:ln>
+            <a:solidFill>
+              <a:srgbClr val="0066FF"/>
+            </a:solidFill>
+            <a:tailEnd type="triangle"/>
+          </a:ln>
+        </p:spPr>
+        <p:style>
+          <a:lnRef idx="2">
+            <a:schemeClr val="accent1"/>
+          </a:lnRef>
+          <a:fillRef idx="0">
+            <a:schemeClr val="accent1"/>
+          </a:fillRef>
+          <a:effectRef idx="1">
+            <a:schemeClr val="accent1"/>
+          </a:effectRef>
+          <a:fontRef idx="minor">
+            <a:schemeClr val="tx1"/>
+          </a:fontRef>
+        </p:style>
+      </p:cxnSp>
+      <p:cxnSp>
+        <p:nvCxnSpPr>
+          <p:cNvPr id="90" name="Straight Arrow Connector 89">
+            <a:extLst>
+              <a:ext uri="{FF2B5EF4-FFF2-40B4-BE49-F238E27FC236}">
+                <a16:creationId xmlns:a16="http://schemas.microsoft.com/office/drawing/2014/main" id="{36BEA121-6E46-BF43-44DF-D2B9BD0ABFD9}"/>
+              </a:ext>
+            </a:extLst>
+          </p:cNvPr>
+          <p:cNvCxnSpPr>
+            <a:cxnSpLocks/>
+            <a:endCxn id="76" idx="0"/>
+          </p:cNvCxnSpPr>
+          <p:nvPr/>
+        </p:nvCxnSpPr>
+        <p:spPr>
+          <a:xfrm>
+            <a:off x="7390221" y="4570834"/>
+            <a:ext cx="4252" cy="495878"/>
+          </a:xfrm>
+          <a:prstGeom prst="straightConnector1">
+            <a:avLst/>
+          </a:prstGeom>
+          <a:ln w="6350">
+            <a:tailEnd type="triangle"/>
+          </a:ln>
+        </p:spPr>
+        <p:style>
+          <a:lnRef idx="2">
+            <a:schemeClr val="accent1"/>
+          </a:lnRef>
+          <a:fillRef idx="0">
+            <a:schemeClr val="accent1"/>
+          </a:fillRef>
+          <a:effectRef idx="1">
+            <a:schemeClr val="accent1"/>
+          </a:effectRef>
+          <a:fontRef idx="minor">
+            <a:schemeClr val="tx1"/>
+          </a:fontRef>
+        </p:style>
+      </p:cxnSp>
+      <p:cxnSp>
+        <p:nvCxnSpPr>
+          <p:cNvPr id="91" name="Straight Arrow Connector 90">
+            <a:extLst>
+              <a:ext uri="{FF2B5EF4-FFF2-40B4-BE49-F238E27FC236}">
+                <a16:creationId xmlns:a16="http://schemas.microsoft.com/office/drawing/2014/main" id="{A4B08CBE-247F-5556-D313-C96EB08B2F3D}"/>
+              </a:ext>
+            </a:extLst>
+          </p:cNvPr>
+          <p:cNvCxnSpPr>
+            <a:cxnSpLocks/>
+            <a:endCxn id="77" idx="0"/>
+          </p:cNvCxnSpPr>
+          <p:nvPr/>
+        </p:nvCxnSpPr>
+        <p:spPr>
+          <a:xfrm>
+            <a:off x="7607209" y="4570834"/>
+            <a:ext cx="0" cy="495878"/>
+          </a:xfrm>
+          <a:prstGeom prst="straightConnector1">
+            <a:avLst/>
+          </a:prstGeom>
+          <a:ln w="6350">
+            <a:tailEnd type="triangle"/>
+          </a:ln>
+        </p:spPr>
+        <p:style>
+          <a:lnRef idx="2">
+            <a:schemeClr val="accent1"/>
+          </a:lnRef>
+          <a:fillRef idx="0">
+            <a:schemeClr val="accent1"/>
+          </a:fillRef>
+          <a:effectRef idx="1">
+            <a:schemeClr val="accent1"/>
+          </a:effectRef>
+          <a:fontRef idx="minor">
+            <a:schemeClr val="tx1"/>
+          </a:fontRef>
+        </p:style>
+      </p:cxnSp>
+      <p:cxnSp>
+        <p:nvCxnSpPr>
+          <p:cNvPr id="92" name="Straight Arrow Connector 91">
+            <a:extLst>
+              <a:ext uri="{FF2B5EF4-FFF2-40B4-BE49-F238E27FC236}">
+                <a16:creationId xmlns:a16="http://schemas.microsoft.com/office/drawing/2014/main" id="{12A50C48-C701-29C3-19BC-51C31EF1959E}"/>
+              </a:ext>
+            </a:extLst>
+          </p:cNvPr>
+          <p:cNvCxnSpPr>
+            <a:cxnSpLocks/>
+            <a:endCxn id="78" idx="0"/>
+          </p:cNvCxnSpPr>
+          <p:nvPr/>
+        </p:nvCxnSpPr>
+        <p:spPr>
+          <a:xfrm>
+            <a:off x="7815693" y="4570834"/>
+            <a:ext cx="4252" cy="495878"/>
+          </a:xfrm>
+          <a:prstGeom prst="straightConnector1">
+            <a:avLst/>
+          </a:prstGeom>
+          <a:ln w="6350">
+            <a:tailEnd type="triangle"/>
+          </a:ln>
+        </p:spPr>
+        <p:style>
+          <a:lnRef idx="2">
+            <a:schemeClr val="accent1"/>
+          </a:lnRef>
+          <a:fillRef idx="0">
+            <a:schemeClr val="accent1"/>
+          </a:fillRef>
+          <a:effectRef idx="1">
+            <a:schemeClr val="accent1"/>
+          </a:effectRef>
+          <a:fontRef idx="minor">
+            <a:schemeClr val="tx1"/>
+          </a:fontRef>
+        </p:style>
+      </p:cxnSp>
+      <p:cxnSp>
+        <p:nvCxnSpPr>
+          <p:cNvPr id="93" name="Straight Arrow Connector 92">
+            <a:extLst>
+              <a:ext uri="{FF2B5EF4-FFF2-40B4-BE49-F238E27FC236}">
+                <a16:creationId xmlns:a16="http://schemas.microsoft.com/office/drawing/2014/main" id="{95C66AD9-6869-034D-015F-2A63FC61A36F}"/>
+              </a:ext>
+            </a:extLst>
+          </p:cNvPr>
+          <p:cNvCxnSpPr>
+            <a:cxnSpLocks/>
+          </p:cNvCxnSpPr>
+          <p:nvPr/>
+        </p:nvCxnSpPr>
+        <p:spPr>
+          <a:xfrm>
+            <a:off x="8028429" y="4570834"/>
+            <a:ext cx="22438" cy="495878"/>
+          </a:xfrm>
+          <a:prstGeom prst="straightConnector1">
+            <a:avLst/>
+          </a:prstGeom>
+          <a:ln w="6350">
+            <a:tailEnd type="triangle"/>
+          </a:ln>
+        </p:spPr>
+        <p:style>
+          <a:lnRef idx="2">
+            <a:schemeClr val="accent1"/>
+          </a:lnRef>
+          <a:fillRef idx="0">
+            <a:schemeClr val="accent1"/>
+          </a:fillRef>
+          <a:effectRef idx="1">
+            <a:schemeClr val="accent1"/>
+          </a:effectRef>
+          <a:fontRef idx="minor">
+            <a:schemeClr val="tx1"/>
+          </a:fontRef>
+        </p:style>
+      </p:cxnSp>
+      <p:cxnSp>
+        <p:nvCxnSpPr>
+          <p:cNvPr id="94" name="Straight Arrow Connector 93">
+            <a:extLst>
+              <a:ext uri="{FF2B5EF4-FFF2-40B4-BE49-F238E27FC236}">
+                <a16:creationId xmlns:a16="http://schemas.microsoft.com/office/drawing/2014/main" id="{FF3D9C31-F065-D4D9-94E5-F5A4DF306220}"/>
+              </a:ext>
+            </a:extLst>
+          </p:cNvPr>
+          <p:cNvCxnSpPr>
+            <a:cxnSpLocks/>
+            <a:endCxn id="80" idx="0"/>
+          </p:cNvCxnSpPr>
+          <p:nvPr/>
+        </p:nvCxnSpPr>
+        <p:spPr>
+          <a:xfrm>
+            <a:off x="8241165" y="4570834"/>
+            <a:ext cx="4252" cy="495878"/>
+          </a:xfrm>
+          <a:prstGeom prst="straightConnector1">
+            <a:avLst/>
+          </a:prstGeom>
+          <a:ln w="6350">
+            <a:tailEnd type="triangle"/>
+          </a:ln>
+        </p:spPr>
+        <p:style>
+          <a:lnRef idx="2">
+            <a:schemeClr val="accent1"/>
+          </a:lnRef>
+          <a:fillRef idx="0">
+            <a:schemeClr val="accent1"/>
+          </a:fillRef>
+          <a:effectRef idx="1">
+            <a:schemeClr val="accent1"/>
+          </a:effectRef>
+          <a:fontRef idx="minor">
+            <a:schemeClr val="tx1"/>
+          </a:fontRef>
+        </p:style>
+      </p:cxnSp>
+      <p:cxnSp>
+        <p:nvCxnSpPr>
+          <p:cNvPr id="95" name="Straight Arrow Connector 94">
+            <a:extLst>
+              <a:ext uri="{FF2B5EF4-FFF2-40B4-BE49-F238E27FC236}">
+                <a16:creationId xmlns:a16="http://schemas.microsoft.com/office/drawing/2014/main" id="{406B97EB-99BE-CDB5-CD7E-A723BAD6978E}"/>
+              </a:ext>
+            </a:extLst>
+          </p:cNvPr>
+          <p:cNvCxnSpPr>
+            <a:cxnSpLocks/>
+            <a:endCxn id="81" idx="0"/>
+          </p:cNvCxnSpPr>
+          <p:nvPr/>
+        </p:nvCxnSpPr>
+        <p:spPr>
+          <a:xfrm>
+            <a:off x="8453901" y="4570834"/>
+            <a:ext cx="4252" cy="495878"/>
+          </a:xfrm>
+          <a:prstGeom prst="straightConnector1">
+            <a:avLst/>
+          </a:prstGeom>
+          <a:ln w="6350">
+            <a:tailEnd type="triangle"/>
+          </a:ln>
+        </p:spPr>
+        <p:style>
+          <a:lnRef idx="2">
+            <a:schemeClr val="accent1"/>
+          </a:lnRef>
+          <a:fillRef idx="0">
+            <a:schemeClr val="accent1"/>
+          </a:fillRef>
+          <a:effectRef idx="1">
+            <a:schemeClr val="accent1"/>
+          </a:effectRef>
+          <a:fontRef idx="minor">
+            <a:schemeClr val="tx1"/>
+          </a:fontRef>
+        </p:style>
+      </p:cxnSp>
+      <p:cxnSp>
+        <p:nvCxnSpPr>
+          <p:cNvPr id="96" name="Straight Arrow Connector 95">
+            <a:extLst>
+              <a:ext uri="{FF2B5EF4-FFF2-40B4-BE49-F238E27FC236}">
+                <a16:creationId xmlns:a16="http://schemas.microsoft.com/office/drawing/2014/main" id="{8F0013E4-B486-6509-A9DC-CDFB96EDF5FB}"/>
+              </a:ext>
+            </a:extLst>
+          </p:cNvPr>
+          <p:cNvCxnSpPr>
+            <a:cxnSpLocks/>
+            <a:endCxn id="82" idx="0"/>
+          </p:cNvCxnSpPr>
+          <p:nvPr/>
+        </p:nvCxnSpPr>
+        <p:spPr>
+          <a:xfrm>
+            <a:off x="8666637" y="4570834"/>
+            <a:ext cx="4252" cy="495878"/>
+          </a:xfrm>
+          <a:prstGeom prst="straightConnector1">
+            <a:avLst/>
+          </a:prstGeom>
+          <a:ln w="6350">
+            <a:tailEnd type="triangle"/>
+          </a:ln>
+        </p:spPr>
+        <p:style>
+          <a:lnRef idx="2">
+            <a:schemeClr val="accent1"/>
+          </a:lnRef>
+          <a:fillRef idx="0">
+            <a:schemeClr val="accent1"/>
+          </a:fillRef>
+          <a:effectRef idx="1">
+            <a:schemeClr val="accent1"/>
+          </a:effectRef>
+          <a:fontRef idx="minor">
+            <a:schemeClr val="tx1"/>
+          </a:fontRef>
+        </p:style>
+      </p:cxnSp>
+      <p:cxnSp>
+        <p:nvCxnSpPr>
+          <p:cNvPr id="97" name="Straight Arrow Connector 96">
+            <a:extLst>
+              <a:ext uri="{FF2B5EF4-FFF2-40B4-BE49-F238E27FC236}">
+                <a16:creationId xmlns:a16="http://schemas.microsoft.com/office/drawing/2014/main" id="{9DF46C6C-1756-746A-10C0-9736C8468A30}"/>
+              </a:ext>
+            </a:extLst>
+          </p:cNvPr>
+          <p:cNvCxnSpPr>
+            <a:cxnSpLocks/>
+            <a:stCxn id="123" idx="2"/>
+            <a:endCxn id="83" idx="0"/>
+          </p:cNvCxnSpPr>
+          <p:nvPr/>
+        </p:nvCxnSpPr>
+        <p:spPr>
+          <a:xfrm>
+            <a:off x="7173615" y="4570834"/>
+            <a:ext cx="1710010" cy="495878"/>
+          </a:xfrm>
+          <a:prstGeom prst="straightConnector1">
+            <a:avLst/>
+          </a:prstGeom>
+          <a:ln>
+            <a:solidFill>
+              <a:srgbClr val="0066FF"/>
+            </a:solidFill>
+            <a:tailEnd type="triangle"/>
+          </a:ln>
+        </p:spPr>
+        <p:style>
+          <a:lnRef idx="2">
+            <a:schemeClr val="accent1"/>
+          </a:lnRef>
+          <a:fillRef idx="0">
+            <a:schemeClr val="accent1"/>
+          </a:fillRef>
+          <a:effectRef idx="1">
+            <a:schemeClr val="accent1"/>
+          </a:effectRef>
+          <a:fontRef idx="minor">
+            <a:schemeClr val="tx1"/>
+          </a:fontRef>
+        </p:style>
+      </p:cxnSp>
+      <p:cxnSp>
+        <p:nvCxnSpPr>
+          <p:cNvPr id="98" name="Straight Arrow Connector 97">
+            <a:extLst>
+              <a:ext uri="{FF2B5EF4-FFF2-40B4-BE49-F238E27FC236}">
+                <a16:creationId xmlns:a16="http://schemas.microsoft.com/office/drawing/2014/main" id="{8322E56E-64F9-9020-9947-8B79932FD28C}"/>
+              </a:ext>
+            </a:extLst>
+          </p:cNvPr>
+          <p:cNvCxnSpPr>
+            <a:cxnSpLocks/>
+            <a:endCxn id="84" idx="0"/>
+          </p:cNvCxnSpPr>
+          <p:nvPr/>
+        </p:nvCxnSpPr>
+        <p:spPr>
+          <a:xfrm>
+            <a:off x="9092109" y="4570834"/>
+            <a:ext cx="4252" cy="495878"/>
+          </a:xfrm>
+          <a:prstGeom prst="straightConnector1">
+            <a:avLst/>
+          </a:prstGeom>
+          <a:ln w="6350">
+            <a:tailEnd type="triangle"/>
+          </a:ln>
+        </p:spPr>
+        <p:style>
+          <a:lnRef idx="2">
+            <a:schemeClr val="accent1"/>
+          </a:lnRef>
+          <a:fillRef idx="0">
+            <a:schemeClr val="accent1"/>
+          </a:fillRef>
+          <a:effectRef idx="1">
+            <a:schemeClr val="accent1"/>
+          </a:effectRef>
+          <a:fontRef idx="minor">
+            <a:schemeClr val="tx1"/>
+          </a:fontRef>
+        </p:style>
+      </p:cxnSp>
+      <p:cxnSp>
+        <p:nvCxnSpPr>
+          <p:cNvPr id="99" name="Straight Arrow Connector 98">
+            <a:extLst>
+              <a:ext uri="{FF2B5EF4-FFF2-40B4-BE49-F238E27FC236}">
+                <a16:creationId xmlns:a16="http://schemas.microsoft.com/office/drawing/2014/main" id="{5E62098C-ED34-0244-31A9-B6216E2C729C}"/>
+              </a:ext>
+            </a:extLst>
+          </p:cNvPr>
+          <p:cNvCxnSpPr>
+            <a:cxnSpLocks/>
+            <a:endCxn id="85" idx="0"/>
+          </p:cNvCxnSpPr>
+          <p:nvPr/>
+        </p:nvCxnSpPr>
+        <p:spPr>
+          <a:xfrm>
+            <a:off x="9304845" y="4570834"/>
+            <a:ext cx="4252" cy="495878"/>
+          </a:xfrm>
+          <a:prstGeom prst="straightConnector1">
+            <a:avLst/>
+          </a:prstGeom>
+          <a:ln w="6350">
+            <a:tailEnd type="triangle"/>
+          </a:ln>
+        </p:spPr>
+        <p:style>
+          <a:lnRef idx="2">
+            <a:schemeClr val="accent1"/>
+          </a:lnRef>
+          <a:fillRef idx="0">
+            <a:schemeClr val="accent1"/>
+          </a:fillRef>
+          <a:effectRef idx="1">
+            <a:schemeClr val="accent1"/>
+          </a:effectRef>
+          <a:fontRef idx="minor">
+            <a:schemeClr val="tx1"/>
+          </a:fontRef>
+        </p:style>
+      </p:cxnSp>
+      <p:cxnSp>
+        <p:nvCxnSpPr>
+          <p:cNvPr id="102" name="Straight Arrow Connector 101">
+            <a:extLst>
+              <a:ext uri="{FF2B5EF4-FFF2-40B4-BE49-F238E27FC236}">
+                <a16:creationId xmlns:a16="http://schemas.microsoft.com/office/drawing/2014/main" id="{4A49ED9F-3A7D-F8CC-0F8D-BFAB41FB45DA}"/>
+              </a:ext>
+            </a:extLst>
+          </p:cNvPr>
+          <p:cNvCxnSpPr>
+            <a:cxnSpLocks/>
+            <a:stCxn id="117" idx="2"/>
+          </p:cNvCxnSpPr>
+          <p:nvPr/>
+        </p:nvCxnSpPr>
+        <p:spPr>
+          <a:xfrm>
+            <a:off x="8879373" y="4042078"/>
+            <a:ext cx="0" cy="315241"/>
+          </a:xfrm>
+          <a:prstGeom prst="straightConnector1">
+            <a:avLst/>
+          </a:prstGeom>
+          <a:ln>
+            <a:prstDash val="sysDot"/>
+            <a:tailEnd type="triangle"/>
+          </a:ln>
+        </p:spPr>
+        <p:style>
+          <a:lnRef idx="2">
+            <a:schemeClr val="accent1"/>
+          </a:lnRef>
+          <a:fillRef idx="0">
+            <a:schemeClr val="accent1"/>
+          </a:fillRef>
+          <a:effectRef idx="1">
+            <a:schemeClr val="accent1"/>
+          </a:effectRef>
+          <a:fontRef idx="minor">
+            <a:schemeClr val="tx1"/>
+          </a:fontRef>
+        </p:style>
+      </p:cxnSp>
+      <p:sp>
+        <p:nvSpPr>
+          <p:cNvPr id="117" name="TextBox 116">
+            <a:extLst>
+              <a:ext uri="{FF2B5EF4-FFF2-40B4-BE49-F238E27FC236}">
+                <a16:creationId xmlns:a16="http://schemas.microsoft.com/office/drawing/2014/main" id="{23FE1DBE-38D4-F1CD-3B7A-2374772F28C4}"/>
+              </a:ext>
+            </a:extLst>
+          </p:cNvPr>
+          <p:cNvSpPr txBox="1"/>
+          <p:nvPr/>
+        </p:nvSpPr>
+        <p:spPr>
+          <a:xfrm>
+            <a:off x="8302997" y="3672746"/>
+            <a:ext cx="1152751" cy="369332"/>
+          </a:xfrm>
+          <a:prstGeom prst="rect">
+            <a:avLst/>
+          </a:prstGeom>
+          <a:noFill/>
+          <a:ln>
+            <a:solidFill>
+              <a:schemeClr val="accent1"/>
+            </a:solidFill>
+          </a:ln>
+        </p:spPr>
+        <p:txBody>
+          <a:bodyPr wrap="none" rtlCol="0">
+            <a:spAutoFit/>
+          </a:bodyPr>
+          <a:lstStyle/>
+          <a:p>
+            <a:r>
+              <a:rPr lang="en-GB" u="sng" dirty="0"/>
+              <a:t>Last filled</a:t>
+            </a:r>
+          </a:p>
+        </p:txBody>
+      </p:sp>
+      <p:cxnSp>
+        <p:nvCxnSpPr>
+          <p:cNvPr id="118" name="Straight Arrow Connector 117">
+            <a:extLst>
+              <a:ext uri="{FF2B5EF4-FFF2-40B4-BE49-F238E27FC236}">
+                <a16:creationId xmlns:a16="http://schemas.microsoft.com/office/drawing/2014/main" id="{6E023ACE-4C92-BE4D-33B4-62B59BEC6290}"/>
+              </a:ext>
+            </a:extLst>
+          </p:cNvPr>
+          <p:cNvCxnSpPr>
+            <a:cxnSpLocks/>
+          </p:cNvCxnSpPr>
+          <p:nvPr/>
+        </p:nvCxnSpPr>
+        <p:spPr>
+          <a:xfrm>
+            <a:off x="8655804" y="4045939"/>
+            <a:ext cx="0" cy="315241"/>
+          </a:xfrm>
+          <a:prstGeom prst="straightConnector1">
+            <a:avLst/>
+          </a:prstGeom>
+          <a:ln>
+            <a:tailEnd type="triangle"/>
+          </a:ln>
+        </p:spPr>
+        <p:style>
+          <a:lnRef idx="2">
+            <a:schemeClr val="accent1"/>
+          </a:lnRef>
+          <a:fillRef idx="0">
+            <a:schemeClr val="accent1"/>
+          </a:fillRef>
+          <a:effectRef idx="1">
+            <a:schemeClr val="accent1"/>
+          </a:effectRef>
+          <a:fontRef idx="minor">
+            <a:schemeClr val="tx1"/>
+          </a:fontRef>
+        </p:style>
+      </p:cxnSp>
+      <p:grpSp>
+        <p:nvGrpSpPr>
+          <p:cNvPr id="119" name="Group 118">
+            <a:extLst>
+              <a:ext uri="{FF2B5EF4-FFF2-40B4-BE49-F238E27FC236}">
+                <a16:creationId xmlns:a16="http://schemas.microsoft.com/office/drawing/2014/main" id="{18DDD6E8-3B39-5211-2E1E-5FDB27B2A02E}"/>
+              </a:ext>
+            </a:extLst>
+          </p:cNvPr>
+          <p:cNvGrpSpPr/>
+          <p:nvPr/>
+        </p:nvGrpSpPr>
+        <p:grpSpPr>
+          <a:xfrm>
+            <a:off x="6433291" y="4357319"/>
+            <a:ext cx="2969800" cy="213515"/>
+            <a:chOff x="6289401" y="1967659"/>
+            <a:chExt cx="2969800" cy="213515"/>
+          </a:xfrm>
+        </p:grpSpPr>
+        <p:sp>
+          <p:nvSpPr>
+            <p:cNvPr id="120" name="Rectangle 119">
+              <a:extLst>
+                <a:ext uri="{FF2B5EF4-FFF2-40B4-BE49-F238E27FC236}">
+                  <a16:creationId xmlns:a16="http://schemas.microsoft.com/office/drawing/2014/main" id="{7BD202DF-2918-EB67-C519-29C82B27542B}"/>
+                </a:ext>
+              </a:extLst>
+            </p:cNvPr>
+            <p:cNvSpPr/>
+            <p:nvPr/>
+          </p:nvSpPr>
+          <p:spPr>
+            <a:xfrm>
+              <a:off x="6289401" y="1967659"/>
+              <a:ext cx="204232" cy="213515"/>
+            </a:xfrm>
+            <a:prstGeom prst="rect">
+              <a:avLst/>
+            </a:prstGeom>
+            <a:solidFill>
+              <a:srgbClr val="0066FF"/>
+            </a:solidFill>
+          </p:spPr>
+          <p:style>
+            <a:lnRef idx="2">
+              <a:schemeClr val="accent1">
+                <a:shade val="15000"/>
+              </a:schemeClr>
+            </a:lnRef>
+            <a:fillRef idx="1">
+              <a:schemeClr val="accent1"/>
+            </a:fillRef>
+            <a:effectRef idx="0">
+              <a:schemeClr val="accent1"/>
+            </a:effectRef>
+            <a:fontRef idx="minor">
+              <a:schemeClr val="lt1"/>
+            </a:fontRef>
+          </p:style>
+          <p:txBody>
+            <a:bodyPr rtlCol="0" anchor="ctr"/>
+            <a:lstStyle/>
+            <a:p>
+              <a:pPr algn="ctr"/>
+              <a:r>
+                <a:rPr lang="en-GB" sz="800" dirty="0"/>
+                <a:t>1</a:t>
+              </a:r>
+            </a:p>
+          </p:txBody>
+        </p:sp>
+        <p:sp>
+          <p:nvSpPr>
+            <p:cNvPr id="121" name="Rectangle 120">
+              <a:extLst>
+                <a:ext uri="{FF2B5EF4-FFF2-40B4-BE49-F238E27FC236}">
+                  <a16:creationId xmlns:a16="http://schemas.microsoft.com/office/drawing/2014/main" id="{7D9F1712-385D-6555-FDC3-C10EE32E9979}"/>
+                </a:ext>
+              </a:extLst>
+            </p:cNvPr>
+            <p:cNvSpPr/>
+            <p:nvPr/>
+          </p:nvSpPr>
+          <p:spPr>
+            <a:xfrm>
+              <a:off x="6502137" y="1967659"/>
+              <a:ext cx="204232" cy="213515"/>
+            </a:xfrm>
+            <a:prstGeom prst="rect">
+              <a:avLst/>
+            </a:prstGeom>
+            <a:solidFill>
+              <a:srgbClr val="0066FF"/>
+            </a:solidFill>
+          </p:spPr>
+          <p:style>
+            <a:lnRef idx="2">
+              <a:schemeClr val="accent1">
+                <a:shade val="15000"/>
+              </a:schemeClr>
+            </a:lnRef>
+            <a:fillRef idx="1">
+              <a:schemeClr val="accent1"/>
+            </a:fillRef>
+            <a:effectRef idx="0">
+              <a:schemeClr val="accent1"/>
+            </a:effectRef>
+            <a:fontRef idx="minor">
+              <a:schemeClr val="lt1"/>
+            </a:fontRef>
+          </p:style>
+          <p:txBody>
+            <a:bodyPr rtlCol="0" anchor="ctr"/>
+            <a:lstStyle/>
+            <a:p>
+              <a:pPr algn="ctr"/>
+              <a:r>
+                <a:rPr lang="en-GB" sz="800" dirty="0"/>
+                <a:t>2</a:t>
+              </a:r>
+            </a:p>
+          </p:txBody>
+        </p:sp>
+        <p:sp>
+          <p:nvSpPr>
+            <p:cNvPr id="122" name="Rectangle 121">
+              <a:extLst>
+                <a:ext uri="{FF2B5EF4-FFF2-40B4-BE49-F238E27FC236}">
+                  <a16:creationId xmlns:a16="http://schemas.microsoft.com/office/drawing/2014/main" id="{ABFADD57-CCF3-9D28-A8C7-91D4842383B4}"/>
+                </a:ext>
+              </a:extLst>
+            </p:cNvPr>
+            <p:cNvSpPr/>
+            <p:nvPr/>
+          </p:nvSpPr>
+          <p:spPr>
+            <a:xfrm>
+              <a:off x="6714873" y="1967659"/>
+              <a:ext cx="204232" cy="213515"/>
+            </a:xfrm>
+            <a:prstGeom prst="rect">
+              <a:avLst/>
+            </a:prstGeom>
+            <a:solidFill>
+              <a:srgbClr val="0066FF"/>
+            </a:solidFill>
+          </p:spPr>
+          <p:style>
+            <a:lnRef idx="2">
+              <a:schemeClr val="accent1">
+                <a:shade val="15000"/>
+              </a:schemeClr>
+            </a:lnRef>
+            <a:fillRef idx="1">
+              <a:schemeClr val="accent1"/>
+            </a:fillRef>
+            <a:effectRef idx="0">
+              <a:schemeClr val="accent1"/>
+            </a:effectRef>
+            <a:fontRef idx="minor">
+              <a:schemeClr val="lt1"/>
+            </a:fontRef>
+          </p:style>
+          <p:txBody>
+            <a:bodyPr rtlCol="0" anchor="ctr"/>
+            <a:lstStyle/>
+            <a:p>
+              <a:pPr algn="ctr"/>
+              <a:r>
+                <a:rPr lang="en-GB" sz="800" dirty="0"/>
+                <a:t>3</a:t>
+              </a:r>
+            </a:p>
+          </p:txBody>
+        </p:sp>
+        <p:sp>
+          <p:nvSpPr>
+            <p:cNvPr id="123" name="Rectangle 122">
+              <a:extLst>
+                <a:ext uri="{FF2B5EF4-FFF2-40B4-BE49-F238E27FC236}">
+                  <a16:creationId xmlns:a16="http://schemas.microsoft.com/office/drawing/2014/main" id="{2249D057-3817-DE29-9C98-C9BCE8B95DAA}"/>
+                </a:ext>
+              </a:extLst>
+            </p:cNvPr>
+            <p:cNvSpPr/>
+            <p:nvPr/>
+          </p:nvSpPr>
+          <p:spPr>
+            <a:xfrm>
+              <a:off x="6927609" y="1967659"/>
+              <a:ext cx="204232" cy="213515"/>
+            </a:xfrm>
+            <a:prstGeom prst="rect">
+              <a:avLst/>
+            </a:prstGeom>
+            <a:solidFill>
+              <a:srgbClr val="0066FF"/>
+            </a:solidFill>
+          </p:spPr>
+          <p:style>
+            <a:lnRef idx="2">
+              <a:schemeClr val="accent1">
+                <a:shade val="15000"/>
+              </a:schemeClr>
+            </a:lnRef>
+            <a:fillRef idx="1">
+              <a:schemeClr val="accent1"/>
+            </a:fillRef>
+            <a:effectRef idx="0">
+              <a:schemeClr val="accent1"/>
+            </a:effectRef>
+            <a:fontRef idx="minor">
+              <a:schemeClr val="lt1"/>
+            </a:fontRef>
+          </p:style>
+          <p:txBody>
+            <a:bodyPr rtlCol="0" anchor="ctr"/>
+            <a:lstStyle/>
+            <a:p>
+              <a:pPr algn="ctr"/>
+              <a:r>
+                <a:rPr lang="en-GB" sz="800" dirty="0"/>
+                <a:t>12</a:t>
+              </a:r>
+            </a:p>
+          </p:txBody>
+        </p:sp>
+        <p:sp>
+          <p:nvSpPr>
+            <p:cNvPr id="124" name="Rectangle 123">
+              <a:extLst>
+                <a:ext uri="{FF2B5EF4-FFF2-40B4-BE49-F238E27FC236}">
+                  <a16:creationId xmlns:a16="http://schemas.microsoft.com/office/drawing/2014/main" id="{BE991270-D6EA-896D-8407-193DFDE233C8}"/>
+                </a:ext>
+              </a:extLst>
+            </p:cNvPr>
+            <p:cNvSpPr/>
+            <p:nvPr/>
+          </p:nvSpPr>
+          <p:spPr>
+            <a:xfrm>
+              <a:off x="7140345" y="1967659"/>
+              <a:ext cx="204232" cy="213515"/>
+            </a:xfrm>
+            <a:prstGeom prst="rect">
+              <a:avLst/>
+            </a:prstGeom>
+            <a:solidFill>
+              <a:srgbClr val="0066FF"/>
+            </a:solidFill>
+          </p:spPr>
+          <p:style>
+            <a:lnRef idx="2">
+              <a:schemeClr val="accent1">
+                <a:shade val="15000"/>
+              </a:schemeClr>
+            </a:lnRef>
+            <a:fillRef idx="1">
+              <a:schemeClr val="accent1"/>
+            </a:fillRef>
+            <a:effectRef idx="0">
+              <a:schemeClr val="accent1"/>
+            </a:effectRef>
+            <a:fontRef idx="minor">
+              <a:schemeClr val="lt1"/>
+            </a:fontRef>
+          </p:style>
+          <p:txBody>
+            <a:bodyPr rtlCol="0" anchor="ctr"/>
+            <a:lstStyle/>
+            <a:p>
+              <a:pPr algn="ctr"/>
+              <a:r>
+                <a:rPr lang="en-GB" sz="800" dirty="0"/>
+                <a:t>5</a:t>
+              </a:r>
+            </a:p>
+          </p:txBody>
+        </p:sp>
+        <p:sp>
+          <p:nvSpPr>
+            <p:cNvPr id="125" name="Rectangle 124">
+              <a:extLst>
+                <a:ext uri="{FF2B5EF4-FFF2-40B4-BE49-F238E27FC236}">
+                  <a16:creationId xmlns:a16="http://schemas.microsoft.com/office/drawing/2014/main" id="{53A960B0-2A3C-F8D8-5B6B-57ADC5636B0E}"/>
+                </a:ext>
+              </a:extLst>
+            </p:cNvPr>
+            <p:cNvSpPr/>
+            <p:nvPr/>
+          </p:nvSpPr>
+          <p:spPr>
+            <a:xfrm>
+              <a:off x="7353081" y="1967659"/>
+              <a:ext cx="204232" cy="213515"/>
+            </a:xfrm>
+            <a:prstGeom prst="rect">
+              <a:avLst/>
+            </a:prstGeom>
+            <a:solidFill>
+              <a:srgbClr val="0066FF"/>
+            </a:solidFill>
+          </p:spPr>
+          <p:style>
+            <a:lnRef idx="2">
+              <a:schemeClr val="accent1">
+                <a:shade val="15000"/>
+              </a:schemeClr>
+            </a:lnRef>
+            <a:fillRef idx="1">
+              <a:schemeClr val="accent1"/>
+            </a:fillRef>
+            <a:effectRef idx="0">
+              <a:schemeClr val="accent1"/>
+            </a:effectRef>
+            <a:fontRef idx="minor">
+              <a:schemeClr val="lt1"/>
+            </a:fontRef>
+          </p:style>
+          <p:txBody>
+            <a:bodyPr rtlCol="0" anchor="ctr"/>
+            <a:lstStyle/>
+            <a:p>
+              <a:pPr algn="ctr"/>
+              <a:r>
+                <a:rPr lang="en-GB" sz="800" dirty="0"/>
+                <a:t>6</a:t>
+              </a:r>
+            </a:p>
+          </p:txBody>
+        </p:sp>
+        <p:sp>
+          <p:nvSpPr>
+            <p:cNvPr id="126" name="Rectangle 125">
+              <a:extLst>
+                <a:ext uri="{FF2B5EF4-FFF2-40B4-BE49-F238E27FC236}">
+                  <a16:creationId xmlns:a16="http://schemas.microsoft.com/office/drawing/2014/main" id="{BC0AD534-6A86-C890-2B8E-F9099B91A04E}"/>
+                </a:ext>
+              </a:extLst>
+            </p:cNvPr>
+            <p:cNvSpPr/>
+            <p:nvPr/>
+          </p:nvSpPr>
+          <p:spPr>
+            <a:xfrm>
+              <a:off x="7588255" y="1967659"/>
+              <a:ext cx="204232" cy="213515"/>
+            </a:xfrm>
+            <a:prstGeom prst="rect">
+              <a:avLst/>
+            </a:prstGeom>
+            <a:solidFill>
+              <a:srgbClr val="0066FF"/>
+            </a:solidFill>
+          </p:spPr>
+          <p:style>
+            <a:lnRef idx="2">
+              <a:schemeClr val="accent1">
+                <a:shade val="15000"/>
+              </a:schemeClr>
+            </a:lnRef>
+            <a:fillRef idx="1">
+              <a:schemeClr val="accent1"/>
+            </a:fillRef>
+            <a:effectRef idx="0">
+              <a:schemeClr val="accent1"/>
+            </a:effectRef>
+            <a:fontRef idx="minor">
+              <a:schemeClr val="lt1"/>
+            </a:fontRef>
+          </p:style>
+          <p:txBody>
+            <a:bodyPr rtlCol="0" anchor="ctr"/>
+            <a:lstStyle/>
+            <a:p>
+              <a:pPr algn="ctr"/>
+              <a:r>
+                <a:rPr lang="en-GB" sz="800" dirty="0"/>
+                <a:t>7</a:t>
+              </a:r>
+            </a:p>
+          </p:txBody>
+        </p:sp>
+        <p:sp>
+          <p:nvSpPr>
+            <p:cNvPr id="127" name="Rectangle 126">
+              <a:extLst>
+                <a:ext uri="{FF2B5EF4-FFF2-40B4-BE49-F238E27FC236}">
+                  <a16:creationId xmlns:a16="http://schemas.microsoft.com/office/drawing/2014/main" id="{0F5D2AE9-BA5B-A0E8-471A-98E128833FD7}"/>
+                </a:ext>
+              </a:extLst>
+            </p:cNvPr>
+            <p:cNvSpPr/>
+            <p:nvPr/>
+          </p:nvSpPr>
+          <p:spPr>
+            <a:xfrm>
+              <a:off x="7778553" y="1967659"/>
+              <a:ext cx="204232" cy="213515"/>
+            </a:xfrm>
+            <a:prstGeom prst="rect">
+              <a:avLst/>
+            </a:prstGeom>
+            <a:solidFill>
+              <a:srgbClr val="0066FF"/>
+            </a:solidFill>
+          </p:spPr>
+          <p:style>
+            <a:lnRef idx="2">
+              <a:schemeClr val="accent1">
+                <a:shade val="15000"/>
+              </a:schemeClr>
+            </a:lnRef>
+            <a:fillRef idx="1">
+              <a:schemeClr val="accent1"/>
+            </a:fillRef>
+            <a:effectRef idx="0">
+              <a:schemeClr val="accent1"/>
+            </a:effectRef>
+            <a:fontRef idx="minor">
+              <a:schemeClr val="lt1"/>
+            </a:fontRef>
+          </p:style>
+          <p:txBody>
+            <a:bodyPr rtlCol="0" anchor="ctr"/>
+            <a:lstStyle/>
+            <a:p>
+              <a:pPr algn="ctr"/>
+              <a:r>
+                <a:rPr lang="en-GB" sz="800" dirty="0"/>
+                <a:t>8</a:t>
+              </a:r>
+            </a:p>
+          </p:txBody>
+        </p:sp>
+        <p:sp>
+          <p:nvSpPr>
+            <p:cNvPr id="128" name="Rectangle 127">
+              <a:extLst>
+                <a:ext uri="{FF2B5EF4-FFF2-40B4-BE49-F238E27FC236}">
+                  <a16:creationId xmlns:a16="http://schemas.microsoft.com/office/drawing/2014/main" id="{4F522B1A-7144-ACD0-5216-64E18040C676}"/>
+                </a:ext>
+              </a:extLst>
+            </p:cNvPr>
+            <p:cNvSpPr/>
+            <p:nvPr/>
+          </p:nvSpPr>
+          <p:spPr>
+            <a:xfrm>
+              <a:off x="7991289" y="1967659"/>
+              <a:ext cx="204232" cy="213515"/>
+            </a:xfrm>
+            <a:prstGeom prst="rect">
+              <a:avLst/>
+            </a:prstGeom>
+            <a:solidFill>
+              <a:srgbClr val="0066FF"/>
+            </a:solidFill>
+          </p:spPr>
+          <p:style>
+            <a:lnRef idx="2">
+              <a:schemeClr val="accent1">
+                <a:shade val="15000"/>
+              </a:schemeClr>
+            </a:lnRef>
+            <a:fillRef idx="1">
+              <a:schemeClr val="accent1"/>
+            </a:fillRef>
+            <a:effectRef idx="0">
+              <a:schemeClr val="accent1"/>
+            </a:effectRef>
+            <a:fontRef idx="minor">
+              <a:schemeClr val="lt1"/>
+            </a:fontRef>
+          </p:style>
+          <p:txBody>
+            <a:bodyPr rtlCol="0" anchor="ctr"/>
+            <a:lstStyle/>
+            <a:p>
+              <a:pPr algn="ctr"/>
+              <a:r>
+                <a:rPr lang="en-GB" sz="800" dirty="0"/>
+                <a:t>9</a:t>
+              </a:r>
+            </a:p>
+          </p:txBody>
+        </p:sp>
+        <p:sp>
+          <p:nvSpPr>
+            <p:cNvPr id="129" name="Rectangle 128">
+              <a:extLst>
+                <a:ext uri="{FF2B5EF4-FFF2-40B4-BE49-F238E27FC236}">
+                  <a16:creationId xmlns:a16="http://schemas.microsoft.com/office/drawing/2014/main" id="{4419B0F3-90CA-D761-2DBD-24C63F6A7F83}"/>
+                </a:ext>
+              </a:extLst>
+            </p:cNvPr>
+            <p:cNvSpPr/>
+            <p:nvPr/>
+          </p:nvSpPr>
+          <p:spPr>
+            <a:xfrm>
+              <a:off x="8204025" y="1967659"/>
+              <a:ext cx="204232" cy="213515"/>
+            </a:xfrm>
+            <a:prstGeom prst="rect">
+              <a:avLst/>
+            </a:prstGeom>
+            <a:solidFill>
+              <a:srgbClr val="0066FF"/>
+            </a:solidFill>
+          </p:spPr>
+          <p:style>
+            <a:lnRef idx="2">
+              <a:schemeClr val="accent1">
+                <a:shade val="15000"/>
+              </a:schemeClr>
+            </a:lnRef>
+            <a:fillRef idx="1">
+              <a:schemeClr val="accent1"/>
+            </a:fillRef>
+            <a:effectRef idx="0">
+              <a:schemeClr val="accent1"/>
+            </a:effectRef>
+            <a:fontRef idx="minor">
+              <a:schemeClr val="lt1"/>
+            </a:fontRef>
+          </p:style>
+          <p:txBody>
+            <a:bodyPr rtlCol="0" anchor="ctr"/>
+            <a:lstStyle/>
+            <a:p>
+              <a:pPr algn="ctr"/>
+              <a:r>
+                <a:rPr lang="en-GB" sz="800" dirty="0"/>
+                <a:t>10</a:t>
+              </a:r>
+            </a:p>
+          </p:txBody>
+        </p:sp>
+        <p:sp>
+          <p:nvSpPr>
+            <p:cNvPr id="130" name="Rectangle 129">
+              <a:extLst>
+                <a:ext uri="{FF2B5EF4-FFF2-40B4-BE49-F238E27FC236}">
+                  <a16:creationId xmlns:a16="http://schemas.microsoft.com/office/drawing/2014/main" id="{181A48DD-6FE1-3556-7731-101BE6260870}"/>
+                </a:ext>
+              </a:extLst>
+            </p:cNvPr>
+            <p:cNvSpPr/>
+            <p:nvPr/>
+          </p:nvSpPr>
+          <p:spPr>
+            <a:xfrm>
+              <a:off x="8416761" y="1967659"/>
+              <a:ext cx="204232" cy="213515"/>
+            </a:xfrm>
+            <a:prstGeom prst="rect">
+              <a:avLst/>
+            </a:prstGeom>
+            <a:solidFill>
+              <a:srgbClr val="0066FF"/>
+            </a:solidFill>
+          </p:spPr>
+          <p:style>
+            <a:lnRef idx="2">
+              <a:schemeClr val="accent1">
+                <a:shade val="15000"/>
+              </a:schemeClr>
+            </a:lnRef>
+            <a:fillRef idx="1">
+              <a:schemeClr val="accent1"/>
+            </a:fillRef>
+            <a:effectRef idx="0">
+              <a:schemeClr val="accent1"/>
+            </a:effectRef>
+            <a:fontRef idx="minor">
+              <a:schemeClr val="lt1"/>
+            </a:fontRef>
+          </p:style>
+          <p:txBody>
+            <a:bodyPr rtlCol="0" anchor="ctr"/>
+            <a:lstStyle/>
+            <a:p>
+              <a:pPr algn="ctr"/>
+              <a:r>
+                <a:rPr lang="en-GB" sz="800" dirty="0"/>
+                <a:t>11</a:t>
+              </a:r>
+            </a:p>
+          </p:txBody>
+        </p:sp>
+        <p:sp>
+          <p:nvSpPr>
+            <p:cNvPr id="131" name="Rectangle 130">
+              <a:extLst>
+                <a:ext uri="{FF2B5EF4-FFF2-40B4-BE49-F238E27FC236}">
+                  <a16:creationId xmlns:a16="http://schemas.microsoft.com/office/drawing/2014/main" id="{27096B0A-64E9-B75A-28EB-97F1AC503701}"/>
+                </a:ext>
+              </a:extLst>
+            </p:cNvPr>
+            <p:cNvSpPr/>
+            <p:nvPr/>
+          </p:nvSpPr>
+          <p:spPr>
+            <a:xfrm>
+              <a:off x="8629497" y="1967659"/>
+              <a:ext cx="204232" cy="213515"/>
+            </a:xfrm>
+            <a:prstGeom prst="rect">
+              <a:avLst/>
+            </a:prstGeom>
+            <a:solidFill>
+              <a:srgbClr val="0066FF"/>
+            </a:solidFill>
+          </p:spPr>
+          <p:style>
+            <a:lnRef idx="2">
+              <a:schemeClr val="accent1">
+                <a:shade val="15000"/>
+              </a:schemeClr>
+            </a:lnRef>
+            <a:fillRef idx="1">
+              <a:schemeClr val="accent1"/>
+            </a:fillRef>
+            <a:effectRef idx="0">
+              <a:schemeClr val="accent1"/>
+            </a:effectRef>
+            <a:fontRef idx="minor">
+              <a:schemeClr val="lt1"/>
+            </a:fontRef>
+          </p:style>
+          <p:txBody>
+            <a:bodyPr rtlCol="0" anchor="ctr"/>
+            <a:lstStyle/>
+            <a:p>
+              <a:pPr algn="ctr"/>
+              <a:r>
+                <a:rPr lang="en-GB" sz="800" dirty="0"/>
+                <a:t>4</a:t>
+              </a:r>
+            </a:p>
+          </p:txBody>
+        </p:sp>
+        <p:sp>
+          <p:nvSpPr>
+            <p:cNvPr id="132" name="Rectangle 131">
+              <a:extLst>
+                <a:ext uri="{FF2B5EF4-FFF2-40B4-BE49-F238E27FC236}">
+                  <a16:creationId xmlns:a16="http://schemas.microsoft.com/office/drawing/2014/main" id="{90EAF1BC-0E6D-3B99-9281-016AB803C8A8}"/>
+                </a:ext>
+              </a:extLst>
+            </p:cNvPr>
+            <p:cNvSpPr/>
+            <p:nvPr/>
+          </p:nvSpPr>
+          <p:spPr>
+            <a:xfrm>
+              <a:off x="8842233" y="1967659"/>
+              <a:ext cx="204232" cy="213515"/>
+            </a:xfrm>
+            <a:prstGeom prst="rect">
+              <a:avLst/>
+            </a:prstGeom>
+            <a:solidFill>
+              <a:srgbClr val="0066FF"/>
+            </a:solidFill>
+          </p:spPr>
+          <p:style>
+            <a:lnRef idx="2">
+              <a:schemeClr val="accent1">
+                <a:shade val="15000"/>
+              </a:schemeClr>
+            </a:lnRef>
+            <a:fillRef idx="1">
+              <a:schemeClr val="accent1"/>
+            </a:fillRef>
+            <a:effectRef idx="0">
+              <a:schemeClr val="accent1"/>
+            </a:effectRef>
+            <a:fontRef idx="minor">
+              <a:schemeClr val="lt1"/>
+            </a:fontRef>
+          </p:style>
+          <p:txBody>
+            <a:bodyPr rtlCol="0" anchor="ctr"/>
+            <a:lstStyle/>
+            <a:p>
+              <a:pPr algn="ctr"/>
+              <a:r>
+                <a:rPr lang="en-GB" sz="800" dirty="0"/>
+                <a:t>13</a:t>
+              </a:r>
+            </a:p>
+          </p:txBody>
+        </p:sp>
+        <p:sp>
+          <p:nvSpPr>
+            <p:cNvPr id="133" name="Rectangle 132">
+              <a:extLst>
+                <a:ext uri="{FF2B5EF4-FFF2-40B4-BE49-F238E27FC236}">
+                  <a16:creationId xmlns:a16="http://schemas.microsoft.com/office/drawing/2014/main" id="{A1C50904-8062-3CE5-A172-022854B49E7C}"/>
+                </a:ext>
+              </a:extLst>
+            </p:cNvPr>
+            <p:cNvSpPr/>
+            <p:nvPr/>
+          </p:nvSpPr>
+          <p:spPr>
+            <a:xfrm>
+              <a:off x="9054969" y="1967659"/>
+              <a:ext cx="204232" cy="213515"/>
+            </a:xfrm>
+            <a:prstGeom prst="rect">
+              <a:avLst/>
+            </a:prstGeom>
+            <a:solidFill>
+              <a:srgbClr val="0066FF"/>
+            </a:solidFill>
+          </p:spPr>
+          <p:style>
+            <a:lnRef idx="2">
+              <a:schemeClr val="accent1">
+                <a:shade val="15000"/>
+              </a:schemeClr>
+            </a:lnRef>
+            <a:fillRef idx="1">
+              <a:schemeClr val="accent1"/>
+            </a:fillRef>
+            <a:effectRef idx="0">
+              <a:schemeClr val="accent1"/>
+            </a:effectRef>
+            <a:fontRef idx="minor">
+              <a:schemeClr val="lt1"/>
+            </a:fontRef>
+          </p:style>
+          <p:txBody>
+            <a:bodyPr rtlCol="0" anchor="ctr"/>
+            <a:lstStyle/>
+            <a:p>
+              <a:pPr algn="ctr"/>
+              <a:r>
+                <a:rPr lang="en-GB" sz="800" dirty="0"/>
+                <a:t>14</a:t>
+              </a:r>
+            </a:p>
+          </p:txBody>
+        </p:sp>
+      </p:grpSp>
+      <p:cxnSp>
+        <p:nvCxnSpPr>
+          <p:cNvPr id="134" name="Straight Arrow Connector 133">
+            <a:extLst>
+              <a:ext uri="{FF2B5EF4-FFF2-40B4-BE49-F238E27FC236}">
+                <a16:creationId xmlns:a16="http://schemas.microsoft.com/office/drawing/2014/main" id="{C9319628-3C04-6E19-F19F-F292FBE87CCF}"/>
+              </a:ext>
+            </a:extLst>
+          </p:cNvPr>
+          <p:cNvCxnSpPr>
+            <a:cxnSpLocks/>
+          </p:cNvCxnSpPr>
+          <p:nvPr/>
+        </p:nvCxnSpPr>
+        <p:spPr>
+          <a:xfrm flipH="1">
+            <a:off x="8662767" y="4194478"/>
+            <a:ext cx="160961" cy="0"/>
+          </a:xfrm>
+          <a:prstGeom prst="straightConnector1">
+            <a:avLst/>
+          </a:prstGeom>
+          <a:ln>
+            <a:tailEnd type="triangle"/>
+          </a:ln>
+        </p:spPr>
+        <p:style>
+          <a:lnRef idx="2">
+            <a:schemeClr val="accent1"/>
+          </a:lnRef>
+          <a:fillRef idx="0">
+            <a:schemeClr val="accent1"/>
+          </a:fillRef>
+          <a:effectRef idx="1">
+            <a:schemeClr val="accent1"/>
+          </a:effectRef>
+          <a:fontRef idx="minor">
+            <a:schemeClr val="tx1"/>
+          </a:fontRef>
+        </p:style>
+      </p:cxnSp>
+      <p:sp>
+        <p:nvSpPr>
+          <p:cNvPr id="139" name="Arc 138">
+            <a:extLst>
+              <a:ext uri="{FF2B5EF4-FFF2-40B4-BE49-F238E27FC236}">
+                <a16:creationId xmlns:a16="http://schemas.microsoft.com/office/drawing/2014/main" id="{F5D2E0A6-6660-E45D-5A3C-885F49628C30}"/>
+              </a:ext>
+            </a:extLst>
+          </p:cNvPr>
+          <p:cNvSpPr/>
+          <p:nvPr/>
+        </p:nvSpPr>
+        <p:spPr>
+          <a:xfrm>
+            <a:off x="7164780" y="4131821"/>
+            <a:ext cx="1710721" cy="495878"/>
+          </a:xfrm>
+          <a:prstGeom prst="arc">
+            <a:avLst>
+              <a:gd name="adj1" fmla="val 10797370"/>
+              <a:gd name="adj2" fmla="val 0"/>
+            </a:avLst>
+          </a:prstGeom>
+          <a:ln>
+            <a:headEnd type="stealth"/>
+            <a:tailEnd type="stealth"/>
+          </a:ln>
+        </p:spPr>
+        <p:style>
+          <a:lnRef idx="2">
+            <a:schemeClr val="accent1"/>
+          </a:lnRef>
+          <a:fillRef idx="0">
+            <a:schemeClr val="accent1"/>
+          </a:fillRef>
+          <a:effectRef idx="1">
+            <a:schemeClr val="accent1"/>
+          </a:effectRef>
+          <a:fontRef idx="minor">
+            <a:schemeClr val="tx1"/>
+          </a:fontRef>
+        </p:style>
+        <p:txBody>
+          <a:bodyPr rtlCol="0" anchor="ctr"/>
+          <a:lstStyle/>
+          <a:p>
+            <a:pPr algn="ctr"/>
+            <a:endParaRPr lang="en-GB"/>
+          </a:p>
+        </p:txBody>
+      </p:sp>
+      <p:grpSp>
+        <p:nvGrpSpPr>
+          <p:cNvPr id="142" name="Group 141">
+            <a:extLst>
+              <a:ext uri="{FF2B5EF4-FFF2-40B4-BE49-F238E27FC236}">
+                <a16:creationId xmlns:a16="http://schemas.microsoft.com/office/drawing/2014/main" id="{C056D9C0-713E-B7C3-7730-EBC94BEC8C04}"/>
+              </a:ext>
+            </a:extLst>
+          </p:cNvPr>
+          <p:cNvGrpSpPr/>
+          <p:nvPr/>
+        </p:nvGrpSpPr>
+        <p:grpSpPr>
+          <a:xfrm>
+            <a:off x="927188" y="4416884"/>
+            <a:ext cx="2969800" cy="213515"/>
+            <a:chOff x="6289401" y="1967659"/>
+            <a:chExt cx="2969800" cy="213515"/>
+          </a:xfrm>
+          <a:solidFill>
+            <a:srgbClr val="00B050"/>
+          </a:solidFill>
+        </p:grpSpPr>
+        <p:sp>
+          <p:nvSpPr>
+            <p:cNvPr id="143" name="Rectangle 142">
+              <a:extLst>
+                <a:ext uri="{FF2B5EF4-FFF2-40B4-BE49-F238E27FC236}">
+                  <a16:creationId xmlns:a16="http://schemas.microsoft.com/office/drawing/2014/main" id="{04FDAD93-D01E-F9D4-B554-F3BF4F0F9478}"/>
+                </a:ext>
+              </a:extLst>
+            </p:cNvPr>
+            <p:cNvSpPr/>
+            <p:nvPr/>
+          </p:nvSpPr>
+          <p:spPr>
+            <a:xfrm>
+              <a:off x="6289401" y="1967659"/>
+              <a:ext cx="204232" cy="213515"/>
+            </a:xfrm>
+            <a:prstGeom prst="rect">
+              <a:avLst/>
+            </a:prstGeom>
+            <a:grpFill/>
+          </p:spPr>
+          <p:style>
+            <a:lnRef idx="2">
+              <a:schemeClr val="accent1">
+                <a:shade val="15000"/>
+              </a:schemeClr>
+            </a:lnRef>
+            <a:fillRef idx="1">
+              <a:schemeClr val="accent1"/>
+            </a:fillRef>
+            <a:effectRef idx="0">
+              <a:schemeClr val="accent1"/>
+            </a:effectRef>
+            <a:fontRef idx="minor">
+              <a:schemeClr val="lt1"/>
+            </a:fontRef>
+          </p:style>
+          <p:txBody>
+            <a:bodyPr rtlCol="0" anchor="ctr"/>
+            <a:lstStyle/>
+            <a:p>
+              <a:pPr algn="ctr"/>
+              <a:endParaRPr lang="en-GB" u="sng"/>
+            </a:p>
+          </p:txBody>
+        </p:sp>
+        <p:sp>
+          <p:nvSpPr>
+            <p:cNvPr id="144" name="Rectangle 143">
+              <a:extLst>
+                <a:ext uri="{FF2B5EF4-FFF2-40B4-BE49-F238E27FC236}">
+                  <a16:creationId xmlns:a16="http://schemas.microsoft.com/office/drawing/2014/main" id="{B7F51F70-5B0E-E096-9601-31613D7EF6A0}"/>
+                </a:ext>
+              </a:extLst>
+            </p:cNvPr>
+            <p:cNvSpPr/>
+            <p:nvPr/>
+          </p:nvSpPr>
+          <p:spPr>
+            <a:xfrm>
+              <a:off x="6502137" y="1967659"/>
+              <a:ext cx="204232" cy="213515"/>
+            </a:xfrm>
+            <a:prstGeom prst="rect">
+              <a:avLst/>
+            </a:prstGeom>
+            <a:grpFill/>
+          </p:spPr>
+          <p:style>
+            <a:lnRef idx="2">
+              <a:schemeClr val="accent1">
+                <a:shade val="15000"/>
+              </a:schemeClr>
+            </a:lnRef>
+            <a:fillRef idx="1">
+              <a:schemeClr val="accent1"/>
+            </a:fillRef>
+            <a:effectRef idx="0">
+              <a:schemeClr val="accent1"/>
+            </a:effectRef>
+            <a:fontRef idx="minor">
+              <a:schemeClr val="lt1"/>
+            </a:fontRef>
+          </p:style>
+          <p:txBody>
+            <a:bodyPr rtlCol="0" anchor="ctr"/>
+            <a:lstStyle/>
+            <a:p>
+              <a:pPr algn="ctr"/>
+              <a:endParaRPr lang="en-GB" u="sng"/>
+            </a:p>
+          </p:txBody>
+        </p:sp>
+        <p:sp>
+          <p:nvSpPr>
+            <p:cNvPr id="145" name="Rectangle 144">
+              <a:extLst>
+                <a:ext uri="{FF2B5EF4-FFF2-40B4-BE49-F238E27FC236}">
+                  <a16:creationId xmlns:a16="http://schemas.microsoft.com/office/drawing/2014/main" id="{6D59A95A-54E5-2C23-53C2-F2F42CB3CC21}"/>
+                </a:ext>
+              </a:extLst>
+            </p:cNvPr>
+            <p:cNvSpPr/>
+            <p:nvPr/>
+          </p:nvSpPr>
+          <p:spPr>
+            <a:xfrm>
+              <a:off x="6714873" y="1967659"/>
+              <a:ext cx="204232" cy="213515"/>
+            </a:xfrm>
+            <a:prstGeom prst="rect">
+              <a:avLst/>
+            </a:prstGeom>
+            <a:grpFill/>
+          </p:spPr>
+          <p:style>
+            <a:lnRef idx="2">
+              <a:schemeClr val="accent1">
+                <a:shade val="15000"/>
+              </a:schemeClr>
+            </a:lnRef>
+            <a:fillRef idx="1">
+              <a:schemeClr val="accent1"/>
+            </a:fillRef>
+            <a:effectRef idx="0">
+              <a:schemeClr val="accent1"/>
+            </a:effectRef>
+            <a:fontRef idx="minor">
+              <a:schemeClr val="lt1"/>
+            </a:fontRef>
+          </p:style>
+          <p:txBody>
+            <a:bodyPr rtlCol="0" anchor="ctr"/>
+            <a:lstStyle/>
+            <a:p>
+              <a:pPr algn="ctr"/>
+              <a:endParaRPr lang="en-GB" u="sng"/>
+            </a:p>
+          </p:txBody>
+        </p:sp>
+        <p:sp>
+          <p:nvSpPr>
+            <p:cNvPr id="146" name="Rectangle 145">
+              <a:extLst>
+                <a:ext uri="{FF2B5EF4-FFF2-40B4-BE49-F238E27FC236}">
+                  <a16:creationId xmlns:a16="http://schemas.microsoft.com/office/drawing/2014/main" id="{15151C7F-58B2-9D61-A372-B39B3D78EDA1}"/>
+                </a:ext>
+              </a:extLst>
+            </p:cNvPr>
+            <p:cNvSpPr/>
+            <p:nvPr/>
+          </p:nvSpPr>
+          <p:spPr>
+            <a:xfrm>
+              <a:off x="6927609" y="1967659"/>
+              <a:ext cx="204232" cy="213515"/>
+            </a:xfrm>
+            <a:prstGeom prst="rect">
+              <a:avLst/>
+            </a:prstGeom>
+            <a:grpFill/>
+          </p:spPr>
+          <p:style>
+            <a:lnRef idx="2">
+              <a:schemeClr val="accent1">
+                <a:shade val="15000"/>
+              </a:schemeClr>
+            </a:lnRef>
+            <a:fillRef idx="1">
+              <a:schemeClr val="accent1"/>
+            </a:fillRef>
+            <a:effectRef idx="0">
+              <a:schemeClr val="accent1"/>
+            </a:effectRef>
+            <a:fontRef idx="minor">
+              <a:schemeClr val="lt1"/>
+            </a:fontRef>
+          </p:style>
+          <p:txBody>
+            <a:bodyPr rtlCol="0" anchor="ctr"/>
+            <a:lstStyle/>
+            <a:p>
+              <a:pPr algn="ctr"/>
+              <a:endParaRPr lang="en-GB" u="sng"/>
+            </a:p>
+          </p:txBody>
+        </p:sp>
+        <p:sp>
+          <p:nvSpPr>
+            <p:cNvPr id="147" name="Rectangle 146">
+              <a:extLst>
+                <a:ext uri="{FF2B5EF4-FFF2-40B4-BE49-F238E27FC236}">
+                  <a16:creationId xmlns:a16="http://schemas.microsoft.com/office/drawing/2014/main" id="{D997091F-530F-8D7B-622B-405E99F9707C}"/>
+                </a:ext>
+              </a:extLst>
+            </p:cNvPr>
+            <p:cNvSpPr/>
+            <p:nvPr/>
+          </p:nvSpPr>
+          <p:spPr>
+            <a:xfrm>
+              <a:off x="7140345" y="1967659"/>
+              <a:ext cx="204232" cy="213515"/>
+            </a:xfrm>
+            <a:prstGeom prst="rect">
+              <a:avLst/>
+            </a:prstGeom>
+            <a:grpFill/>
+          </p:spPr>
+          <p:style>
+            <a:lnRef idx="2">
+              <a:schemeClr val="accent1">
+                <a:shade val="15000"/>
+              </a:schemeClr>
+            </a:lnRef>
+            <a:fillRef idx="1">
+              <a:schemeClr val="accent1"/>
+            </a:fillRef>
+            <a:effectRef idx="0">
+              <a:schemeClr val="accent1"/>
+            </a:effectRef>
+            <a:fontRef idx="minor">
+              <a:schemeClr val="lt1"/>
+            </a:fontRef>
+          </p:style>
+          <p:txBody>
+            <a:bodyPr rtlCol="0" anchor="ctr"/>
+            <a:lstStyle/>
+            <a:p>
+              <a:pPr algn="ctr"/>
+              <a:endParaRPr lang="en-GB" u="sng"/>
+            </a:p>
+          </p:txBody>
+        </p:sp>
+        <p:sp>
+          <p:nvSpPr>
+            <p:cNvPr id="148" name="Rectangle 147">
+              <a:extLst>
+                <a:ext uri="{FF2B5EF4-FFF2-40B4-BE49-F238E27FC236}">
+                  <a16:creationId xmlns:a16="http://schemas.microsoft.com/office/drawing/2014/main" id="{4CC0CD27-28AF-A6B1-A798-66DFF32076CB}"/>
+                </a:ext>
+              </a:extLst>
+            </p:cNvPr>
+            <p:cNvSpPr/>
+            <p:nvPr/>
+          </p:nvSpPr>
+          <p:spPr>
+            <a:xfrm>
+              <a:off x="7353081" y="1967659"/>
+              <a:ext cx="204232" cy="213515"/>
+            </a:xfrm>
+            <a:prstGeom prst="rect">
+              <a:avLst/>
+            </a:prstGeom>
+            <a:grpFill/>
+          </p:spPr>
+          <p:style>
+            <a:lnRef idx="2">
+              <a:schemeClr val="accent1">
+                <a:shade val="15000"/>
+              </a:schemeClr>
+            </a:lnRef>
+            <a:fillRef idx="1">
+              <a:schemeClr val="accent1"/>
+            </a:fillRef>
+            <a:effectRef idx="0">
+              <a:schemeClr val="accent1"/>
+            </a:effectRef>
+            <a:fontRef idx="minor">
+              <a:schemeClr val="lt1"/>
+            </a:fontRef>
+          </p:style>
+          <p:txBody>
+            <a:bodyPr rtlCol="0" anchor="ctr"/>
+            <a:lstStyle/>
+            <a:p>
+              <a:pPr algn="ctr"/>
+              <a:endParaRPr lang="en-GB" u="sng"/>
+            </a:p>
+          </p:txBody>
+        </p:sp>
+        <p:sp>
+          <p:nvSpPr>
+            <p:cNvPr id="149" name="Rectangle 148">
+              <a:extLst>
+                <a:ext uri="{FF2B5EF4-FFF2-40B4-BE49-F238E27FC236}">
+                  <a16:creationId xmlns:a16="http://schemas.microsoft.com/office/drawing/2014/main" id="{56913DE2-C593-899F-2ABC-AB5E2B93021E}"/>
+                </a:ext>
+              </a:extLst>
+            </p:cNvPr>
+            <p:cNvSpPr/>
+            <p:nvPr/>
+          </p:nvSpPr>
+          <p:spPr>
+            <a:xfrm>
+              <a:off x="7565817" y="1967659"/>
+              <a:ext cx="204232" cy="213515"/>
+            </a:xfrm>
+            <a:prstGeom prst="rect">
+              <a:avLst/>
+            </a:prstGeom>
+            <a:grpFill/>
+          </p:spPr>
+          <p:style>
+            <a:lnRef idx="2">
+              <a:schemeClr val="accent1">
+                <a:shade val="15000"/>
+              </a:schemeClr>
+            </a:lnRef>
+            <a:fillRef idx="1">
+              <a:schemeClr val="accent1"/>
+            </a:fillRef>
+            <a:effectRef idx="0">
+              <a:schemeClr val="accent1"/>
+            </a:effectRef>
+            <a:fontRef idx="minor">
+              <a:schemeClr val="lt1"/>
+            </a:fontRef>
+          </p:style>
+          <p:txBody>
+            <a:bodyPr rtlCol="0" anchor="ctr"/>
+            <a:lstStyle/>
+            <a:p>
+              <a:pPr algn="ctr"/>
+              <a:endParaRPr lang="en-GB" u="sng"/>
+            </a:p>
+          </p:txBody>
+        </p:sp>
+        <p:sp>
+          <p:nvSpPr>
+            <p:cNvPr id="150" name="Rectangle 149">
+              <a:extLst>
+                <a:ext uri="{FF2B5EF4-FFF2-40B4-BE49-F238E27FC236}">
+                  <a16:creationId xmlns:a16="http://schemas.microsoft.com/office/drawing/2014/main" id="{95E0901A-0F10-C932-128C-5822F986BC32}"/>
+                </a:ext>
+              </a:extLst>
+            </p:cNvPr>
+            <p:cNvSpPr/>
+            <p:nvPr/>
+          </p:nvSpPr>
+          <p:spPr>
+            <a:xfrm>
+              <a:off x="7778553" y="1967659"/>
+              <a:ext cx="204232" cy="213515"/>
+            </a:xfrm>
+            <a:prstGeom prst="rect">
+              <a:avLst/>
+            </a:prstGeom>
+            <a:grpFill/>
+          </p:spPr>
+          <p:style>
+            <a:lnRef idx="2">
+              <a:schemeClr val="accent1">
+                <a:shade val="15000"/>
+              </a:schemeClr>
+            </a:lnRef>
+            <a:fillRef idx="1">
+              <a:schemeClr val="accent1"/>
+            </a:fillRef>
+            <a:effectRef idx="0">
+              <a:schemeClr val="accent1"/>
+            </a:effectRef>
+            <a:fontRef idx="minor">
+              <a:schemeClr val="lt1"/>
+            </a:fontRef>
+          </p:style>
+          <p:txBody>
+            <a:bodyPr rtlCol="0" anchor="ctr"/>
+            <a:lstStyle/>
+            <a:p>
+              <a:pPr algn="ctr"/>
+              <a:endParaRPr lang="en-GB" u="sng"/>
+            </a:p>
+          </p:txBody>
+        </p:sp>
+        <p:sp>
+          <p:nvSpPr>
+            <p:cNvPr id="151" name="Rectangle 150">
+              <a:extLst>
+                <a:ext uri="{FF2B5EF4-FFF2-40B4-BE49-F238E27FC236}">
+                  <a16:creationId xmlns:a16="http://schemas.microsoft.com/office/drawing/2014/main" id="{D9679324-6593-801E-E5E8-E372BCDE00FE}"/>
+                </a:ext>
+              </a:extLst>
+            </p:cNvPr>
+            <p:cNvSpPr/>
+            <p:nvPr/>
+          </p:nvSpPr>
+          <p:spPr>
+            <a:xfrm>
+              <a:off x="7991289" y="1967659"/>
+              <a:ext cx="204232" cy="213515"/>
+            </a:xfrm>
+            <a:prstGeom prst="rect">
+              <a:avLst/>
+            </a:prstGeom>
+            <a:grpFill/>
+          </p:spPr>
+          <p:style>
+            <a:lnRef idx="2">
+              <a:schemeClr val="accent1">
+                <a:shade val="15000"/>
+              </a:schemeClr>
+            </a:lnRef>
+            <a:fillRef idx="1">
+              <a:schemeClr val="accent1"/>
+            </a:fillRef>
+            <a:effectRef idx="0">
+              <a:schemeClr val="accent1"/>
+            </a:effectRef>
+            <a:fontRef idx="minor">
+              <a:schemeClr val="lt1"/>
+            </a:fontRef>
+          </p:style>
+          <p:txBody>
+            <a:bodyPr rtlCol="0" anchor="ctr"/>
+            <a:lstStyle/>
+            <a:p>
+              <a:pPr algn="ctr"/>
+              <a:endParaRPr lang="en-GB" u="sng"/>
+            </a:p>
+          </p:txBody>
+        </p:sp>
+        <p:sp>
+          <p:nvSpPr>
+            <p:cNvPr id="152" name="Rectangle 151">
+              <a:extLst>
+                <a:ext uri="{FF2B5EF4-FFF2-40B4-BE49-F238E27FC236}">
+                  <a16:creationId xmlns:a16="http://schemas.microsoft.com/office/drawing/2014/main" id="{5F03DB0B-A9C5-F10E-A683-175E4D5D03D0}"/>
+                </a:ext>
+              </a:extLst>
+            </p:cNvPr>
+            <p:cNvSpPr/>
+            <p:nvPr/>
+          </p:nvSpPr>
+          <p:spPr>
+            <a:xfrm>
+              <a:off x="8204025" y="1967659"/>
+              <a:ext cx="204232" cy="213515"/>
+            </a:xfrm>
+            <a:prstGeom prst="rect">
+              <a:avLst/>
+            </a:prstGeom>
+            <a:grpFill/>
+          </p:spPr>
+          <p:style>
+            <a:lnRef idx="2">
+              <a:schemeClr val="accent1">
+                <a:shade val="15000"/>
+              </a:schemeClr>
+            </a:lnRef>
+            <a:fillRef idx="1">
+              <a:schemeClr val="accent1"/>
+            </a:fillRef>
+            <a:effectRef idx="0">
+              <a:schemeClr val="accent1"/>
+            </a:effectRef>
+            <a:fontRef idx="minor">
+              <a:schemeClr val="lt1"/>
+            </a:fontRef>
+          </p:style>
+          <p:txBody>
+            <a:bodyPr rtlCol="0" anchor="ctr"/>
+            <a:lstStyle/>
+            <a:p>
+              <a:pPr algn="ctr"/>
+              <a:endParaRPr lang="en-GB" u="sng"/>
+            </a:p>
+          </p:txBody>
+        </p:sp>
+        <p:sp>
+          <p:nvSpPr>
+            <p:cNvPr id="153" name="Rectangle 152">
+              <a:extLst>
+                <a:ext uri="{FF2B5EF4-FFF2-40B4-BE49-F238E27FC236}">
+                  <a16:creationId xmlns:a16="http://schemas.microsoft.com/office/drawing/2014/main" id="{CF21219C-4113-20D9-B381-5217ABCF3677}"/>
+                </a:ext>
+              </a:extLst>
+            </p:cNvPr>
+            <p:cNvSpPr/>
+            <p:nvPr/>
+          </p:nvSpPr>
+          <p:spPr>
+            <a:xfrm>
+              <a:off x="8416761" y="1967659"/>
+              <a:ext cx="204232" cy="213515"/>
+            </a:xfrm>
+            <a:prstGeom prst="rect">
+              <a:avLst/>
+            </a:prstGeom>
+            <a:grpFill/>
+          </p:spPr>
+          <p:style>
+            <a:lnRef idx="2">
+              <a:schemeClr val="accent1">
+                <a:shade val="15000"/>
+              </a:schemeClr>
+            </a:lnRef>
+            <a:fillRef idx="1">
+              <a:schemeClr val="accent1"/>
+            </a:fillRef>
+            <a:effectRef idx="0">
+              <a:schemeClr val="accent1"/>
+            </a:effectRef>
+            <a:fontRef idx="minor">
+              <a:schemeClr val="lt1"/>
+            </a:fontRef>
+          </p:style>
+          <p:txBody>
+            <a:bodyPr rtlCol="0" anchor="ctr"/>
+            <a:lstStyle/>
+            <a:p>
+              <a:pPr algn="ctr"/>
+              <a:endParaRPr lang="en-GB" u="sng"/>
+            </a:p>
+          </p:txBody>
+        </p:sp>
+        <p:sp>
+          <p:nvSpPr>
+            <p:cNvPr id="154" name="Rectangle 153">
+              <a:extLst>
+                <a:ext uri="{FF2B5EF4-FFF2-40B4-BE49-F238E27FC236}">
+                  <a16:creationId xmlns:a16="http://schemas.microsoft.com/office/drawing/2014/main" id="{B4160F3C-2F0F-1EC3-2C4E-5A0C087D4EBD}"/>
+                </a:ext>
+              </a:extLst>
+            </p:cNvPr>
+            <p:cNvSpPr/>
+            <p:nvPr/>
+          </p:nvSpPr>
+          <p:spPr>
+            <a:xfrm>
+              <a:off x="8629497" y="1967659"/>
+              <a:ext cx="204232" cy="213515"/>
+            </a:xfrm>
+            <a:prstGeom prst="rect">
+              <a:avLst/>
+            </a:prstGeom>
+            <a:solidFill>
+              <a:schemeClr val="bg1"/>
+            </a:solidFill>
+          </p:spPr>
+          <p:style>
+            <a:lnRef idx="2">
+              <a:schemeClr val="accent1">
+                <a:shade val="15000"/>
+              </a:schemeClr>
+            </a:lnRef>
+            <a:fillRef idx="1">
+              <a:schemeClr val="accent1"/>
+            </a:fillRef>
+            <a:effectRef idx="0">
+              <a:schemeClr val="accent1"/>
+            </a:effectRef>
+            <a:fontRef idx="minor">
+              <a:schemeClr val="lt1"/>
+            </a:fontRef>
+          </p:style>
+          <p:txBody>
+            <a:bodyPr rtlCol="0" anchor="ctr"/>
+            <a:lstStyle/>
+            <a:p>
+              <a:pPr algn="ctr"/>
+              <a:endParaRPr lang="en-GB" u="sng"/>
+            </a:p>
+          </p:txBody>
+        </p:sp>
+        <p:sp>
+          <p:nvSpPr>
+            <p:cNvPr id="155" name="Rectangle 154">
+              <a:extLst>
+                <a:ext uri="{FF2B5EF4-FFF2-40B4-BE49-F238E27FC236}">
+                  <a16:creationId xmlns:a16="http://schemas.microsoft.com/office/drawing/2014/main" id="{EC4F0EB2-E6E1-1CEE-CB84-CA4E12FE52FA}"/>
+                </a:ext>
+              </a:extLst>
+            </p:cNvPr>
+            <p:cNvSpPr/>
+            <p:nvPr/>
+          </p:nvSpPr>
+          <p:spPr>
+            <a:xfrm>
+              <a:off x="8842233" y="1967659"/>
+              <a:ext cx="204232" cy="213515"/>
+            </a:xfrm>
+            <a:prstGeom prst="rect">
+              <a:avLst/>
+            </a:prstGeom>
+            <a:noFill/>
+          </p:spPr>
+          <p:style>
+            <a:lnRef idx="2">
+              <a:schemeClr val="accent1">
+                <a:shade val="15000"/>
+              </a:schemeClr>
+            </a:lnRef>
+            <a:fillRef idx="1">
+              <a:schemeClr val="accent1"/>
+            </a:fillRef>
+            <a:effectRef idx="0">
+              <a:schemeClr val="accent1"/>
+            </a:effectRef>
+            <a:fontRef idx="minor">
+              <a:schemeClr val="lt1"/>
+            </a:fontRef>
+          </p:style>
+          <p:txBody>
+            <a:bodyPr rtlCol="0" anchor="ctr"/>
+            <a:lstStyle/>
+            <a:p>
+              <a:pPr algn="ctr"/>
+              <a:endParaRPr lang="en-GB" u="sng"/>
+            </a:p>
+          </p:txBody>
+        </p:sp>
+        <p:sp>
+          <p:nvSpPr>
+            <p:cNvPr id="156" name="Rectangle 155">
+              <a:extLst>
+                <a:ext uri="{FF2B5EF4-FFF2-40B4-BE49-F238E27FC236}">
+                  <a16:creationId xmlns:a16="http://schemas.microsoft.com/office/drawing/2014/main" id="{6EFC1386-DCC1-0831-6D32-36330C11A6E2}"/>
+                </a:ext>
+              </a:extLst>
+            </p:cNvPr>
+            <p:cNvSpPr/>
+            <p:nvPr/>
+          </p:nvSpPr>
+          <p:spPr>
+            <a:xfrm>
+              <a:off x="9054969" y="1967659"/>
+              <a:ext cx="204232" cy="213515"/>
+            </a:xfrm>
+            <a:prstGeom prst="rect">
+              <a:avLst/>
+            </a:prstGeom>
+            <a:noFill/>
+          </p:spPr>
+          <p:style>
+            <a:lnRef idx="2">
+              <a:schemeClr val="accent1">
+                <a:shade val="15000"/>
+              </a:schemeClr>
+            </a:lnRef>
+            <a:fillRef idx="1">
+              <a:schemeClr val="accent1"/>
+            </a:fillRef>
+            <a:effectRef idx="0">
+              <a:schemeClr val="accent1"/>
+            </a:effectRef>
+            <a:fontRef idx="minor">
+              <a:schemeClr val="lt1"/>
+            </a:fontRef>
+          </p:style>
+          <p:txBody>
+            <a:bodyPr rtlCol="0" anchor="ctr"/>
+            <a:lstStyle/>
+            <a:p>
+              <a:pPr algn="ctr"/>
+              <a:endParaRPr lang="en-GB" u="sng"/>
+            </a:p>
+          </p:txBody>
+        </p:sp>
+      </p:grpSp>
+      <p:cxnSp>
+        <p:nvCxnSpPr>
+          <p:cNvPr id="158" name="Connector: Elbow 157">
+            <a:extLst>
+              <a:ext uri="{FF2B5EF4-FFF2-40B4-BE49-F238E27FC236}">
+                <a16:creationId xmlns:a16="http://schemas.microsoft.com/office/drawing/2014/main" id="{BEBDFE8D-7E28-E580-DE0F-E4AB3D036502}"/>
+              </a:ext>
+            </a:extLst>
+          </p:cNvPr>
+          <p:cNvCxnSpPr>
+            <a:cxnSpLocks/>
+            <a:stCxn id="153" idx="2"/>
+            <a:endCxn id="72" idx="2"/>
+          </p:cNvCxnSpPr>
+          <p:nvPr/>
+        </p:nvCxnSpPr>
+        <p:spPr>
+          <a:xfrm rot="16200000" flipH="1">
+            <a:off x="4525182" y="3261880"/>
+            <a:ext cx="649828" cy="3386865"/>
+          </a:xfrm>
+          <a:prstGeom prst="bentConnector3">
+            <a:avLst>
+              <a:gd name="adj1" fmla="val 135179"/>
+            </a:avLst>
+          </a:prstGeom>
+          <a:ln>
+            <a:tailEnd type="triangle"/>
+          </a:ln>
+        </p:spPr>
+        <p:style>
+          <a:lnRef idx="2">
+            <a:schemeClr val="accent1"/>
+          </a:lnRef>
+          <a:fillRef idx="0">
+            <a:schemeClr val="accent1"/>
+          </a:fillRef>
+          <a:effectRef idx="1">
+            <a:schemeClr val="accent1"/>
+          </a:effectRef>
+          <a:fontRef idx="minor">
+            <a:schemeClr val="tx1"/>
+          </a:fontRef>
+        </p:style>
+      </p:cxnSp>
+      <p:cxnSp>
+        <p:nvCxnSpPr>
+          <p:cNvPr id="160" name="Connector: Elbow 159">
+            <a:extLst>
+              <a:ext uri="{FF2B5EF4-FFF2-40B4-BE49-F238E27FC236}">
+                <a16:creationId xmlns:a16="http://schemas.microsoft.com/office/drawing/2014/main" id="{229DA454-A6A3-5352-EA12-7C059DE98AFB}"/>
+              </a:ext>
+            </a:extLst>
+          </p:cNvPr>
+          <p:cNvCxnSpPr>
+            <a:cxnSpLocks/>
+            <a:endCxn id="73" idx="2"/>
+          </p:cNvCxnSpPr>
+          <p:nvPr/>
+        </p:nvCxnSpPr>
+        <p:spPr>
+          <a:xfrm>
+            <a:off x="2935414" y="4624982"/>
+            <a:ext cx="3820851" cy="655245"/>
+          </a:xfrm>
+          <a:prstGeom prst="bentConnector4">
+            <a:avLst>
+              <a:gd name="adj1" fmla="val 71"/>
+              <a:gd name="adj2" fmla="val 134888"/>
+            </a:avLst>
+          </a:prstGeom>
+          <a:ln>
+            <a:tailEnd type="triangle"/>
+          </a:ln>
+        </p:spPr>
+        <p:style>
+          <a:lnRef idx="2">
+            <a:schemeClr val="accent1"/>
+          </a:lnRef>
+          <a:fillRef idx="0">
+            <a:schemeClr val="accent1"/>
+          </a:fillRef>
+          <a:effectRef idx="1">
+            <a:schemeClr val="accent1"/>
+          </a:effectRef>
+          <a:fontRef idx="minor">
+            <a:schemeClr val="tx1"/>
+          </a:fontRef>
+        </p:style>
+      </p:cxnSp>
+      <p:cxnSp>
+        <p:nvCxnSpPr>
+          <p:cNvPr id="165" name="Connector: Elbow 164">
+            <a:extLst>
+              <a:ext uri="{FF2B5EF4-FFF2-40B4-BE49-F238E27FC236}">
+                <a16:creationId xmlns:a16="http://schemas.microsoft.com/office/drawing/2014/main" id="{F157B4F7-0AA8-40FF-D03F-248F4AE2518F}"/>
+              </a:ext>
+            </a:extLst>
+          </p:cNvPr>
+          <p:cNvCxnSpPr>
+            <a:cxnSpLocks/>
+          </p:cNvCxnSpPr>
+          <p:nvPr/>
+        </p:nvCxnSpPr>
+        <p:spPr>
+          <a:xfrm rot="16200000" flipH="1">
+            <a:off x="4529824" y="2836408"/>
+            <a:ext cx="649828" cy="4237809"/>
+          </a:xfrm>
+          <a:prstGeom prst="bentConnector3">
+            <a:avLst>
+              <a:gd name="adj1" fmla="val 135179"/>
+            </a:avLst>
+          </a:prstGeom>
+          <a:ln>
+            <a:tailEnd type="triangle"/>
+          </a:ln>
+        </p:spPr>
+        <p:style>
+          <a:lnRef idx="2">
+            <a:schemeClr val="accent1"/>
+          </a:lnRef>
+          <a:fillRef idx="0">
+            <a:schemeClr val="accent1"/>
+          </a:fillRef>
+          <a:effectRef idx="1">
+            <a:schemeClr val="accent1"/>
+          </a:effectRef>
+          <a:fontRef idx="minor">
+            <a:schemeClr val="tx1"/>
+          </a:fontRef>
+        </p:style>
+      </p:cxnSp>
+      <p:cxnSp>
+        <p:nvCxnSpPr>
+          <p:cNvPr id="170" name="Connector: Elbow 169">
+            <a:extLst>
+              <a:ext uri="{FF2B5EF4-FFF2-40B4-BE49-F238E27FC236}">
+                <a16:creationId xmlns:a16="http://schemas.microsoft.com/office/drawing/2014/main" id="{871BB30E-53D3-FC20-3EDA-B829CCBC6DD3}"/>
+              </a:ext>
+            </a:extLst>
+          </p:cNvPr>
+          <p:cNvCxnSpPr>
+            <a:cxnSpLocks/>
+            <a:stCxn id="143" idx="2"/>
+            <a:endCxn id="83" idx="2"/>
+          </p:cNvCxnSpPr>
+          <p:nvPr/>
+        </p:nvCxnSpPr>
+        <p:spPr>
+          <a:xfrm rot="16200000" flipH="1">
+            <a:off x="4631550" y="1028152"/>
+            <a:ext cx="649828" cy="7854321"/>
+          </a:xfrm>
+          <a:prstGeom prst="bentConnector3">
+            <a:avLst>
+              <a:gd name="adj1" fmla="val 135179"/>
+            </a:avLst>
+          </a:prstGeom>
+          <a:ln>
+            <a:tailEnd type="triangle"/>
+          </a:ln>
+        </p:spPr>
+        <p:style>
+          <a:lnRef idx="2">
+            <a:schemeClr val="accent1"/>
+          </a:lnRef>
+          <a:fillRef idx="0">
+            <a:schemeClr val="accent1"/>
+          </a:fillRef>
+          <a:effectRef idx="1">
+            <a:schemeClr val="accent1"/>
+          </a:effectRef>
+          <a:fontRef idx="minor">
+            <a:schemeClr val="tx1"/>
+          </a:fontRef>
+        </p:style>
+      </p:cxnSp>
+      <p:sp>
+        <p:nvSpPr>
+          <p:cNvPr id="173" name="TextBox 172">
+            <a:extLst>
+              <a:ext uri="{FF2B5EF4-FFF2-40B4-BE49-F238E27FC236}">
+                <a16:creationId xmlns:a16="http://schemas.microsoft.com/office/drawing/2014/main" id="{13E551A9-E8CD-7BB7-8733-E718684C5E08}"/>
+              </a:ext>
+            </a:extLst>
+          </p:cNvPr>
+          <p:cNvSpPr txBox="1"/>
+          <p:nvPr/>
+        </p:nvSpPr>
+        <p:spPr>
+          <a:xfrm>
+            <a:off x="505937" y="3843732"/>
+            <a:ext cx="3906839" cy="369332"/>
+          </a:xfrm>
+          <a:prstGeom prst="rect">
+            <a:avLst/>
+          </a:prstGeom>
+          <a:noFill/>
+        </p:spPr>
+        <p:txBody>
+          <a:bodyPr wrap="none" rtlCol="0">
+            <a:spAutoFit/>
+          </a:bodyPr>
+          <a:lstStyle/>
+          <a:p>
+            <a:r>
+              <a:rPr lang="en-GB" dirty="0" err="1">
+                <a:solidFill>
+                  <a:schemeClr val="accent6">
+                    <a:lumMod val="75000"/>
+                  </a:schemeClr>
+                </a:solidFill>
+                <a:latin typeface="Courier New" panose="02070309020205020404" pitchFamily="49" charset="0"/>
+                <a:cs typeface="Courier New" panose="02070309020205020404" pitchFamily="49" charset="0"/>
+              </a:rPr>
+              <a:t>unique_references_container</a:t>
+            </a:r>
+            <a:endParaRPr lang="en-GB" dirty="0">
+              <a:solidFill>
+                <a:schemeClr val="accent6">
+                  <a:lumMod val="75000"/>
+                </a:schemeClr>
+              </a:solidFill>
+              <a:latin typeface="Courier New" panose="02070309020205020404" pitchFamily="49" charset="0"/>
+              <a:cs typeface="Courier New" panose="02070309020205020404" pitchFamily="49" charset="0"/>
+            </a:endParaRPr>
+          </a:p>
+        </p:txBody>
+      </p:sp>
+      <p:cxnSp>
+        <p:nvCxnSpPr>
+          <p:cNvPr id="174" name="Connector: Elbow 173">
+            <a:extLst>
+              <a:ext uri="{FF2B5EF4-FFF2-40B4-BE49-F238E27FC236}">
+                <a16:creationId xmlns:a16="http://schemas.microsoft.com/office/drawing/2014/main" id="{C94A7F2A-AAA4-5063-E5F2-F90363068C78}"/>
+              </a:ext>
+            </a:extLst>
+          </p:cNvPr>
+          <p:cNvCxnSpPr>
+            <a:cxnSpLocks/>
+            <a:stCxn id="144" idx="2"/>
+            <a:endCxn id="82" idx="2"/>
+          </p:cNvCxnSpPr>
+          <p:nvPr/>
+        </p:nvCxnSpPr>
+        <p:spPr>
+          <a:xfrm rot="16200000" flipH="1">
+            <a:off x="4631550" y="1240888"/>
+            <a:ext cx="649828" cy="7428849"/>
+          </a:xfrm>
+          <a:prstGeom prst="bentConnector3">
+            <a:avLst>
+              <a:gd name="adj1" fmla="val 135179"/>
+            </a:avLst>
+          </a:prstGeom>
+          <a:ln>
+            <a:tailEnd type="triangle"/>
+          </a:ln>
+        </p:spPr>
+        <p:style>
+          <a:lnRef idx="2">
+            <a:schemeClr val="accent1"/>
+          </a:lnRef>
+          <a:fillRef idx="0">
+            <a:schemeClr val="accent1"/>
+          </a:fillRef>
+          <a:effectRef idx="1">
+            <a:schemeClr val="accent1"/>
+          </a:effectRef>
+          <a:fontRef idx="minor">
+            <a:schemeClr val="tx1"/>
+          </a:fontRef>
+        </p:style>
+      </p:cxnSp>
+      <p:cxnSp>
+        <p:nvCxnSpPr>
+          <p:cNvPr id="177" name="Connector: Elbow 176">
+            <a:extLst>
+              <a:ext uri="{FF2B5EF4-FFF2-40B4-BE49-F238E27FC236}">
+                <a16:creationId xmlns:a16="http://schemas.microsoft.com/office/drawing/2014/main" id="{2062C302-802C-9548-854C-822AAC82051C}"/>
+              </a:ext>
+            </a:extLst>
+          </p:cNvPr>
+          <p:cNvCxnSpPr>
+            <a:cxnSpLocks/>
+            <a:stCxn id="145" idx="2"/>
+            <a:endCxn id="81" idx="2"/>
+          </p:cNvCxnSpPr>
+          <p:nvPr/>
+        </p:nvCxnSpPr>
+        <p:spPr>
+          <a:xfrm rot="16200000" flipH="1">
+            <a:off x="4631550" y="1453624"/>
+            <a:ext cx="649828" cy="7003377"/>
+          </a:xfrm>
+          <a:prstGeom prst="bentConnector3">
+            <a:avLst>
+              <a:gd name="adj1" fmla="val 135179"/>
+            </a:avLst>
+          </a:prstGeom>
+          <a:ln>
+            <a:tailEnd type="triangle"/>
+          </a:ln>
+        </p:spPr>
+        <p:style>
+          <a:lnRef idx="2">
+            <a:schemeClr val="accent1"/>
+          </a:lnRef>
+          <a:fillRef idx="0">
+            <a:schemeClr val="accent1"/>
+          </a:fillRef>
+          <a:effectRef idx="1">
+            <a:schemeClr val="accent1"/>
+          </a:effectRef>
+          <a:fontRef idx="minor">
+            <a:schemeClr val="tx1"/>
+          </a:fontRef>
+        </p:style>
+      </p:cxnSp>
+      <p:cxnSp>
+        <p:nvCxnSpPr>
+          <p:cNvPr id="180" name="Connector: Elbow 179">
+            <a:extLst>
+              <a:ext uri="{FF2B5EF4-FFF2-40B4-BE49-F238E27FC236}">
+                <a16:creationId xmlns:a16="http://schemas.microsoft.com/office/drawing/2014/main" id="{3F66CC32-B21A-6D8D-DDC4-DD09F3390669}"/>
+              </a:ext>
+            </a:extLst>
+          </p:cNvPr>
+          <p:cNvCxnSpPr>
+            <a:cxnSpLocks/>
+            <a:stCxn id="146" idx="2"/>
+            <a:endCxn id="80" idx="2"/>
+          </p:cNvCxnSpPr>
+          <p:nvPr/>
+        </p:nvCxnSpPr>
+        <p:spPr>
+          <a:xfrm rot="16200000" flipH="1">
+            <a:off x="4631550" y="1666360"/>
+            <a:ext cx="649828" cy="6577905"/>
+          </a:xfrm>
+          <a:prstGeom prst="bentConnector3">
+            <a:avLst>
+              <a:gd name="adj1" fmla="val 135179"/>
+            </a:avLst>
+          </a:prstGeom>
+          <a:ln>
+            <a:tailEnd type="triangle"/>
+          </a:ln>
+        </p:spPr>
+        <p:style>
+          <a:lnRef idx="2">
+            <a:schemeClr val="accent1"/>
+          </a:lnRef>
+          <a:fillRef idx="0">
+            <a:schemeClr val="accent1"/>
+          </a:fillRef>
+          <a:effectRef idx="1">
+            <a:schemeClr val="accent1"/>
+          </a:effectRef>
+          <a:fontRef idx="minor">
+            <a:schemeClr val="tx1"/>
+          </a:fontRef>
+        </p:style>
+      </p:cxnSp>
+      <p:cxnSp>
+        <p:nvCxnSpPr>
+          <p:cNvPr id="183" name="Connector: Elbow 182">
+            <a:extLst>
+              <a:ext uri="{FF2B5EF4-FFF2-40B4-BE49-F238E27FC236}">
+                <a16:creationId xmlns:a16="http://schemas.microsoft.com/office/drawing/2014/main" id="{4B1545EC-C72B-5A55-3630-936287B97757}"/>
+              </a:ext>
+            </a:extLst>
+          </p:cNvPr>
+          <p:cNvCxnSpPr>
+            <a:cxnSpLocks/>
+            <a:stCxn id="147" idx="2"/>
+            <a:endCxn id="79" idx="2"/>
+          </p:cNvCxnSpPr>
+          <p:nvPr/>
+        </p:nvCxnSpPr>
+        <p:spPr>
+          <a:xfrm rot="16200000" flipH="1">
+            <a:off x="4631550" y="1879096"/>
+            <a:ext cx="649828" cy="6152433"/>
+          </a:xfrm>
+          <a:prstGeom prst="bentConnector3">
+            <a:avLst>
+              <a:gd name="adj1" fmla="val 135179"/>
+            </a:avLst>
+          </a:prstGeom>
+          <a:ln>
+            <a:tailEnd type="triangle"/>
+          </a:ln>
+        </p:spPr>
+        <p:style>
+          <a:lnRef idx="2">
+            <a:schemeClr val="accent1"/>
+          </a:lnRef>
+          <a:fillRef idx="0">
+            <a:schemeClr val="accent1"/>
+          </a:fillRef>
+          <a:effectRef idx="1">
+            <a:schemeClr val="accent1"/>
+          </a:effectRef>
+          <a:fontRef idx="minor">
+            <a:schemeClr val="tx1"/>
+          </a:fontRef>
+        </p:style>
+      </p:cxnSp>
+      <p:cxnSp>
+        <p:nvCxnSpPr>
+          <p:cNvPr id="186" name="Connector: Elbow 185">
+            <a:extLst>
+              <a:ext uri="{FF2B5EF4-FFF2-40B4-BE49-F238E27FC236}">
+                <a16:creationId xmlns:a16="http://schemas.microsoft.com/office/drawing/2014/main" id="{0450D090-6DD8-E893-9035-1B288070A3B3}"/>
+              </a:ext>
+            </a:extLst>
+          </p:cNvPr>
+          <p:cNvCxnSpPr>
+            <a:cxnSpLocks/>
+            <a:stCxn id="148" idx="2"/>
+            <a:endCxn id="78" idx="2"/>
+          </p:cNvCxnSpPr>
+          <p:nvPr/>
+        </p:nvCxnSpPr>
+        <p:spPr>
+          <a:xfrm rot="16200000" flipH="1">
+            <a:off x="4631550" y="2091832"/>
+            <a:ext cx="649828" cy="5726961"/>
+          </a:xfrm>
+          <a:prstGeom prst="bentConnector3">
+            <a:avLst>
+              <a:gd name="adj1" fmla="val 135179"/>
+            </a:avLst>
+          </a:prstGeom>
+          <a:ln>
+            <a:tailEnd type="triangle"/>
+          </a:ln>
+        </p:spPr>
+        <p:style>
+          <a:lnRef idx="2">
+            <a:schemeClr val="accent1"/>
+          </a:lnRef>
+          <a:fillRef idx="0">
+            <a:schemeClr val="accent1"/>
+          </a:fillRef>
+          <a:effectRef idx="1">
+            <a:schemeClr val="accent1"/>
+          </a:effectRef>
+          <a:fontRef idx="minor">
+            <a:schemeClr val="tx1"/>
+          </a:fontRef>
+        </p:style>
+      </p:cxnSp>
+      <p:cxnSp>
+        <p:nvCxnSpPr>
+          <p:cNvPr id="189" name="Connector: Elbow 188">
+            <a:extLst>
+              <a:ext uri="{FF2B5EF4-FFF2-40B4-BE49-F238E27FC236}">
+                <a16:creationId xmlns:a16="http://schemas.microsoft.com/office/drawing/2014/main" id="{57D45128-768E-EFD7-10BB-B78D72BA23B1}"/>
+              </a:ext>
+            </a:extLst>
+          </p:cNvPr>
+          <p:cNvCxnSpPr>
+            <a:cxnSpLocks/>
+            <a:stCxn id="149" idx="2"/>
+            <a:endCxn id="77" idx="2"/>
+          </p:cNvCxnSpPr>
+          <p:nvPr/>
+        </p:nvCxnSpPr>
+        <p:spPr>
+          <a:xfrm rot="16200000" flipH="1">
+            <a:off x="4631550" y="2304568"/>
+            <a:ext cx="649828" cy="5301489"/>
+          </a:xfrm>
+          <a:prstGeom prst="bentConnector3">
+            <a:avLst>
+              <a:gd name="adj1" fmla="val 135179"/>
+            </a:avLst>
+          </a:prstGeom>
+          <a:ln>
+            <a:tailEnd type="triangle"/>
+          </a:ln>
+        </p:spPr>
+        <p:style>
+          <a:lnRef idx="2">
+            <a:schemeClr val="accent1"/>
+          </a:lnRef>
+          <a:fillRef idx="0">
+            <a:schemeClr val="accent1"/>
+          </a:fillRef>
+          <a:effectRef idx="1">
+            <a:schemeClr val="accent1"/>
+          </a:effectRef>
+          <a:fontRef idx="minor">
+            <a:schemeClr val="tx1"/>
+          </a:fontRef>
+        </p:style>
+      </p:cxnSp>
+      <p:cxnSp>
+        <p:nvCxnSpPr>
+          <p:cNvPr id="192" name="Connector: Elbow 191">
+            <a:extLst>
+              <a:ext uri="{FF2B5EF4-FFF2-40B4-BE49-F238E27FC236}">
+                <a16:creationId xmlns:a16="http://schemas.microsoft.com/office/drawing/2014/main" id="{7CBAEEAF-B3FC-D5BB-38CE-FE363AF192F2}"/>
+              </a:ext>
+            </a:extLst>
+          </p:cNvPr>
+          <p:cNvCxnSpPr>
+            <a:cxnSpLocks/>
+            <a:stCxn id="150" idx="2"/>
+            <a:endCxn id="76" idx="2"/>
+          </p:cNvCxnSpPr>
+          <p:nvPr/>
+        </p:nvCxnSpPr>
+        <p:spPr>
+          <a:xfrm rot="16200000" flipH="1">
+            <a:off x="4631550" y="2517304"/>
+            <a:ext cx="649828" cy="4876017"/>
+          </a:xfrm>
+          <a:prstGeom prst="bentConnector3">
+            <a:avLst>
+              <a:gd name="adj1" fmla="val 135179"/>
+            </a:avLst>
+          </a:prstGeom>
+          <a:ln>
+            <a:tailEnd type="triangle"/>
+          </a:ln>
+        </p:spPr>
+        <p:style>
+          <a:lnRef idx="2">
+            <a:schemeClr val="accent1"/>
+          </a:lnRef>
+          <a:fillRef idx="0">
+            <a:schemeClr val="accent1"/>
+          </a:fillRef>
+          <a:effectRef idx="1">
+            <a:schemeClr val="accent1"/>
+          </a:effectRef>
+          <a:fontRef idx="minor">
+            <a:schemeClr val="tx1"/>
+          </a:fontRef>
+        </p:style>
+      </p:cxnSp>
+      <p:cxnSp>
+        <p:nvCxnSpPr>
+          <p:cNvPr id="195" name="Connector: Elbow 194">
+            <a:extLst>
+              <a:ext uri="{FF2B5EF4-FFF2-40B4-BE49-F238E27FC236}">
+                <a16:creationId xmlns:a16="http://schemas.microsoft.com/office/drawing/2014/main" id="{122B171F-A79B-2DFF-84B4-C7D76D30B956}"/>
+              </a:ext>
+            </a:extLst>
+          </p:cNvPr>
+          <p:cNvCxnSpPr>
+            <a:cxnSpLocks/>
+            <a:stCxn id="154" idx="2"/>
+            <a:endCxn id="75" idx="2"/>
+          </p:cNvCxnSpPr>
+          <p:nvPr/>
+        </p:nvCxnSpPr>
+        <p:spPr>
+          <a:xfrm rot="16200000" flipH="1">
+            <a:off x="4950654" y="3049144"/>
+            <a:ext cx="649828" cy="3812337"/>
+          </a:xfrm>
+          <a:prstGeom prst="bentConnector3">
+            <a:avLst>
+              <a:gd name="adj1" fmla="val 135179"/>
+            </a:avLst>
+          </a:prstGeom>
+          <a:ln>
+            <a:solidFill>
+              <a:srgbClr val="C00000"/>
+            </a:solidFill>
+            <a:tailEnd type="triangle"/>
+          </a:ln>
+        </p:spPr>
+        <p:style>
+          <a:lnRef idx="2">
+            <a:schemeClr val="accent1"/>
+          </a:lnRef>
+          <a:fillRef idx="0">
+            <a:schemeClr val="accent1"/>
+          </a:fillRef>
+          <a:effectRef idx="1">
+            <a:schemeClr val="accent1"/>
+          </a:effectRef>
+          <a:fontRef idx="minor">
+            <a:schemeClr val="tx1"/>
+          </a:fontRef>
+        </p:style>
+      </p:cxnSp>
+      <p:sp>
+        <p:nvSpPr>
+          <p:cNvPr id="204" name="TextBox 203">
+            <a:extLst>
+              <a:ext uri="{FF2B5EF4-FFF2-40B4-BE49-F238E27FC236}">
+                <a16:creationId xmlns:a16="http://schemas.microsoft.com/office/drawing/2014/main" id="{198F6066-2BA0-1B0B-F28E-D2972C020FE9}"/>
+              </a:ext>
+            </a:extLst>
+          </p:cNvPr>
+          <p:cNvSpPr txBox="1"/>
+          <p:nvPr/>
+        </p:nvSpPr>
+        <p:spPr>
+          <a:xfrm>
+            <a:off x="4787003" y="2127858"/>
+            <a:ext cx="1552284" cy="369332"/>
+          </a:xfrm>
+          <a:prstGeom prst="rect">
+            <a:avLst/>
+          </a:prstGeom>
+          <a:noFill/>
+        </p:spPr>
+        <p:txBody>
+          <a:bodyPr wrap="none" rtlCol="0">
+            <a:spAutoFit/>
+          </a:bodyPr>
+          <a:lstStyle/>
+          <a:p>
+            <a:r>
+              <a:rPr lang="en-GB" dirty="0"/>
+              <a:t>Local indices:</a:t>
+            </a:r>
+          </a:p>
+        </p:txBody>
+      </p:sp>
+      <p:sp>
+        <p:nvSpPr>
+          <p:cNvPr id="205" name="TextBox 204">
+            <a:extLst>
+              <a:ext uri="{FF2B5EF4-FFF2-40B4-BE49-F238E27FC236}">
+                <a16:creationId xmlns:a16="http://schemas.microsoft.com/office/drawing/2014/main" id="{C6BDCBA9-3C60-46D9-7E56-07112D44573E}"/>
+              </a:ext>
+            </a:extLst>
+          </p:cNvPr>
+          <p:cNvSpPr txBox="1"/>
+          <p:nvPr/>
+        </p:nvSpPr>
+        <p:spPr>
+          <a:xfrm>
+            <a:off x="4767329" y="2865102"/>
+            <a:ext cx="1680268" cy="369332"/>
+          </a:xfrm>
+          <a:prstGeom prst="rect">
+            <a:avLst/>
+          </a:prstGeom>
+          <a:noFill/>
+        </p:spPr>
+        <p:txBody>
+          <a:bodyPr wrap="none" rtlCol="0">
+            <a:spAutoFit/>
+          </a:bodyPr>
+          <a:lstStyle/>
+          <a:p>
+            <a:r>
+              <a:rPr lang="en-GB" dirty="0"/>
+              <a:t>Global indices:</a:t>
+            </a:r>
+          </a:p>
+        </p:txBody>
+      </p:sp>
+      <p:sp>
+        <p:nvSpPr>
+          <p:cNvPr id="206" name="TextBox 205">
+            <a:extLst>
+              <a:ext uri="{FF2B5EF4-FFF2-40B4-BE49-F238E27FC236}">
+                <a16:creationId xmlns:a16="http://schemas.microsoft.com/office/drawing/2014/main" id="{B3F1D42D-B94E-CDBF-367A-26F61B622156}"/>
+              </a:ext>
+            </a:extLst>
+          </p:cNvPr>
+          <p:cNvSpPr txBox="1"/>
+          <p:nvPr/>
+        </p:nvSpPr>
+        <p:spPr>
+          <a:xfrm flipH="1">
+            <a:off x="185757" y="2304577"/>
+            <a:ext cx="3704588" cy="646331"/>
+          </a:xfrm>
+          <a:prstGeom prst="rect">
+            <a:avLst/>
+          </a:prstGeom>
+          <a:noFill/>
+          <a:ln>
+            <a:solidFill>
+              <a:srgbClr val="0066FF"/>
+            </a:solidFill>
+          </a:ln>
+        </p:spPr>
+        <p:txBody>
+          <a:bodyPr wrap="square" rtlCol="0">
+            <a:spAutoFit/>
+          </a:bodyPr>
+          <a:lstStyle/>
+          <a:p>
+            <a:r>
+              <a:rPr lang="en-GB" dirty="0"/>
+              <a:t>Delete  Object from: </a:t>
+            </a:r>
+            <a:r>
+              <a:rPr lang="en-GB" dirty="0" err="1">
+                <a:solidFill>
+                  <a:schemeClr val="accent6">
+                    <a:lumMod val="75000"/>
+                  </a:schemeClr>
+                </a:solidFill>
+                <a:latin typeface="Courier New" panose="02070309020205020404" pitchFamily="49" charset="0"/>
+                <a:cs typeface="Courier New" panose="02070309020205020404" pitchFamily="49" charset="0"/>
+              </a:rPr>
+              <a:t>unique_only_obj_container</a:t>
+            </a:r>
+            <a:r>
+              <a:rPr lang="en-GB" dirty="0">
+                <a:solidFill>
+                  <a:schemeClr val="accent6">
+                    <a:lumMod val="75000"/>
+                  </a:schemeClr>
+                </a:solidFill>
+                <a:latin typeface="Courier New" panose="02070309020205020404" pitchFamily="49" charset="0"/>
+                <a:cs typeface="Courier New" panose="02070309020205020404" pitchFamily="49" charset="0"/>
+              </a:rPr>
+              <a:t> </a:t>
+            </a:r>
+          </a:p>
+        </p:txBody>
+      </p:sp>
+      <p:sp>
+        <p:nvSpPr>
+          <p:cNvPr id="207" name="Arrow: Right 206">
+            <a:extLst>
+              <a:ext uri="{FF2B5EF4-FFF2-40B4-BE49-F238E27FC236}">
+                <a16:creationId xmlns:a16="http://schemas.microsoft.com/office/drawing/2014/main" id="{762F7047-2377-AA08-BCE3-FAF7E966106D}"/>
+              </a:ext>
+            </a:extLst>
+          </p:cNvPr>
+          <p:cNvSpPr/>
+          <p:nvPr/>
+        </p:nvSpPr>
+        <p:spPr>
+          <a:xfrm rot="1405969">
+            <a:off x="3661493" y="3180558"/>
+            <a:ext cx="2542057" cy="491678"/>
+          </a:xfrm>
+          <a:prstGeom prst="rightArrow">
+            <a:avLst/>
+          </a:prstGeom>
+        </p:spPr>
+        <p:style>
+          <a:lnRef idx="2">
+            <a:schemeClr val="accent1">
+              <a:shade val="15000"/>
+            </a:schemeClr>
+          </a:lnRef>
+          <a:fillRef idx="1">
+            <a:schemeClr val="accent1"/>
+          </a:fillRef>
+          <a:effectRef idx="0">
+            <a:schemeClr val="accent1"/>
+          </a:effectRef>
+          <a:fontRef idx="minor">
+            <a:schemeClr val="lt1"/>
+          </a:fontRef>
+        </p:style>
+        <p:txBody>
+          <a:bodyPr rtlCol="0" anchor="ctr"/>
+          <a:lstStyle/>
+          <a:p>
+            <a:pPr algn="ctr"/>
+            <a:endParaRPr lang="en-GB"/>
+          </a:p>
+        </p:txBody>
+      </p:sp>
+    </p:spTree>
+    <p:extLst>
+      <p:ext uri="{BB962C8B-B14F-4D97-AF65-F5344CB8AC3E}">
+        <p14:creationId xmlns:p14="http://schemas.microsoft.com/office/powerpoint/2010/main" val="3247440626"/>
+      </p:ext>
+    </p:extLst>
+  </p:cSld>
+  <p:clrMapOvr>
+    <a:masterClrMapping/>
+  </p:clrMapOvr>
+</p:sld>
+</file>
+
+<file path=ppt/slides/slide22.xml><?xml version="1.0" encoding="utf-8"?>
 <p:sld xmlns:a="http://schemas.openxmlformats.org/drawingml/2006/main" xmlns:r="http://schemas.openxmlformats.org/officeDocument/2006/relationships" xmlns:p="http://schemas.openxmlformats.org/presentationml/2006/main">
   <p:cSld>
     <p:spTree>
@@ -16524,7 +23521,405 @@
 </p:sld>
 </file>
 
-<file path=ppt/slides/slide21.xml><?xml version="1.0" encoding="utf-8"?>
+<file path=ppt/slides/slide23.xml><?xml version="1.0" encoding="utf-8"?>
+<p:sld xmlns:a="http://schemas.openxmlformats.org/drawingml/2006/main" xmlns:r="http://schemas.openxmlformats.org/officeDocument/2006/relationships" xmlns:p="http://schemas.openxmlformats.org/presentationml/2006/main">
+  <p:cSld>
+    <p:spTree>
+      <p:nvGrpSpPr>
+        <p:cNvPr id="1" name=""/>
+        <p:cNvGrpSpPr/>
+        <p:nvPr/>
+      </p:nvGrpSpPr>
+      <p:grpSpPr>
+        <a:xfrm>
+          <a:off x="0" y="0"/>
+          <a:ext cx="0" cy="0"/>
+          <a:chOff x="0" y="0"/>
+          <a:chExt cx="0" cy="0"/>
+        </a:xfrm>
+      </p:grpSpPr>
+      <p:sp>
+        <p:nvSpPr>
+          <p:cNvPr id="2" name="Title 1">
+            <a:extLst>
+              <a:ext uri="{FF2B5EF4-FFF2-40B4-BE49-F238E27FC236}">
+                <a16:creationId xmlns:a16="http://schemas.microsoft.com/office/drawing/2014/main" id="{511B4A0F-D91B-90B0-02DA-360F32CAD3C1}"/>
+              </a:ext>
+            </a:extLst>
+          </p:cNvPr>
+          <p:cNvSpPr>
+            <a:spLocks noGrp="1"/>
+          </p:cNvSpPr>
+          <p:nvPr>
+            <p:ph type="title"/>
+          </p:nvPr>
+        </p:nvSpPr>
+        <p:spPr/>
+        <p:txBody>
+          <a:bodyPr/>
+          <a:lstStyle/>
+          <a:p>
+            <a:r>
+              <a:rPr lang="en-GB" dirty="0"/>
+              <a:t>New design of unique references container</a:t>
+            </a:r>
+          </a:p>
+        </p:txBody>
+      </p:sp>
+      <p:sp>
+        <p:nvSpPr>
+          <p:cNvPr id="3" name="Content Placeholder 2">
+            <a:extLst>
+              <a:ext uri="{FF2B5EF4-FFF2-40B4-BE49-F238E27FC236}">
+                <a16:creationId xmlns:a16="http://schemas.microsoft.com/office/drawing/2014/main" id="{C674BD2F-90C2-A034-10F4-A6391300D1D7}"/>
+              </a:ext>
+            </a:extLst>
+          </p:cNvPr>
+          <p:cNvSpPr>
+            <a:spLocks noGrp="1"/>
+          </p:cNvSpPr>
+          <p:nvPr>
+            <p:ph sz="half" idx="1"/>
+          </p:nvPr>
+        </p:nvSpPr>
+        <p:spPr/>
+        <p:txBody>
+          <a:bodyPr>
+            <a:normAutofit fontScale="92500" lnSpcReduction="10000"/>
+          </a:bodyPr>
+          <a:lstStyle/>
+          <a:p>
+            <a:pPr marL="0" indent="0" algn="ctr">
+              <a:buNone/>
+            </a:pPr>
+            <a:r>
+              <a:rPr lang="en-GB" dirty="0"/>
+              <a:t>Design with object deletion:</a:t>
+            </a:r>
+          </a:p>
+          <a:p>
+            <a:pPr marL="0" indent="0">
+              <a:buNone/>
+            </a:pPr>
+            <a:endParaRPr lang="en-GB" dirty="0">
+              <a:solidFill>
+                <a:srgbClr val="C00000"/>
+              </a:solidFill>
+            </a:endParaRPr>
+          </a:p>
+          <a:p>
+            <a:pPr marL="0" indent="0">
+              <a:buNone/>
+            </a:pPr>
+            <a:r>
+              <a:rPr lang="en-GB" dirty="0">
+                <a:solidFill>
+                  <a:srgbClr val="C00000"/>
+                </a:solidFill>
+              </a:rPr>
+              <a:t>DOES NOT WORK</a:t>
+            </a:r>
+            <a:r>
+              <a:rPr lang="en-GB" dirty="0"/>
+              <a:t>:</a:t>
+            </a:r>
+          </a:p>
+          <a:p>
+            <a:pPr marL="0" indent="0">
+              <a:buNone/>
+            </a:pPr>
+            <a:r>
+              <a:rPr lang="en-GB" sz="2000" dirty="0">
+                <a:solidFill>
+                  <a:schemeClr val="accent6">
+                    <a:lumMod val="50000"/>
+                  </a:schemeClr>
+                </a:solidFill>
+                <a:latin typeface="Courier New" panose="02070309020205020404" pitchFamily="49" charset="0"/>
+                <a:cs typeface="Courier New" panose="02070309020205020404" pitchFamily="49" charset="0"/>
+              </a:rPr>
+              <a:t>&gt;&gt;w1 = sqw(filename);</a:t>
+            </a:r>
+          </a:p>
+          <a:p>
+            <a:pPr marL="0" indent="0">
+              <a:buNone/>
+            </a:pPr>
+            <a:r>
+              <a:rPr lang="en-GB" sz="2000" dirty="0">
+                <a:solidFill>
+                  <a:schemeClr val="accent6">
+                    <a:lumMod val="50000"/>
+                  </a:schemeClr>
+                </a:solidFill>
+                <a:latin typeface="Courier New" panose="02070309020205020404" pitchFamily="49" charset="0"/>
+                <a:cs typeface="Courier New" panose="02070309020205020404" pitchFamily="49" charset="0"/>
+              </a:rPr>
+              <a:t>&gt;&gt;w2 = w1;</a:t>
+            </a:r>
+          </a:p>
+          <a:p>
+            <a:pPr marL="0" indent="0">
+              <a:buNone/>
+            </a:pPr>
+            <a:r>
+              <a:rPr lang="en-GB" sz="2000" dirty="0">
+                <a:solidFill>
+                  <a:schemeClr val="accent6">
+                    <a:lumMod val="50000"/>
+                  </a:schemeClr>
+                </a:solidFill>
+                <a:latin typeface="Courier New" panose="02070309020205020404" pitchFamily="49" charset="0"/>
+                <a:cs typeface="Courier New" panose="02070309020205020404" pitchFamily="49" charset="0"/>
+              </a:rPr>
+              <a:t>&gt;&gt;w1 = w1.set_mod_pulse(…);</a:t>
+            </a:r>
+          </a:p>
+          <a:p>
+            <a:pPr marL="0" indent="0">
+              <a:buNone/>
+            </a:pPr>
+            <a:r>
+              <a:rPr lang="en-GB" sz="2000" dirty="0">
+                <a:solidFill>
+                  <a:schemeClr val="accent6">
+                    <a:lumMod val="50000"/>
+                  </a:schemeClr>
+                </a:solidFill>
+                <a:latin typeface="Courier New" panose="02070309020205020404" pitchFamily="49" charset="0"/>
+                <a:cs typeface="Courier New" panose="02070309020205020404" pitchFamily="49" charset="0"/>
+              </a:rPr>
+              <a:t>&gt;&gt;w2 = w2.set_mod_pulse(…);</a:t>
+            </a:r>
+          </a:p>
+          <a:p>
+            <a:pPr marL="0" indent="0">
+              <a:buNone/>
+            </a:pPr>
+            <a:r>
+              <a:rPr lang="en-GB" sz="2400" dirty="0"/>
+              <a:t>Some mitigation is possible/necessary (e.g. overloading </a:t>
+            </a:r>
+            <a:r>
+              <a:rPr lang="en-GB" sz="2400" dirty="0" err="1">
+                <a:latin typeface="Courier New" panose="02070309020205020404" pitchFamily="49" charset="0"/>
+                <a:cs typeface="Courier New" panose="02070309020205020404" pitchFamily="49" charset="0"/>
+              </a:rPr>
+              <a:t>repmat</a:t>
+            </a:r>
+            <a:endParaRPr lang="en-GB" sz="2400" dirty="0">
+              <a:latin typeface="Courier New" panose="02070309020205020404" pitchFamily="49" charset="0"/>
+              <a:cs typeface="Courier New" panose="02070309020205020404" pitchFamily="49" charset="0"/>
+            </a:endParaRPr>
+          </a:p>
+          <a:p>
+            <a:pPr marL="0" indent="0">
+              <a:buNone/>
+            </a:pPr>
+            <a:r>
+              <a:rPr lang="en-GB" sz="2400" dirty="0"/>
+              <a:t> but in fact you will need to mind deep/shallow copies</a:t>
+            </a:r>
+          </a:p>
+        </p:txBody>
+      </p:sp>
+      <p:sp>
+        <p:nvSpPr>
+          <p:cNvPr id="4" name="Content Placeholder 3">
+            <a:extLst>
+              <a:ext uri="{FF2B5EF4-FFF2-40B4-BE49-F238E27FC236}">
+                <a16:creationId xmlns:a16="http://schemas.microsoft.com/office/drawing/2014/main" id="{2436408E-5E6D-22F4-DFDB-75CF1624980B}"/>
+              </a:ext>
+            </a:extLst>
+          </p:cNvPr>
+          <p:cNvSpPr>
+            <a:spLocks noGrp="1"/>
+          </p:cNvSpPr>
+          <p:nvPr>
+            <p:ph sz="half" idx="2"/>
+          </p:nvPr>
+        </p:nvSpPr>
+        <p:spPr/>
+        <p:txBody>
+          <a:bodyPr>
+            <a:normAutofit fontScale="92500" lnSpcReduction="10000"/>
+          </a:bodyPr>
+          <a:lstStyle/>
+          <a:p>
+            <a:pPr marL="0" indent="0" algn="ctr">
+              <a:buNone/>
+            </a:pPr>
+            <a:r>
+              <a:rPr lang="en-GB" dirty="0"/>
+              <a:t>No deletion (Chris design)</a:t>
+            </a:r>
+          </a:p>
+          <a:p>
+            <a:pPr marL="0" indent="0">
+              <a:buNone/>
+            </a:pPr>
+            <a:r>
+              <a:rPr lang="en-GB" sz="2400" dirty="0">
+                <a:latin typeface="Courier New" panose="02070309020205020404" pitchFamily="49" charset="0"/>
+                <a:cs typeface="Courier New" panose="02070309020205020404" pitchFamily="49" charset="0"/>
+              </a:rPr>
+              <a:t>Or modified Chris design</a:t>
+            </a:r>
+          </a:p>
+          <a:p>
+            <a:pPr marL="0" indent="0">
+              <a:buNone/>
+            </a:pPr>
+            <a:endParaRPr lang="en-GB" sz="2400" dirty="0">
+              <a:solidFill>
+                <a:schemeClr val="accent6">
+                  <a:lumMod val="50000"/>
+                </a:schemeClr>
+              </a:solidFill>
+              <a:latin typeface="Courier New" panose="02070309020205020404" pitchFamily="49" charset="0"/>
+              <a:cs typeface="Courier New" panose="02070309020205020404" pitchFamily="49" charset="0"/>
+            </a:endParaRPr>
+          </a:p>
+          <a:p>
+            <a:pPr marL="0" indent="0">
+              <a:buNone/>
+            </a:pPr>
+            <a:r>
+              <a:rPr lang="en-GB" sz="2400" dirty="0" err="1">
+                <a:solidFill>
+                  <a:schemeClr val="accent6">
+                    <a:lumMod val="50000"/>
+                  </a:schemeClr>
+                </a:solidFill>
+                <a:latin typeface="Courier New" panose="02070309020205020404" pitchFamily="49" charset="0"/>
+                <a:cs typeface="Courier New" panose="02070309020205020404" pitchFamily="49" charset="0"/>
+              </a:rPr>
+              <a:t>unique_reference_container</a:t>
+            </a:r>
+            <a:r>
+              <a:rPr lang="en-GB" sz="2400" dirty="0">
+                <a:solidFill>
+                  <a:schemeClr val="accent6">
+                    <a:lumMod val="50000"/>
+                  </a:schemeClr>
+                </a:solidFill>
+                <a:latin typeface="Courier New" panose="02070309020205020404" pitchFamily="49" charset="0"/>
+                <a:cs typeface="Courier New" panose="02070309020205020404" pitchFamily="49" charset="0"/>
+              </a:rPr>
+              <a:t> </a:t>
+            </a:r>
+            <a:r>
+              <a:rPr lang="en-GB" sz="2400" dirty="0"/>
+              <a:t> </a:t>
+            </a:r>
+          </a:p>
+          <a:p>
+            <a:pPr marL="0" indent="0">
+              <a:buNone/>
+            </a:pPr>
+            <a:r>
+              <a:rPr lang="en-GB" sz="2400" dirty="0"/>
+              <a:t>elements initialized by assignment from </a:t>
+            </a:r>
+          </a:p>
+          <a:p>
+            <a:pPr marL="0" indent="0">
+              <a:buNone/>
+            </a:pPr>
+            <a:r>
+              <a:rPr lang="en-GB" sz="2400" dirty="0" err="1">
+                <a:solidFill>
+                  <a:schemeClr val="accent6">
+                    <a:lumMod val="50000"/>
+                  </a:schemeClr>
+                </a:solidFill>
+                <a:latin typeface="Courier New" panose="02070309020205020404" pitchFamily="49" charset="0"/>
+                <a:cs typeface="Courier New" panose="02070309020205020404" pitchFamily="49" charset="0"/>
+              </a:rPr>
+              <a:t>unique_obj_storage</a:t>
+            </a:r>
+            <a:endParaRPr lang="en-GB" sz="2400" dirty="0">
+              <a:solidFill>
+                <a:schemeClr val="accent6">
+                  <a:lumMod val="50000"/>
+                </a:schemeClr>
+              </a:solidFill>
+              <a:latin typeface="Courier New" panose="02070309020205020404" pitchFamily="49" charset="0"/>
+              <a:cs typeface="Courier New" panose="02070309020205020404" pitchFamily="49" charset="0"/>
+            </a:endParaRPr>
+          </a:p>
+          <a:p>
+            <a:pPr marL="0" indent="0">
+              <a:buNone/>
+            </a:pPr>
+            <a:r>
+              <a:rPr lang="en-GB" sz="2400" dirty="0"/>
+              <a:t>elements</a:t>
+            </a:r>
+            <a:r>
+              <a:rPr lang="en-GB" dirty="0"/>
+              <a:t>.</a:t>
+            </a:r>
+          </a:p>
+          <a:p>
+            <a:pPr marL="0" indent="0">
+              <a:buNone/>
+            </a:pPr>
+            <a:endParaRPr lang="en-GB" dirty="0"/>
+          </a:p>
+          <a:p>
+            <a:pPr marL="0" indent="0">
+              <a:buNone/>
+            </a:pPr>
+            <a:r>
+              <a:rPr lang="en-GB" sz="2400" dirty="0"/>
+              <a:t>Used unique objects remain stuck in </a:t>
+            </a:r>
+            <a:r>
+              <a:rPr lang="en-GB" sz="2400" dirty="0" err="1">
+                <a:solidFill>
+                  <a:schemeClr val="accent6">
+                    <a:lumMod val="50000"/>
+                  </a:schemeClr>
+                </a:solidFill>
+                <a:latin typeface="Courier New" panose="02070309020205020404" pitchFamily="49" charset="0"/>
+                <a:cs typeface="Courier New" panose="02070309020205020404" pitchFamily="49" charset="0"/>
+              </a:rPr>
+              <a:t>unique_obj_storage</a:t>
+            </a:r>
+            <a:r>
+              <a:rPr lang="en-GB" sz="2400" dirty="0">
+                <a:solidFill>
+                  <a:schemeClr val="accent6">
+                    <a:lumMod val="50000"/>
+                  </a:schemeClr>
+                </a:solidFill>
+                <a:latin typeface="Courier New" panose="02070309020205020404" pitchFamily="49" charset="0"/>
+                <a:cs typeface="Courier New" panose="02070309020205020404" pitchFamily="49" charset="0"/>
+              </a:rPr>
+              <a:t> </a:t>
+            </a:r>
+            <a:r>
+              <a:rPr lang="en-GB" sz="2400" dirty="0"/>
+              <a:t>for the length of a session and only grow</a:t>
+            </a:r>
+          </a:p>
+        </p:txBody>
+      </p:sp>
+    </p:spTree>
+    <p:extLst>
+      <p:ext uri="{BB962C8B-B14F-4D97-AF65-F5344CB8AC3E}">
+        <p14:creationId xmlns:p14="http://schemas.microsoft.com/office/powerpoint/2010/main" val="439692076"/>
+      </p:ext>
+    </p:extLst>
+  </p:cSld>
+  <p:clrMapOvr>
+    <a:masterClrMapping/>
+  </p:clrMapOvr>
+</p:sld>
+</file>
+
+<file path=ppt/slides/slide24.xml><?xml version="1.0" encoding="utf-8"?>
 <p:sld xmlns:a="http://schemas.openxmlformats.org/drawingml/2006/main" xmlns:r="http://schemas.openxmlformats.org/officeDocument/2006/relationships" xmlns:p="http://schemas.openxmlformats.org/presentationml/2006/main">
   <p:cSld>
     <p:spTree>
@@ -16561,7 +23956,7 @@
         </p:nvSpPr>
         <p:spPr>
           <a:xfrm>
-            <a:off x="1464818" y="1951044"/>
+            <a:off x="528400" y="1900998"/>
             <a:ext cx="2575632" cy="2314955"/>
           </a:xfrm>
           <a:prstGeom prst="roundRect">
@@ -16657,7 +24052,7 @@
         </p:nvSpPr>
         <p:spPr>
           <a:xfrm>
-            <a:off x="1741581" y="2286342"/>
+            <a:off x="747995" y="2265315"/>
             <a:ext cx="2036883" cy="1514397"/>
           </a:xfrm>
           <a:prstGeom prst="roundRect">
@@ -16784,7 +24179,7 @@
         </p:nvSpPr>
         <p:spPr>
           <a:xfrm>
-            <a:off x="1740709" y="4568558"/>
+            <a:off x="747995" y="4668428"/>
             <a:ext cx="2036883" cy="1514397"/>
           </a:xfrm>
           <a:prstGeom prst="roundRect">
@@ -16859,7 +24254,7 @@
         </p:nvSpPr>
         <p:spPr>
           <a:xfrm>
-            <a:off x="6734659" y="1438484"/>
+            <a:off x="7159860" y="1350700"/>
             <a:ext cx="2036883" cy="1514397"/>
           </a:xfrm>
           <a:prstGeom prst="roundRect">
@@ -16922,8 +24317,8 @@
         </p:nvCxnSpPr>
         <p:spPr>
           <a:xfrm>
-            <a:off x="8771542" y="2195683"/>
-            <a:ext cx="1210097" cy="952237"/>
+            <a:off x="9196743" y="2107899"/>
+            <a:ext cx="784896" cy="1040021"/>
           </a:xfrm>
           <a:prstGeom prst="straightConnector1">
             <a:avLst/>
@@ -16965,8 +24360,8 @@
         </p:nvCxnSpPr>
         <p:spPr>
           <a:xfrm flipV="1">
-            <a:off x="2759151" y="3800739"/>
-            <a:ext cx="872" cy="767819"/>
+            <a:off x="1766437" y="3779712"/>
+            <a:ext cx="0" cy="888716"/>
           </a:xfrm>
           <a:prstGeom prst="straightConnector1">
             <a:avLst/>
@@ -17004,7 +24399,7 @@
         </p:nvSpPr>
         <p:spPr>
           <a:xfrm>
-            <a:off x="6790932" y="3444156"/>
+            <a:off x="7277914" y="3532451"/>
             <a:ext cx="2036883" cy="920905"/>
           </a:xfrm>
           <a:prstGeom prst="roundRect">
@@ -17067,8 +24462,8 @@
         </p:nvCxnSpPr>
         <p:spPr>
           <a:xfrm flipV="1">
-            <a:off x="3778464" y="3016763"/>
-            <a:ext cx="989434" cy="26778"/>
+            <a:off x="2784878" y="3022513"/>
+            <a:ext cx="569904" cy="1"/>
           </a:xfrm>
           <a:prstGeom prst="straightConnector1">
             <a:avLst/>
@@ -17106,7 +24501,7 @@
         </p:nvSpPr>
         <p:spPr>
           <a:xfrm>
-            <a:off x="4767898" y="2046371"/>
+            <a:off x="3354782" y="2052121"/>
             <a:ext cx="1149755" cy="1940783"/>
           </a:xfrm>
           <a:prstGeom prst="diamond">
@@ -17168,7 +24563,7 @@
         </p:nvSpPr>
         <p:spPr>
           <a:xfrm>
-            <a:off x="6790931" y="4865303"/>
+            <a:off x="7354194" y="5046847"/>
             <a:ext cx="2036883" cy="920905"/>
           </a:xfrm>
           <a:prstGeom prst="roundRect">
@@ -17225,19 +24620,19 @@
           <p:cNvCxnSpPr>
             <a:cxnSpLocks/>
             <a:stCxn id="27" idx="0"/>
-            <a:endCxn id="82" idx="1"/>
+            <a:endCxn id="13" idx="1"/>
           </p:cNvCxnSpPr>
           <p:nvPr/>
         </p:nvCxnSpPr>
         <p:spPr>
           <a:xfrm rot="16200000" flipH="1">
-            <a:off x="5964061" y="1425086"/>
-            <a:ext cx="149312" cy="1391883"/>
+            <a:off x="4208265" y="1773516"/>
+            <a:ext cx="71714" cy="628925"/>
           </a:xfrm>
           <a:prstGeom prst="bentConnector4">
             <a:avLst>
-              <a:gd name="adj1" fmla="val -153102"/>
-              <a:gd name="adj2" fmla="val 70651"/>
+              <a:gd name="adj1" fmla="val -409382"/>
+              <a:gd name="adj2" fmla="val 66920"/>
             </a:avLst>
           </a:prstGeom>
           <a:ln>
@@ -17277,8 +24672,8 @@
         </p:nvCxnSpPr>
         <p:spPr>
           <a:xfrm>
-            <a:off x="5917653" y="3016763"/>
-            <a:ext cx="873279" cy="887846"/>
+            <a:off x="4504537" y="3022513"/>
+            <a:ext cx="2773377" cy="970391"/>
           </a:xfrm>
           <a:prstGeom prst="bentConnector3">
             <a:avLst>
@@ -17322,8 +24717,8 @@
         </p:nvCxnSpPr>
         <p:spPr>
           <a:xfrm rot="16200000" flipH="1">
-            <a:off x="5397552" y="3932377"/>
-            <a:ext cx="1338602" cy="1448155"/>
+            <a:off x="4884729" y="3037835"/>
+            <a:ext cx="1514396" cy="3424534"/>
           </a:xfrm>
           <a:prstGeom prst="bentConnector2">
             <a:avLst/>
@@ -17365,8 +24760,8 @@
         </p:nvCxnSpPr>
         <p:spPr>
           <a:xfrm flipV="1">
-            <a:off x="8827815" y="3147920"/>
-            <a:ext cx="1153824" cy="756689"/>
+            <a:off x="9314797" y="3147920"/>
+            <a:ext cx="666842" cy="844984"/>
           </a:xfrm>
           <a:prstGeom prst="straightConnector1">
             <a:avLst/>
@@ -17408,8 +24803,140 @@
         </p:nvCxnSpPr>
         <p:spPr>
           <a:xfrm flipV="1">
-            <a:off x="8827814" y="3147920"/>
-            <a:ext cx="1153825" cy="2177836"/>
+            <a:off x="9391077" y="3147920"/>
+            <a:ext cx="590562" cy="2359380"/>
+          </a:xfrm>
+          <a:prstGeom prst="straightConnector1">
+            <a:avLst/>
+          </a:prstGeom>
+          <a:ln>
+            <a:tailEnd type="triangle"/>
+          </a:ln>
+        </p:spPr>
+        <p:style>
+          <a:lnRef idx="2">
+            <a:schemeClr val="accent1"/>
+          </a:lnRef>
+          <a:fillRef idx="0">
+            <a:schemeClr val="accent1"/>
+          </a:fillRef>
+          <a:effectRef idx="1">
+            <a:schemeClr val="accent1"/>
+          </a:effectRef>
+          <a:fontRef idx="minor">
+            <a:schemeClr val="tx1"/>
+          </a:fontRef>
+        </p:style>
+      </p:cxnSp>
+      <p:sp>
+        <p:nvSpPr>
+          <p:cNvPr id="13" name="Rectangle: Rounded Corners 12">
+            <a:extLst>
+              <a:ext uri="{FF2B5EF4-FFF2-40B4-BE49-F238E27FC236}">
+                <a16:creationId xmlns:a16="http://schemas.microsoft.com/office/drawing/2014/main" id="{9E979803-962A-FE59-DC46-710ABB3E7606}"/>
+              </a:ext>
+            </a:extLst>
+          </p:cNvPr>
+          <p:cNvSpPr/>
+          <p:nvPr/>
+        </p:nvSpPr>
+        <p:spPr>
+          <a:xfrm>
+            <a:off x="4558585" y="1503506"/>
+            <a:ext cx="2165164" cy="1240657"/>
+          </a:xfrm>
+          <a:prstGeom prst="roundRect">
+            <a:avLst/>
+          </a:prstGeom>
+          <a:noFill/>
+          <a:ln>
+            <a:solidFill>
+              <a:srgbClr val="00B0F0"/>
+            </a:solidFill>
+          </a:ln>
+        </p:spPr>
+        <p:style>
+          <a:lnRef idx="2">
+            <a:schemeClr val="accent1">
+              <a:shade val="15000"/>
+            </a:schemeClr>
+          </a:lnRef>
+          <a:fillRef idx="1">
+            <a:schemeClr val="accent1"/>
+          </a:fillRef>
+          <a:effectRef idx="0">
+            <a:schemeClr val="accent1"/>
+          </a:effectRef>
+          <a:fontRef idx="minor">
+            <a:schemeClr val="lt1"/>
+          </a:fontRef>
+        </p:style>
+        <p:txBody>
+          <a:bodyPr tIns="0" rtlCol="0" anchor="t" anchorCtr="0"/>
+          <a:lstStyle/>
+          <a:p>
+            <a:pPr algn="ctr"/>
+            <a:r>
+              <a:rPr lang="en-GB" dirty="0">
+                <a:solidFill>
+                  <a:schemeClr val="accent6">
+                    <a:lumMod val="75000"/>
+                  </a:schemeClr>
+                </a:solidFill>
+                <a:latin typeface="Courier New" panose="02070309020205020404" pitchFamily="49" charset="0"/>
+                <a:cs typeface="Courier New" panose="02070309020205020404" pitchFamily="49" charset="0"/>
+              </a:rPr>
+              <a:t>delete()</a:t>
+            </a:r>
+          </a:p>
+          <a:p>
+            <a:pPr algn="ctr"/>
+            <a:r>
+              <a:rPr lang="en-GB" dirty="0">
+                <a:solidFill>
+                  <a:schemeClr val="tx1"/>
+                </a:solidFill>
+              </a:rPr>
+              <a:t> for </a:t>
+            </a:r>
+          </a:p>
+          <a:p>
+            <a:pPr algn="ctr"/>
+            <a:r>
+              <a:rPr lang="en-GB" sz="1100" dirty="0" err="1">
+                <a:solidFill>
+                  <a:schemeClr val="tx1"/>
+                </a:solidFill>
+              </a:rPr>
+              <a:t>unique_references_container</a:t>
+            </a:r>
+            <a:endParaRPr lang="en-GB" sz="1100" dirty="0">
+              <a:solidFill>
+                <a:schemeClr val="tx1"/>
+              </a:solidFill>
+            </a:endParaRPr>
+          </a:p>
+        </p:txBody>
+      </p:sp>
+      <p:cxnSp>
+        <p:nvCxnSpPr>
+          <p:cNvPr id="33" name="Straight Arrow Connector 32">
+            <a:extLst>
+              <a:ext uri="{FF2B5EF4-FFF2-40B4-BE49-F238E27FC236}">
+                <a16:creationId xmlns:a16="http://schemas.microsoft.com/office/drawing/2014/main" id="{98346AD6-10A9-2859-3C46-CFD8DA69F425}"/>
+              </a:ext>
+            </a:extLst>
+          </p:cNvPr>
+          <p:cNvCxnSpPr>
+            <a:stCxn id="13" idx="3"/>
+            <a:endCxn id="82" idx="1"/>
+          </p:cNvCxnSpPr>
+          <p:nvPr/>
+        </p:nvCxnSpPr>
+        <p:spPr>
+          <a:xfrm flipV="1">
+            <a:off x="6723749" y="2107899"/>
+            <a:ext cx="436111" cy="15936"/>
           </a:xfrm>
           <a:prstGeom prst="straightConnector1">
             <a:avLst/>
@@ -17446,408 +24973,7 @@
 </p:sld>
 </file>
 
-<file path=ppt/slides/slide22.xml><?xml version="1.0" encoding="utf-8"?>
-<p:sld xmlns:a="http://schemas.openxmlformats.org/drawingml/2006/main" xmlns:r="http://schemas.openxmlformats.org/officeDocument/2006/relationships" xmlns:p="http://schemas.openxmlformats.org/presentationml/2006/main">
-  <p:cSld>
-    <p:spTree>
-      <p:nvGrpSpPr>
-        <p:cNvPr id="1" name=""/>
-        <p:cNvGrpSpPr/>
-        <p:nvPr/>
-      </p:nvGrpSpPr>
-      <p:grpSpPr>
-        <a:xfrm>
-          <a:off x="0" y="0"/>
-          <a:ext cx="0" cy="0"/>
-          <a:chOff x="0" y="0"/>
-          <a:chExt cx="0" cy="0"/>
-        </a:xfrm>
-      </p:grpSpPr>
-      <p:sp>
-        <p:nvSpPr>
-          <p:cNvPr id="2" name="Title 1">
-            <a:extLst>
-              <a:ext uri="{FF2B5EF4-FFF2-40B4-BE49-F238E27FC236}">
-                <a16:creationId xmlns:a16="http://schemas.microsoft.com/office/drawing/2014/main" id="{511B4A0F-D91B-90B0-02DA-360F32CAD3C1}"/>
-              </a:ext>
-            </a:extLst>
-          </p:cNvPr>
-          <p:cNvSpPr>
-            <a:spLocks noGrp="1"/>
-          </p:cNvSpPr>
-          <p:nvPr>
-            <p:ph type="title"/>
-          </p:nvPr>
-        </p:nvSpPr>
-        <p:spPr/>
-        <p:txBody>
-          <a:bodyPr/>
-          <a:lstStyle/>
-          <a:p>
-            <a:r>
-              <a:rPr lang="en-GB" dirty="0"/>
-              <a:t>New design of unique references container</a:t>
-            </a:r>
-          </a:p>
-        </p:txBody>
-      </p:sp>
-      <p:sp>
-        <p:nvSpPr>
-          <p:cNvPr id="3" name="Content Placeholder 2">
-            <a:extLst>
-              <a:ext uri="{FF2B5EF4-FFF2-40B4-BE49-F238E27FC236}">
-                <a16:creationId xmlns:a16="http://schemas.microsoft.com/office/drawing/2014/main" id="{C674BD2F-90C2-A034-10F4-A6391300D1D7}"/>
-              </a:ext>
-            </a:extLst>
-          </p:cNvPr>
-          <p:cNvSpPr>
-            <a:spLocks noGrp="1"/>
-          </p:cNvSpPr>
-          <p:nvPr>
-            <p:ph sz="half" idx="1"/>
-          </p:nvPr>
-        </p:nvSpPr>
-        <p:spPr/>
-        <p:txBody>
-          <a:bodyPr>
-            <a:normAutofit fontScale="85000" lnSpcReduction="20000"/>
-          </a:bodyPr>
-          <a:lstStyle/>
-          <a:p>
-            <a:pPr marL="0" indent="0" algn="ctr">
-              <a:buNone/>
-            </a:pPr>
-            <a:r>
-              <a:rPr lang="en-GB" dirty="0"/>
-              <a:t>Current working design:</a:t>
-            </a:r>
-          </a:p>
-          <a:p>
-            <a:pPr marL="0" indent="0">
-              <a:buNone/>
-            </a:pPr>
-            <a:endParaRPr lang="en-GB" dirty="0">
-              <a:solidFill>
-                <a:srgbClr val="C00000"/>
-              </a:solidFill>
-            </a:endParaRPr>
-          </a:p>
-          <a:p>
-            <a:pPr marL="0" indent="0">
-              <a:buNone/>
-            </a:pPr>
-            <a:r>
-              <a:rPr lang="en-GB" dirty="0">
-                <a:solidFill>
-                  <a:srgbClr val="C00000"/>
-                </a:solidFill>
-              </a:rPr>
-              <a:t>DOES NOT WORK</a:t>
-            </a:r>
-            <a:r>
-              <a:rPr lang="en-GB" dirty="0"/>
-              <a:t>:</a:t>
-            </a:r>
-          </a:p>
-          <a:p>
-            <a:pPr marL="0" indent="0">
-              <a:buNone/>
-            </a:pPr>
-            <a:r>
-              <a:rPr lang="en-GB" sz="2000" dirty="0">
-                <a:solidFill>
-                  <a:schemeClr val="accent6">
-                    <a:lumMod val="50000"/>
-                  </a:schemeClr>
-                </a:solidFill>
-                <a:latin typeface="Courier New" panose="02070309020205020404" pitchFamily="49" charset="0"/>
-                <a:cs typeface="Courier New" panose="02070309020205020404" pitchFamily="49" charset="0"/>
-              </a:rPr>
-              <a:t>&gt;&gt;w1 = sqw(filename);</a:t>
-            </a:r>
-          </a:p>
-          <a:p>
-            <a:pPr marL="0" indent="0">
-              <a:buNone/>
-            </a:pPr>
-            <a:r>
-              <a:rPr lang="en-GB" sz="2000" dirty="0">
-                <a:solidFill>
-                  <a:schemeClr val="accent6">
-                    <a:lumMod val="50000"/>
-                  </a:schemeClr>
-                </a:solidFill>
-                <a:latin typeface="Courier New" panose="02070309020205020404" pitchFamily="49" charset="0"/>
-                <a:cs typeface="Courier New" panose="02070309020205020404" pitchFamily="49" charset="0"/>
-              </a:rPr>
-              <a:t>&gt;&gt;w2 = w1;</a:t>
-            </a:r>
-          </a:p>
-          <a:p>
-            <a:pPr marL="0" indent="0">
-              <a:buNone/>
-            </a:pPr>
-            <a:r>
-              <a:rPr lang="en-GB" sz="2000" dirty="0">
-                <a:solidFill>
-                  <a:schemeClr val="accent6">
-                    <a:lumMod val="50000"/>
-                  </a:schemeClr>
-                </a:solidFill>
-                <a:latin typeface="Courier New" panose="02070309020205020404" pitchFamily="49" charset="0"/>
-                <a:cs typeface="Courier New" panose="02070309020205020404" pitchFamily="49" charset="0"/>
-              </a:rPr>
-              <a:t>&gt;&gt;w1 = w1.set_mod_pulse(…);</a:t>
-            </a:r>
-          </a:p>
-          <a:p>
-            <a:pPr marL="0" indent="0">
-              <a:buNone/>
-            </a:pPr>
-            <a:r>
-              <a:rPr lang="en-GB" sz="2000" dirty="0">
-                <a:solidFill>
-                  <a:schemeClr val="accent6">
-                    <a:lumMod val="50000"/>
-                  </a:schemeClr>
-                </a:solidFill>
-                <a:latin typeface="Courier New" panose="02070309020205020404" pitchFamily="49" charset="0"/>
-                <a:cs typeface="Courier New" panose="02070309020205020404" pitchFamily="49" charset="0"/>
-              </a:rPr>
-              <a:t>&gt;&gt;w2 = w2.set_mod_pulse(…);</a:t>
-            </a:r>
-          </a:p>
-          <a:p>
-            <a:pPr marL="0" indent="0">
-              <a:buNone/>
-            </a:pPr>
-            <a:r>
-              <a:rPr lang="en-GB" sz="2400" dirty="0"/>
-              <a:t>Some mitigation is possible/necessary (e.g. overloading </a:t>
-            </a:r>
-            <a:r>
-              <a:rPr lang="en-GB" sz="2400" dirty="0" err="1">
-                <a:latin typeface="Courier New" panose="02070309020205020404" pitchFamily="49" charset="0"/>
-                <a:cs typeface="Courier New" panose="02070309020205020404" pitchFamily="49" charset="0"/>
-              </a:rPr>
-              <a:t>repmat</a:t>
-            </a:r>
-            <a:endParaRPr lang="en-GB" sz="2400" dirty="0">
-              <a:latin typeface="Courier New" panose="02070309020205020404" pitchFamily="49" charset="0"/>
-              <a:cs typeface="Courier New" panose="02070309020205020404" pitchFamily="49" charset="0"/>
-            </a:endParaRPr>
-          </a:p>
-          <a:p>
-            <a:pPr marL="0" indent="0">
-              <a:buNone/>
-            </a:pPr>
-            <a:r>
-              <a:rPr lang="en-GB" sz="2400" dirty="0"/>
-              <a:t> but in fact you will need to mind deep/shallow copies</a:t>
-            </a:r>
-          </a:p>
-        </p:txBody>
-      </p:sp>
-      <p:sp>
-        <p:nvSpPr>
-          <p:cNvPr id="4" name="Content Placeholder 3">
-            <a:extLst>
-              <a:ext uri="{FF2B5EF4-FFF2-40B4-BE49-F238E27FC236}">
-                <a16:creationId xmlns:a16="http://schemas.microsoft.com/office/drawing/2014/main" id="{2436408E-5E6D-22F4-DFDB-75CF1624980B}"/>
-              </a:ext>
-            </a:extLst>
-          </p:cNvPr>
-          <p:cNvSpPr>
-            <a:spLocks noGrp="1"/>
-          </p:cNvSpPr>
-          <p:nvPr>
-            <p:ph sz="half" idx="2"/>
-          </p:nvPr>
-        </p:nvSpPr>
-        <p:spPr/>
-        <p:txBody>
-          <a:bodyPr>
-            <a:normAutofit fontScale="85000" lnSpcReduction="20000"/>
-          </a:bodyPr>
-          <a:lstStyle/>
-          <a:p>
-            <a:pPr marL="0" indent="0" algn="ctr">
-              <a:buNone/>
-            </a:pPr>
-            <a:r>
-              <a:rPr lang="en-GB" dirty="0"/>
-              <a:t>COW pointer management</a:t>
-            </a:r>
-          </a:p>
-          <a:p>
-            <a:pPr marL="0" indent="0" algn="ctr">
-              <a:buNone/>
-            </a:pPr>
-            <a:endParaRPr lang="en-GB" dirty="0"/>
-          </a:p>
-          <a:p>
-            <a:pPr marL="0" indent="0">
-              <a:buNone/>
-            </a:pPr>
-            <a:endParaRPr lang="en-GB" sz="2400" dirty="0">
-              <a:solidFill>
-                <a:schemeClr val="accent6">
-                  <a:lumMod val="50000"/>
-                </a:schemeClr>
-              </a:solidFill>
-              <a:latin typeface="Courier New" panose="02070309020205020404" pitchFamily="49" charset="0"/>
-              <a:cs typeface="Courier New" panose="02070309020205020404" pitchFamily="49" charset="0"/>
-            </a:endParaRPr>
-          </a:p>
-          <a:p>
-            <a:pPr marL="0" indent="0">
-              <a:buNone/>
-            </a:pPr>
-            <a:r>
-              <a:rPr lang="en-GB" sz="2400" dirty="0" err="1">
-                <a:solidFill>
-                  <a:schemeClr val="accent6">
-                    <a:lumMod val="50000"/>
-                  </a:schemeClr>
-                </a:solidFill>
-                <a:latin typeface="Courier New" panose="02070309020205020404" pitchFamily="49" charset="0"/>
-                <a:cs typeface="Courier New" panose="02070309020205020404" pitchFamily="49" charset="0"/>
-              </a:rPr>
-              <a:t>unique_reference_container</a:t>
-            </a:r>
-            <a:r>
-              <a:rPr lang="en-GB" sz="2400" dirty="0">
-                <a:solidFill>
-                  <a:schemeClr val="accent6">
-                    <a:lumMod val="50000"/>
-                  </a:schemeClr>
-                </a:solidFill>
-                <a:latin typeface="Courier New" panose="02070309020205020404" pitchFamily="49" charset="0"/>
-                <a:cs typeface="Courier New" panose="02070309020205020404" pitchFamily="49" charset="0"/>
-              </a:rPr>
-              <a:t> </a:t>
-            </a:r>
-            <a:r>
-              <a:rPr lang="en-GB" sz="2400" dirty="0"/>
-              <a:t> </a:t>
-            </a:r>
-          </a:p>
-          <a:p>
-            <a:pPr marL="0" indent="0">
-              <a:buNone/>
-            </a:pPr>
-            <a:r>
-              <a:rPr lang="en-GB" sz="2400" dirty="0"/>
-              <a:t>elements initialized by assignment from </a:t>
-            </a:r>
-          </a:p>
-          <a:p>
-            <a:pPr marL="0" indent="0">
-              <a:buNone/>
-            </a:pPr>
-            <a:r>
-              <a:rPr lang="en-GB" sz="2400" dirty="0" err="1">
-                <a:solidFill>
-                  <a:schemeClr val="accent6">
-                    <a:lumMod val="50000"/>
-                  </a:schemeClr>
-                </a:solidFill>
-                <a:latin typeface="Courier New" panose="02070309020205020404" pitchFamily="49" charset="0"/>
-                <a:cs typeface="Courier New" panose="02070309020205020404" pitchFamily="49" charset="0"/>
-              </a:rPr>
-              <a:t>unique_obj_storage</a:t>
-            </a:r>
-            <a:endParaRPr lang="en-GB" sz="2400" dirty="0">
-              <a:solidFill>
-                <a:schemeClr val="accent6">
-                  <a:lumMod val="50000"/>
-                </a:schemeClr>
-              </a:solidFill>
-              <a:latin typeface="Courier New" panose="02070309020205020404" pitchFamily="49" charset="0"/>
-              <a:cs typeface="Courier New" panose="02070309020205020404" pitchFamily="49" charset="0"/>
-            </a:endParaRPr>
-          </a:p>
-          <a:p>
-            <a:pPr marL="0" indent="0">
-              <a:buNone/>
-            </a:pPr>
-            <a:r>
-              <a:rPr lang="en-GB" sz="2400" dirty="0"/>
-              <a:t>elements</a:t>
-            </a:r>
-            <a:r>
-              <a:rPr lang="en-GB" dirty="0"/>
-              <a:t>.</a:t>
-            </a:r>
-          </a:p>
-          <a:p>
-            <a:pPr marL="0" indent="0">
-              <a:buNone/>
-            </a:pPr>
-            <a:endParaRPr lang="en-GB" dirty="0"/>
-          </a:p>
-          <a:p>
-            <a:pPr marL="0" indent="0">
-              <a:buNone/>
-            </a:pPr>
-            <a:r>
-              <a:rPr lang="en-GB" sz="2400" dirty="0"/>
-              <a:t>Used unique objects remain stuck in </a:t>
-            </a:r>
-            <a:r>
-              <a:rPr lang="en-GB" sz="2400" dirty="0" err="1">
-                <a:solidFill>
-                  <a:schemeClr val="accent6">
-                    <a:lumMod val="50000"/>
-                  </a:schemeClr>
-                </a:solidFill>
-                <a:latin typeface="Courier New" panose="02070309020205020404" pitchFamily="49" charset="0"/>
-                <a:cs typeface="Courier New" panose="02070309020205020404" pitchFamily="49" charset="0"/>
-              </a:rPr>
-              <a:t>unique_obj_storage</a:t>
-            </a:r>
-            <a:r>
-              <a:rPr lang="en-GB" sz="2400" dirty="0">
-                <a:solidFill>
-                  <a:schemeClr val="accent6">
-                    <a:lumMod val="50000"/>
-                  </a:schemeClr>
-                </a:solidFill>
-                <a:latin typeface="Courier New" panose="02070309020205020404" pitchFamily="49" charset="0"/>
-                <a:cs typeface="Courier New" panose="02070309020205020404" pitchFamily="49" charset="0"/>
-              </a:rPr>
-              <a:t> </a:t>
-            </a:r>
-            <a:r>
-              <a:rPr lang="en-GB" sz="2400" dirty="0"/>
-              <a:t>for the length of a session</a:t>
-            </a:r>
-          </a:p>
-          <a:p>
-            <a:pPr marL="0" indent="0" algn="ctr">
-              <a:buNone/>
-            </a:pPr>
-            <a:r>
-              <a:rPr lang="en-GB" dirty="0"/>
-              <a:t>???</a:t>
-            </a:r>
-          </a:p>
-        </p:txBody>
-      </p:sp>
-    </p:spTree>
-    <p:extLst>
-      <p:ext uri="{BB962C8B-B14F-4D97-AF65-F5344CB8AC3E}">
-        <p14:creationId xmlns:p14="http://schemas.microsoft.com/office/powerpoint/2010/main" val="439692076"/>
-      </p:ext>
-    </p:extLst>
-  </p:cSld>
-  <p:clrMapOvr>
-    <a:masterClrMapping/>
-  </p:clrMapOvr>
-</p:sld>
-</file>
-
-<file path=ppt/slides/slide23.xml><?xml version="1.0" encoding="utf-8"?>
+<file path=ppt/slides/slide25.xml><?xml version="1.0" encoding="utf-8"?>
 <p:sld xmlns:a="http://schemas.openxmlformats.org/drawingml/2006/main" xmlns:r="http://schemas.openxmlformats.org/officeDocument/2006/relationships" xmlns:p="http://schemas.openxmlformats.org/presentationml/2006/main">
   <p:cSld>
     <p:spTree>

--- a/documentation/presentations/Large_number_of_small_cuts.pptx
+++ b/documentation/presentations/Large_number_of_small_cuts.pptx
@@ -23,13 +23,14 @@
     <p:sldId id="277" r:id="rId17"/>
     <p:sldId id="281" r:id="rId18"/>
     <p:sldId id="270" r:id="rId19"/>
-    <p:sldId id="278" r:id="rId20"/>
-    <p:sldId id="271" r:id="rId21"/>
-    <p:sldId id="280" r:id="rId22"/>
-    <p:sldId id="272" r:id="rId23"/>
-    <p:sldId id="274" r:id="rId24"/>
-    <p:sldId id="279" r:id="rId25"/>
-    <p:sldId id="275" r:id="rId26"/>
+    <p:sldId id="282" r:id="rId20"/>
+    <p:sldId id="278" r:id="rId21"/>
+    <p:sldId id="271" r:id="rId22"/>
+    <p:sldId id="280" r:id="rId23"/>
+    <p:sldId id="272" r:id="rId24"/>
+    <p:sldId id="274" r:id="rId25"/>
+    <p:sldId id="279" r:id="rId26"/>
+    <p:sldId id="275" r:id="rId27"/>
   </p:sldIdLst>
   <p:sldSz cx="12192000" cy="6858000"/>
   <p:notesSz cx="6858000" cy="9144000"/>
@@ -129,6 +130,48 @@
     </a:lvl9pPr>
   </p:defaultTextStyle>
   <p:extLst>
+    <p:ext uri="{521415D9-36F7-43E2-AB2F-B90AF26B5E84}">
+      <p14:sectionLst xmlns:p14="http://schemas.microsoft.com/office/powerpoint/2010/main">
+        <p14:section name="Default Section" id="{7255B0DC-2246-4BD3-B718-6F3CA01A0AD6}">
+          <p14:sldIdLst>
+            <p14:sldId id="256"/>
+          </p14:sldIdLst>
+        </p14:section>
+        <p14:section name="Presentation Day1" id="{D7F28201-9E31-4677-93C4-FAD915D83E38}">
+          <p14:sldIdLst>
+            <p14:sldId id="260"/>
+            <p14:sldId id="257"/>
+            <p14:sldId id="258"/>
+            <p14:sldId id="259"/>
+            <p14:sldId id="262"/>
+            <p14:sldId id="268"/>
+            <p14:sldId id="261"/>
+            <p14:sldId id="263"/>
+            <p14:sldId id="264"/>
+            <p14:sldId id="265"/>
+            <p14:sldId id="266"/>
+            <p14:sldId id="267"/>
+          </p14:sldIdLst>
+        </p14:section>
+        <p14:section name="Presentation Day2" id="{EAE315A5-92FB-465E-A7FA-BD37C3A9E877}">
+          <p14:sldIdLst>
+            <p14:sldId id="269"/>
+            <p14:sldId id="276"/>
+            <p14:sldId id="277"/>
+            <p14:sldId id="281"/>
+            <p14:sldId id="270"/>
+            <p14:sldId id="282"/>
+            <p14:sldId id="278"/>
+            <p14:sldId id="271"/>
+            <p14:sldId id="280"/>
+            <p14:sldId id="272"/>
+            <p14:sldId id="274"/>
+            <p14:sldId id="279"/>
+            <p14:sldId id="275"/>
+          </p14:sldIdLst>
+        </p14:section>
+      </p14:sectionLst>
+    </p:ext>
     <p:ext uri="{EFAFB233-063F-42B5-8137-9DF3F51BA10A}">
       <p15:sldGuideLst xmlns:p15="http://schemas.microsoft.com/office/powerpoint/2012/main"/>
     </p:ext>
@@ -4120,7 +4163,7 @@
           <a:noFill/>
           <a:ln>
             <a:solidFill>
-              <a:srgbClr val="FFC000"/>
+              <a:srgbClr val="0066FF"/>
             </a:solidFill>
           </a:ln>
         </p:spPr>
@@ -4281,7 +4324,7 @@
           <a:noFill/>
           <a:ln>
             <a:solidFill>
-              <a:srgbClr val="C00000"/>
+              <a:srgbClr val="00B050"/>
             </a:solidFill>
           </a:ln>
         </p:spPr>
@@ -13060,15 +13103,7 @@
             </a:pPr>
             <a:r>
               <a:rPr lang="en-GB" dirty="0"/>
-              <a:t>s</a:t>
-            </a:r>
-            <a:r>
-              <a:rPr lang="en-GB"/>
-              <a:t>erializable</a:t>
-            </a:r>
-            <a:r>
-              <a:rPr lang="en-GB" dirty="0"/>
-              <a:t>:</a:t>
+              <a:t>serializable:</a:t>
             </a:r>
             <a:endParaRPr lang="en-GB" dirty="0">
               <a:solidFill>
@@ -13735,7 +13770,7 @@
         <p:cNvPr id="1" name="">
           <a:extLst>
             <a:ext uri="{FF2B5EF4-FFF2-40B4-BE49-F238E27FC236}">
-              <a16:creationId xmlns:a16="http://schemas.microsoft.com/office/drawing/2014/main" id="{259DA183-24F6-6400-C510-5E43E0F65E4E}"/>
+              <a16:creationId xmlns:a16="http://schemas.microsoft.com/office/drawing/2014/main" id="{A79E9AA6-4602-97FD-E4C1-A34BECA8DE78}"/>
             </a:ext>
           </a:extLst>
         </p:cNvPr>
@@ -13755,7 +13790,7 @@
           <p:cNvPr id="2" name="Title 1">
             <a:extLst>
               <a:ext uri="{FF2B5EF4-FFF2-40B4-BE49-F238E27FC236}">
-                <a16:creationId xmlns:a16="http://schemas.microsoft.com/office/drawing/2014/main" id="{D624607A-D87C-4FEB-75EB-39CCE5542C9E}"/>
+                <a16:creationId xmlns:a16="http://schemas.microsoft.com/office/drawing/2014/main" id="{2FBB2C34-6994-8268-5001-423EE11C606F}"/>
               </a:ext>
             </a:extLst>
           </p:cNvPr>
@@ -13766,13 +13801,19 @@
             <p:ph type="title"/>
           </p:nvPr>
         </p:nvSpPr>
-        <p:spPr/>
+        <p:spPr>
+          <a:xfrm>
+            <a:off x="838200" y="365125"/>
+            <a:ext cx="10515600" cy="1064495"/>
+          </a:xfrm>
+        </p:spPr>
         <p:txBody>
           <a:bodyPr>
             <a:normAutofit/>
           </a:bodyPr>
           <a:lstStyle/>
           <a:p>
+            <a:pPr algn="ctr"/>
             <a:r>
               <a:rPr lang="en-GB" sz="3600" dirty="0">
                 <a:solidFill>
@@ -13787,61 +13828,17 @@
                   <a:srgbClr val="7030A0"/>
                 </a:solidFill>
               </a:rPr>
-              <a:t>#1791 </a:t>
-            </a:r>
-            <a:br>
-              <a:rPr lang="en-GB" sz="3600" dirty="0">
-                <a:solidFill>
-                  <a:srgbClr val="7030A0"/>
-                </a:solidFill>
-              </a:rPr>
-            </a:br>
-            <a:r>
-              <a:rPr lang="en-GB" sz="2000" dirty="0"/>
-              <a:t>The storage and </a:t>
-            </a:r>
-            <a:r>
-              <a:rPr lang="en-GB" sz="2000" dirty="0" err="1">
-                <a:solidFill>
-                  <a:schemeClr val="accent6">
-                    <a:lumMod val="75000"/>
-                  </a:schemeClr>
-                </a:solidFill>
-                <a:latin typeface="Courier New" panose="02070309020205020404" pitchFamily="49" charset="0"/>
-                <a:cs typeface="Courier New" panose="02070309020205020404" pitchFamily="49" charset="0"/>
-              </a:rPr>
-              <a:t>unique_references_contanter</a:t>
-            </a:r>
-            <a:r>
-              <a:rPr lang="en-GB" sz="2000" dirty="0">
-                <a:solidFill>
-                  <a:schemeClr val="accent6">
-                    <a:lumMod val="75000"/>
-                  </a:schemeClr>
-                </a:solidFill>
-                <a:latin typeface="Courier New" panose="02070309020205020404" pitchFamily="49" charset="0"/>
-                <a:cs typeface="Courier New" panose="02070309020205020404" pitchFamily="49" charset="0"/>
-              </a:rPr>
-              <a:t> </a:t>
-            </a:r>
-            <a:r>
-              <a:rPr lang="en-GB" sz="2000" dirty="0"/>
-              <a:t>are mixed together, despite having different purposes.</a:t>
-            </a:r>
-            <a:endParaRPr lang="en-GB" sz="3600" dirty="0">
-              <a:solidFill>
-                <a:srgbClr val="7030A0"/>
-              </a:solidFill>
-            </a:endParaRPr>
+              <a:t>#1791</a:t>
+            </a:r>
           </a:p>
         </p:txBody>
       </p:sp>
       <p:sp>
         <p:nvSpPr>
-          <p:cNvPr id="10" name="Content Placeholder 9">
-            <a:extLst>
-              <a:ext uri="{FF2B5EF4-FFF2-40B4-BE49-F238E27FC236}">
-                <a16:creationId xmlns:a16="http://schemas.microsoft.com/office/drawing/2014/main" id="{AE0D1BE9-ED49-5580-E5E6-99B240780392}"/>
+          <p:cNvPr id="3" name="Content Placeholder 2">
+            <a:extLst>
+              <a:ext uri="{FF2B5EF4-FFF2-40B4-BE49-F238E27FC236}">
+                <a16:creationId xmlns:a16="http://schemas.microsoft.com/office/drawing/2014/main" id="{EC6DBF2C-1355-C94C-5AA1-0699485B64D5}"/>
               </a:ext>
             </a:extLst>
           </p:cNvPr>
@@ -13849,698 +13846,618 @@
             <a:spLocks noGrp="1"/>
           </p:cNvSpPr>
           <p:nvPr>
-            <p:ph sz="half" idx="1"/>
+            <p:ph idx="1"/>
           </p:nvPr>
         </p:nvSpPr>
         <p:spPr>
           <a:xfrm>
-            <a:off x="907907" y="1690688"/>
-            <a:ext cx="9937779" cy="2176413"/>
-          </a:xfrm>
-          <a:ln w="25400">
-            <a:solidFill>
-              <a:srgbClr val="C00000"/>
-            </a:solidFill>
-          </a:ln>
+            <a:off x="643252" y="1338255"/>
+            <a:ext cx="10515600" cy="931500"/>
+          </a:xfrm>
         </p:spPr>
         <p:txBody>
           <a:bodyPr>
-            <a:normAutofit/>
+            <a:normAutofit fontScale="85000" lnSpcReduction="10000"/>
           </a:bodyPr>
           <a:lstStyle/>
           <a:p>
-            <a:pPr marL="0" indent="0">
-              <a:buNone/>
+            <a:pPr marL="457200" indent="-457200">
+              <a:buFont typeface="+mj-lt"/>
+              <a:buAutoNum type="arabicPeriod"/>
             </a:pPr>
             <a:r>
-              <a:rPr lang="en-GB" sz="1900" b="0" i="0" dirty="0" err="1">
-                <a:effectLst/>
-                <a:latin typeface="Courier New" panose="02070309020205020404" pitchFamily="49" charset="0"/>
-                <a:cs typeface="Courier New" panose="02070309020205020404" pitchFamily="49" charset="0"/>
-              </a:rPr>
-              <a:t>glcont</a:t>
-            </a:r>
-            <a:r>
-              <a:rPr lang="en-GB" sz="1900" b="0" i="0" dirty="0">
-                <a:effectLst/>
-                <a:latin typeface="Courier New" panose="02070309020205020404" pitchFamily="49" charset="0"/>
-                <a:cs typeface="Courier New" panose="02070309020205020404" pitchFamily="49" charset="0"/>
-              </a:rPr>
-              <a:t> = </a:t>
-            </a:r>
-            <a:r>
-              <a:rPr lang="en-GB" sz="1900" b="0" i="0" dirty="0" err="1">
-                <a:effectLst/>
-                <a:latin typeface="Courier New" panose="02070309020205020404" pitchFamily="49" charset="0"/>
-                <a:cs typeface="Courier New" panose="02070309020205020404" pitchFamily="49" charset="0"/>
-              </a:rPr>
-              <a:t>self.global_container</a:t>
-            </a:r>
-            <a:r>
-              <a:rPr lang="en-GB" sz="1900" b="0" i="0" dirty="0">
-                <a:effectLst/>
-                <a:latin typeface="Courier New" panose="02070309020205020404" pitchFamily="49" charset="0"/>
-                <a:cs typeface="Courier New" panose="02070309020205020404" pitchFamily="49" charset="0"/>
-              </a:rPr>
-              <a:t>(</a:t>
-            </a:r>
-            <a:r>
-              <a:rPr lang="en-GB" sz="1900" b="0" i="0" dirty="0">
-                <a:solidFill>
-                  <a:srgbClr val="A709F5"/>
-                </a:solidFill>
-                <a:effectLst/>
-                <a:latin typeface="Courier New" panose="02070309020205020404" pitchFamily="49" charset="0"/>
-                <a:cs typeface="Courier New" panose="02070309020205020404" pitchFamily="49" charset="0"/>
-              </a:rPr>
-              <a:t>'value'</a:t>
-            </a:r>
-            <a:r>
-              <a:rPr lang="en-GB" sz="1900" b="0" i="0" dirty="0">
-                <a:effectLst/>
-                <a:latin typeface="Courier New" panose="02070309020205020404" pitchFamily="49" charset="0"/>
-                <a:cs typeface="Courier New" panose="02070309020205020404" pitchFamily="49" charset="0"/>
-              </a:rPr>
-              <a:t>, </a:t>
-            </a:r>
-            <a:r>
-              <a:rPr lang="en-GB" sz="1900" b="0" i="0" dirty="0" err="1">
-                <a:effectLst/>
-                <a:latin typeface="Courier New" panose="02070309020205020404" pitchFamily="49" charset="0"/>
-                <a:cs typeface="Courier New" panose="02070309020205020404" pitchFamily="49" charset="0"/>
-              </a:rPr>
-              <a:t>self.global_name</a:t>
-            </a:r>
-            <a:r>
-              <a:rPr lang="en-GB" sz="1900" b="0" i="0" dirty="0">
-                <a:effectLst/>
-                <a:latin typeface="Courier New" panose="02070309020205020404" pitchFamily="49" charset="0"/>
-                <a:cs typeface="Courier New" panose="02070309020205020404" pitchFamily="49" charset="0"/>
-              </a:rPr>
-              <a:t>_);</a:t>
-            </a:r>
-          </a:p>
-          <a:p>
-            <a:pPr marL="0" indent="0">
-              <a:buNone/>
-            </a:pPr>
-            <a:r>
-              <a:rPr lang="en-GB" sz="1900" dirty="0">
-                <a:latin typeface="Courier New" panose="02070309020205020404" pitchFamily="49" charset="0"/>
-                <a:cs typeface="Courier New" panose="02070309020205020404" pitchFamily="49" charset="0"/>
-              </a:rPr>
-              <a:t>…</a:t>
-            </a:r>
-          </a:p>
-          <a:p>
-            <a:pPr marL="0" indent="0">
-              <a:buNone/>
-            </a:pPr>
-            <a:r>
-              <a:rPr lang="en-GB" sz="1900" b="0" i="0" dirty="0">
-                <a:effectLst/>
-                <a:latin typeface="Courier New" panose="02070309020205020404" pitchFamily="49" charset="0"/>
-                <a:cs typeface="Courier New" panose="02070309020205020404" pitchFamily="49" charset="0"/>
-              </a:rPr>
-              <a:t>…</a:t>
-            </a:r>
-          </a:p>
-          <a:p>
-            <a:pPr marL="0" indent="0">
-              <a:buNone/>
-            </a:pPr>
-            <a:r>
-              <a:rPr lang="en-GB" sz="1900" dirty="0">
-                <a:latin typeface="Courier New" panose="02070309020205020404" pitchFamily="49" charset="0"/>
-                <a:cs typeface="Courier New" panose="02070309020205020404" pitchFamily="49" charset="0"/>
-              </a:rPr>
-              <a:t>…</a:t>
-            </a:r>
-            <a:endParaRPr lang="en-GB" sz="1900" b="0" i="0" dirty="0">
-              <a:effectLst/>
-              <a:latin typeface="Courier New" panose="02070309020205020404" pitchFamily="49" charset="0"/>
-              <a:cs typeface="Courier New" panose="02070309020205020404" pitchFamily="49" charset="0"/>
-            </a:endParaRPr>
-          </a:p>
-          <a:p>
-            <a:pPr marL="0" indent="0">
-              <a:buNone/>
-            </a:pPr>
-            <a:r>
-              <a:rPr lang="en-GB" sz="1900" b="0" i="0" dirty="0" err="1">
-                <a:effectLst/>
-                <a:latin typeface="Courier New" panose="02070309020205020404" pitchFamily="49" charset="0"/>
-                <a:cs typeface="Courier New" panose="02070309020205020404" pitchFamily="49" charset="0"/>
-              </a:rPr>
-              <a:t>self.global_container</a:t>
-            </a:r>
-            <a:r>
-              <a:rPr lang="en-GB" sz="1900" b="0" i="0" dirty="0">
-                <a:effectLst/>
-                <a:latin typeface="Courier New" panose="02070309020205020404" pitchFamily="49" charset="0"/>
-                <a:cs typeface="Courier New" panose="02070309020205020404" pitchFamily="49" charset="0"/>
-              </a:rPr>
-              <a:t>(</a:t>
-            </a:r>
-            <a:r>
-              <a:rPr lang="en-GB" sz="1900" b="0" i="0" dirty="0">
-                <a:solidFill>
-                  <a:srgbClr val="A709F5"/>
-                </a:solidFill>
-                <a:effectLst/>
-                <a:latin typeface="Courier New" panose="02070309020205020404" pitchFamily="49" charset="0"/>
-                <a:cs typeface="Courier New" panose="02070309020205020404" pitchFamily="49" charset="0"/>
-              </a:rPr>
-              <a:t>'reset'</a:t>
-            </a:r>
-            <a:r>
-              <a:rPr lang="en-GB" sz="1900" b="0" i="0" dirty="0">
-                <a:effectLst/>
-                <a:latin typeface="Courier New" panose="02070309020205020404" pitchFamily="49" charset="0"/>
-                <a:cs typeface="Courier New" panose="02070309020205020404" pitchFamily="49" charset="0"/>
-              </a:rPr>
-              <a:t>,self.global_name_,</a:t>
-            </a:r>
-            <a:r>
-              <a:rPr lang="en-GB" sz="1900" b="0" i="0" dirty="0" err="1">
-                <a:effectLst/>
-                <a:latin typeface="Courier New" panose="02070309020205020404" pitchFamily="49" charset="0"/>
-                <a:cs typeface="Courier New" panose="02070309020205020404" pitchFamily="49" charset="0"/>
-              </a:rPr>
-              <a:t>glcont</a:t>
-            </a:r>
-            <a:r>
-              <a:rPr lang="en-GB" sz="1900" b="0" i="0" dirty="0">
-                <a:effectLst/>
-                <a:latin typeface="Courier New" panose="02070309020205020404" pitchFamily="49" charset="0"/>
-                <a:cs typeface="Courier New" panose="02070309020205020404" pitchFamily="49" charset="0"/>
-              </a:rPr>
-              <a:t>);</a:t>
-            </a:r>
-          </a:p>
-          <a:p>
-            <a:endParaRPr lang="en-GB" dirty="0"/>
+              <a:rPr lang="en-GB" sz="2400" dirty="0"/>
+              <a:t>I</a:t>
+            </a:r>
+            <a:r>
+              <a:rPr lang="en-GB" sz="2000" dirty="0"/>
+              <a:t>t is non-standard and Horace-specific. When maintainer looks at the code, he/she would not immediately understand what is there and need to read complex custom description on what is this and how to work with it, while any software graduate student is familiar with a standard singleton.</a:t>
+            </a:r>
           </a:p>
         </p:txBody>
       </p:sp>
       <p:sp>
         <p:nvSpPr>
-          <p:cNvPr id="11" name="Content Placeholder 10">
-            <a:extLst>
-              <a:ext uri="{FF2B5EF4-FFF2-40B4-BE49-F238E27FC236}">
-                <a16:creationId xmlns:a16="http://schemas.microsoft.com/office/drawing/2014/main" id="{F2D48621-C553-D567-F028-D42AF4A8D0B2}"/>
+          <p:cNvPr id="10" name="Rectangle 2">
+            <a:extLst>
+              <a:ext uri="{FF2B5EF4-FFF2-40B4-BE49-F238E27FC236}">
+                <a16:creationId xmlns:a16="http://schemas.microsoft.com/office/drawing/2014/main" id="{A5C968F9-59B1-D0C2-675C-BB32EFBB8213}"/>
               </a:ext>
             </a:extLst>
           </p:cNvPr>
           <p:cNvSpPr>
-            <a:spLocks noGrp="1"/>
+            <a:spLocks noChangeArrowheads="1"/>
           </p:cNvSpPr>
-          <p:nvPr>
-            <p:ph sz="half" idx="2"/>
-          </p:nvPr>
+          <p:nvPr/>
         </p:nvSpPr>
-        <p:spPr>
+        <p:spPr bwMode="auto">
           <a:xfrm>
-            <a:off x="907906" y="4231766"/>
-            <a:ext cx="9937779" cy="2401116"/>
-          </a:xfrm>
-          <a:ln w="25400">
-            <a:solidFill>
-              <a:srgbClr val="00B050"/>
-            </a:solidFill>
+            <a:off x="753911" y="2044914"/>
+            <a:ext cx="10070898" cy="3970318"/>
+          </a:xfrm>
+          <a:prstGeom prst="rect">
+            <a:avLst/>
+          </a:prstGeom>
+          <a:noFill/>
+          <a:ln>
+            <a:noFill/>
           </a:ln>
+          <a:effectLst/>
+          <a:extLst>
+            <a:ext uri="{909E8E84-426E-40DD-AFC4-6F175D3DCCD1}">
+              <a14:hiddenFill xmlns:a14="http://schemas.microsoft.com/office/drawing/2010/main">
+                <a:solidFill>
+                  <a:schemeClr val="accent1"/>
+                </a:solidFill>
+              </a14:hiddenFill>
+            </a:ext>
+            <a:ext uri="{91240B29-F687-4F45-9708-019B960494DF}">
+              <a14:hiddenLine xmlns:a14="http://schemas.microsoft.com/office/drawing/2010/main" w="9525">
+                <a:solidFill>
+                  <a:schemeClr val="tx1"/>
+                </a:solidFill>
+                <a:miter lim="800000"/>
+                <a:headEnd/>
+                <a:tailEnd/>
+              </a14:hiddenLine>
+            </a:ext>
+            <a:ext uri="{AF507438-7753-43E0-B8FC-AC1667EBCBE1}">
+              <a14:hiddenEffects xmlns:a14="http://schemas.microsoft.com/office/drawing/2010/main">
+                <a:effectLst>
+                  <a:outerShdw dist="35921" dir="2700000" algn="ctr" rotWithShape="0">
+                    <a:schemeClr val="bg2"/>
+                  </a:outerShdw>
+                </a:effectLst>
+              </a14:hiddenEffects>
+            </a:ext>
+          </a:extLst>
         </p:spPr>
         <p:txBody>
-          <a:bodyPr>
-            <a:normAutofit/>
+          <a:bodyPr vert="horz" wrap="none" lIns="91440" tIns="45720" rIns="91440" bIns="45720" numCol="1" anchor="ctr" anchorCtr="0" compatLnSpc="1">
+            <a:prstTxWarp prst="textNoShape">
+              <a:avLst/>
+            </a:prstTxWarp>
+            <a:spAutoFit/>
           </a:bodyPr>
           <a:lstStyle/>
           <a:p>
-            <a:pPr marL="0" indent="0">
+            <a:pPr marL="0" marR="0" lvl="0" indent="0" algn="l" defTabSz="914400" rtl="0" eaLnBrk="0" fontAlgn="base" latinLnBrk="0" hangingPunct="0">
+              <a:lnSpc>
+                <a:spcPct val="100000"/>
+              </a:lnSpc>
+              <a:spcBef>
+                <a:spcPct val="0"/>
+              </a:spcBef>
+              <a:spcAft>
+                <a:spcPct val="0"/>
+              </a:spcAft>
+              <a:buClrTx/>
+              <a:buSzTx/>
+              <a:buFontTx/>
               <a:buNone/>
+              <a:tabLst/>
             </a:pPr>
-            <a:r>
-              <a:rPr lang="en-GB" sz="1900" dirty="0">
-                <a:latin typeface="Courier New" panose="02070309020205020404" pitchFamily="49" charset="0"/>
-                <a:cs typeface="Courier New" panose="02070309020205020404" pitchFamily="49" charset="0"/>
-              </a:rPr>
-              <a:t>storage = </a:t>
-            </a:r>
-            <a:r>
-              <a:rPr lang="en-GB" sz="1900" dirty="0" err="1">
-                <a:latin typeface="Courier New" panose="02070309020205020404" pitchFamily="49" charset="0"/>
-                <a:cs typeface="Courier New" panose="02070309020205020404" pitchFamily="49" charset="0"/>
-              </a:rPr>
-              <a:t>unique_obj_store.instance</a:t>
-            </a:r>
-            <a:r>
-              <a:rPr lang="en-GB" sz="1900" dirty="0">
-                <a:latin typeface="Courier New" panose="02070309020205020404" pitchFamily="49" charset="0"/>
-                <a:cs typeface="Courier New" panose="02070309020205020404" pitchFamily="49" charset="0"/>
-              </a:rPr>
-              <a:t>().</a:t>
-            </a:r>
-            <a:r>
-              <a:rPr lang="en-GB" sz="1900" b="1" dirty="0" err="1">
-                <a:latin typeface="Courier New" panose="02070309020205020404" pitchFamily="49" charset="0"/>
-                <a:cs typeface="Courier New" panose="02070309020205020404" pitchFamily="49" charset="0"/>
-              </a:rPr>
-              <a:t>get_objects</a:t>
-            </a:r>
-            <a:r>
-              <a:rPr lang="en-GB" sz="1900" dirty="0">
-                <a:latin typeface="Courier New" panose="02070309020205020404" pitchFamily="49" charset="0"/>
-                <a:cs typeface="Courier New" panose="02070309020205020404" pitchFamily="49" charset="0"/>
-              </a:rPr>
-              <a:t>(</a:t>
-            </a:r>
-            <a:r>
-              <a:rPr lang="en-GB" sz="1900" dirty="0" err="1">
-                <a:latin typeface="Courier New" panose="02070309020205020404" pitchFamily="49" charset="0"/>
-                <a:cs typeface="Courier New" panose="02070309020205020404" pitchFamily="49" charset="0"/>
-              </a:rPr>
-              <a:t>self.basename</a:t>
-            </a:r>
-            <a:r>
-              <a:rPr lang="en-GB" sz="1900" dirty="0">
-                <a:latin typeface="Courier New" panose="02070309020205020404" pitchFamily="49" charset="0"/>
-                <a:cs typeface="Courier New" panose="02070309020205020404" pitchFamily="49" charset="0"/>
-              </a:rPr>
-              <a:t>)</a:t>
-            </a:r>
-          </a:p>
-          <a:p>
-            <a:pPr marL="0" indent="0">
+            <a:br>
+              <a:rPr kumimoji="0" lang="en-US" altLang="en-US" sz="1800" b="0" i="0" u="none" strike="noStrike" cap="none" normalizeH="0" baseline="0" dirty="0">
+                <a:ln>
+                  <a:noFill/>
+                </a:ln>
+                <a:solidFill>
+                  <a:schemeClr val="tx1"/>
+                </a:solidFill>
+                <a:effectLst/>
+                <a:latin typeface="Arial" panose="020B0604020202020204" pitchFamily="34" charset="0"/>
+              </a:rPr>
+            </a:br>
+            <a:r>
+              <a:rPr kumimoji="0" lang="en-US" altLang="en-US" sz="1800" b="0" i="0" u="none" strike="noStrike" cap="none" normalizeH="0" baseline="0" dirty="0">
+                <a:ln>
+                  <a:noFill/>
+                </a:ln>
+                <a:solidFill>
+                  <a:schemeClr val="tx1"/>
+                </a:solidFill>
+                <a:effectLst/>
+                <a:latin typeface="Arial" panose="020B0604020202020204" pitchFamily="34" charset="0"/>
+              </a:rPr>
+              <a:t>Singleton is a standard pattern in software engineering.</a:t>
+            </a:r>
+          </a:p>
+          <a:p>
+            <a:pPr marL="0" marR="0" lvl="0" indent="0" algn="l" defTabSz="914400" rtl="0" eaLnBrk="0" fontAlgn="base" latinLnBrk="0" hangingPunct="0">
+              <a:lnSpc>
+                <a:spcPct val="100000"/>
+              </a:lnSpc>
+              <a:spcBef>
+                <a:spcPct val="0"/>
+              </a:spcBef>
+              <a:spcAft>
+                <a:spcPct val="0"/>
+              </a:spcAft>
+              <a:buClrTx/>
+              <a:buSzTx/>
+              <a:buFontTx/>
               <a:buNone/>
+              <a:tabLst/>
             </a:pPr>
             <a:r>
-              <a:rPr lang="en-GB" sz="1900" dirty="0">
-                <a:latin typeface="Courier New" panose="02070309020205020404" pitchFamily="49" charset="0"/>
-                <a:cs typeface="Courier New" panose="02070309020205020404" pitchFamily="49" charset="0"/>
-              </a:rPr>
-              <a:t>…</a:t>
-            </a:r>
-          </a:p>
-          <a:p>
-            <a:pPr marL="0" indent="0">
+              <a:rPr kumimoji="0" lang="en-US" altLang="en-US" sz="1800" b="0" i="0" u="none" strike="noStrike" cap="none" normalizeH="0" baseline="0" dirty="0">
+                <a:ln>
+                  <a:noFill/>
+                </a:ln>
+                <a:solidFill>
+                  <a:schemeClr val="tx1"/>
+                </a:solidFill>
+                <a:effectLst/>
+                <a:latin typeface="Arial" panose="020B0604020202020204" pitchFamily="34" charset="0"/>
+              </a:rPr>
+              <a:t>Search "Singleton in </a:t>
+            </a:r>
+            <a:r>
+              <a:rPr kumimoji="0" lang="en-US" altLang="en-US" sz="1800" b="0" i="0" u="none" strike="noStrike" cap="none" normalizeH="0" baseline="0" dirty="0" err="1">
+                <a:ln>
+                  <a:noFill/>
+                </a:ln>
+                <a:solidFill>
+                  <a:schemeClr val="tx1"/>
+                </a:solidFill>
+                <a:effectLst/>
+                <a:latin typeface="Arial" panose="020B0604020202020204" pitchFamily="34" charset="0"/>
+              </a:rPr>
+              <a:t>Matlab</a:t>
+            </a:r>
+            <a:r>
+              <a:rPr kumimoji="0" lang="en-US" altLang="en-US" sz="1800" b="0" i="0" u="none" strike="noStrike" cap="none" normalizeH="0" baseline="0" dirty="0">
+                <a:ln>
+                  <a:noFill/>
+                </a:ln>
+                <a:solidFill>
+                  <a:schemeClr val="tx1"/>
+                </a:solidFill>
+                <a:effectLst/>
+                <a:latin typeface="Arial" panose="020B0604020202020204" pitchFamily="34" charset="0"/>
+              </a:rPr>
+              <a:t>" returns bunch of references, e.g.:</a:t>
+            </a:r>
+          </a:p>
+          <a:p>
+            <a:pPr marL="0" marR="0" lvl="0" indent="0" algn="l" defTabSz="914400" rtl="0" eaLnBrk="0" fontAlgn="base" latinLnBrk="0" hangingPunct="0">
+              <a:lnSpc>
+                <a:spcPct val="100000"/>
+              </a:lnSpc>
+              <a:spcBef>
+                <a:spcPct val="0"/>
+              </a:spcBef>
+              <a:spcAft>
+                <a:spcPct val="0"/>
+              </a:spcAft>
+              <a:buClrTx/>
+              <a:buSzTx/>
+              <a:buFontTx/>
+              <a:buChar char="•"/>
+              <a:tabLst/>
+            </a:pPr>
+            <a:r>
+              <a:rPr kumimoji="0" lang="en-US" altLang="en-US" sz="1800" b="0" i="0" u="none" strike="noStrike" cap="none" normalizeH="0" baseline="0" dirty="0">
+                <a:ln>
+                  <a:noFill/>
+                </a:ln>
+                <a:solidFill>
+                  <a:schemeClr val="tx1"/>
+                </a:solidFill>
+                <a:effectLst/>
+                <a:latin typeface="Arial" panose="020B0604020202020204" pitchFamily="34" charset="0"/>
+                <a:hlinkClick r:id="rId2"/>
+              </a:rPr>
+              <a:t>https://uk.mathworks.com/matlabcentral/fileexchange/24911-design-pattern-singleton-creational</a:t>
+            </a:r>
+            <a:r>
+              <a:rPr kumimoji="0" lang="en-US" altLang="en-US" sz="1800" b="0" i="0" u="none" strike="noStrike" cap="none" normalizeH="0" baseline="0" dirty="0">
+                <a:ln>
+                  <a:noFill/>
+                </a:ln>
+                <a:solidFill>
+                  <a:schemeClr val="tx1"/>
+                </a:solidFill>
+                <a:effectLst/>
+                <a:latin typeface="Arial" panose="020B0604020202020204" pitchFamily="34" charset="0"/>
+              </a:rPr>
+              <a:t> </a:t>
+            </a:r>
+          </a:p>
+          <a:p>
+            <a:pPr marL="0" marR="0" lvl="0" indent="0" algn="l" defTabSz="914400" rtl="0" eaLnBrk="0" fontAlgn="base" latinLnBrk="0" hangingPunct="0">
+              <a:lnSpc>
+                <a:spcPct val="100000"/>
+              </a:lnSpc>
+              <a:spcBef>
+                <a:spcPct val="0"/>
+              </a:spcBef>
+              <a:spcAft>
+                <a:spcPct val="0"/>
+              </a:spcAft>
+              <a:buClrTx/>
+              <a:buSzTx/>
+              <a:buFontTx/>
+              <a:buChar char="•"/>
+              <a:tabLst/>
+            </a:pPr>
+            <a:r>
+              <a:rPr kumimoji="0" lang="en-US" altLang="en-US" sz="1800" b="0" i="0" u="none" strike="noStrike" cap="none" normalizeH="0" baseline="0" dirty="0">
+                <a:ln>
+                  <a:noFill/>
+                </a:ln>
+                <a:solidFill>
+                  <a:schemeClr val="tx1"/>
+                </a:solidFill>
+                <a:effectLst/>
+                <a:latin typeface="Arial" panose="020B0604020202020204" pitchFamily="34" charset="0"/>
+                <a:hlinkClick r:id="rId3"/>
+              </a:rPr>
+              <a:t>https://medium.com/@bishikh90/design-patterns-in-matlab-part-1-b0dac5dc9eb7</a:t>
+            </a:r>
+            <a:r>
+              <a:rPr kumimoji="0" lang="en-US" altLang="en-US" sz="1800" b="0" i="0" u="none" strike="noStrike" cap="none" normalizeH="0" baseline="0" dirty="0">
+                <a:ln>
+                  <a:noFill/>
+                </a:ln>
+                <a:solidFill>
+                  <a:schemeClr val="tx1"/>
+                </a:solidFill>
+                <a:effectLst/>
+                <a:latin typeface="Arial" panose="020B0604020202020204" pitchFamily="34" charset="0"/>
+              </a:rPr>
+              <a:t> </a:t>
+            </a:r>
+          </a:p>
+          <a:p>
+            <a:pPr marL="0" marR="0" lvl="0" indent="0" algn="l" defTabSz="914400" rtl="0" eaLnBrk="0" fontAlgn="base" latinLnBrk="0" hangingPunct="0">
+              <a:lnSpc>
+                <a:spcPct val="100000"/>
+              </a:lnSpc>
+              <a:spcBef>
+                <a:spcPct val="0"/>
+              </a:spcBef>
+              <a:spcAft>
+                <a:spcPct val="0"/>
+              </a:spcAft>
+              <a:buClrTx/>
+              <a:buSzTx/>
+              <a:buFontTx/>
+              <a:buChar char="•"/>
+              <a:tabLst/>
+            </a:pPr>
+            <a:r>
+              <a:rPr kumimoji="0" lang="en-US" altLang="en-US" sz="1800" b="0" i="0" u="none" strike="noStrike" cap="none" normalizeH="0" baseline="0" dirty="0">
+                <a:ln>
+                  <a:noFill/>
+                </a:ln>
+                <a:solidFill>
+                  <a:schemeClr val="tx1"/>
+                </a:solidFill>
+                <a:effectLst/>
+                <a:latin typeface="Arial" panose="020B0604020202020204" pitchFamily="34" charset="0"/>
+                <a:hlinkClick r:id="rId4"/>
+              </a:rPr>
+              <a:t>https://www.geeksforgeeks.org/singleton-design-pattern/</a:t>
+            </a:r>
+            <a:r>
+              <a:rPr kumimoji="0" lang="en-US" altLang="en-US" sz="1800" b="0" i="0" u="none" strike="noStrike" cap="none" normalizeH="0" baseline="0" dirty="0">
+                <a:ln>
+                  <a:noFill/>
+                </a:ln>
+                <a:solidFill>
+                  <a:schemeClr val="tx1"/>
+                </a:solidFill>
+                <a:effectLst/>
+                <a:latin typeface="Arial" panose="020B0604020202020204" pitchFamily="34" charset="0"/>
+              </a:rPr>
+              <a:t> </a:t>
+            </a:r>
+          </a:p>
+          <a:p>
+            <a:pPr marL="0" marR="0" lvl="0" indent="0" algn="l" defTabSz="914400" rtl="0" eaLnBrk="0" fontAlgn="base" latinLnBrk="0" hangingPunct="0">
+              <a:lnSpc>
+                <a:spcPct val="100000"/>
+              </a:lnSpc>
+              <a:spcBef>
+                <a:spcPct val="0"/>
+              </a:spcBef>
+              <a:spcAft>
+                <a:spcPct val="0"/>
+              </a:spcAft>
+              <a:buClrTx/>
+              <a:buSzTx/>
+              <a:buFontTx/>
               <a:buNone/>
+              <a:tabLst/>
             </a:pPr>
             <a:r>
-              <a:rPr lang="en-GB" sz="1900" dirty="0">
-                <a:latin typeface="Courier New" panose="02070309020205020404" pitchFamily="49" charset="0"/>
-                <a:cs typeface="Courier New" panose="02070309020205020404" pitchFamily="49" charset="0"/>
-              </a:rPr>
-              <a:t>…</a:t>
-            </a:r>
-          </a:p>
-          <a:p>
-            <a:pPr marL="0" indent="0">
+              <a:rPr kumimoji="0" lang="en-US" altLang="en-US" sz="1800" b="0" i="0" u="none" strike="noStrike" cap="none" normalizeH="0" baseline="0" dirty="0">
+                <a:ln>
+                  <a:noFill/>
+                </a:ln>
+                <a:solidFill>
+                  <a:schemeClr val="tx1"/>
+                </a:solidFill>
+                <a:effectLst/>
+                <a:latin typeface="Arial" panose="020B0604020202020204" pitchFamily="34" charset="0"/>
+              </a:rPr>
+              <a:t>etc.</a:t>
+            </a:r>
+            <a:br>
+              <a:rPr kumimoji="0" lang="en-US" altLang="en-US" sz="1800" b="0" i="0" u="none" strike="noStrike" cap="none" normalizeH="0" baseline="0" dirty="0">
+                <a:ln>
+                  <a:noFill/>
+                </a:ln>
+                <a:solidFill>
+                  <a:schemeClr val="tx1"/>
+                </a:solidFill>
+                <a:effectLst/>
+                <a:latin typeface="Arial" panose="020B0604020202020204" pitchFamily="34" charset="0"/>
+              </a:rPr>
+            </a:br>
+            <a:r>
+              <a:rPr kumimoji="0" lang="en-US" altLang="en-US" sz="1800" b="0" i="0" u="none" strike="noStrike" cap="none" normalizeH="0" baseline="0" dirty="0">
+                <a:ln>
+                  <a:noFill/>
+                </a:ln>
+                <a:solidFill>
+                  <a:schemeClr val="tx1"/>
+                </a:solidFill>
+                <a:effectLst/>
+                <a:latin typeface="Arial" panose="020B0604020202020204" pitchFamily="34" charset="0"/>
+              </a:rPr>
+              <a:t>They are all refer to a bit different implementations which have the same main features:</a:t>
+            </a:r>
+          </a:p>
+          <a:p>
+            <a:pPr marL="0" marR="0" lvl="0" indent="0" algn="l" defTabSz="914400" rtl="0" eaLnBrk="0" fontAlgn="base" latinLnBrk="0" hangingPunct="0">
+              <a:lnSpc>
+                <a:spcPct val="100000"/>
+              </a:lnSpc>
+              <a:spcBef>
+                <a:spcPct val="0"/>
+              </a:spcBef>
+              <a:spcAft>
+                <a:spcPct val="0"/>
+              </a:spcAft>
+              <a:buClrTx/>
+              <a:buSzTx/>
+              <a:buFontTx/>
               <a:buNone/>
+              <a:tabLst/>
             </a:pPr>
-            <a:r>
-              <a:rPr lang="en-GB" sz="1900" dirty="0">
-                <a:latin typeface="Courier New" panose="02070309020205020404" pitchFamily="49" charset="0"/>
-                <a:cs typeface="Courier New" panose="02070309020205020404" pitchFamily="49" charset="0"/>
-              </a:rPr>
-              <a:t>…</a:t>
-            </a:r>
-          </a:p>
-          <a:p>
-            <a:pPr marL="0" indent="0">
-              <a:buNone/>
+            <a:endParaRPr kumimoji="0" lang="en-US" altLang="en-US" sz="1800" b="0" i="0" u="none" strike="noStrike" cap="none" normalizeH="0" baseline="0" dirty="0">
+              <a:ln>
+                <a:noFill/>
+              </a:ln>
+              <a:solidFill>
+                <a:schemeClr val="tx1"/>
+              </a:solidFill>
+              <a:effectLst/>
+              <a:latin typeface="Arial" panose="020B0604020202020204" pitchFamily="34" charset="0"/>
+            </a:endParaRPr>
+          </a:p>
+          <a:p>
+            <a:pPr marL="0" marR="0" lvl="0" indent="0" algn="l" defTabSz="914400" rtl="0" eaLnBrk="0" fontAlgn="base" latinLnBrk="0" hangingPunct="0">
+              <a:lnSpc>
+                <a:spcPct val="100000"/>
+              </a:lnSpc>
+              <a:spcBef>
+                <a:spcPct val="0"/>
+              </a:spcBef>
+              <a:spcAft>
+                <a:spcPct val="0"/>
+              </a:spcAft>
+              <a:buClrTx/>
+              <a:buSzTx/>
+              <a:buFontTx/>
+              <a:buChar char="•"/>
+              <a:tabLst/>
             </a:pPr>
             <a:r>
-              <a:rPr lang="en-GB" sz="1900" dirty="0" err="1">
-                <a:latin typeface="Courier New" panose="02070309020205020404" pitchFamily="49" charset="0"/>
-                <a:cs typeface="Courier New" panose="02070309020205020404" pitchFamily="49" charset="0"/>
-              </a:rPr>
-              <a:t>unique_obj_store.instance</a:t>
-            </a:r>
-            <a:r>
-              <a:rPr lang="en-GB" sz="1900" dirty="0">
-                <a:latin typeface="Courier New" panose="02070309020205020404" pitchFamily="49" charset="0"/>
-                <a:cs typeface="Courier New" panose="02070309020205020404" pitchFamily="49" charset="0"/>
-              </a:rPr>
-              <a:t>().</a:t>
-            </a:r>
-            <a:r>
-              <a:rPr lang="en-GB" sz="1900" b="1" dirty="0" err="1">
-                <a:latin typeface="Courier New" panose="02070309020205020404" pitchFamily="49" charset="0"/>
-                <a:cs typeface="Courier New" panose="02070309020205020404" pitchFamily="49" charset="0"/>
-              </a:rPr>
-              <a:t>set_objects</a:t>
-            </a:r>
-            <a:r>
-              <a:rPr lang="en-GB" sz="1900" dirty="0">
-                <a:latin typeface="Courier New" panose="02070309020205020404" pitchFamily="49" charset="0"/>
-                <a:cs typeface="Courier New" panose="02070309020205020404" pitchFamily="49" charset="0"/>
-              </a:rPr>
-              <a:t>(storage);</a:t>
-            </a:r>
-          </a:p>
-        </p:txBody>
-      </p:sp>
-      <p:sp>
-        <p:nvSpPr>
-          <p:cNvPr id="3" name="Rectangle 2">
-            <a:extLst>
-              <a:ext uri="{FF2B5EF4-FFF2-40B4-BE49-F238E27FC236}">
-                <a16:creationId xmlns:a16="http://schemas.microsoft.com/office/drawing/2014/main" id="{75ECFA10-50C7-5958-43CF-2021984F0DF9}"/>
-              </a:ext>
-            </a:extLst>
-          </p:cNvPr>
-          <p:cNvSpPr/>
-          <p:nvPr/>
-        </p:nvSpPr>
-        <p:spPr>
-          <a:xfrm>
-            <a:off x="7463736" y="2203967"/>
-            <a:ext cx="4344560" cy="812284"/>
-          </a:xfrm>
-          <a:prstGeom prst="rect">
-            <a:avLst/>
-          </a:prstGeom>
-          <a:solidFill>
-            <a:schemeClr val="bg1"/>
-          </a:solidFill>
-          <a:ln>
-            <a:solidFill>
-              <a:srgbClr val="0070C0"/>
-            </a:solidFill>
-          </a:ln>
-        </p:spPr>
-        <p:style>
-          <a:lnRef idx="2">
-            <a:schemeClr val="accent1">
-              <a:shade val="15000"/>
-            </a:schemeClr>
-          </a:lnRef>
-          <a:fillRef idx="1">
-            <a:schemeClr val="accent1"/>
-          </a:fillRef>
-          <a:effectRef idx="0">
-            <a:schemeClr val="accent1"/>
-          </a:effectRef>
-          <a:fontRef idx="minor">
-            <a:schemeClr val="lt1"/>
-          </a:fontRef>
-        </p:style>
-        <p:txBody>
-          <a:bodyPr rtlCol="0" anchor="ctr"/>
-          <a:lstStyle/>
-          <a:p>
-            <a:r>
-              <a:rPr lang="en-GB" dirty="0">
-                <a:solidFill>
-                  <a:schemeClr val="tx1"/>
-                </a:solidFill>
-              </a:rPr>
-              <a:t>Fields of the structure within static function in: </a:t>
-            </a:r>
-            <a:r>
-              <a:rPr lang="en-GB" dirty="0" err="1">
+              <a:rPr kumimoji="0" lang="en-US" altLang="en-US" b="0" i="0" u="none" strike="noStrike" cap="none" normalizeH="0" baseline="0" dirty="0">
+                <a:ln>
+                  <a:noFill/>
+                </a:ln>
                 <a:solidFill>
                   <a:schemeClr val="accent6">
                     <a:lumMod val="75000"/>
                   </a:schemeClr>
                 </a:solidFill>
+                <a:effectLst/>
                 <a:latin typeface="Courier New" panose="02070309020205020404" pitchFamily="49" charset="0"/>
                 <a:cs typeface="Courier New" panose="02070309020205020404" pitchFamily="49" charset="0"/>
               </a:rPr>
-              <a:t>unique_references_container</a:t>
-            </a:r>
-            <a:endParaRPr lang="en-GB" dirty="0">
-              <a:solidFill>
-                <a:schemeClr val="accent6">
-                  <a:lumMod val="75000"/>
-                </a:schemeClr>
-              </a:solidFill>
-              <a:latin typeface="Courier New" panose="02070309020205020404" pitchFamily="49" charset="0"/>
-              <a:cs typeface="Courier New" panose="02070309020205020404" pitchFamily="49" charset="0"/>
-            </a:endParaRPr>
-          </a:p>
-        </p:txBody>
-      </p:sp>
-      <p:cxnSp>
-        <p:nvCxnSpPr>
-          <p:cNvPr id="6" name="Connector: Elbow 5">
-            <a:extLst>
-              <a:ext uri="{FF2B5EF4-FFF2-40B4-BE49-F238E27FC236}">
-                <a16:creationId xmlns:a16="http://schemas.microsoft.com/office/drawing/2014/main" id="{FCB491E9-A27C-BD42-EDD9-874C8DD6AB09}"/>
-              </a:ext>
-            </a:extLst>
-          </p:cNvPr>
-          <p:cNvCxnSpPr>
-            <a:cxnSpLocks/>
-            <a:stCxn id="3" idx="1"/>
-          </p:cNvCxnSpPr>
-          <p:nvPr/>
-        </p:nvCxnSpPr>
-        <p:spPr>
-          <a:xfrm rot="10800000">
-            <a:off x="5959852" y="2055355"/>
-            <a:ext cx="1503884" cy="554754"/>
-          </a:xfrm>
-          <a:prstGeom prst="bentConnector3">
-            <a:avLst>
-              <a:gd name="adj1" fmla="val 100000"/>
-            </a:avLst>
-          </a:prstGeom>
-          <a:ln>
-            <a:tailEnd type="triangle"/>
-          </a:ln>
-        </p:spPr>
-        <p:style>
-          <a:lnRef idx="2">
-            <a:schemeClr val="accent1"/>
-          </a:lnRef>
-          <a:fillRef idx="0">
-            <a:schemeClr val="accent1"/>
-          </a:fillRef>
-          <a:effectRef idx="1">
-            <a:schemeClr val="accent1"/>
-          </a:effectRef>
-          <a:fontRef idx="minor">
-            <a:schemeClr val="tx1"/>
-          </a:fontRef>
-        </p:style>
-      </p:cxnSp>
-      <p:cxnSp>
-        <p:nvCxnSpPr>
-          <p:cNvPr id="12" name="Connector: Elbow 11">
-            <a:extLst>
-              <a:ext uri="{FF2B5EF4-FFF2-40B4-BE49-F238E27FC236}">
-                <a16:creationId xmlns:a16="http://schemas.microsoft.com/office/drawing/2014/main" id="{03168BEE-FE76-55C5-0FFC-254EF91A8AA1}"/>
-              </a:ext>
-            </a:extLst>
-          </p:cNvPr>
-          <p:cNvCxnSpPr>
-            <a:cxnSpLocks/>
-          </p:cNvCxnSpPr>
-          <p:nvPr/>
-        </p:nvCxnSpPr>
-        <p:spPr>
-          <a:xfrm rot="10800000" flipV="1">
-            <a:off x="4572000" y="2610108"/>
-            <a:ext cx="2891736" cy="613065"/>
-          </a:xfrm>
-          <a:prstGeom prst="bentConnector3">
-            <a:avLst>
-              <a:gd name="adj1" fmla="val 100080"/>
-            </a:avLst>
-          </a:prstGeom>
-          <a:ln>
-            <a:tailEnd type="triangle"/>
-          </a:ln>
-        </p:spPr>
-        <p:style>
-          <a:lnRef idx="2">
-            <a:schemeClr val="accent1"/>
-          </a:lnRef>
-          <a:fillRef idx="0">
-            <a:schemeClr val="accent1"/>
-          </a:fillRef>
-          <a:effectRef idx="1">
-            <a:schemeClr val="accent1"/>
-          </a:effectRef>
-          <a:fontRef idx="minor">
-            <a:schemeClr val="tx1"/>
-          </a:fontRef>
-        </p:style>
-      </p:cxnSp>
-      <p:sp>
-        <p:nvSpPr>
-          <p:cNvPr id="21" name="Rectangle 20">
-            <a:extLst>
-              <a:ext uri="{FF2B5EF4-FFF2-40B4-BE49-F238E27FC236}">
-                <a16:creationId xmlns:a16="http://schemas.microsoft.com/office/drawing/2014/main" id="{0F2144C7-FFBA-B1AB-E67D-9DC98DB6B118}"/>
-              </a:ext>
-            </a:extLst>
-          </p:cNvPr>
-          <p:cNvSpPr/>
-          <p:nvPr/>
-        </p:nvSpPr>
-        <p:spPr>
-          <a:xfrm>
-            <a:off x="7889991" y="4786522"/>
-            <a:ext cx="3987926" cy="812284"/>
-          </a:xfrm>
-          <a:prstGeom prst="rect">
-            <a:avLst/>
-          </a:prstGeom>
-          <a:solidFill>
-            <a:schemeClr val="bg1"/>
-          </a:solidFill>
-          <a:ln>
-            <a:solidFill>
-              <a:srgbClr val="0070C0"/>
-            </a:solidFill>
-          </a:ln>
-        </p:spPr>
-        <p:style>
-          <a:lnRef idx="2">
-            <a:schemeClr val="accent1">
-              <a:shade val="15000"/>
-            </a:schemeClr>
-          </a:lnRef>
-          <a:fillRef idx="1">
-            <a:schemeClr val="accent1"/>
-          </a:fillRef>
-          <a:effectRef idx="0">
-            <a:schemeClr val="accent1"/>
-          </a:effectRef>
-          <a:fontRef idx="minor">
-            <a:schemeClr val="lt1"/>
-          </a:fontRef>
-        </p:style>
-        <p:txBody>
-          <a:bodyPr rtlCol="0" anchor="ctr"/>
-          <a:lstStyle/>
-          <a:p>
-            <a:r>
-              <a:rPr lang="en-GB" dirty="0">
-                <a:solidFill>
-                  <a:schemeClr val="tx1"/>
-                </a:solidFill>
-              </a:rPr>
-              <a:t>Methods of standard singleton class:</a:t>
-            </a:r>
-          </a:p>
-          <a:p>
-            <a:r>
-              <a:rPr lang="en-GB" dirty="0" err="1">
+              <a:t>static protected storage </a:t>
+            </a:r>
+          </a:p>
+          <a:p>
+            <a:pPr marL="0" marR="0" lvl="0" indent="0" algn="l" defTabSz="914400" rtl="0" eaLnBrk="0" fontAlgn="base" latinLnBrk="0" hangingPunct="0">
+              <a:lnSpc>
+                <a:spcPct val="100000"/>
+              </a:lnSpc>
+              <a:spcBef>
+                <a:spcPct val="0"/>
+              </a:spcBef>
+              <a:spcAft>
+                <a:spcPct val="0"/>
+              </a:spcAft>
+              <a:buClrTx/>
+              <a:buSzTx/>
+              <a:buFontTx/>
+              <a:buChar char="•"/>
+              <a:tabLst/>
+            </a:pPr>
+            <a:r>
+              <a:rPr kumimoji="0" lang="en-US" altLang="en-US" sz="1800" b="0" i="0" u="none" strike="noStrike" cap="none" normalizeH="0" baseline="0" dirty="0">
+                <a:ln>
+                  <a:noFill/>
+                </a:ln>
                 <a:solidFill>
                   <a:schemeClr val="accent6">
                     <a:lumMod val="75000"/>
                   </a:schemeClr>
                 </a:solidFill>
+                <a:effectLst/>
                 <a:latin typeface="Courier New" panose="02070309020205020404" pitchFamily="49" charset="0"/>
                 <a:cs typeface="Courier New" panose="02070309020205020404" pitchFamily="49" charset="0"/>
               </a:rPr>
-              <a:t>unique_obj_store</a:t>
-            </a:r>
-            <a:endParaRPr lang="en-GB" dirty="0">
+              <a:t>private constructor </a:t>
+            </a:r>
+          </a:p>
+          <a:p>
+            <a:pPr marL="0" marR="0" lvl="0" indent="0" algn="l" defTabSz="914400" rtl="0" eaLnBrk="0" fontAlgn="base" latinLnBrk="0" hangingPunct="0">
+              <a:lnSpc>
+                <a:spcPct val="100000"/>
+              </a:lnSpc>
+              <a:spcBef>
+                <a:spcPct val="0"/>
+              </a:spcBef>
+              <a:spcAft>
+                <a:spcPct val="0"/>
+              </a:spcAft>
+              <a:buClrTx/>
+              <a:buSzTx/>
+              <a:buFontTx/>
+              <a:buChar char="•"/>
+              <a:tabLst/>
+            </a:pPr>
+            <a:r>
+              <a:rPr kumimoji="0" lang="en-US" altLang="en-US" sz="1800" b="0" i="0" u="none" strike="noStrike" cap="none" normalizeH="0" baseline="0" dirty="0">
+                <a:ln>
+                  <a:noFill/>
+                </a:ln>
+                <a:solidFill>
+                  <a:schemeClr val="accent6">
+                    <a:lumMod val="75000"/>
+                  </a:schemeClr>
+                </a:solidFill>
+                <a:effectLst/>
+                <a:latin typeface="Courier New" panose="02070309020205020404" pitchFamily="49" charset="0"/>
+                <a:cs typeface="Courier New" panose="02070309020205020404" pitchFamily="49" charset="0"/>
+              </a:rPr>
+              <a:t>static </a:t>
+            </a:r>
+            <a:r>
+              <a:rPr kumimoji="0" lang="en-US" altLang="en-US" b="0" i="0" u="none" strike="noStrike" cap="none" normalizeH="0" baseline="0" dirty="0">
+                <a:ln>
+                  <a:noFill/>
+                </a:ln>
+                <a:solidFill>
+                  <a:schemeClr val="accent6">
+                    <a:lumMod val="75000"/>
+                  </a:schemeClr>
+                </a:solidFill>
+                <a:effectLst/>
+                <a:latin typeface="Courier New" panose="02070309020205020404" pitchFamily="49" charset="0"/>
+                <a:cs typeface="Courier New" panose="02070309020205020404" pitchFamily="49" charset="0"/>
+              </a:rPr>
+              <a:t>instance method which provides access to internal storage </a:t>
+            </a:r>
+          </a:p>
+          <a:p>
+            <a:pPr marL="0" marR="0" lvl="0" indent="0" algn="l" defTabSz="914400" rtl="0" eaLnBrk="0" fontAlgn="base" latinLnBrk="0" hangingPunct="0">
+              <a:lnSpc>
+                <a:spcPct val="100000"/>
+              </a:lnSpc>
+              <a:spcBef>
+                <a:spcPct val="0"/>
+              </a:spcBef>
+              <a:spcAft>
+                <a:spcPct val="0"/>
+              </a:spcAft>
+              <a:buClrTx/>
+              <a:buSzTx/>
+              <a:tabLst/>
+            </a:pPr>
+            <a:r>
+              <a:rPr kumimoji="0" lang="en-US" altLang="en-US" b="0" i="0" u="none" strike="noStrike" cap="none" normalizeH="0" baseline="0" dirty="0">
+                <a:ln>
+                  <a:noFill/>
+                </a:ln>
+                <a:solidFill>
+                  <a:schemeClr val="accent6">
+                    <a:lumMod val="75000"/>
+                  </a:schemeClr>
+                </a:solidFill>
+                <a:effectLst/>
+                <a:latin typeface="Courier New" panose="02070309020205020404" pitchFamily="49" charset="0"/>
+                <a:cs typeface="Courier New" panose="02070309020205020404" pitchFamily="49" charset="0"/>
+              </a:rPr>
+              <a:t>and methods which interact with this storage.</a:t>
+            </a:r>
+            <a:r>
+              <a:rPr kumimoji="0" lang="en-US" altLang="en-US" b="0" i="0" u="none" strike="noStrike" cap="none" normalizeH="0" baseline="0" dirty="0">
+                <a:ln>
+                  <a:noFill/>
+                </a:ln>
+                <a:solidFill>
+                  <a:schemeClr val="accent6">
+                    <a:lumMod val="75000"/>
+                  </a:schemeClr>
+                </a:solidFill>
+                <a:effectLst/>
+                <a:latin typeface="+mj-lt"/>
+              </a:rPr>
+              <a:t> </a:t>
+            </a:r>
+          </a:p>
+          <a:p>
+            <a:pPr marL="0" marR="0" lvl="0" indent="0" algn="l" defTabSz="914400" rtl="0" eaLnBrk="0" fontAlgn="base" latinLnBrk="0" hangingPunct="0">
+              <a:lnSpc>
+                <a:spcPct val="100000"/>
+              </a:lnSpc>
+              <a:spcBef>
+                <a:spcPct val="0"/>
+              </a:spcBef>
+              <a:spcAft>
+                <a:spcPct val="0"/>
+              </a:spcAft>
+              <a:buClrTx/>
+              <a:buSzTx/>
+              <a:buFontTx/>
+              <a:buNone/>
+              <a:tabLst/>
+            </a:pPr>
+            <a:endParaRPr kumimoji="0" lang="en-US" altLang="en-US" sz="1800" b="0" i="0" u="none" strike="noStrike" cap="none" normalizeH="0" baseline="0" dirty="0">
+              <a:ln>
+                <a:noFill/>
+              </a:ln>
               <a:solidFill>
-                <a:schemeClr val="accent6">
-                  <a:lumMod val="75000"/>
-                </a:schemeClr>
+                <a:schemeClr val="tx1"/>
               </a:solidFill>
-              <a:latin typeface="Courier New" panose="02070309020205020404" pitchFamily="49" charset="0"/>
-              <a:cs typeface="Courier New" panose="02070309020205020404" pitchFamily="49" charset="0"/>
+              <a:effectLst/>
+              <a:latin typeface="Arial" panose="020B0604020202020204" pitchFamily="34" charset="0"/>
             </a:endParaRPr>
           </a:p>
         </p:txBody>
       </p:sp>
-      <p:cxnSp>
-        <p:nvCxnSpPr>
-          <p:cNvPr id="22" name="Connector: Elbow 21">
-            <a:extLst>
-              <a:ext uri="{FF2B5EF4-FFF2-40B4-BE49-F238E27FC236}">
-                <a16:creationId xmlns:a16="http://schemas.microsoft.com/office/drawing/2014/main" id="{A489B00F-1697-8088-825B-FCE8BC7356F1}"/>
-              </a:ext>
-            </a:extLst>
-          </p:cNvPr>
-          <p:cNvCxnSpPr>
-            <a:cxnSpLocks/>
-          </p:cNvCxnSpPr>
-          <p:nvPr/>
-        </p:nvCxnSpPr>
-        <p:spPr>
-          <a:xfrm rot="10800000">
-            <a:off x="6665373" y="4609133"/>
-            <a:ext cx="1224618" cy="607484"/>
-          </a:xfrm>
-          <a:prstGeom prst="bentConnector3">
-            <a:avLst>
-              <a:gd name="adj1" fmla="val 100410"/>
-            </a:avLst>
-          </a:prstGeom>
-          <a:ln>
-            <a:tailEnd type="triangle"/>
-          </a:ln>
-        </p:spPr>
-        <p:style>
-          <a:lnRef idx="2">
-            <a:schemeClr val="accent1"/>
-          </a:lnRef>
-          <a:fillRef idx="0">
-            <a:schemeClr val="accent1"/>
-          </a:fillRef>
-          <a:effectRef idx="1">
-            <a:schemeClr val="accent1"/>
-          </a:effectRef>
-          <a:fontRef idx="minor">
-            <a:schemeClr val="tx1"/>
-          </a:fontRef>
-        </p:style>
-      </p:cxnSp>
-      <p:cxnSp>
-        <p:nvCxnSpPr>
-          <p:cNvPr id="27" name="Connector: Elbow 26">
-            <a:extLst>
-              <a:ext uri="{FF2B5EF4-FFF2-40B4-BE49-F238E27FC236}">
-                <a16:creationId xmlns:a16="http://schemas.microsoft.com/office/drawing/2014/main" id="{57FDBDB3-49CD-403E-EBD3-8BEA2D4CF3C7}"/>
-              </a:ext>
-            </a:extLst>
-          </p:cNvPr>
-          <p:cNvCxnSpPr>
-            <a:cxnSpLocks/>
-          </p:cNvCxnSpPr>
-          <p:nvPr/>
-        </p:nvCxnSpPr>
-        <p:spPr>
-          <a:xfrm rot="10800000" flipV="1">
-            <a:off x="5245037" y="5216619"/>
-            <a:ext cx="2644955" cy="625654"/>
-          </a:xfrm>
-          <a:prstGeom prst="bentConnector3">
-            <a:avLst>
-              <a:gd name="adj1" fmla="val 100541"/>
-            </a:avLst>
-          </a:prstGeom>
-          <a:ln>
-            <a:tailEnd type="triangle"/>
-          </a:ln>
-        </p:spPr>
-        <p:style>
-          <a:lnRef idx="2">
-            <a:schemeClr val="accent1"/>
-          </a:lnRef>
-          <a:fillRef idx="0">
-            <a:schemeClr val="accent1"/>
-          </a:fillRef>
-          <a:effectRef idx="1">
-            <a:schemeClr val="accent1"/>
-          </a:effectRef>
-          <a:fontRef idx="minor">
-            <a:schemeClr val="tx1"/>
-          </a:fontRef>
-        </p:style>
-      </p:cxnSp>
     </p:spTree>
     <p:extLst>
       <p:ext uri="{BB962C8B-B14F-4D97-AF65-F5344CB8AC3E}">
-        <p14:creationId xmlns:p14="http://schemas.microsoft.com/office/powerpoint/2010/main" val="34684478"/>
+        <p14:creationId xmlns:p14="http://schemas.microsoft.com/office/powerpoint/2010/main" val="1117945640"/>
       </p:ext>
     </p:extLst>
   </p:cSld>
@@ -15983,6 +15900,829 @@
   <p:cSld>
     <p:spTree>
       <p:nvGrpSpPr>
+        <p:cNvPr id="1" name="">
+          <a:extLst>
+            <a:ext uri="{FF2B5EF4-FFF2-40B4-BE49-F238E27FC236}">
+              <a16:creationId xmlns:a16="http://schemas.microsoft.com/office/drawing/2014/main" id="{259DA183-24F6-6400-C510-5E43E0F65E4E}"/>
+            </a:ext>
+          </a:extLst>
+        </p:cNvPr>
+        <p:cNvGrpSpPr/>
+        <p:nvPr/>
+      </p:nvGrpSpPr>
+      <p:grpSpPr>
+        <a:xfrm>
+          <a:off x="0" y="0"/>
+          <a:ext cx="0" cy="0"/>
+          <a:chOff x="0" y="0"/>
+          <a:chExt cx="0" cy="0"/>
+        </a:xfrm>
+      </p:grpSpPr>
+      <p:sp>
+        <p:nvSpPr>
+          <p:cNvPr id="2" name="Title 1">
+            <a:extLst>
+              <a:ext uri="{FF2B5EF4-FFF2-40B4-BE49-F238E27FC236}">
+                <a16:creationId xmlns:a16="http://schemas.microsoft.com/office/drawing/2014/main" id="{D624607A-D87C-4FEB-75EB-39CCE5542C9E}"/>
+              </a:ext>
+            </a:extLst>
+          </p:cNvPr>
+          <p:cNvSpPr>
+            <a:spLocks noGrp="1"/>
+          </p:cNvSpPr>
+          <p:nvPr>
+            <p:ph type="title"/>
+          </p:nvPr>
+        </p:nvSpPr>
+        <p:spPr/>
+        <p:txBody>
+          <a:bodyPr>
+            <a:normAutofit/>
+          </a:bodyPr>
+          <a:lstStyle/>
+          <a:p>
+            <a:r>
+              <a:rPr lang="en-GB" sz="3600" dirty="0">
+                <a:solidFill>
+                  <a:schemeClr val="tx1"/>
+                </a:solidFill>
+              </a:rPr>
+              <a:t>Problem with unique references singleton </a:t>
+            </a:r>
+            <a:r>
+              <a:rPr lang="en-GB" sz="3600" dirty="0">
+                <a:solidFill>
+                  <a:srgbClr val="7030A0"/>
+                </a:solidFill>
+              </a:rPr>
+              <a:t>#1791 </a:t>
+            </a:r>
+            <a:br>
+              <a:rPr lang="en-GB" sz="3600" dirty="0">
+                <a:solidFill>
+                  <a:srgbClr val="7030A0"/>
+                </a:solidFill>
+              </a:rPr>
+            </a:br>
+            <a:r>
+              <a:rPr lang="en-GB" sz="2000" dirty="0"/>
+              <a:t>The storage and </a:t>
+            </a:r>
+            <a:r>
+              <a:rPr lang="en-GB" sz="2000" dirty="0" err="1">
+                <a:solidFill>
+                  <a:schemeClr val="accent6">
+                    <a:lumMod val="75000"/>
+                  </a:schemeClr>
+                </a:solidFill>
+                <a:latin typeface="Courier New" panose="02070309020205020404" pitchFamily="49" charset="0"/>
+                <a:cs typeface="Courier New" panose="02070309020205020404" pitchFamily="49" charset="0"/>
+              </a:rPr>
+              <a:t>unique_references_contanter</a:t>
+            </a:r>
+            <a:r>
+              <a:rPr lang="en-GB" sz="2000" dirty="0">
+                <a:solidFill>
+                  <a:schemeClr val="accent6">
+                    <a:lumMod val="75000"/>
+                  </a:schemeClr>
+                </a:solidFill>
+                <a:latin typeface="Courier New" panose="02070309020205020404" pitchFamily="49" charset="0"/>
+                <a:cs typeface="Courier New" panose="02070309020205020404" pitchFamily="49" charset="0"/>
+              </a:rPr>
+              <a:t> </a:t>
+            </a:r>
+            <a:r>
+              <a:rPr lang="en-GB" sz="2000" dirty="0"/>
+              <a:t>are mixed together, despite having different purposes.</a:t>
+            </a:r>
+            <a:endParaRPr lang="en-GB" sz="3600" dirty="0">
+              <a:solidFill>
+                <a:srgbClr val="7030A0"/>
+              </a:solidFill>
+            </a:endParaRPr>
+          </a:p>
+        </p:txBody>
+      </p:sp>
+      <p:sp>
+        <p:nvSpPr>
+          <p:cNvPr id="10" name="Content Placeholder 9">
+            <a:extLst>
+              <a:ext uri="{FF2B5EF4-FFF2-40B4-BE49-F238E27FC236}">
+                <a16:creationId xmlns:a16="http://schemas.microsoft.com/office/drawing/2014/main" id="{AE0D1BE9-ED49-5580-E5E6-99B240780392}"/>
+              </a:ext>
+            </a:extLst>
+          </p:cNvPr>
+          <p:cNvSpPr>
+            <a:spLocks noGrp="1"/>
+          </p:cNvSpPr>
+          <p:nvPr>
+            <p:ph sz="half" idx="1"/>
+          </p:nvPr>
+        </p:nvSpPr>
+        <p:spPr>
+          <a:xfrm>
+            <a:off x="907907" y="1690688"/>
+            <a:ext cx="9937779" cy="2176413"/>
+          </a:xfrm>
+          <a:ln w="25400">
+            <a:solidFill>
+              <a:srgbClr val="C00000"/>
+            </a:solidFill>
+          </a:ln>
+        </p:spPr>
+        <p:txBody>
+          <a:bodyPr>
+            <a:normAutofit/>
+          </a:bodyPr>
+          <a:lstStyle/>
+          <a:p>
+            <a:pPr marL="0" indent="0">
+              <a:buNone/>
+            </a:pPr>
+            <a:r>
+              <a:rPr lang="en-GB" sz="1900" b="0" i="0" dirty="0" err="1">
+                <a:effectLst/>
+                <a:latin typeface="Courier New" panose="02070309020205020404" pitchFamily="49" charset="0"/>
+                <a:cs typeface="Courier New" panose="02070309020205020404" pitchFamily="49" charset="0"/>
+              </a:rPr>
+              <a:t>glcont</a:t>
+            </a:r>
+            <a:r>
+              <a:rPr lang="en-GB" sz="1900" b="0" i="0" dirty="0">
+                <a:effectLst/>
+                <a:latin typeface="Courier New" panose="02070309020205020404" pitchFamily="49" charset="0"/>
+                <a:cs typeface="Courier New" panose="02070309020205020404" pitchFamily="49" charset="0"/>
+              </a:rPr>
+              <a:t> = </a:t>
+            </a:r>
+            <a:r>
+              <a:rPr lang="en-GB" sz="1900" b="0" i="0" dirty="0" err="1">
+                <a:effectLst/>
+                <a:latin typeface="Courier New" panose="02070309020205020404" pitchFamily="49" charset="0"/>
+                <a:cs typeface="Courier New" panose="02070309020205020404" pitchFamily="49" charset="0"/>
+              </a:rPr>
+              <a:t>self.global_container</a:t>
+            </a:r>
+            <a:r>
+              <a:rPr lang="en-GB" sz="1900" b="0" i="0" dirty="0">
+                <a:effectLst/>
+                <a:latin typeface="Courier New" panose="02070309020205020404" pitchFamily="49" charset="0"/>
+                <a:cs typeface="Courier New" panose="02070309020205020404" pitchFamily="49" charset="0"/>
+              </a:rPr>
+              <a:t>(</a:t>
+            </a:r>
+            <a:r>
+              <a:rPr lang="en-GB" sz="1900" b="0" i="0" dirty="0">
+                <a:solidFill>
+                  <a:srgbClr val="A709F5"/>
+                </a:solidFill>
+                <a:effectLst/>
+                <a:latin typeface="Courier New" panose="02070309020205020404" pitchFamily="49" charset="0"/>
+                <a:cs typeface="Courier New" panose="02070309020205020404" pitchFamily="49" charset="0"/>
+              </a:rPr>
+              <a:t>'value'</a:t>
+            </a:r>
+            <a:r>
+              <a:rPr lang="en-GB" sz="1900" b="0" i="0" dirty="0">
+                <a:effectLst/>
+                <a:latin typeface="Courier New" panose="02070309020205020404" pitchFamily="49" charset="0"/>
+                <a:cs typeface="Courier New" panose="02070309020205020404" pitchFamily="49" charset="0"/>
+              </a:rPr>
+              <a:t>, </a:t>
+            </a:r>
+            <a:r>
+              <a:rPr lang="en-GB" sz="1900" b="0" i="0" dirty="0" err="1">
+                <a:effectLst/>
+                <a:latin typeface="Courier New" panose="02070309020205020404" pitchFamily="49" charset="0"/>
+                <a:cs typeface="Courier New" panose="02070309020205020404" pitchFamily="49" charset="0"/>
+              </a:rPr>
+              <a:t>self.global_name</a:t>
+            </a:r>
+            <a:r>
+              <a:rPr lang="en-GB" sz="1900" b="0" i="0" dirty="0">
+                <a:effectLst/>
+                <a:latin typeface="Courier New" panose="02070309020205020404" pitchFamily="49" charset="0"/>
+                <a:cs typeface="Courier New" panose="02070309020205020404" pitchFamily="49" charset="0"/>
+              </a:rPr>
+              <a:t>_);</a:t>
+            </a:r>
+          </a:p>
+          <a:p>
+            <a:pPr marL="0" indent="0">
+              <a:buNone/>
+            </a:pPr>
+            <a:r>
+              <a:rPr lang="en-GB" sz="1900" dirty="0">
+                <a:latin typeface="Courier New" panose="02070309020205020404" pitchFamily="49" charset="0"/>
+                <a:cs typeface="Courier New" panose="02070309020205020404" pitchFamily="49" charset="0"/>
+              </a:rPr>
+              <a:t>…</a:t>
+            </a:r>
+          </a:p>
+          <a:p>
+            <a:pPr marL="0" indent="0">
+              <a:buNone/>
+            </a:pPr>
+            <a:r>
+              <a:rPr lang="en-GB" sz="1900" b="0" i="0" dirty="0">
+                <a:effectLst/>
+                <a:latin typeface="Courier New" panose="02070309020205020404" pitchFamily="49" charset="0"/>
+                <a:cs typeface="Courier New" panose="02070309020205020404" pitchFamily="49" charset="0"/>
+              </a:rPr>
+              <a:t>…</a:t>
+            </a:r>
+          </a:p>
+          <a:p>
+            <a:pPr marL="0" indent="0">
+              <a:buNone/>
+            </a:pPr>
+            <a:r>
+              <a:rPr lang="en-GB" sz="1900" dirty="0">
+                <a:latin typeface="Courier New" panose="02070309020205020404" pitchFamily="49" charset="0"/>
+                <a:cs typeface="Courier New" panose="02070309020205020404" pitchFamily="49" charset="0"/>
+              </a:rPr>
+              <a:t>…</a:t>
+            </a:r>
+            <a:endParaRPr lang="en-GB" sz="1900" b="0" i="0" dirty="0">
+              <a:effectLst/>
+              <a:latin typeface="Courier New" panose="02070309020205020404" pitchFamily="49" charset="0"/>
+              <a:cs typeface="Courier New" panose="02070309020205020404" pitchFamily="49" charset="0"/>
+            </a:endParaRPr>
+          </a:p>
+          <a:p>
+            <a:pPr marL="0" indent="0">
+              <a:buNone/>
+            </a:pPr>
+            <a:r>
+              <a:rPr lang="en-GB" sz="1900" b="0" i="0" dirty="0" err="1">
+                <a:effectLst/>
+                <a:latin typeface="Courier New" panose="02070309020205020404" pitchFamily="49" charset="0"/>
+                <a:cs typeface="Courier New" panose="02070309020205020404" pitchFamily="49" charset="0"/>
+              </a:rPr>
+              <a:t>self.global_container</a:t>
+            </a:r>
+            <a:r>
+              <a:rPr lang="en-GB" sz="1900" b="0" i="0" dirty="0">
+                <a:effectLst/>
+                <a:latin typeface="Courier New" panose="02070309020205020404" pitchFamily="49" charset="0"/>
+                <a:cs typeface="Courier New" panose="02070309020205020404" pitchFamily="49" charset="0"/>
+              </a:rPr>
+              <a:t>(</a:t>
+            </a:r>
+            <a:r>
+              <a:rPr lang="en-GB" sz="1900" b="0" i="0" dirty="0">
+                <a:solidFill>
+                  <a:srgbClr val="A709F5"/>
+                </a:solidFill>
+                <a:effectLst/>
+                <a:latin typeface="Courier New" panose="02070309020205020404" pitchFamily="49" charset="0"/>
+                <a:cs typeface="Courier New" panose="02070309020205020404" pitchFamily="49" charset="0"/>
+              </a:rPr>
+              <a:t>'reset'</a:t>
+            </a:r>
+            <a:r>
+              <a:rPr lang="en-GB" sz="1900" b="0" i="0" dirty="0">
+                <a:effectLst/>
+                <a:latin typeface="Courier New" panose="02070309020205020404" pitchFamily="49" charset="0"/>
+                <a:cs typeface="Courier New" panose="02070309020205020404" pitchFamily="49" charset="0"/>
+              </a:rPr>
+              <a:t>,self.global_name_,</a:t>
+            </a:r>
+            <a:r>
+              <a:rPr lang="en-GB" sz="1900" b="0" i="0" dirty="0" err="1">
+                <a:effectLst/>
+                <a:latin typeface="Courier New" panose="02070309020205020404" pitchFamily="49" charset="0"/>
+                <a:cs typeface="Courier New" panose="02070309020205020404" pitchFamily="49" charset="0"/>
+              </a:rPr>
+              <a:t>glcont</a:t>
+            </a:r>
+            <a:r>
+              <a:rPr lang="en-GB" sz="1900" b="0" i="0" dirty="0">
+                <a:effectLst/>
+                <a:latin typeface="Courier New" panose="02070309020205020404" pitchFamily="49" charset="0"/>
+                <a:cs typeface="Courier New" panose="02070309020205020404" pitchFamily="49" charset="0"/>
+              </a:rPr>
+              <a:t>);</a:t>
+            </a:r>
+          </a:p>
+          <a:p>
+            <a:endParaRPr lang="en-GB" dirty="0"/>
+          </a:p>
+        </p:txBody>
+      </p:sp>
+      <p:sp>
+        <p:nvSpPr>
+          <p:cNvPr id="11" name="Content Placeholder 10">
+            <a:extLst>
+              <a:ext uri="{FF2B5EF4-FFF2-40B4-BE49-F238E27FC236}">
+                <a16:creationId xmlns:a16="http://schemas.microsoft.com/office/drawing/2014/main" id="{F2D48621-C553-D567-F028-D42AF4A8D0B2}"/>
+              </a:ext>
+            </a:extLst>
+          </p:cNvPr>
+          <p:cNvSpPr>
+            <a:spLocks noGrp="1"/>
+          </p:cNvSpPr>
+          <p:nvPr>
+            <p:ph sz="half" idx="2"/>
+          </p:nvPr>
+        </p:nvSpPr>
+        <p:spPr>
+          <a:xfrm>
+            <a:off x="907906" y="4231766"/>
+            <a:ext cx="9937779" cy="2401116"/>
+          </a:xfrm>
+          <a:ln w="25400">
+            <a:solidFill>
+              <a:srgbClr val="00B050"/>
+            </a:solidFill>
+          </a:ln>
+        </p:spPr>
+        <p:txBody>
+          <a:bodyPr>
+            <a:normAutofit/>
+          </a:bodyPr>
+          <a:lstStyle/>
+          <a:p>
+            <a:pPr marL="0" indent="0">
+              <a:buNone/>
+            </a:pPr>
+            <a:r>
+              <a:rPr lang="en-GB" sz="1900" dirty="0">
+                <a:latin typeface="Courier New" panose="02070309020205020404" pitchFamily="49" charset="0"/>
+                <a:cs typeface="Courier New" panose="02070309020205020404" pitchFamily="49" charset="0"/>
+              </a:rPr>
+              <a:t>storage = </a:t>
+            </a:r>
+            <a:r>
+              <a:rPr lang="en-GB" sz="1900" dirty="0" err="1">
+                <a:latin typeface="Courier New" panose="02070309020205020404" pitchFamily="49" charset="0"/>
+                <a:cs typeface="Courier New" panose="02070309020205020404" pitchFamily="49" charset="0"/>
+              </a:rPr>
+              <a:t>unique_obj_store.instance</a:t>
+            </a:r>
+            <a:r>
+              <a:rPr lang="en-GB" sz="1900" dirty="0">
+                <a:latin typeface="Courier New" panose="02070309020205020404" pitchFamily="49" charset="0"/>
+                <a:cs typeface="Courier New" panose="02070309020205020404" pitchFamily="49" charset="0"/>
+              </a:rPr>
+              <a:t>().</a:t>
+            </a:r>
+            <a:r>
+              <a:rPr lang="en-GB" sz="1900" b="1" dirty="0" err="1">
+                <a:latin typeface="Courier New" panose="02070309020205020404" pitchFamily="49" charset="0"/>
+                <a:cs typeface="Courier New" panose="02070309020205020404" pitchFamily="49" charset="0"/>
+              </a:rPr>
+              <a:t>get_objects</a:t>
+            </a:r>
+            <a:r>
+              <a:rPr lang="en-GB" sz="1900" dirty="0">
+                <a:latin typeface="Courier New" panose="02070309020205020404" pitchFamily="49" charset="0"/>
+                <a:cs typeface="Courier New" panose="02070309020205020404" pitchFamily="49" charset="0"/>
+              </a:rPr>
+              <a:t>(</a:t>
+            </a:r>
+            <a:r>
+              <a:rPr lang="en-GB" sz="1900" dirty="0" err="1">
+                <a:latin typeface="Courier New" panose="02070309020205020404" pitchFamily="49" charset="0"/>
+                <a:cs typeface="Courier New" panose="02070309020205020404" pitchFamily="49" charset="0"/>
+              </a:rPr>
+              <a:t>self.basename</a:t>
+            </a:r>
+            <a:r>
+              <a:rPr lang="en-GB" sz="1900" dirty="0">
+                <a:latin typeface="Courier New" panose="02070309020205020404" pitchFamily="49" charset="0"/>
+                <a:cs typeface="Courier New" panose="02070309020205020404" pitchFamily="49" charset="0"/>
+              </a:rPr>
+              <a:t>)</a:t>
+            </a:r>
+          </a:p>
+          <a:p>
+            <a:pPr marL="0" indent="0">
+              <a:buNone/>
+            </a:pPr>
+            <a:r>
+              <a:rPr lang="en-GB" sz="1900" dirty="0">
+                <a:latin typeface="Courier New" panose="02070309020205020404" pitchFamily="49" charset="0"/>
+                <a:cs typeface="Courier New" panose="02070309020205020404" pitchFamily="49" charset="0"/>
+              </a:rPr>
+              <a:t>…</a:t>
+            </a:r>
+          </a:p>
+          <a:p>
+            <a:pPr marL="0" indent="0">
+              <a:buNone/>
+            </a:pPr>
+            <a:r>
+              <a:rPr lang="en-GB" sz="1900" dirty="0">
+                <a:latin typeface="Courier New" panose="02070309020205020404" pitchFamily="49" charset="0"/>
+                <a:cs typeface="Courier New" panose="02070309020205020404" pitchFamily="49" charset="0"/>
+              </a:rPr>
+              <a:t>…</a:t>
+            </a:r>
+          </a:p>
+          <a:p>
+            <a:pPr marL="0" indent="0">
+              <a:buNone/>
+            </a:pPr>
+            <a:r>
+              <a:rPr lang="en-GB" sz="1900" dirty="0">
+                <a:latin typeface="Courier New" panose="02070309020205020404" pitchFamily="49" charset="0"/>
+                <a:cs typeface="Courier New" panose="02070309020205020404" pitchFamily="49" charset="0"/>
+              </a:rPr>
+              <a:t>…</a:t>
+            </a:r>
+          </a:p>
+          <a:p>
+            <a:pPr marL="0" indent="0">
+              <a:buNone/>
+            </a:pPr>
+            <a:r>
+              <a:rPr lang="en-GB" sz="1900" dirty="0" err="1">
+                <a:latin typeface="Courier New" panose="02070309020205020404" pitchFamily="49" charset="0"/>
+                <a:cs typeface="Courier New" panose="02070309020205020404" pitchFamily="49" charset="0"/>
+              </a:rPr>
+              <a:t>unique_obj_store.instance</a:t>
+            </a:r>
+            <a:r>
+              <a:rPr lang="en-GB" sz="1900" dirty="0">
+                <a:latin typeface="Courier New" panose="02070309020205020404" pitchFamily="49" charset="0"/>
+                <a:cs typeface="Courier New" panose="02070309020205020404" pitchFamily="49" charset="0"/>
+              </a:rPr>
+              <a:t>().</a:t>
+            </a:r>
+            <a:r>
+              <a:rPr lang="en-GB" sz="1900" b="1" dirty="0" err="1">
+                <a:latin typeface="Courier New" panose="02070309020205020404" pitchFamily="49" charset="0"/>
+                <a:cs typeface="Courier New" panose="02070309020205020404" pitchFamily="49" charset="0"/>
+              </a:rPr>
+              <a:t>set_objects</a:t>
+            </a:r>
+            <a:r>
+              <a:rPr lang="en-GB" sz="1900" dirty="0">
+                <a:latin typeface="Courier New" panose="02070309020205020404" pitchFamily="49" charset="0"/>
+                <a:cs typeface="Courier New" panose="02070309020205020404" pitchFamily="49" charset="0"/>
+              </a:rPr>
+              <a:t>(storage);</a:t>
+            </a:r>
+          </a:p>
+        </p:txBody>
+      </p:sp>
+      <p:sp>
+        <p:nvSpPr>
+          <p:cNvPr id="3" name="Rectangle 2">
+            <a:extLst>
+              <a:ext uri="{FF2B5EF4-FFF2-40B4-BE49-F238E27FC236}">
+                <a16:creationId xmlns:a16="http://schemas.microsoft.com/office/drawing/2014/main" id="{75ECFA10-50C7-5958-43CF-2021984F0DF9}"/>
+              </a:ext>
+            </a:extLst>
+          </p:cNvPr>
+          <p:cNvSpPr/>
+          <p:nvPr/>
+        </p:nvSpPr>
+        <p:spPr>
+          <a:xfrm>
+            <a:off x="7463736" y="2203967"/>
+            <a:ext cx="4344560" cy="812284"/>
+          </a:xfrm>
+          <a:prstGeom prst="rect">
+            <a:avLst/>
+          </a:prstGeom>
+          <a:solidFill>
+            <a:schemeClr val="bg1"/>
+          </a:solidFill>
+          <a:ln>
+            <a:solidFill>
+              <a:srgbClr val="0070C0"/>
+            </a:solidFill>
+          </a:ln>
+        </p:spPr>
+        <p:style>
+          <a:lnRef idx="2">
+            <a:schemeClr val="accent1">
+              <a:shade val="15000"/>
+            </a:schemeClr>
+          </a:lnRef>
+          <a:fillRef idx="1">
+            <a:schemeClr val="accent1"/>
+          </a:fillRef>
+          <a:effectRef idx="0">
+            <a:schemeClr val="accent1"/>
+          </a:effectRef>
+          <a:fontRef idx="minor">
+            <a:schemeClr val="lt1"/>
+          </a:fontRef>
+        </p:style>
+        <p:txBody>
+          <a:bodyPr rtlCol="0" anchor="ctr"/>
+          <a:lstStyle/>
+          <a:p>
+            <a:r>
+              <a:rPr lang="en-GB" dirty="0">
+                <a:solidFill>
+                  <a:schemeClr val="tx1"/>
+                </a:solidFill>
+              </a:rPr>
+              <a:t>Fields of the structure within static function in: </a:t>
+            </a:r>
+            <a:r>
+              <a:rPr lang="en-GB" dirty="0" err="1">
+                <a:solidFill>
+                  <a:schemeClr val="accent6">
+                    <a:lumMod val="75000"/>
+                  </a:schemeClr>
+                </a:solidFill>
+                <a:latin typeface="Courier New" panose="02070309020205020404" pitchFamily="49" charset="0"/>
+                <a:cs typeface="Courier New" panose="02070309020205020404" pitchFamily="49" charset="0"/>
+              </a:rPr>
+              <a:t>unique_references_container</a:t>
+            </a:r>
+            <a:endParaRPr lang="en-GB" dirty="0">
+              <a:solidFill>
+                <a:schemeClr val="accent6">
+                  <a:lumMod val="75000"/>
+                </a:schemeClr>
+              </a:solidFill>
+              <a:latin typeface="Courier New" panose="02070309020205020404" pitchFamily="49" charset="0"/>
+              <a:cs typeface="Courier New" panose="02070309020205020404" pitchFamily="49" charset="0"/>
+            </a:endParaRPr>
+          </a:p>
+        </p:txBody>
+      </p:sp>
+      <p:cxnSp>
+        <p:nvCxnSpPr>
+          <p:cNvPr id="6" name="Connector: Elbow 5">
+            <a:extLst>
+              <a:ext uri="{FF2B5EF4-FFF2-40B4-BE49-F238E27FC236}">
+                <a16:creationId xmlns:a16="http://schemas.microsoft.com/office/drawing/2014/main" id="{FCB491E9-A27C-BD42-EDD9-874C8DD6AB09}"/>
+              </a:ext>
+            </a:extLst>
+          </p:cNvPr>
+          <p:cNvCxnSpPr>
+            <a:cxnSpLocks/>
+            <a:stCxn id="3" idx="1"/>
+          </p:cNvCxnSpPr>
+          <p:nvPr/>
+        </p:nvCxnSpPr>
+        <p:spPr>
+          <a:xfrm rot="10800000">
+            <a:off x="5959852" y="2055355"/>
+            <a:ext cx="1503884" cy="554754"/>
+          </a:xfrm>
+          <a:prstGeom prst="bentConnector3">
+            <a:avLst>
+              <a:gd name="adj1" fmla="val 100000"/>
+            </a:avLst>
+          </a:prstGeom>
+          <a:ln>
+            <a:tailEnd type="triangle"/>
+          </a:ln>
+        </p:spPr>
+        <p:style>
+          <a:lnRef idx="2">
+            <a:schemeClr val="accent1"/>
+          </a:lnRef>
+          <a:fillRef idx="0">
+            <a:schemeClr val="accent1"/>
+          </a:fillRef>
+          <a:effectRef idx="1">
+            <a:schemeClr val="accent1"/>
+          </a:effectRef>
+          <a:fontRef idx="minor">
+            <a:schemeClr val="tx1"/>
+          </a:fontRef>
+        </p:style>
+      </p:cxnSp>
+      <p:cxnSp>
+        <p:nvCxnSpPr>
+          <p:cNvPr id="12" name="Connector: Elbow 11">
+            <a:extLst>
+              <a:ext uri="{FF2B5EF4-FFF2-40B4-BE49-F238E27FC236}">
+                <a16:creationId xmlns:a16="http://schemas.microsoft.com/office/drawing/2014/main" id="{03168BEE-FE76-55C5-0FFC-254EF91A8AA1}"/>
+              </a:ext>
+            </a:extLst>
+          </p:cNvPr>
+          <p:cNvCxnSpPr>
+            <a:cxnSpLocks/>
+          </p:cNvCxnSpPr>
+          <p:nvPr/>
+        </p:nvCxnSpPr>
+        <p:spPr>
+          <a:xfrm rot="10800000" flipV="1">
+            <a:off x="4572000" y="2610108"/>
+            <a:ext cx="2891736" cy="613065"/>
+          </a:xfrm>
+          <a:prstGeom prst="bentConnector3">
+            <a:avLst>
+              <a:gd name="adj1" fmla="val 100080"/>
+            </a:avLst>
+          </a:prstGeom>
+          <a:ln>
+            <a:tailEnd type="triangle"/>
+          </a:ln>
+        </p:spPr>
+        <p:style>
+          <a:lnRef idx="2">
+            <a:schemeClr val="accent1"/>
+          </a:lnRef>
+          <a:fillRef idx="0">
+            <a:schemeClr val="accent1"/>
+          </a:fillRef>
+          <a:effectRef idx="1">
+            <a:schemeClr val="accent1"/>
+          </a:effectRef>
+          <a:fontRef idx="minor">
+            <a:schemeClr val="tx1"/>
+          </a:fontRef>
+        </p:style>
+      </p:cxnSp>
+      <p:sp>
+        <p:nvSpPr>
+          <p:cNvPr id="21" name="Rectangle 20">
+            <a:extLst>
+              <a:ext uri="{FF2B5EF4-FFF2-40B4-BE49-F238E27FC236}">
+                <a16:creationId xmlns:a16="http://schemas.microsoft.com/office/drawing/2014/main" id="{0F2144C7-FFBA-B1AB-E67D-9DC98DB6B118}"/>
+              </a:ext>
+            </a:extLst>
+          </p:cNvPr>
+          <p:cNvSpPr/>
+          <p:nvPr/>
+        </p:nvSpPr>
+        <p:spPr>
+          <a:xfrm>
+            <a:off x="7889991" y="4786522"/>
+            <a:ext cx="3987926" cy="812284"/>
+          </a:xfrm>
+          <a:prstGeom prst="rect">
+            <a:avLst/>
+          </a:prstGeom>
+          <a:solidFill>
+            <a:schemeClr val="bg1"/>
+          </a:solidFill>
+          <a:ln>
+            <a:solidFill>
+              <a:srgbClr val="0070C0"/>
+            </a:solidFill>
+          </a:ln>
+        </p:spPr>
+        <p:style>
+          <a:lnRef idx="2">
+            <a:schemeClr val="accent1">
+              <a:shade val="15000"/>
+            </a:schemeClr>
+          </a:lnRef>
+          <a:fillRef idx="1">
+            <a:schemeClr val="accent1"/>
+          </a:fillRef>
+          <a:effectRef idx="0">
+            <a:schemeClr val="accent1"/>
+          </a:effectRef>
+          <a:fontRef idx="minor">
+            <a:schemeClr val="lt1"/>
+          </a:fontRef>
+        </p:style>
+        <p:txBody>
+          <a:bodyPr rtlCol="0" anchor="ctr"/>
+          <a:lstStyle/>
+          <a:p>
+            <a:r>
+              <a:rPr lang="en-GB" dirty="0">
+                <a:solidFill>
+                  <a:schemeClr val="tx1"/>
+                </a:solidFill>
+              </a:rPr>
+              <a:t>Methods of standard singleton class:</a:t>
+            </a:r>
+          </a:p>
+          <a:p>
+            <a:r>
+              <a:rPr lang="en-GB" dirty="0" err="1">
+                <a:solidFill>
+                  <a:schemeClr val="accent6">
+                    <a:lumMod val="75000"/>
+                  </a:schemeClr>
+                </a:solidFill>
+                <a:latin typeface="Courier New" panose="02070309020205020404" pitchFamily="49" charset="0"/>
+                <a:cs typeface="Courier New" panose="02070309020205020404" pitchFamily="49" charset="0"/>
+              </a:rPr>
+              <a:t>unique_obj_store</a:t>
+            </a:r>
+            <a:endParaRPr lang="en-GB" dirty="0">
+              <a:solidFill>
+                <a:schemeClr val="accent6">
+                  <a:lumMod val="75000"/>
+                </a:schemeClr>
+              </a:solidFill>
+              <a:latin typeface="Courier New" panose="02070309020205020404" pitchFamily="49" charset="0"/>
+              <a:cs typeface="Courier New" panose="02070309020205020404" pitchFamily="49" charset="0"/>
+            </a:endParaRPr>
+          </a:p>
+        </p:txBody>
+      </p:sp>
+      <p:cxnSp>
+        <p:nvCxnSpPr>
+          <p:cNvPr id="22" name="Connector: Elbow 21">
+            <a:extLst>
+              <a:ext uri="{FF2B5EF4-FFF2-40B4-BE49-F238E27FC236}">
+                <a16:creationId xmlns:a16="http://schemas.microsoft.com/office/drawing/2014/main" id="{A489B00F-1697-8088-825B-FCE8BC7356F1}"/>
+              </a:ext>
+            </a:extLst>
+          </p:cNvPr>
+          <p:cNvCxnSpPr>
+            <a:cxnSpLocks/>
+          </p:cNvCxnSpPr>
+          <p:nvPr/>
+        </p:nvCxnSpPr>
+        <p:spPr>
+          <a:xfrm rot="10800000">
+            <a:off x="6665373" y="4609133"/>
+            <a:ext cx="1224618" cy="607484"/>
+          </a:xfrm>
+          <a:prstGeom prst="bentConnector3">
+            <a:avLst>
+              <a:gd name="adj1" fmla="val 100410"/>
+            </a:avLst>
+          </a:prstGeom>
+          <a:ln>
+            <a:tailEnd type="triangle"/>
+          </a:ln>
+        </p:spPr>
+        <p:style>
+          <a:lnRef idx="2">
+            <a:schemeClr val="accent1"/>
+          </a:lnRef>
+          <a:fillRef idx="0">
+            <a:schemeClr val="accent1"/>
+          </a:fillRef>
+          <a:effectRef idx="1">
+            <a:schemeClr val="accent1"/>
+          </a:effectRef>
+          <a:fontRef idx="minor">
+            <a:schemeClr val="tx1"/>
+          </a:fontRef>
+        </p:style>
+      </p:cxnSp>
+      <p:cxnSp>
+        <p:nvCxnSpPr>
+          <p:cNvPr id="27" name="Connector: Elbow 26">
+            <a:extLst>
+              <a:ext uri="{FF2B5EF4-FFF2-40B4-BE49-F238E27FC236}">
+                <a16:creationId xmlns:a16="http://schemas.microsoft.com/office/drawing/2014/main" id="{57FDBDB3-49CD-403E-EBD3-8BEA2D4CF3C7}"/>
+              </a:ext>
+            </a:extLst>
+          </p:cNvPr>
+          <p:cNvCxnSpPr>
+            <a:cxnSpLocks/>
+          </p:cNvCxnSpPr>
+          <p:nvPr/>
+        </p:nvCxnSpPr>
+        <p:spPr>
+          <a:xfrm rot="10800000" flipV="1">
+            <a:off x="5245037" y="5216619"/>
+            <a:ext cx="2644955" cy="625654"/>
+          </a:xfrm>
+          <a:prstGeom prst="bentConnector3">
+            <a:avLst>
+              <a:gd name="adj1" fmla="val 100541"/>
+            </a:avLst>
+          </a:prstGeom>
+          <a:ln>
+            <a:tailEnd type="triangle"/>
+          </a:ln>
+        </p:spPr>
+        <p:style>
+          <a:lnRef idx="2">
+            <a:schemeClr val="accent1"/>
+          </a:lnRef>
+          <a:fillRef idx="0">
+            <a:schemeClr val="accent1"/>
+          </a:fillRef>
+          <a:effectRef idx="1">
+            <a:schemeClr val="accent1"/>
+          </a:effectRef>
+          <a:fontRef idx="minor">
+            <a:schemeClr val="tx1"/>
+          </a:fontRef>
+        </p:style>
+      </p:cxnSp>
+    </p:spTree>
+    <p:extLst>
+      <p:ext uri="{BB962C8B-B14F-4D97-AF65-F5344CB8AC3E}">
+        <p14:creationId xmlns:p14="http://schemas.microsoft.com/office/powerpoint/2010/main" val="34684478"/>
+      </p:ext>
+    </p:extLst>
+  </p:cSld>
+  <p:clrMapOvr>
+    <a:masterClrMapping/>
+  </p:clrMapOvr>
+</p:sld>
+</file>
+
+<file path=ppt/slides/slide21.xml><?xml version="1.0" encoding="utf-8"?>
+<p:sld xmlns:a="http://schemas.openxmlformats.org/drawingml/2006/main" xmlns:r="http://schemas.openxmlformats.org/officeDocument/2006/relationships" xmlns:p="http://schemas.openxmlformats.org/presentationml/2006/main">
+  <p:cSld>
+    <p:spTree>
+      <p:nvGrpSpPr>
         <p:cNvPr id="1" name=""/>
         <p:cNvGrpSpPr/>
         <p:nvPr/>
@@ -16444,7 +17184,7 @@
 </p:sld>
 </file>
 
-<file path=ppt/slides/slide21.xml><?xml version="1.0" encoding="utf-8"?>
+<file path=ppt/slides/slide22.xml><?xml version="1.0" encoding="utf-8"?>
 <p:sld xmlns:a="http://schemas.openxmlformats.org/drawingml/2006/main" xmlns:r="http://schemas.openxmlformats.org/officeDocument/2006/relationships" xmlns:p="http://schemas.openxmlformats.org/presentationml/2006/main">
   <p:cSld>
     <p:spTree>
@@ -22353,7 +23093,7 @@
 </p:sld>
 </file>
 
-<file path=ppt/slides/slide22.xml><?xml version="1.0" encoding="utf-8"?>
+<file path=ppt/slides/slide23.xml><?xml version="1.0" encoding="utf-8"?>
 <p:sld xmlns:a="http://schemas.openxmlformats.org/drawingml/2006/main" xmlns:r="http://schemas.openxmlformats.org/officeDocument/2006/relationships" xmlns:p="http://schemas.openxmlformats.org/presentationml/2006/main">
   <p:cSld>
     <p:spTree>
@@ -23521,7 +24261,7 @@
 </p:sld>
 </file>
 
-<file path=ppt/slides/slide23.xml><?xml version="1.0" encoding="utf-8"?>
+<file path=ppt/slides/slide24.xml><?xml version="1.0" encoding="utf-8"?>
 <p:sld xmlns:a="http://schemas.openxmlformats.org/drawingml/2006/main" xmlns:r="http://schemas.openxmlformats.org/officeDocument/2006/relationships" xmlns:p="http://schemas.openxmlformats.org/presentationml/2006/main">
   <p:cSld>
     <p:spTree>
@@ -23919,7 +24659,7 @@
 </p:sld>
 </file>
 
-<file path=ppt/slides/slide24.xml><?xml version="1.0" encoding="utf-8"?>
+<file path=ppt/slides/slide25.xml><?xml version="1.0" encoding="utf-8"?>
 <p:sld xmlns:a="http://schemas.openxmlformats.org/drawingml/2006/main" xmlns:r="http://schemas.openxmlformats.org/officeDocument/2006/relationships" xmlns:p="http://schemas.openxmlformats.org/presentationml/2006/main">
   <p:cSld>
     <p:spTree>
@@ -24973,7 +25713,7 @@
 </p:sld>
 </file>
 
-<file path=ppt/slides/slide25.xml><?xml version="1.0" encoding="utf-8"?>
+<file path=ppt/slides/slide26.xml><?xml version="1.0" encoding="utf-8"?>
 <p:sld xmlns:a="http://schemas.openxmlformats.org/drawingml/2006/main" xmlns:r="http://schemas.openxmlformats.org/officeDocument/2006/relationships" xmlns:p="http://schemas.openxmlformats.org/presentationml/2006/main">
   <p:cSld>
     <p:spTree>

--- a/documentation/presentations/Large_number_of_small_cuts.pptx
+++ b/documentation/presentations/Large_number_of_small_cuts.pptx
@@ -30376,7 +30376,9 @@
             <a:r>
               <a:rPr lang="en-GB" sz="2000" dirty="0">
                 <a:solidFill>
-                  <a:srgbClr val="0066FF"/>
+                  <a:schemeClr val="accent2">
+                    <a:lumMod val="75000"/>
+                  </a:schemeClr>
                 </a:solidFill>
               </a:rPr>
               <a:t>Code testability</a:t>
@@ -30410,6 +30412,232 @@
           </a:p>
         </p:txBody>
       </p:sp>
+      <p:grpSp>
+        <p:nvGrpSpPr>
+          <p:cNvPr id="15" name="Group 14">
+            <a:extLst>
+              <a:ext uri="{FF2B5EF4-FFF2-40B4-BE49-F238E27FC236}">
+                <a16:creationId xmlns:a16="http://schemas.microsoft.com/office/drawing/2014/main" id="{AA5A4BF1-7A27-BF82-C494-DE6E5DD5BE0C}"/>
+              </a:ext>
+            </a:extLst>
+          </p:cNvPr>
+          <p:cNvGrpSpPr/>
+          <p:nvPr/>
+        </p:nvGrpSpPr>
+        <p:grpSpPr>
+          <a:xfrm>
+            <a:off x="10006552" y="2644219"/>
+            <a:ext cx="1695754" cy="356045"/>
+            <a:chOff x="10001839" y="1334207"/>
+            <a:chExt cx="1695754" cy="440575"/>
+          </a:xfrm>
+        </p:grpSpPr>
+        <p:sp>
+          <p:nvSpPr>
+            <p:cNvPr id="9" name="Arc 8">
+              <a:extLst>
+                <a:ext uri="{FF2B5EF4-FFF2-40B4-BE49-F238E27FC236}">
+                  <a16:creationId xmlns:a16="http://schemas.microsoft.com/office/drawing/2014/main" id="{597637AC-D50F-235A-8DEE-354312E57269}"/>
+                </a:ext>
+              </a:extLst>
+            </p:cNvPr>
+            <p:cNvSpPr/>
+            <p:nvPr/>
+          </p:nvSpPr>
+          <p:spPr>
+            <a:xfrm>
+              <a:off x="11269487" y="1334207"/>
+              <a:ext cx="428106" cy="440575"/>
+            </a:xfrm>
+            <a:prstGeom prst="arc">
+              <a:avLst>
+                <a:gd name="adj1" fmla="val 16312464"/>
+                <a:gd name="adj2" fmla="val 6198517"/>
+              </a:avLst>
+            </a:prstGeom>
+            <a:ln>
+              <a:headEnd type="none"/>
+              <a:tailEnd type="stealth"/>
+            </a:ln>
+          </p:spPr>
+          <p:style>
+            <a:lnRef idx="2">
+              <a:schemeClr val="accent1"/>
+            </a:lnRef>
+            <a:fillRef idx="0">
+              <a:schemeClr val="accent1"/>
+            </a:fillRef>
+            <a:effectRef idx="1">
+              <a:schemeClr val="accent1"/>
+            </a:effectRef>
+            <a:fontRef idx="minor">
+              <a:schemeClr val="tx1"/>
+            </a:fontRef>
+          </p:style>
+          <p:txBody>
+            <a:bodyPr rtlCol="0" anchor="ctr"/>
+            <a:lstStyle/>
+            <a:p>
+              <a:pPr algn="ctr"/>
+              <a:endParaRPr lang="en-GB" dirty="0"/>
+            </a:p>
+          </p:txBody>
+        </p:sp>
+        <p:cxnSp>
+          <p:nvCxnSpPr>
+            <p:cNvPr id="12" name="Straight Arrow Connector 11">
+              <a:extLst>
+                <a:ext uri="{FF2B5EF4-FFF2-40B4-BE49-F238E27FC236}">
+                  <a16:creationId xmlns:a16="http://schemas.microsoft.com/office/drawing/2014/main" id="{709C3D01-485A-0001-651B-287CADBF6FB6}"/>
+                </a:ext>
+              </a:extLst>
+            </p:cNvPr>
+            <p:cNvCxnSpPr>
+              <a:stCxn id="9" idx="0"/>
+            </p:cNvCxnSpPr>
+            <p:nvPr/>
+          </p:nvCxnSpPr>
+          <p:spPr>
+            <a:xfrm flipH="1" flipV="1">
+              <a:off x="10001839" y="1334207"/>
+              <a:ext cx="1488906" cy="125"/>
+            </a:xfrm>
+            <a:prstGeom prst="straightConnector1">
+              <a:avLst/>
+            </a:prstGeom>
+            <a:ln>
+              <a:tailEnd type="triangle"/>
+            </a:ln>
+          </p:spPr>
+          <p:style>
+            <a:lnRef idx="2">
+              <a:schemeClr val="accent1"/>
+            </a:lnRef>
+            <a:fillRef idx="0">
+              <a:schemeClr val="accent1"/>
+            </a:fillRef>
+            <a:effectRef idx="1">
+              <a:schemeClr val="accent1"/>
+            </a:effectRef>
+            <a:fontRef idx="minor">
+              <a:schemeClr val="tx1"/>
+            </a:fontRef>
+          </p:style>
+        </p:cxnSp>
+      </p:grpSp>
+      <p:grpSp>
+        <p:nvGrpSpPr>
+          <p:cNvPr id="16" name="Group 15">
+            <a:extLst>
+              <a:ext uri="{FF2B5EF4-FFF2-40B4-BE49-F238E27FC236}">
+                <a16:creationId xmlns:a16="http://schemas.microsoft.com/office/drawing/2014/main" id="{286366EF-393A-DE79-7217-16B586B92F08}"/>
+              </a:ext>
+            </a:extLst>
+          </p:cNvPr>
+          <p:cNvGrpSpPr/>
+          <p:nvPr/>
+        </p:nvGrpSpPr>
+        <p:grpSpPr>
+          <a:xfrm>
+            <a:off x="9503789" y="3856522"/>
+            <a:ext cx="1695754" cy="356045"/>
+            <a:chOff x="10001839" y="1334207"/>
+            <a:chExt cx="1695754" cy="440575"/>
+          </a:xfrm>
+        </p:grpSpPr>
+        <p:sp>
+          <p:nvSpPr>
+            <p:cNvPr id="17" name="Arc 16">
+              <a:extLst>
+                <a:ext uri="{FF2B5EF4-FFF2-40B4-BE49-F238E27FC236}">
+                  <a16:creationId xmlns:a16="http://schemas.microsoft.com/office/drawing/2014/main" id="{ACD48E07-CB47-C152-2E66-28131D1D09E7}"/>
+                </a:ext>
+              </a:extLst>
+            </p:cNvPr>
+            <p:cNvSpPr/>
+            <p:nvPr/>
+          </p:nvSpPr>
+          <p:spPr>
+            <a:xfrm>
+              <a:off x="11269487" y="1334207"/>
+              <a:ext cx="428106" cy="440575"/>
+            </a:xfrm>
+            <a:prstGeom prst="arc">
+              <a:avLst>
+                <a:gd name="adj1" fmla="val 16312464"/>
+                <a:gd name="adj2" fmla="val 6198517"/>
+              </a:avLst>
+            </a:prstGeom>
+            <a:ln>
+              <a:headEnd type="none"/>
+              <a:tailEnd type="stealth"/>
+            </a:ln>
+          </p:spPr>
+          <p:style>
+            <a:lnRef idx="2">
+              <a:schemeClr val="accent1"/>
+            </a:lnRef>
+            <a:fillRef idx="0">
+              <a:schemeClr val="accent1"/>
+            </a:fillRef>
+            <a:effectRef idx="1">
+              <a:schemeClr val="accent1"/>
+            </a:effectRef>
+            <a:fontRef idx="minor">
+              <a:schemeClr val="tx1"/>
+            </a:fontRef>
+          </p:style>
+          <p:txBody>
+            <a:bodyPr rtlCol="0" anchor="ctr"/>
+            <a:lstStyle/>
+            <a:p>
+              <a:pPr algn="ctr"/>
+              <a:endParaRPr lang="en-GB" dirty="0"/>
+            </a:p>
+          </p:txBody>
+        </p:sp>
+        <p:cxnSp>
+          <p:nvCxnSpPr>
+            <p:cNvPr id="18" name="Straight Arrow Connector 17">
+              <a:extLst>
+                <a:ext uri="{FF2B5EF4-FFF2-40B4-BE49-F238E27FC236}">
+                  <a16:creationId xmlns:a16="http://schemas.microsoft.com/office/drawing/2014/main" id="{1DD98726-AAD3-4F6E-A916-1E32099B98C9}"/>
+                </a:ext>
+              </a:extLst>
+            </p:cNvPr>
+            <p:cNvCxnSpPr>
+              <a:stCxn id="17" idx="0"/>
+            </p:cNvCxnSpPr>
+            <p:nvPr/>
+          </p:nvCxnSpPr>
+          <p:spPr>
+            <a:xfrm flipH="1" flipV="1">
+              <a:off x="10001839" y="1334207"/>
+              <a:ext cx="1488906" cy="125"/>
+            </a:xfrm>
+            <a:prstGeom prst="straightConnector1">
+              <a:avLst/>
+            </a:prstGeom>
+            <a:ln>
+              <a:tailEnd type="triangle"/>
+            </a:ln>
+          </p:spPr>
+          <p:style>
+            <a:lnRef idx="2">
+              <a:schemeClr val="accent1"/>
+            </a:lnRef>
+            <a:fillRef idx="0">
+              <a:schemeClr val="accent1"/>
+            </a:fillRef>
+            <a:effectRef idx="1">
+              <a:schemeClr val="accent1"/>
+            </a:effectRef>
+            <a:fontRef idx="minor">
+              <a:schemeClr val="tx1"/>
+            </a:fontRef>
+          </p:style>
+        </p:cxnSp>
+      </p:grpSp>
     </p:spTree>
     <p:extLst>
       <p:ext uri="{BB962C8B-B14F-4D97-AF65-F5344CB8AC3E}">
